--- a/Documento/Defensa TEG animaciones.pptx
+++ b/Documento/Defensa TEG animaciones.pptx
@@ -5,7 +5,7 @@
     <p:sldMasterId id="2147483648" r:id="rId1"/>
   </p:sldMasterIdLst>
   <p:notesMasterIdLst>
-    <p:notesMasterId r:id="rId24"/>
+    <p:notesMasterId r:id="rId25"/>
   </p:notesMasterIdLst>
   <p:sldIdLst>
     <p:sldId id="256" r:id="rId2"/>
@@ -19,17 +19,18 @@
     <p:sldId id="293" r:id="rId10"/>
     <p:sldId id="282" r:id="rId11"/>
     <p:sldId id="304" r:id="rId12"/>
-    <p:sldId id="262" r:id="rId13"/>
-    <p:sldId id="280" r:id="rId14"/>
-    <p:sldId id="306" r:id="rId15"/>
-    <p:sldId id="303" r:id="rId16"/>
-    <p:sldId id="305" r:id="rId17"/>
-    <p:sldId id="295" r:id="rId18"/>
-    <p:sldId id="300" r:id="rId19"/>
-    <p:sldId id="301" r:id="rId20"/>
-    <p:sldId id="294" r:id="rId21"/>
-    <p:sldId id="307" r:id="rId22"/>
-    <p:sldId id="285" r:id="rId23"/>
+    <p:sldId id="308" r:id="rId13"/>
+    <p:sldId id="262" r:id="rId14"/>
+    <p:sldId id="280" r:id="rId15"/>
+    <p:sldId id="306" r:id="rId16"/>
+    <p:sldId id="303" r:id="rId17"/>
+    <p:sldId id="305" r:id="rId18"/>
+    <p:sldId id="295" r:id="rId19"/>
+    <p:sldId id="300" r:id="rId20"/>
+    <p:sldId id="301" r:id="rId21"/>
+    <p:sldId id="294" r:id="rId22"/>
+    <p:sldId id="307" r:id="rId23"/>
+    <p:sldId id="285" r:id="rId24"/>
   </p:sldIdLst>
   <p:sldSz cx="9144000" cy="6858000" type="screen4x3"/>
   <p:notesSz cx="6858000" cy="9144000"/>
@@ -131,6 +132,245 @@
 </p:presentation>
 </file>
 
+<file path=ppt/charts/chart1.xml><?xml version="1.0" encoding="utf-8"?>
+<c:chartSpace xmlns:c="http://schemas.openxmlformats.org/drawingml/2006/chart" xmlns:a="http://schemas.openxmlformats.org/drawingml/2006/main" xmlns:r="http://schemas.openxmlformats.org/officeDocument/2006/relationships">
+  <c:date1904 val="1"/>
+  <c:lang val="es-VE"/>
+  <c:clrMapOvr bg1="lt1" tx1="dk1" bg2="lt2" tx2="dk2" accent1="accent1" accent2="accent2" accent3="accent3" accent4="accent4" accent5="accent5" accent6="accent6" hlink="hlink" folHlink="folHlink"/>
+  <c:chart>
+    <c:title>
+      <c:tx>
+        <c:rich>
+          <a:bodyPr/>
+          <a:lstStyle/>
+          <a:p>
+            <a:pPr>
+              <a:defRPr sz="1000"/>
+            </a:pPr>
+            <a:r>
+              <a:rPr lang="es-ES" sz="1000">
+                <a:solidFill>
+                  <a:srgbClr val="595959"/>
+                </a:solidFill>
+                <a:latin typeface="Calibri"/>
+              </a:rPr>
+              <a:t>Media de mensajes recibidos en pruebas</a:t>
+            </a:r>
+          </a:p>
+        </c:rich>
+      </c:tx>
+      <c:layout/>
+    </c:title>
+    <c:plotArea>
+      <c:layout/>
+      <c:scatterChart>
+        <c:scatterStyle val="lineMarker"/>
+        <c:ser>
+          <c:idx val="0"/>
+          <c:order val="0"/>
+          <c:spPr>
+            <a:ln w="19080">
+              <a:solidFill>
+                <a:srgbClr val="5B9BD5"/>
+              </a:solidFill>
+              <a:round/>
+            </a:ln>
+          </c:spPr>
+          <c:marker>
+            <c:symbol val="diamond"/>
+            <c:size val="4"/>
+          </c:marker>
+          <c:xVal>
+            <c:numRef>
+              <c:f>Hoja1!$A$3:$A$8</c:f>
+              <c:numCache>
+                <c:formatCode>General</c:formatCode>
+                <c:ptCount val="6"/>
+                <c:pt idx="0">
+                  <c:v>0</c:v>
+                </c:pt>
+                <c:pt idx="1">
+                  <c:v>1</c:v>
+                </c:pt>
+                <c:pt idx="2">
+                  <c:v>3</c:v>
+                </c:pt>
+                <c:pt idx="3">
+                  <c:v>5</c:v>
+                </c:pt>
+                <c:pt idx="4">
+                  <c:v>7</c:v>
+                </c:pt>
+                <c:pt idx="5">
+                  <c:v>10</c:v>
+                </c:pt>
+              </c:numCache>
+            </c:numRef>
+          </c:xVal>
+          <c:yVal>
+            <c:numRef>
+              <c:f>Hoja1!$F$3:$F$8</c:f>
+              <c:numCache>
+                <c:formatCode>General</c:formatCode>
+                <c:ptCount val="6"/>
+                <c:pt idx="0">
+                  <c:v>100</c:v>
+                </c:pt>
+                <c:pt idx="1">
+                  <c:v>99.833333333333258</c:v>
+                </c:pt>
+                <c:pt idx="2">
+                  <c:v>99.666666666666686</c:v>
+                </c:pt>
+                <c:pt idx="3">
+                  <c:v>98.5</c:v>
+                </c:pt>
+                <c:pt idx="4">
+                  <c:v>94.333333333333258</c:v>
+                </c:pt>
+                <c:pt idx="5">
+                  <c:v>89.833333333333258</c:v>
+                </c:pt>
+              </c:numCache>
+            </c:numRef>
+          </c:yVal>
+        </c:ser>
+        <c:axId val="123566336"/>
+        <c:axId val="123486592"/>
+      </c:scatterChart>
+      <c:valAx>
+        <c:axId val="123566336"/>
+        <c:scaling>
+          <c:orientation val="minMax"/>
+        </c:scaling>
+        <c:axPos val="b"/>
+        <c:majorGridlines>
+          <c:spPr>
+            <a:ln w="9360">
+              <a:solidFill>
+                <a:srgbClr val="D9D9D9"/>
+              </a:solidFill>
+              <a:round/>
+            </a:ln>
+          </c:spPr>
+        </c:majorGridlines>
+        <c:title>
+          <c:tx>
+            <c:rich>
+              <a:bodyPr/>
+              <a:lstStyle/>
+              <a:p>
+                <a:pPr>
+                  <a:defRPr sz="800"/>
+                </a:pPr>
+                <a:r>
+                  <a:rPr lang="es-ES" sz="800">
+                    <a:solidFill>
+                      <a:srgbClr val="595959"/>
+                    </a:solidFill>
+                    <a:latin typeface="Calibri"/>
+                  </a:rPr>
+                  <a:t>Distancia en metros entre los modulos</a:t>
+                </a:r>
+              </a:p>
+            </c:rich>
+          </c:tx>
+          <c:layout/>
+        </c:title>
+        <c:numFmt formatCode="General" sourceLinked="1"/>
+        <c:majorTickMark val="none"/>
+        <c:tickLblPos val="nextTo"/>
+        <c:spPr>
+          <a:ln w="9360">
+            <a:solidFill>
+              <a:srgbClr val="BFBFBF"/>
+            </a:solidFill>
+            <a:round/>
+          </a:ln>
+        </c:spPr>
+        <c:crossAx val="123486592"/>
+        <c:crossesAt val="0"/>
+        <c:crossBetween val="midCat"/>
+      </c:valAx>
+      <c:valAx>
+        <c:axId val="123486592"/>
+        <c:scaling>
+          <c:orientation val="minMax"/>
+          <c:max val="100"/>
+        </c:scaling>
+        <c:axPos val="l"/>
+        <c:majorGridlines>
+          <c:spPr>
+            <a:ln w="9360">
+              <a:solidFill>
+                <a:srgbClr val="D9D9D9"/>
+              </a:solidFill>
+              <a:round/>
+            </a:ln>
+          </c:spPr>
+        </c:majorGridlines>
+        <c:title>
+          <c:tx>
+            <c:rich>
+              <a:bodyPr/>
+              <a:lstStyle/>
+              <a:p>
+                <a:pPr>
+                  <a:defRPr sz="800"/>
+                </a:pPr>
+                <a:r>
+                  <a:rPr lang="es-ES" sz="800">
+                    <a:solidFill>
+                      <a:srgbClr val="595959"/>
+                    </a:solidFill>
+                    <a:latin typeface="Calibri"/>
+                  </a:rPr>
+                  <a:t>Tasa de mensajes recibidos</a:t>
+                </a:r>
+              </a:p>
+            </c:rich>
+          </c:tx>
+          <c:layout/>
+        </c:title>
+        <c:numFmt formatCode="General" sourceLinked="1"/>
+        <c:majorTickMark val="none"/>
+        <c:tickLblPos val="nextTo"/>
+        <c:spPr>
+          <a:ln w="9360">
+            <a:solidFill>
+              <a:srgbClr val="BFBFBF"/>
+            </a:solidFill>
+            <a:round/>
+          </a:ln>
+        </c:spPr>
+        <c:crossAx val="123566336"/>
+        <c:crossesAt val="0"/>
+        <c:crossBetween val="midCat"/>
+      </c:valAx>
+      <c:spPr>
+        <a:noFill/>
+        <a:ln>
+          <a:noFill/>
+        </a:ln>
+      </c:spPr>
+    </c:plotArea>
+    <c:plotVisOnly val="1"/>
+  </c:chart>
+  <c:spPr>
+    <a:solidFill>
+      <a:srgbClr val="FFFFFF"/>
+    </a:solidFill>
+    <a:ln w="9360">
+      <a:solidFill>
+        <a:srgbClr val="D9D9D9"/>
+      </a:solidFill>
+      <a:round/>
+    </a:ln>
+  </c:spPr>
+  <c:externalData r:id="rId2"/>
+</c:chartSpace>
+</file>
+
 <file path=ppt/notesMasters/notesMaster1.xml><?xml version="1.0" encoding="utf-8"?>
 <p:notesMaster xmlns:a="http://schemas.openxmlformats.org/drawingml/2006/main" xmlns:r="http://schemas.openxmlformats.org/officeDocument/2006/relationships" xmlns:p="http://schemas.openxmlformats.org/presentationml/2006/main">
   <p:cSld>
@@ -385,7 +625,7 @@
     </p:spTree>
     <p:extLst>
       <p:ext uri="{BB962C8B-B14F-4D97-AF65-F5344CB8AC3E}">
-        <p14:creationId xmlns="" xmlns:p14="http://schemas.microsoft.com/office/powerpoint/2010/main" val="2929960866"/>
+        <p14:creationId xmlns:p14="http://schemas.microsoft.com/office/powerpoint/2010/main" xmlns="" val="2929960866"/>
       </p:ext>
     </p:extLst>
   </p:cSld>
@@ -4568,16 +4808,13 @@
             <a:pPr lvl="1"/>
             <a:r>
               <a:rPr lang="es-VE" dirty="0" smtClean="0"/>
-              <a:t>Algoritmos de estimación de posición y velocidad angular.</a:t>
-            </a:r>
-          </a:p>
-          <a:p>
-            <a:pPr lvl="1"/>
+              <a:t>Algoritmos de estimación de posición y velocidad angular</a:t>
+            </a:r>
             <a:r>
               <a:rPr lang="es-VE" dirty="0" smtClean="0"/>
-              <a:t>Algoritmos de estimación de posición y velocidad lineal en el eje z (altura y tasa de cambio de altura)</a:t>
-            </a:r>
-            <a:endParaRPr lang="es-VE" dirty="0"/>
+              <a:t>.</a:t>
+            </a:r>
+            <a:endParaRPr lang="es-VE" dirty="0" smtClean="0"/>
           </a:p>
         </p:txBody>
       </p:sp>
@@ -4726,6 +4963,66 @@
           </a:p>
         </p:txBody>
       </p:sp>
+      <p:pic>
+        <p:nvPicPr>
+          <p:cNvPr id="10" name="9 Imagen"/>
+          <p:cNvPicPr/>
+          <p:nvPr/>
+        </p:nvPicPr>
+        <p:blipFill>
+          <a:blip r:embed="rId4" cstate="print"/>
+          <a:srcRect l="7298" t="9668" r="4924" b="5438"/>
+          <a:stretch>
+            <a:fillRect/>
+          </a:stretch>
+        </p:blipFill>
+        <p:spPr bwMode="auto">
+          <a:xfrm>
+            <a:off x="838200" y="3352800"/>
+            <a:ext cx="3657600" cy="2362200"/>
+          </a:xfrm>
+          <a:prstGeom prst="rect">
+            <a:avLst/>
+          </a:prstGeom>
+          <a:noFill/>
+          <a:ln w="9525">
+            <a:noFill/>
+            <a:miter lim="800000"/>
+            <a:headEnd/>
+            <a:tailEnd/>
+          </a:ln>
+        </p:spPr>
+      </p:pic>
+      <p:pic>
+        <p:nvPicPr>
+          <p:cNvPr id="11" name="10 Imagen"/>
+          <p:cNvPicPr/>
+          <p:nvPr/>
+        </p:nvPicPr>
+        <p:blipFill>
+          <a:blip r:embed="rId5" cstate="print"/>
+          <a:srcRect l="7298" t="9668" r="4924" b="5136"/>
+          <a:stretch>
+            <a:fillRect/>
+          </a:stretch>
+        </p:blipFill>
+        <p:spPr bwMode="auto">
+          <a:xfrm>
+            <a:off x="4648200" y="3352800"/>
+            <a:ext cx="4124325" cy="2346614"/>
+          </a:xfrm>
+          <a:prstGeom prst="rect">
+            <a:avLst/>
+          </a:prstGeom>
+          <a:noFill/>
+          <a:ln w="9525">
+            <a:noFill/>
+            <a:miter lim="800000"/>
+            <a:headEnd/>
+            <a:tailEnd/>
+          </a:ln>
+        </p:spPr>
+      </p:pic>
     </p:spTree>
   </p:cSld>
   <p:clrMapOvr>
@@ -4856,67 +5153,6 @@
                       </p:childTnLst>
                     </p:cTn>
                   </p:par>
-                  <p:par>
-                    <p:cTn id="12" fill="hold">
-                      <p:stCondLst>
-                        <p:cond delay="indefinite"/>
-                      </p:stCondLst>
-                      <p:childTnLst>
-                        <p:par>
-                          <p:cTn id="13" fill="hold">
-                            <p:stCondLst>
-                              <p:cond delay="0"/>
-                            </p:stCondLst>
-                            <p:childTnLst>
-                              <p:par>
-                                <p:cTn id="14" presetID="10" presetClass="entr" presetSubtype="0" fill="hold" grpId="0" nodeType="clickEffect">
-                                  <p:stCondLst>
-                                    <p:cond delay="0"/>
-                                  </p:stCondLst>
-                                  <p:childTnLst>
-                                    <p:set>
-                                      <p:cBhvr>
-                                        <p:cTn id="15" dur="1" fill="hold">
-                                          <p:stCondLst>
-                                            <p:cond delay="0"/>
-                                          </p:stCondLst>
-                                        </p:cTn>
-                                        <p:tgtEl>
-                                          <p:spTgt spid="3">
-                                            <p:txEl>
-                                              <p:pRg st="2" end="2"/>
-                                            </p:txEl>
-                                          </p:spTgt>
-                                        </p:tgtEl>
-                                        <p:attrNameLst>
-                                          <p:attrName>style.visibility</p:attrName>
-                                        </p:attrNameLst>
-                                      </p:cBhvr>
-                                      <p:to>
-                                        <p:strVal val="visible"/>
-                                      </p:to>
-                                    </p:set>
-                                    <p:animEffect transition="in" filter="fade">
-                                      <p:cBhvr>
-                                        <p:cTn id="16" dur="500"/>
-                                        <p:tgtEl>
-                                          <p:spTgt spid="3">
-                                            <p:txEl>
-                                              <p:pRg st="2" end="2"/>
-                                            </p:txEl>
-                                          </p:spTgt>
-                                        </p:tgtEl>
-                                      </p:cBhvr>
-                                    </p:animEffect>
-                                  </p:childTnLst>
-                                </p:cTn>
-                              </p:par>
-                            </p:childTnLst>
-                          </p:cTn>
-                        </p:par>
-                      </p:childTnLst>
-                    </p:cTn>
-                  </p:par>
                 </p:childTnLst>
               </p:cTn>
               <p:prevCondLst>
@@ -5031,8 +5267,9 @@
           <a:p>
             <a:r>
               <a:rPr lang="es-VE" dirty="0" smtClean="0"/>
-              <a:t>Interfaces de comando remoto y telemetría</a:t>
-            </a:r>
+              <a:t>Diseño e implementación del cuadricóptero</a:t>
+            </a:r>
+            <a:endParaRPr lang="es-VE" dirty="0"/>
           </a:p>
         </p:txBody>
       </p:sp>
@@ -5054,87 +5291,26 @@
         </p:spPr>
         <p:txBody>
           <a:bodyPr>
-            <a:normAutofit/>
+            <a:noAutofit/>
           </a:bodyPr>
           <a:lstStyle/>
           <a:p>
             <a:r>
               <a:rPr lang="es-VE" sz="2800" dirty="0" smtClean="0"/>
-              <a:t>Módulos utilizados y configuración.</a:t>
-            </a:r>
-          </a:p>
-          <a:p>
-            <a:r>
-              <a:rPr lang="es-VE" sz="2800" dirty="0" smtClean="0"/>
-              <a:t>Codificación y estructura de los paquetes.</a:t>
-            </a:r>
-          </a:p>
-          <a:p>
-            <a:r>
-              <a:rPr lang="es-VE" sz="2800" dirty="0" smtClean="0"/>
-              <a:t>Mensajes </a:t>
-            </a:r>
-          </a:p>
-          <a:p>
-            <a:pPr marL="914400" lvl="1" indent="-457200">
-              <a:buFont typeface="+mj-lt"/>
-              <a:buAutoNum type="arabicPeriod"/>
-            </a:pPr>
-            <a:r>
-              <a:rPr lang="es-VE" sz="2400" dirty="0" smtClean="0"/>
-              <a:t>Encendido</a:t>
-            </a:r>
-          </a:p>
-          <a:p>
-            <a:pPr marL="914400" lvl="1" indent="-457200">
-              <a:buFont typeface="+mj-lt"/>
-              <a:buAutoNum type="arabicPeriod"/>
-            </a:pPr>
-            <a:r>
-              <a:rPr lang="es-VE" sz="2400" dirty="0" smtClean="0"/>
-              <a:t>Estado</a:t>
-            </a:r>
-          </a:p>
-          <a:p>
-            <a:pPr marL="914400" lvl="1" indent="-457200">
-              <a:buFont typeface="+mj-lt"/>
-              <a:buAutoNum type="arabicPeriod"/>
-            </a:pPr>
-            <a:r>
-              <a:rPr lang="es-VE" sz="2400" dirty="0" smtClean="0"/>
-              <a:t>Telemetría total</a:t>
-            </a:r>
-          </a:p>
-          <a:p>
-            <a:pPr marL="914400" lvl="1" indent="-457200">
-              <a:buFont typeface="+mj-lt"/>
-              <a:buAutoNum type="arabicPeriod"/>
-            </a:pPr>
-            <a:r>
-              <a:rPr lang="es-VE" sz="2400" dirty="0" smtClean="0"/>
-              <a:t>Comando de movimiento </a:t>
-            </a:r>
-          </a:p>
-          <a:p>
-            <a:pPr marL="914400" lvl="1" indent="-457200">
-              <a:buFont typeface="+mj-lt"/>
-              <a:buAutoNum type="arabicPeriod"/>
-            </a:pPr>
-            <a:r>
-              <a:rPr lang="es-VE" sz="2400" dirty="0" err="1" smtClean="0"/>
-              <a:t>Acknowledge</a:t>
-            </a:r>
-            <a:r>
-              <a:rPr lang="es-VE" sz="2400" dirty="0" smtClean="0"/>
-              <a:t> o acuse de recibo</a:t>
-            </a:r>
-          </a:p>
-          <a:p>
-            <a:r>
-              <a:rPr lang="es-VE" sz="2800" dirty="0" smtClean="0"/>
-              <a:t>Rendimiento obtenido.</a:t>
-            </a:r>
-            <a:endParaRPr lang="es-VE" sz="2800" dirty="0"/>
+              <a:t>Instrumentación.</a:t>
+            </a:r>
+          </a:p>
+          <a:p>
+            <a:pPr lvl="1"/>
+            <a:r>
+              <a:rPr lang="es-VE" dirty="0" smtClean="0"/>
+              <a:t>Algoritmos </a:t>
+            </a:r>
+            <a:r>
+              <a:rPr lang="es-VE" dirty="0" smtClean="0"/>
+              <a:t>de estimación de posición y velocidad lineal en el eje z (altura y tasa de cambio de altura)</a:t>
+            </a:r>
+            <a:endParaRPr lang="es-VE" dirty="0"/>
           </a:p>
         </p:txBody>
       </p:sp>
@@ -5283,6 +5459,626 @@
           </a:p>
         </p:txBody>
       </p:sp>
+      <p:pic>
+        <p:nvPicPr>
+          <p:cNvPr id="12" name="1 Imagen" descr="FiltradoSensorUltrasonicoDistancia.png"/>
+          <p:cNvPicPr/>
+          <p:nvPr/>
+        </p:nvPicPr>
+        <p:blipFill>
+          <a:blip r:embed="rId4" cstate="print"/>
+          <a:srcRect l="6487" r="4272"/>
+          <a:stretch>
+            <a:fillRect/>
+          </a:stretch>
+        </p:blipFill>
+        <p:spPr>
+          <a:xfrm>
+            <a:off x="762000" y="3429000"/>
+            <a:ext cx="2971800" cy="1371600"/>
+          </a:xfrm>
+          <a:prstGeom prst="rect">
+            <a:avLst/>
+          </a:prstGeom>
+        </p:spPr>
+      </p:pic>
+      <p:pic>
+        <p:nvPicPr>
+          <p:cNvPr id="13" name="7 Imagen" descr="RespuestaFrecuenciaSensorUltrasonicoDistanciaFiltrado.png"/>
+          <p:cNvPicPr/>
+          <p:nvPr/>
+        </p:nvPicPr>
+        <p:blipFill>
+          <a:blip r:embed="rId5" cstate="print"/>
+          <a:srcRect l="6449" r="3259"/>
+          <a:stretch>
+            <a:fillRect/>
+          </a:stretch>
+        </p:blipFill>
+        <p:spPr>
+          <a:xfrm>
+            <a:off x="838200" y="4800600"/>
+            <a:ext cx="2895600" cy="1371600"/>
+          </a:xfrm>
+          <a:prstGeom prst="rect">
+            <a:avLst/>
+          </a:prstGeom>
+        </p:spPr>
+      </p:pic>
+      <p:pic>
+        <p:nvPicPr>
+          <p:cNvPr id="14" name="8 Imagen" descr="EstimacionVelocidadZ.png"/>
+          <p:cNvPicPr/>
+          <p:nvPr/>
+        </p:nvPicPr>
+        <p:blipFill>
+          <a:blip r:embed="rId6" cstate="print"/>
+          <a:srcRect l="7807" r="5126"/>
+          <a:stretch>
+            <a:fillRect/>
+          </a:stretch>
+        </p:blipFill>
+        <p:spPr>
+          <a:xfrm>
+            <a:off x="4267200" y="3429000"/>
+            <a:ext cx="3581400" cy="2819400"/>
+          </a:xfrm>
+          <a:prstGeom prst="rect">
+            <a:avLst/>
+          </a:prstGeom>
+        </p:spPr>
+      </p:pic>
+    </p:spTree>
+  </p:cSld>
+  <p:clrMapOvr>
+    <a:masterClrMapping/>
+  </p:clrMapOvr>
+  <p:transition spd="slow"/>
+  <p:timing>
+    <p:tnLst>
+      <p:par>
+        <p:cTn id="1" dur="indefinite" restart="never" nodeType="tmRoot">
+          <p:childTnLst>
+            <p:seq concurrent="1" nextAc="seek">
+              <p:cTn id="2" dur="indefinite" nodeType="mainSeq">
+                <p:childTnLst>
+                  <p:par>
+                    <p:cTn id="3" fill="hold">
+                      <p:stCondLst>
+                        <p:cond delay="indefinite"/>
+                        <p:cond evt="onBegin" delay="0">
+                          <p:tn val="2"/>
+                        </p:cond>
+                      </p:stCondLst>
+                      <p:childTnLst>
+                        <p:par>
+                          <p:cTn id="4" fill="hold">
+                            <p:stCondLst>
+                              <p:cond delay="0"/>
+                            </p:stCondLst>
+                            <p:childTnLst>
+                              <p:par>
+                                <p:cTn id="5" presetID="10" presetClass="entr" presetSubtype="0" fill="hold" grpId="0" nodeType="afterEffect">
+                                  <p:stCondLst>
+                                    <p:cond delay="0"/>
+                                  </p:stCondLst>
+                                  <p:childTnLst>
+                                    <p:set>
+                                      <p:cBhvr>
+                                        <p:cTn id="6" dur="1" fill="hold">
+                                          <p:stCondLst>
+                                            <p:cond delay="0"/>
+                                          </p:stCondLst>
+                                        </p:cTn>
+                                        <p:tgtEl>
+                                          <p:spTgt spid="3">
+                                            <p:txEl>
+                                              <p:pRg st="0" end="0"/>
+                                            </p:txEl>
+                                          </p:spTgt>
+                                        </p:tgtEl>
+                                        <p:attrNameLst>
+                                          <p:attrName>style.visibility</p:attrName>
+                                        </p:attrNameLst>
+                                      </p:cBhvr>
+                                      <p:to>
+                                        <p:strVal val="visible"/>
+                                      </p:to>
+                                    </p:set>
+                                    <p:animEffect transition="in" filter="fade">
+                                      <p:cBhvr>
+                                        <p:cTn id="7" dur="500"/>
+                                        <p:tgtEl>
+                                          <p:spTgt spid="3">
+                                            <p:txEl>
+                                              <p:pRg st="0" end="0"/>
+                                            </p:txEl>
+                                          </p:spTgt>
+                                        </p:tgtEl>
+                                      </p:cBhvr>
+                                    </p:animEffect>
+                                  </p:childTnLst>
+                                </p:cTn>
+                              </p:par>
+                            </p:childTnLst>
+                          </p:cTn>
+                        </p:par>
+                      </p:childTnLst>
+                    </p:cTn>
+                  </p:par>
+                  <p:par>
+                    <p:cTn id="8" fill="hold">
+                      <p:stCondLst>
+                        <p:cond delay="indefinite"/>
+                      </p:stCondLst>
+                      <p:childTnLst>
+                        <p:par>
+                          <p:cTn id="9" fill="hold">
+                            <p:stCondLst>
+                              <p:cond delay="0"/>
+                            </p:stCondLst>
+                            <p:childTnLst>
+                              <p:par>
+                                <p:cTn id="10" presetID="10" presetClass="entr" presetSubtype="0" fill="hold" grpId="0" nodeType="clickEffect">
+                                  <p:stCondLst>
+                                    <p:cond delay="0"/>
+                                  </p:stCondLst>
+                                  <p:childTnLst>
+                                    <p:set>
+                                      <p:cBhvr>
+                                        <p:cTn id="11" dur="1" fill="hold">
+                                          <p:stCondLst>
+                                            <p:cond delay="0"/>
+                                          </p:stCondLst>
+                                        </p:cTn>
+                                        <p:tgtEl>
+                                          <p:spTgt spid="3">
+                                            <p:txEl>
+                                              <p:pRg st="1" end="1"/>
+                                            </p:txEl>
+                                          </p:spTgt>
+                                        </p:tgtEl>
+                                        <p:attrNameLst>
+                                          <p:attrName>style.visibility</p:attrName>
+                                        </p:attrNameLst>
+                                      </p:cBhvr>
+                                      <p:to>
+                                        <p:strVal val="visible"/>
+                                      </p:to>
+                                    </p:set>
+                                    <p:animEffect transition="in" filter="fade">
+                                      <p:cBhvr>
+                                        <p:cTn id="12" dur="500"/>
+                                        <p:tgtEl>
+                                          <p:spTgt spid="3">
+                                            <p:txEl>
+                                              <p:pRg st="1" end="1"/>
+                                            </p:txEl>
+                                          </p:spTgt>
+                                        </p:tgtEl>
+                                      </p:cBhvr>
+                                    </p:animEffect>
+                                  </p:childTnLst>
+                                </p:cTn>
+                              </p:par>
+                            </p:childTnLst>
+                          </p:cTn>
+                        </p:par>
+                      </p:childTnLst>
+                    </p:cTn>
+                  </p:par>
+                </p:childTnLst>
+              </p:cTn>
+              <p:prevCondLst>
+                <p:cond evt="onPrev" delay="0">
+                  <p:tgtEl>
+                    <p:sldTgt/>
+                  </p:tgtEl>
+                </p:cond>
+              </p:prevCondLst>
+              <p:nextCondLst>
+                <p:cond evt="onNext" delay="0">
+                  <p:tgtEl>
+                    <p:sldTgt/>
+                  </p:tgtEl>
+                </p:cond>
+              </p:nextCondLst>
+            </p:seq>
+          </p:childTnLst>
+        </p:cTn>
+      </p:par>
+    </p:tnLst>
+    <p:bldLst>
+      <p:bldP spid="3" grpId="0" build="p"/>
+    </p:bldLst>
+  </p:timing>
+</p:sld>
+</file>
+
+<file path=ppt/slides/slide13.xml><?xml version="1.0" encoding="utf-8"?>
+<p:sld xmlns:a="http://schemas.openxmlformats.org/drawingml/2006/main" xmlns:r="http://schemas.openxmlformats.org/officeDocument/2006/relationships" xmlns:p="http://schemas.openxmlformats.org/presentationml/2006/main">
+  <p:cSld>
+    <p:spTree>
+      <p:nvGrpSpPr>
+        <p:cNvPr id="1" name=""/>
+        <p:cNvGrpSpPr/>
+        <p:nvPr/>
+      </p:nvGrpSpPr>
+      <p:grpSpPr>
+        <a:xfrm>
+          <a:off x="0" y="0"/>
+          <a:ext cx="0" cy="0"/>
+          <a:chOff x="0" y="0"/>
+          <a:chExt cx="0" cy="0"/>
+        </a:xfrm>
+      </p:grpSpPr>
+      <p:sp>
+        <p:nvSpPr>
+          <p:cNvPr id="6" name="5 Rectángulo"/>
+          <p:cNvSpPr/>
+          <p:nvPr/>
+        </p:nvSpPr>
+        <p:spPr>
+          <a:xfrm>
+            <a:off x="0" y="228600"/>
+            <a:ext cx="9144000" cy="1219200"/>
+          </a:xfrm>
+          <a:prstGeom prst="rect">
+            <a:avLst/>
+          </a:prstGeom>
+          <a:solidFill>
+            <a:schemeClr val="tx2">
+              <a:lumMod val="40000"/>
+              <a:lumOff val="60000"/>
+              <a:alpha val="68000"/>
+            </a:schemeClr>
+          </a:solidFill>
+          <a:ln w="0">
+            <a:noFill/>
+          </a:ln>
+        </p:spPr>
+        <p:style>
+          <a:lnRef idx="2">
+            <a:schemeClr val="accent1">
+              <a:shade val="50000"/>
+            </a:schemeClr>
+          </a:lnRef>
+          <a:fillRef idx="1">
+            <a:schemeClr val="accent1"/>
+          </a:fillRef>
+          <a:effectRef idx="0">
+            <a:schemeClr val="accent1"/>
+          </a:effectRef>
+          <a:fontRef idx="minor">
+            <a:schemeClr val="lt1"/>
+          </a:fontRef>
+        </p:style>
+        <p:txBody>
+          <a:bodyPr rtlCol="0" anchor="ctr"/>
+          <a:lstStyle/>
+          <a:p>
+            <a:pPr algn="ctr"/>
+            <a:endParaRPr lang="es-VE"/>
+          </a:p>
+        </p:txBody>
+      </p:sp>
+      <p:sp>
+        <p:nvSpPr>
+          <p:cNvPr id="2" name="1 Título"/>
+          <p:cNvSpPr>
+            <a:spLocks noGrp="1"/>
+          </p:cNvSpPr>
+          <p:nvPr>
+            <p:ph type="title"/>
+          </p:nvPr>
+        </p:nvSpPr>
+        <p:spPr/>
+        <p:txBody>
+          <a:bodyPr>
+            <a:normAutofit fontScale="90000"/>
+          </a:bodyPr>
+          <a:lstStyle/>
+          <a:p>
+            <a:r>
+              <a:rPr lang="es-VE" dirty="0" smtClean="0"/>
+              <a:t>Interfaces de comando remoto y telemetría</a:t>
+            </a:r>
+          </a:p>
+        </p:txBody>
+      </p:sp>
+      <p:sp>
+        <p:nvSpPr>
+          <p:cNvPr id="3" name="2 Marcador de contenido"/>
+          <p:cNvSpPr>
+            <a:spLocks noGrp="1"/>
+          </p:cNvSpPr>
+          <p:nvPr>
+            <p:ph idx="1"/>
+          </p:nvPr>
+        </p:nvSpPr>
+        <p:spPr>
+          <a:xfrm>
+            <a:off x="457200" y="1600201"/>
+            <a:ext cx="8229600" cy="4419600"/>
+          </a:xfrm>
+        </p:spPr>
+        <p:txBody>
+          <a:bodyPr>
+            <a:normAutofit/>
+          </a:bodyPr>
+          <a:lstStyle/>
+          <a:p>
+            <a:r>
+              <a:rPr lang="es-VE" sz="2800" dirty="0" smtClean="0"/>
+              <a:t>Módulos utilizados y configuración.</a:t>
+            </a:r>
+          </a:p>
+          <a:p>
+            <a:r>
+              <a:rPr lang="es-VE" sz="2800" dirty="0" smtClean="0"/>
+              <a:t>Codificación y estructura de los paquetes.</a:t>
+            </a:r>
+          </a:p>
+          <a:p>
+            <a:r>
+              <a:rPr lang="es-VE" sz="2800" dirty="0" smtClean="0"/>
+              <a:t>Mensajes </a:t>
+            </a:r>
+          </a:p>
+          <a:p>
+            <a:pPr marL="914400" lvl="1" indent="-457200">
+              <a:buFont typeface="+mj-lt"/>
+              <a:buAutoNum type="arabicPeriod"/>
+            </a:pPr>
+            <a:r>
+              <a:rPr lang="es-VE" sz="2400" dirty="0" smtClean="0"/>
+              <a:t>Encendido</a:t>
+            </a:r>
+          </a:p>
+          <a:p>
+            <a:pPr marL="914400" lvl="1" indent="-457200">
+              <a:buFont typeface="+mj-lt"/>
+              <a:buAutoNum type="arabicPeriod"/>
+            </a:pPr>
+            <a:r>
+              <a:rPr lang="es-VE" sz="2400" dirty="0" smtClean="0"/>
+              <a:t>Estado</a:t>
+            </a:r>
+          </a:p>
+          <a:p>
+            <a:pPr marL="914400" lvl="1" indent="-457200">
+              <a:buFont typeface="+mj-lt"/>
+              <a:buAutoNum type="arabicPeriod"/>
+            </a:pPr>
+            <a:r>
+              <a:rPr lang="es-VE" sz="2400" dirty="0" smtClean="0"/>
+              <a:t>Telemetría total</a:t>
+            </a:r>
+          </a:p>
+          <a:p>
+            <a:pPr marL="914400" lvl="1" indent="-457200">
+              <a:buFont typeface="+mj-lt"/>
+              <a:buAutoNum type="arabicPeriod"/>
+            </a:pPr>
+            <a:r>
+              <a:rPr lang="es-VE" sz="2400" dirty="0" smtClean="0"/>
+              <a:t>Comando de movimiento </a:t>
+            </a:r>
+          </a:p>
+          <a:p>
+            <a:pPr marL="914400" lvl="1" indent="-457200">
+              <a:buFont typeface="+mj-lt"/>
+              <a:buAutoNum type="arabicPeriod"/>
+            </a:pPr>
+            <a:r>
+              <a:rPr lang="es-VE" sz="2400" dirty="0" err="1" smtClean="0"/>
+              <a:t>Acknowledge</a:t>
+            </a:r>
+            <a:r>
+              <a:rPr lang="es-VE" sz="2400" dirty="0" smtClean="0"/>
+              <a:t> o acuse de recibo</a:t>
+            </a:r>
+          </a:p>
+          <a:p>
+            <a:r>
+              <a:rPr lang="es-VE" sz="2800" dirty="0" smtClean="0"/>
+              <a:t>Rendimiento obtenido.</a:t>
+            </a:r>
+            <a:endParaRPr lang="es-VE" sz="2800" dirty="0"/>
+          </a:p>
+        </p:txBody>
+      </p:sp>
+      <p:pic>
+        <p:nvPicPr>
+          <p:cNvPr id="4" name="Picture 2" descr="http://runrun.es/wp-content/uploads/2013/03/logo-ucab.jpg"/>
+          <p:cNvPicPr>
+            <a:picLocks noChangeAspect="1" noChangeArrowheads="1"/>
+          </p:cNvPicPr>
+          <p:nvPr/>
+        </p:nvPicPr>
+        <p:blipFill>
+          <a:blip r:embed="rId2" cstate="print"/>
+          <a:srcRect/>
+          <a:stretch>
+            <a:fillRect/>
+          </a:stretch>
+        </p:blipFill>
+        <p:spPr bwMode="auto">
+          <a:xfrm>
+            <a:off x="7249885" y="6481673"/>
+            <a:ext cx="1817915" cy="376327"/>
+          </a:xfrm>
+          <a:prstGeom prst="rect">
+            <a:avLst/>
+          </a:prstGeom>
+          <a:noFill/>
+        </p:spPr>
+      </p:pic>
+      <p:sp>
+        <p:nvSpPr>
+          <p:cNvPr id="5" name="4 CuadroTexto"/>
+          <p:cNvSpPr txBox="1"/>
+          <p:nvPr/>
+        </p:nvSpPr>
+        <p:spPr>
+          <a:xfrm>
+            <a:off x="0" y="6488668"/>
+            <a:ext cx="1577676" cy="369332"/>
+          </a:xfrm>
+          <a:prstGeom prst="rect">
+            <a:avLst/>
+          </a:prstGeom>
+          <a:noFill/>
+        </p:spPr>
+        <p:txBody>
+          <a:bodyPr wrap="none" rtlCol="0">
+            <a:spAutoFit/>
+          </a:bodyPr>
+          <a:lstStyle/>
+          <a:p>
+            <a:r>
+              <a:rPr lang="es-VE" sz="900" dirty="0" smtClean="0"/>
+              <a:t>Luis Felipe </a:t>
+            </a:r>
+            <a:r>
+              <a:rPr lang="es-VE" sz="900" dirty="0" err="1" smtClean="0"/>
+              <a:t>Vicens</a:t>
+            </a:r>
+            <a:r>
+              <a:rPr lang="es-VE" sz="900" dirty="0" smtClean="0"/>
+              <a:t> </a:t>
+            </a:r>
+            <a:r>
+              <a:rPr lang="es-VE" sz="900" dirty="0" err="1" smtClean="0"/>
+              <a:t>Gonzalez</a:t>
+            </a:r>
+            <a:endParaRPr lang="es-VE" sz="900" dirty="0" smtClean="0"/>
+          </a:p>
+          <a:p>
+            <a:r>
+              <a:rPr lang="es-VE" sz="900" dirty="0" err="1" smtClean="0"/>
+              <a:t>Yoshua</a:t>
+            </a:r>
+            <a:r>
+              <a:rPr lang="es-VE" sz="900" dirty="0" smtClean="0"/>
+              <a:t> Alfredo Nava </a:t>
+            </a:r>
+            <a:r>
+              <a:rPr lang="es-VE" sz="900" dirty="0" err="1" smtClean="0"/>
+              <a:t>Chocrón</a:t>
+            </a:r>
+            <a:endParaRPr lang="es-VE" sz="900" dirty="0"/>
+          </a:p>
+        </p:txBody>
+      </p:sp>
+      <p:pic>
+        <p:nvPicPr>
+          <p:cNvPr id="4098" name="Picture 2"/>
+          <p:cNvPicPr>
+            <a:picLocks noChangeAspect="1" noChangeArrowheads="1"/>
+          </p:cNvPicPr>
+          <p:nvPr/>
+        </p:nvPicPr>
+        <p:blipFill>
+          <a:blip r:embed="rId3" cstate="print"/>
+          <a:srcRect l="28865" t="58609" r="29345" b="40202"/>
+          <a:stretch>
+            <a:fillRect/>
+          </a:stretch>
+        </p:blipFill>
+        <p:spPr bwMode="auto">
+          <a:xfrm>
+            <a:off x="1" y="6248400"/>
+            <a:ext cx="9144000" cy="146304"/>
+          </a:xfrm>
+          <a:prstGeom prst="rect">
+            <a:avLst/>
+          </a:prstGeom>
+          <a:noFill/>
+          <a:ln w="9525">
+            <a:noFill/>
+            <a:miter lim="800000"/>
+            <a:headEnd/>
+            <a:tailEnd/>
+          </a:ln>
+        </p:spPr>
+      </p:pic>
+      <p:sp>
+        <p:nvSpPr>
+          <p:cNvPr id="9" name="8 Rectángulo"/>
+          <p:cNvSpPr/>
+          <p:nvPr/>
+        </p:nvSpPr>
+        <p:spPr>
+          <a:xfrm>
+            <a:off x="1981200" y="6627168"/>
+            <a:ext cx="4572000" cy="230832"/>
+          </a:xfrm>
+          <a:prstGeom prst="rect">
+            <a:avLst/>
+          </a:prstGeom>
+        </p:spPr>
+        <p:txBody>
+          <a:bodyPr anchor="b" anchorCtr="1">
+            <a:spAutoFit/>
+          </a:bodyPr>
+          <a:lstStyle/>
+          <a:p>
+            <a:pPr algn="ctr"/>
+            <a:r>
+              <a:rPr lang="es-VE" sz="900" dirty="0" smtClean="0"/>
+              <a:t>Estabilización de un cuadricóptero mediante un algoritmo Proporcional-Integral-Derivativo</a:t>
+            </a:r>
+            <a:endParaRPr lang="es-VE" sz="900" dirty="0"/>
+          </a:p>
+        </p:txBody>
+      </p:sp>
+      <p:pic>
+        <p:nvPicPr>
+          <p:cNvPr id="10" name="9 Imagen"/>
+          <p:cNvPicPr/>
+          <p:nvPr/>
+        </p:nvPicPr>
+        <p:blipFill>
+          <a:blip r:embed="rId4" cstate="print"/>
+          <a:srcRect/>
+          <a:stretch>
+            <a:fillRect/>
+          </a:stretch>
+        </p:blipFill>
+        <p:spPr bwMode="auto">
+          <a:xfrm>
+            <a:off x="5029200" y="2667000"/>
+            <a:ext cx="3200400" cy="838200"/>
+          </a:xfrm>
+          <a:prstGeom prst="rect">
+            <a:avLst/>
+          </a:prstGeom>
+          <a:noFill/>
+          <a:ln w="9525">
+            <a:noFill/>
+            <a:miter lim="800000"/>
+            <a:headEnd/>
+            <a:tailEnd/>
+          </a:ln>
+        </p:spPr>
+      </p:pic>
+      <p:graphicFrame>
+        <p:nvGraphicFramePr>
+          <p:cNvPr id="11" name="10 Gráfico"/>
+          <p:cNvGraphicFramePr/>
+          <p:nvPr/>
+        </p:nvGraphicFramePr>
+        <p:xfrm>
+          <a:off x="5410200" y="3810000"/>
+          <a:ext cx="3505199" cy="2066925"/>
+        </p:xfrm>
+        <a:graphic>
+          <a:graphicData uri="http://schemas.openxmlformats.org/drawingml/2006/chart">
+            <c:chart xmlns:c="http://schemas.openxmlformats.org/drawingml/2006/chart" xmlns:r="http://schemas.openxmlformats.org/officeDocument/2006/relationships" r:id="rId5"/>
+          </a:graphicData>
+        </a:graphic>
+      </p:graphicFrame>
     </p:spTree>
   </p:cSld>
   <p:clrMapOvr>
@@ -5859,7 +6655,7 @@
 </p:sld>
 </file>
 
-<file path=ppt/slides/slide13.xml><?xml version="1.0" encoding="utf-8"?>
+<file path=ppt/slides/slide14.xml><?xml version="1.0" encoding="utf-8"?>
 <p:sld xmlns:a="http://schemas.openxmlformats.org/drawingml/2006/main" xmlns:r="http://schemas.openxmlformats.org/officeDocument/2006/relationships" xmlns:p="http://schemas.openxmlformats.org/presentationml/2006/main">
   <p:cSld>
     <p:spTree>
@@ -6562,7 +7358,7 @@
 </p:sld>
 </file>
 
-<file path=ppt/slides/slide14.xml><?xml version="1.0" encoding="utf-8"?>
+<file path=ppt/slides/slide15.xml><?xml version="1.0" encoding="utf-8"?>
 <p:sld xmlns:a="http://schemas.openxmlformats.org/drawingml/2006/main" xmlns:r="http://schemas.openxmlformats.org/officeDocument/2006/relationships" xmlns:p="http://schemas.openxmlformats.org/presentationml/2006/main">
   <p:cSld>
     <p:spTree>
@@ -6839,6 +7635,186 @@
           </a:p>
         </p:txBody>
       </p:sp>
+      <p:pic>
+        <p:nvPicPr>
+          <p:cNvPr id="10" name="9 Imagen"/>
+          <p:cNvPicPr/>
+          <p:nvPr/>
+        </p:nvPicPr>
+        <p:blipFill>
+          <a:blip r:embed="rId4" cstate="print"/>
+          <a:srcRect l="7812" t="9764" r="5499" b="6061"/>
+          <a:stretch>
+            <a:fillRect/>
+          </a:stretch>
+        </p:blipFill>
+        <p:spPr bwMode="auto">
+          <a:xfrm>
+            <a:off x="457200" y="2819400"/>
+            <a:ext cx="3607317" cy="2698810"/>
+          </a:xfrm>
+          <a:prstGeom prst="rect">
+            <a:avLst/>
+          </a:prstGeom>
+          <a:noFill/>
+          <a:ln w="9525">
+            <a:noFill/>
+            <a:miter lim="800000"/>
+            <a:headEnd/>
+            <a:tailEnd/>
+          </a:ln>
+        </p:spPr>
+      </p:pic>
+      <p:pic>
+        <p:nvPicPr>
+          <p:cNvPr id="11" name="10 Imagen"/>
+          <p:cNvPicPr/>
+          <p:nvPr/>
+        </p:nvPicPr>
+        <p:blipFill>
+          <a:blip r:embed="rId5" cstate="print"/>
+          <a:srcRect l="7433" t="9764" r="5716" b="5642"/>
+          <a:stretch>
+            <a:fillRect/>
+          </a:stretch>
+        </p:blipFill>
+        <p:spPr bwMode="auto">
+          <a:xfrm>
+            <a:off x="6019800" y="2819400"/>
+            <a:ext cx="2057400" cy="2667000"/>
+          </a:xfrm>
+          <a:prstGeom prst="rect">
+            <a:avLst/>
+          </a:prstGeom>
+          <a:noFill/>
+          <a:ln w="9525">
+            <a:noFill/>
+            <a:miter lim="800000"/>
+            <a:headEnd/>
+            <a:tailEnd/>
+          </a:ln>
+        </p:spPr>
+      </p:pic>
+      <p:pic>
+        <p:nvPicPr>
+          <p:cNvPr id="12" name="11 Imagen"/>
+          <p:cNvPicPr/>
+          <p:nvPr/>
+        </p:nvPicPr>
+        <p:blipFill>
+          <a:blip r:embed="rId6" cstate="print"/>
+          <a:srcRect l="29449" t="12568" r="29624" b="32116"/>
+          <a:stretch>
+            <a:fillRect/>
+          </a:stretch>
+        </p:blipFill>
+        <p:spPr bwMode="auto">
+          <a:xfrm>
+            <a:off x="1066800" y="2590800"/>
+            <a:ext cx="2297645" cy="1746473"/>
+          </a:xfrm>
+          <a:prstGeom prst="rect">
+            <a:avLst/>
+          </a:prstGeom>
+          <a:noFill/>
+          <a:ln w="9525">
+            <a:noFill/>
+            <a:miter lim="800000"/>
+            <a:headEnd/>
+            <a:tailEnd/>
+          </a:ln>
+        </p:spPr>
+      </p:pic>
+      <p:pic>
+        <p:nvPicPr>
+          <p:cNvPr id="13" name="12 Imagen"/>
+          <p:cNvPicPr/>
+          <p:nvPr/>
+        </p:nvPicPr>
+        <p:blipFill>
+          <a:blip r:embed="rId7" cstate="print"/>
+          <a:srcRect l="29295" t="13115" r="29569" b="31878"/>
+          <a:stretch>
+            <a:fillRect/>
+          </a:stretch>
+        </p:blipFill>
+        <p:spPr bwMode="auto">
+          <a:xfrm>
+            <a:off x="1066800" y="4343400"/>
+            <a:ext cx="2310082" cy="1736738"/>
+          </a:xfrm>
+          <a:prstGeom prst="rect">
+            <a:avLst/>
+          </a:prstGeom>
+          <a:noFill/>
+          <a:ln w="9525">
+            <a:noFill/>
+            <a:miter lim="800000"/>
+            <a:headEnd/>
+            <a:tailEnd/>
+          </a:ln>
+        </p:spPr>
+      </p:pic>
+      <p:pic>
+        <p:nvPicPr>
+          <p:cNvPr id="14" name="13 Imagen"/>
+          <p:cNvPicPr/>
+          <p:nvPr/>
+        </p:nvPicPr>
+        <p:blipFill>
+          <a:blip r:embed="rId8" cstate="print"/>
+          <a:srcRect l="29414" t="12590" r="29799" b="32310"/>
+          <a:stretch>
+            <a:fillRect/>
+          </a:stretch>
+        </p:blipFill>
+        <p:spPr bwMode="auto">
+          <a:xfrm>
+            <a:off x="4876800" y="2590800"/>
+            <a:ext cx="2139359" cy="1628666"/>
+          </a:xfrm>
+          <a:prstGeom prst="rect">
+            <a:avLst/>
+          </a:prstGeom>
+          <a:noFill/>
+          <a:ln w="9525">
+            <a:noFill/>
+            <a:miter lim="800000"/>
+            <a:headEnd/>
+            <a:tailEnd/>
+          </a:ln>
+        </p:spPr>
+      </p:pic>
+      <p:pic>
+        <p:nvPicPr>
+          <p:cNvPr id="15" name="14 Imagen"/>
+          <p:cNvPicPr/>
+          <p:nvPr/>
+        </p:nvPicPr>
+        <p:blipFill>
+          <a:blip r:embed="rId9" cstate="print"/>
+          <a:srcRect l="29574" t="13669" r="29411" b="32259"/>
+          <a:stretch>
+            <a:fillRect/>
+          </a:stretch>
+        </p:blipFill>
+        <p:spPr bwMode="auto">
+          <a:xfrm>
+            <a:off x="4876800" y="4343400"/>
+            <a:ext cx="2149992" cy="1598278"/>
+          </a:xfrm>
+          <a:prstGeom prst="rect">
+            <a:avLst/>
+          </a:prstGeom>
+          <a:noFill/>
+          <a:ln w="9525">
+            <a:noFill/>
+            <a:miter lim="800000"/>
+            <a:headEnd/>
+            <a:tailEnd/>
+          </a:ln>
+        </p:spPr>
+      </p:pic>
     </p:spTree>
   </p:cSld>
   <p:clrMapOvr>
@@ -7006,7 +7982,7 @@
 </p:sld>
 </file>
 
-<file path=ppt/slides/slide15.xml><?xml version="1.0" encoding="utf-8"?>
+<file path=ppt/slides/slide16.xml><?xml version="1.0" encoding="utf-8"?>
 <p:sld xmlns:a="http://schemas.openxmlformats.org/drawingml/2006/main" xmlns:r="http://schemas.openxmlformats.org/officeDocument/2006/relationships" xmlns:p="http://schemas.openxmlformats.org/presentationml/2006/main">
   <p:cSld>
     <p:spTree>
@@ -7182,8 +8158,13 @@
             <a:pPr lvl="1"/>
             <a:r>
               <a:rPr lang="es-VE" sz="2400" dirty="0" smtClean="0"/>
-              <a:t>Almacenamiento de datos recibidos por telemetría.</a:t>
-            </a:r>
+              <a:t>Almacenamiento de datos recibidos por </a:t>
+            </a:r>
+            <a:r>
+              <a:rPr lang="es-VE" sz="2400" dirty="0" smtClean="0"/>
+              <a:t>telemetría en formato CSV.</a:t>
+            </a:r>
+            <a:endParaRPr lang="es-VE" sz="2400" dirty="0" smtClean="0"/>
           </a:p>
           <a:p>
             <a:pPr lvl="1"/>
@@ -7710,7 +8691,7 @@
 </p:sld>
 </file>
 
-<file path=ppt/slides/slide16.xml><?xml version="1.0" encoding="utf-8"?>
+<file path=ppt/slides/slide17.xml><?xml version="1.0" encoding="utf-8"?>
 <p:sld xmlns:a="http://schemas.openxmlformats.org/drawingml/2006/main" xmlns:r="http://schemas.openxmlformats.org/officeDocument/2006/relationships" xmlns:p="http://schemas.openxmlformats.org/presentationml/2006/main">
   <p:cSld>
     <p:spTree>
@@ -7826,7 +8807,19 @@
           <a:p>
             <a:r>
               <a:rPr lang="es-VE" sz="2700" dirty="0" smtClean="0"/>
-              <a:t>Scripts para análisis de datos de los sensores mediante transformada rápida de Fourier.</a:t>
+              <a:t>Scripts </a:t>
+            </a:r>
+            <a:r>
+              <a:rPr lang="es-VE" sz="2700" dirty="0" smtClean="0"/>
+              <a:t>de MATLAB </a:t>
+            </a:r>
+            <a:r>
+              <a:rPr lang="es-VE" sz="2700" dirty="0" smtClean="0"/>
+              <a:t>para </a:t>
+            </a:r>
+            <a:r>
+              <a:rPr lang="es-VE" sz="2700" dirty="0" smtClean="0"/>
+              <a:t>análisis de datos de los sensores mediante transformada rápida de Fourier.</a:t>
             </a:r>
           </a:p>
           <a:p>
@@ -8262,7 +9255,7 @@
 </p:sld>
 </file>
 
-<file path=ppt/slides/slide17.xml><?xml version="1.0" encoding="utf-8"?>
+<file path=ppt/slides/slide18.xml><?xml version="1.0" encoding="utf-8"?>
 <p:sld xmlns:a="http://schemas.openxmlformats.org/drawingml/2006/main" xmlns:r="http://schemas.openxmlformats.org/officeDocument/2006/relationships" xmlns:p="http://schemas.openxmlformats.org/presentationml/2006/main">
   <p:cSld>
     <p:spTree>
@@ -8414,15 +9407,7 @@
           <a:p>
             <a:r>
               <a:rPr lang="es-VE" b="1" dirty="0" smtClean="0"/>
-              <a:t>Conclusiones </a:t>
-            </a:r>
-            <a:r>
-              <a:rPr lang="es-VE" b="1" dirty="0" smtClean="0"/>
-              <a:t>y Recomendaciones</a:t>
-            </a:r>
-            <a:r>
-              <a:rPr lang="es-VE" b="1" dirty="0" smtClean="0"/>
-              <a:t>.</a:t>
+              <a:t>Conclusiones y Recomendaciones.</a:t>
             </a:r>
           </a:p>
           <a:p>
@@ -8434,17 +9419,7 @@
                   </a:schemeClr>
                 </a:solidFill>
               </a:rPr>
-              <a:t>Demostración</a:t>
-            </a:r>
-            <a:r>
-              <a:rPr lang="es-VE" dirty="0" smtClean="0">
-                <a:solidFill>
-                  <a:schemeClr val="bg1">
-                    <a:lumMod val="65000"/>
-                  </a:schemeClr>
-                </a:solidFill>
-              </a:rPr>
-              <a:t>.</a:t>
+              <a:t>Demostración.</a:t>
             </a:r>
             <a:endParaRPr lang="es-VE" dirty="0" smtClean="0"/>
           </a:p>
@@ -8629,7 +9604,7 @@
 </p:sld>
 </file>
 
-<file path=ppt/slides/slide18.xml><?xml version="1.0" encoding="utf-8"?>
+<file path=ppt/slides/slide19.xml><?xml version="1.0" encoding="utf-8"?>
 <p:sld xmlns:a="http://schemas.openxmlformats.org/drawingml/2006/main" xmlns:r="http://schemas.openxmlformats.org/officeDocument/2006/relationships" xmlns:p="http://schemas.openxmlformats.org/presentationml/2006/main">
   <p:cSld>
     <p:spTree>
@@ -9583,7 +10558,648 @@
 </p:sld>
 </file>
 
-<file path=ppt/slides/slide19.xml><?xml version="1.0" encoding="utf-8"?>
+<file path=ppt/slides/slide2.xml><?xml version="1.0" encoding="utf-8"?>
+<p:sld xmlns:a="http://schemas.openxmlformats.org/drawingml/2006/main" xmlns:r="http://schemas.openxmlformats.org/officeDocument/2006/relationships" xmlns:p="http://schemas.openxmlformats.org/presentationml/2006/main">
+  <p:cSld>
+    <p:spTree>
+      <p:nvGrpSpPr>
+        <p:cNvPr id="1" name=""/>
+        <p:cNvGrpSpPr/>
+        <p:nvPr/>
+      </p:nvGrpSpPr>
+      <p:grpSpPr>
+        <a:xfrm>
+          <a:off x="0" y="0"/>
+          <a:ext cx="0" cy="0"/>
+          <a:chOff x="0" y="0"/>
+          <a:chExt cx="0" cy="0"/>
+        </a:xfrm>
+      </p:grpSpPr>
+      <p:sp>
+        <p:nvSpPr>
+          <p:cNvPr id="6" name="5 Rectángulo"/>
+          <p:cNvSpPr/>
+          <p:nvPr/>
+        </p:nvSpPr>
+        <p:spPr>
+          <a:xfrm>
+            <a:off x="0" y="228600"/>
+            <a:ext cx="9144000" cy="1219200"/>
+          </a:xfrm>
+          <a:prstGeom prst="rect">
+            <a:avLst/>
+          </a:prstGeom>
+          <a:solidFill>
+            <a:schemeClr val="tx2">
+              <a:lumMod val="40000"/>
+              <a:lumOff val="60000"/>
+              <a:alpha val="68000"/>
+            </a:schemeClr>
+          </a:solidFill>
+          <a:ln w="0">
+            <a:noFill/>
+          </a:ln>
+        </p:spPr>
+        <p:style>
+          <a:lnRef idx="2">
+            <a:schemeClr val="accent1">
+              <a:shade val="50000"/>
+            </a:schemeClr>
+          </a:lnRef>
+          <a:fillRef idx="1">
+            <a:schemeClr val="accent1"/>
+          </a:fillRef>
+          <a:effectRef idx="0">
+            <a:schemeClr val="accent1"/>
+          </a:effectRef>
+          <a:fontRef idx="minor">
+            <a:schemeClr val="lt1"/>
+          </a:fontRef>
+        </p:style>
+        <p:txBody>
+          <a:bodyPr rtlCol="0" anchor="ctr"/>
+          <a:lstStyle/>
+          <a:p>
+            <a:pPr algn="ctr"/>
+            <a:endParaRPr lang="es-VE"/>
+          </a:p>
+        </p:txBody>
+      </p:sp>
+      <p:sp>
+        <p:nvSpPr>
+          <p:cNvPr id="2" name="1 Título"/>
+          <p:cNvSpPr>
+            <a:spLocks noGrp="1"/>
+          </p:cNvSpPr>
+          <p:nvPr>
+            <p:ph type="title"/>
+          </p:nvPr>
+        </p:nvSpPr>
+        <p:spPr/>
+        <p:txBody>
+          <a:bodyPr>
+            <a:normAutofit/>
+          </a:bodyPr>
+          <a:lstStyle/>
+          <a:p>
+            <a:r>
+              <a:rPr lang="es-VE" dirty="0" smtClean="0"/>
+              <a:t>Agenda</a:t>
+            </a:r>
+            <a:endParaRPr lang="es-VE" dirty="0"/>
+          </a:p>
+        </p:txBody>
+      </p:sp>
+      <p:sp>
+        <p:nvSpPr>
+          <p:cNvPr id="3" name="2 Marcador de contenido"/>
+          <p:cNvSpPr>
+            <a:spLocks noGrp="1"/>
+          </p:cNvSpPr>
+          <p:nvPr>
+            <p:ph idx="1"/>
+          </p:nvPr>
+        </p:nvSpPr>
+        <p:spPr>
+          <a:xfrm>
+            <a:off x="457200" y="1600201"/>
+            <a:ext cx="8229600" cy="4419600"/>
+          </a:xfrm>
+        </p:spPr>
+        <p:txBody>
+          <a:bodyPr>
+            <a:normAutofit/>
+          </a:bodyPr>
+          <a:lstStyle/>
+          <a:p>
+            <a:r>
+              <a:rPr lang="es-VE" dirty="0" smtClean="0"/>
+              <a:t>Planteamiento del problema.</a:t>
+            </a:r>
+          </a:p>
+          <a:p>
+            <a:r>
+              <a:rPr lang="es-VE" dirty="0" smtClean="0"/>
+              <a:t>Metodología.</a:t>
+            </a:r>
+          </a:p>
+          <a:p>
+            <a:r>
+              <a:rPr lang="es-VE" dirty="0" smtClean="0"/>
+              <a:t>Resultados.</a:t>
+            </a:r>
+          </a:p>
+          <a:p>
+            <a:r>
+              <a:rPr lang="es-VE" dirty="0" smtClean="0"/>
+              <a:t>Conclusiones y Recomendaciones.</a:t>
+            </a:r>
+          </a:p>
+          <a:p>
+            <a:r>
+              <a:rPr lang="es-VE" dirty="0" smtClean="0"/>
+              <a:t>Demostración.</a:t>
+            </a:r>
+          </a:p>
+          <a:p>
+            <a:r>
+              <a:rPr lang="es-VE" dirty="0" smtClean="0"/>
+              <a:t>Preguntas.</a:t>
+            </a:r>
+          </a:p>
+          <a:p>
+            <a:endParaRPr lang="es-VE" dirty="0" smtClean="0"/>
+          </a:p>
+          <a:p>
+            <a:endParaRPr lang="es-VE" dirty="0"/>
+          </a:p>
+        </p:txBody>
+      </p:sp>
+      <p:pic>
+        <p:nvPicPr>
+          <p:cNvPr id="4" name="Picture 2" descr="http://runrun.es/wp-content/uploads/2013/03/logo-ucab.jpg"/>
+          <p:cNvPicPr>
+            <a:picLocks noChangeAspect="1" noChangeArrowheads="1"/>
+          </p:cNvPicPr>
+          <p:nvPr/>
+        </p:nvPicPr>
+        <p:blipFill>
+          <a:blip r:embed="rId2" cstate="print"/>
+          <a:srcRect/>
+          <a:stretch>
+            <a:fillRect/>
+          </a:stretch>
+        </p:blipFill>
+        <p:spPr bwMode="auto">
+          <a:xfrm>
+            <a:off x="7249885" y="6481673"/>
+            <a:ext cx="1817915" cy="376327"/>
+          </a:xfrm>
+          <a:prstGeom prst="rect">
+            <a:avLst/>
+          </a:prstGeom>
+          <a:noFill/>
+        </p:spPr>
+      </p:pic>
+      <p:sp>
+        <p:nvSpPr>
+          <p:cNvPr id="5" name="4 CuadroTexto"/>
+          <p:cNvSpPr txBox="1"/>
+          <p:nvPr/>
+        </p:nvSpPr>
+        <p:spPr>
+          <a:xfrm>
+            <a:off x="0" y="6488668"/>
+            <a:ext cx="1577676" cy="369332"/>
+          </a:xfrm>
+          <a:prstGeom prst="rect">
+            <a:avLst/>
+          </a:prstGeom>
+          <a:noFill/>
+        </p:spPr>
+        <p:txBody>
+          <a:bodyPr wrap="none" rtlCol="0">
+            <a:spAutoFit/>
+          </a:bodyPr>
+          <a:lstStyle/>
+          <a:p>
+            <a:r>
+              <a:rPr lang="es-VE" sz="900" dirty="0" smtClean="0"/>
+              <a:t>Luis Felipe </a:t>
+            </a:r>
+            <a:r>
+              <a:rPr lang="es-VE" sz="900" dirty="0" err="1" smtClean="0"/>
+              <a:t>Vicens</a:t>
+            </a:r>
+            <a:r>
+              <a:rPr lang="es-VE" sz="900" dirty="0" smtClean="0"/>
+              <a:t> </a:t>
+            </a:r>
+            <a:r>
+              <a:rPr lang="es-VE" sz="900" dirty="0" err="1" smtClean="0"/>
+              <a:t>Gonzalez</a:t>
+            </a:r>
+            <a:endParaRPr lang="es-VE" sz="900" dirty="0" smtClean="0"/>
+          </a:p>
+          <a:p>
+            <a:r>
+              <a:rPr lang="es-VE" sz="900" dirty="0" err="1" smtClean="0"/>
+              <a:t>Yoshua</a:t>
+            </a:r>
+            <a:r>
+              <a:rPr lang="es-VE" sz="900" dirty="0" smtClean="0"/>
+              <a:t> Alfredo Nava </a:t>
+            </a:r>
+            <a:r>
+              <a:rPr lang="es-VE" sz="900" dirty="0" err="1" smtClean="0"/>
+              <a:t>Chocrón</a:t>
+            </a:r>
+            <a:endParaRPr lang="es-VE" sz="900" dirty="0"/>
+          </a:p>
+        </p:txBody>
+      </p:sp>
+      <p:pic>
+        <p:nvPicPr>
+          <p:cNvPr id="4098" name="Picture 2"/>
+          <p:cNvPicPr>
+            <a:picLocks noChangeAspect="1" noChangeArrowheads="1"/>
+          </p:cNvPicPr>
+          <p:nvPr/>
+        </p:nvPicPr>
+        <p:blipFill>
+          <a:blip r:embed="rId3" cstate="print"/>
+          <a:srcRect l="28865" t="58609" r="29345" b="40202"/>
+          <a:stretch>
+            <a:fillRect/>
+          </a:stretch>
+        </p:blipFill>
+        <p:spPr bwMode="auto">
+          <a:xfrm>
+            <a:off x="1" y="6248400"/>
+            <a:ext cx="9144000" cy="146304"/>
+          </a:xfrm>
+          <a:prstGeom prst="rect">
+            <a:avLst/>
+          </a:prstGeom>
+          <a:noFill/>
+          <a:ln w="9525">
+            <a:noFill/>
+            <a:miter lim="800000"/>
+            <a:headEnd/>
+            <a:tailEnd/>
+          </a:ln>
+        </p:spPr>
+      </p:pic>
+      <p:sp>
+        <p:nvSpPr>
+          <p:cNvPr id="9" name="8 Rectángulo"/>
+          <p:cNvSpPr/>
+          <p:nvPr/>
+        </p:nvSpPr>
+        <p:spPr>
+          <a:xfrm>
+            <a:off x="1981200" y="6627168"/>
+            <a:ext cx="4572000" cy="230832"/>
+          </a:xfrm>
+          <a:prstGeom prst="rect">
+            <a:avLst/>
+          </a:prstGeom>
+        </p:spPr>
+        <p:txBody>
+          <a:bodyPr anchor="b" anchorCtr="1">
+            <a:spAutoFit/>
+          </a:bodyPr>
+          <a:lstStyle/>
+          <a:p>
+            <a:pPr algn="ctr"/>
+            <a:r>
+              <a:rPr lang="es-VE" sz="900" dirty="0" smtClean="0"/>
+              <a:t>Estabilización de un cuadricóptero mediante un algoritmo Proporcional-Integral-Derivativo</a:t>
+            </a:r>
+            <a:endParaRPr lang="es-VE" sz="900" dirty="0"/>
+          </a:p>
+        </p:txBody>
+      </p:sp>
+    </p:spTree>
+  </p:cSld>
+  <p:clrMapOvr>
+    <a:masterClrMapping/>
+  </p:clrMapOvr>
+  <p:transition spd="slow"/>
+  <p:timing>
+    <p:tnLst>
+      <p:par>
+        <p:cTn id="1" dur="indefinite" restart="never" nodeType="tmRoot">
+          <p:childTnLst>
+            <p:seq concurrent="1" nextAc="seek">
+              <p:cTn id="2" dur="indefinite" nodeType="mainSeq">
+                <p:childTnLst>
+                  <p:par>
+                    <p:cTn id="3" fill="hold">
+                      <p:stCondLst>
+                        <p:cond delay="indefinite"/>
+                        <p:cond evt="onBegin" delay="0">
+                          <p:tn val="2"/>
+                        </p:cond>
+                      </p:stCondLst>
+                      <p:childTnLst>
+                        <p:par>
+                          <p:cTn id="4" fill="hold">
+                            <p:stCondLst>
+                              <p:cond delay="0"/>
+                            </p:stCondLst>
+                            <p:childTnLst>
+                              <p:par>
+                                <p:cTn id="5" presetID="10" presetClass="entr" presetSubtype="0" fill="hold" grpId="0" nodeType="withEffect">
+                                  <p:stCondLst>
+                                    <p:cond delay="0"/>
+                                  </p:stCondLst>
+                                  <p:childTnLst>
+                                    <p:set>
+                                      <p:cBhvr>
+                                        <p:cTn id="6" dur="1" fill="hold">
+                                          <p:stCondLst>
+                                            <p:cond delay="0"/>
+                                          </p:stCondLst>
+                                        </p:cTn>
+                                        <p:tgtEl>
+                                          <p:spTgt spid="3">
+                                            <p:txEl>
+                                              <p:pRg st="0" end="0"/>
+                                            </p:txEl>
+                                          </p:spTgt>
+                                        </p:tgtEl>
+                                        <p:attrNameLst>
+                                          <p:attrName>style.visibility</p:attrName>
+                                        </p:attrNameLst>
+                                      </p:cBhvr>
+                                      <p:to>
+                                        <p:strVal val="visible"/>
+                                      </p:to>
+                                    </p:set>
+                                    <p:animEffect transition="in" filter="fade">
+                                      <p:cBhvr>
+                                        <p:cTn id="7" dur="500"/>
+                                        <p:tgtEl>
+                                          <p:spTgt spid="3">
+                                            <p:txEl>
+                                              <p:pRg st="0" end="0"/>
+                                            </p:txEl>
+                                          </p:spTgt>
+                                        </p:tgtEl>
+                                      </p:cBhvr>
+                                    </p:animEffect>
+                                  </p:childTnLst>
+                                </p:cTn>
+                              </p:par>
+                              <p:par>
+                                <p:cTn id="8" presetID="10" presetClass="entr" presetSubtype="0" fill="hold" grpId="0" nodeType="withEffect">
+                                  <p:stCondLst>
+                                    <p:cond delay="0"/>
+                                  </p:stCondLst>
+                                  <p:childTnLst>
+                                    <p:set>
+                                      <p:cBhvr>
+                                        <p:cTn id="9" dur="1" fill="hold">
+                                          <p:stCondLst>
+                                            <p:cond delay="0"/>
+                                          </p:stCondLst>
+                                        </p:cTn>
+                                        <p:tgtEl>
+                                          <p:spTgt spid="3">
+                                            <p:txEl>
+                                              <p:pRg st="1" end="1"/>
+                                            </p:txEl>
+                                          </p:spTgt>
+                                        </p:tgtEl>
+                                        <p:attrNameLst>
+                                          <p:attrName>style.visibility</p:attrName>
+                                        </p:attrNameLst>
+                                      </p:cBhvr>
+                                      <p:to>
+                                        <p:strVal val="visible"/>
+                                      </p:to>
+                                    </p:set>
+                                    <p:animEffect transition="in" filter="fade">
+                                      <p:cBhvr>
+                                        <p:cTn id="10" dur="500"/>
+                                        <p:tgtEl>
+                                          <p:spTgt spid="3">
+                                            <p:txEl>
+                                              <p:pRg st="1" end="1"/>
+                                            </p:txEl>
+                                          </p:spTgt>
+                                        </p:tgtEl>
+                                      </p:cBhvr>
+                                    </p:animEffect>
+                                  </p:childTnLst>
+                                </p:cTn>
+                              </p:par>
+                              <p:par>
+                                <p:cTn id="11" presetID="10" presetClass="entr" presetSubtype="0" fill="hold" grpId="0" nodeType="withEffect">
+                                  <p:stCondLst>
+                                    <p:cond delay="0"/>
+                                  </p:stCondLst>
+                                  <p:childTnLst>
+                                    <p:set>
+                                      <p:cBhvr>
+                                        <p:cTn id="12" dur="1" fill="hold">
+                                          <p:stCondLst>
+                                            <p:cond delay="0"/>
+                                          </p:stCondLst>
+                                        </p:cTn>
+                                        <p:tgtEl>
+                                          <p:spTgt spid="3">
+                                            <p:txEl>
+                                              <p:pRg st="2" end="2"/>
+                                            </p:txEl>
+                                          </p:spTgt>
+                                        </p:tgtEl>
+                                        <p:attrNameLst>
+                                          <p:attrName>style.visibility</p:attrName>
+                                        </p:attrNameLst>
+                                      </p:cBhvr>
+                                      <p:to>
+                                        <p:strVal val="visible"/>
+                                      </p:to>
+                                    </p:set>
+                                    <p:animEffect transition="in" filter="fade">
+                                      <p:cBhvr>
+                                        <p:cTn id="13" dur="500"/>
+                                        <p:tgtEl>
+                                          <p:spTgt spid="3">
+                                            <p:txEl>
+                                              <p:pRg st="2" end="2"/>
+                                            </p:txEl>
+                                          </p:spTgt>
+                                        </p:tgtEl>
+                                      </p:cBhvr>
+                                    </p:animEffect>
+                                  </p:childTnLst>
+                                </p:cTn>
+                              </p:par>
+                              <p:par>
+                                <p:cTn id="14" presetID="10" presetClass="entr" presetSubtype="0" fill="hold" grpId="0" nodeType="withEffect">
+                                  <p:stCondLst>
+                                    <p:cond delay="0"/>
+                                  </p:stCondLst>
+                                  <p:childTnLst>
+                                    <p:set>
+                                      <p:cBhvr>
+                                        <p:cTn id="15" dur="1" fill="hold">
+                                          <p:stCondLst>
+                                            <p:cond delay="0"/>
+                                          </p:stCondLst>
+                                        </p:cTn>
+                                        <p:tgtEl>
+                                          <p:spTgt spid="3">
+                                            <p:txEl>
+                                              <p:pRg st="3" end="3"/>
+                                            </p:txEl>
+                                          </p:spTgt>
+                                        </p:tgtEl>
+                                        <p:attrNameLst>
+                                          <p:attrName>style.visibility</p:attrName>
+                                        </p:attrNameLst>
+                                      </p:cBhvr>
+                                      <p:to>
+                                        <p:strVal val="visible"/>
+                                      </p:to>
+                                    </p:set>
+                                    <p:animEffect transition="in" filter="fade">
+                                      <p:cBhvr>
+                                        <p:cTn id="16" dur="500"/>
+                                        <p:tgtEl>
+                                          <p:spTgt spid="3">
+                                            <p:txEl>
+                                              <p:pRg st="3" end="3"/>
+                                            </p:txEl>
+                                          </p:spTgt>
+                                        </p:tgtEl>
+                                      </p:cBhvr>
+                                    </p:animEffect>
+                                  </p:childTnLst>
+                                </p:cTn>
+                              </p:par>
+                            </p:childTnLst>
+                          </p:cTn>
+                        </p:par>
+                      </p:childTnLst>
+                    </p:cTn>
+                  </p:par>
+                  <p:par>
+                    <p:cTn id="17" fill="hold">
+                      <p:stCondLst>
+                        <p:cond delay="indefinite"/>
+                      </p:stCondLst>
+                      <p:childTnLst>
+                        <p:par>
+                          <p:cTn id="18" fill="hold">
+                            <p:stCondLst>
+                              <p:cond delay="0"/>
+                            </p:stCondLst>
+                            <p:childTnLst>
+                              <p:par>
+                                <p:cTn id="19" presetID="10" presetClass="entr" presetSubtype="0" fill="hold" grpId="0" nodeType="clickEffect">
+                                  <p:stCondLst>
+                                    <p:cond delay="0"/>
+                                  </p:stCondLst>
+                                  <p:childTnLst>
+                                    <p:set>
+                                      <p:cBhvr>
+                                        <p:cTn id="20" dur="1" fill="hold">
+                                          <p:stCondLst>
+                                            <p:cond delay="0"/>
+                                          </p:stCondLst>
+                                        </p:cTn>
+                                        <p:tgtEl>
+                                          <p:spTgt spid="3">
+                                            <p:txEl>
+                                              <p:pRg st="4" end="4"/>
+                                            </p:txEl>
+                                          </p:spTgt>
+                                        </p:tgtEl>
+                                        <p:attrNameLst>
+                                          <p:attrName>style.visibility</p:attrName>
+                                        </p:attrNameLst>
+                                      </p:cBhvr>
+                                      <p:to>
+                                        <p:strVal val="visible"/>
+                                      </p:to>
+                                    </p:set>
+                                    <p:animEffect transition="in" filter="fade">
+                                      <p:cBhvr>
+                                        <p:cTn id="21" dur="500"/>
+                                        <p:tgtEl>
+                                          <p:spTgt spid="3">
+                                            <p:txEl>
+                                              <p:pRg st="4" end="4"/>
+                                            </p:txEl>
+                                          </p:spTgt>
+                                        </p:tgtEl>
+                                      </p:cBhvr>
+                                    </p:animEffect>
+                                  </p:childTnLst>
+                                </p:cTn>
+                              </p:par>
+                              <p:par>
+                                <p:cTn id="22" presetID="10" presetClass="entr" presetSubtype="0" fill="hold" grpId="0" nodeType="withEffect">
+                                  <p:stCondLst>
+                                    <p:cond delay="0"/>
+                                  </p:stCondLst>
+                                  <p:childTnLst>
+                                    <p:set>
+                                      <p:cBhvr>
+                                        <p:cTn id="23" dur="1" fill="hold">
+                                          <p:stCondLst>
+                                            <p:cond delay="0"/>
+                                          </p:stCondLst>
+                                        </p:cTn>
+                                        <p:tgtEl>
+                                          <p:spTgt spid="3">
+                                            <p:txEl>
+                                              <p:pRg st="5" end="5"/>
+                                            </p:txEl>
+                                          </p:spTgt>
+                                        </p:tgtEl>
+                                        <p:attrNameLst>
+                                          <p:attrName>style.visibility</p:attrName>
+                                        </p:attrNameLst>
+                                      </p:cBhvr>
+                                      <p:to>
+                                        <p:strVal val="visible"/>
+                                      </p:to>
+                                    </p:set>
+                                    <p:animEffect transition="in" filter="fade">
+                                      <p:cBhvr>
+                                        <p:cTn id="24" dur="500"/>
+                                        <p:tgtEl>
+                                          <p:spTgt spid="3">
+                                            <p:txEl>
+                                              <p:pRg st="5" end="5"/>
+                                            </p:txEl>
+                                          </p:spTgt>
+                                        </p:tgtEl>
+                                      </p:cBhvr>
+                                    </p:animEffect>
+                                  </p:childTnLst>
+                                </p:cTn>
+                              </p:par>
+                            </p:childTnLst>
+                          </p:cTn>
+                        </p:par>
+                      </p:childTnLst>
+                    </p:cTn>
+                  </p:par>
+                </p:childTnLst>
+              </p:cTn>
+              <p:prevCondLst>
+                <p:cond evt="onPrev" delay="0">
+                  <p:tgtEl>
+                    <p:sldTgt/>
+                  </p:tgtEl>
+                </p:cond>
+              </p:prevCondLst>
+              <p:nextCondLst>
+                <p:cond evt="onNext" delay="0">
+                  <p:tgtEl>
+                    <p:sldTgt/>
+                  </p:tgtEl>
+                </p:cond>
+              </p:nextCondLst>
+            </p:seq>
+          </p:childTnLst>
+        </p:cTn>
+      </p:par>
+    </p:tnLst>
+    <p:bldLst>
+      <p:bldP spid="3" grpId="0" build="p"/>
+    </p:bldLst>
+  </p:timing>
+</p:sld>
+</file>
+
+<file path=ppt/slides/slide20.xml><?xml version="1.0" encoding="utf-8"?>
 <p:sld xmlns:a="http://schemas.openxmlformats.org/drawingml/2006/main" xmlns:r="http://schemas.openxmlformats.org/officeDocument/2006/relationships" xmlns:p="http://schemas.openxmlformats.org/presentationml/2006/main">
   <p:cSld>
     <p:spTree>
@@ -10584,1039 +12200,6 @@
 </p:sld>
 </file>
 
-<file path=ppt/slides/slide2.xml><?xml version="1.0" encoding="utf-8"?>
-<p:sld xmlns:a="http://schemas.openxmlformats.org/drawingml/2006/main" xmlns:r="http://schemas.openxmlformats.org/officeDocument/2006/relationships" xmlns:p="http://schemas.openxmlformats.org/presentationml/2006/main">
-  <p:cSld>
-    <p:spTree>
-      <p:nvGrpSpPr>
-        <p:cNvPr id="1" name=""/>
-        <p:cNvGrpSpPr/>
-        <p:nvPr/>
-      </p:nvGrpSpPr>
-      <p:grpSpPr>
-        <a:xfrm>
-          <a:off x="0" y="0"/>
-          <a:ext cx="0" cy="0"/>
-          <a:chOff x="0" y="0"/>
-          <a:chExt cx="0" cy="0"/>
-        </a:xfrm>
-      </p:grpSpPr>
-      <p:sp>
-        <p:nvSpPr>
-          <p:cNvPr id="6" name="5 Rectángulo"/>
-          <p:cNvSpPr/>
-          <p:nvPr/>
-        </p:nvSpPr>
-        <p:spPr>
-          <a:xfrm>
-            <a:off x="0" y="228600"/>
-            <a:ext cx="9144000" cy="1219200"/>
-          </a:xfrm>
-          <a:prstGeom prst="rect">
-            <a:avLst/>
-          </a:prstGeom>
-          <a:solidFill>
-            <a:schemeClr val="tx2">
-              <a:lumMod val="40000"/>
-              <a:lumOff val="60000"/>
-              <a:alpha val="68000"/>
-            </a:schemeClr>
-          </a:solidFill>
-          <a:ln w="0">
-            <a:noFill/>
-          </a:ln>
-        </p:spPr>
-        <p:style>
-          <a:lnRef idx="2">
-            <a:schemeClr val="accent1">
-              <a:shade val="50000"/>
-            </a:schemeClr>
-          </a:lnRef>
-          <a:fillRef idx="1">
-            <a:schemeClr val="accent1"/>
-          </a:fillRef>
-          <a:effectRef idx="0">
-            <a:schemeClr val="accent1"/>
-          </a:effectRef>
-          <a:fontRef idx="minor">
-            <a:schemeClr val="lt1"/>
-          </a:fontRef>
-        </p:style>
-        <p:txBody>
-          <a:bodyPr rtlCol="0" anchor="ctr"/>
-          <a:lstStyle/>
-          <a:p>
-            <a:pPr algn="ctr"/>
-            <a:endParaRPr lang="es-VE"/>
-          </a:p>
-        </p:txBody>
-      </p:sp>
-      <p:sp>
-        <p:nvSpPr>
-          <p:cNvPr id="2" name="1 Título"/>
-          <p:cNvSpPr>
-            <a:spLocks noGrp="1"/>
-          </p:cNvSpPr>
-          <p:nvPr>
-            <p:ph type="title"/>
-          </p:nvPr>
-        </p:nvSpPr>
-        <p:spPr/>
-        <p:txBody>
-          <a:bodyPr>
-            <a:normAutofit/>
-          </a:bodyPr>
-          <a:lstStyle/>
-          <a:p>
-            <a:r>
-              <a:rPr lang="es-VE" dirty="0" smtClean="0"/>
-              <a:t>Agenda</a:t>
-            </a:r>
-            <a:endParaRPr lang="es-VE" dirty="0"/>
-          </a:p>
-        </p:txBody>
-      </p:sp>
-      <p:sp>
-        <p:nvSpPr>
-          <p:cNvPr id="3" name="2 Marcador de contenido"/>
-          <p:cNvSpPr>
-            <a:spLocks noGrp="1"/>
-          </p:cNvSpPr>
-          <p:nvPr>
-            <p:ph idx="1"/>
-          </p:nvPr>
-        </p:nvSpPr>
-        <p:spPr>
-          <a:xfrm>
-            <a:off x="457200" y="1600201"/>
-            <a:ext cx="8229600" cy="4419600"/>
-          </a:xfrm>
-        </p:spPr>
-        <p:txBody>
-          <a:bodyPr>
-            <a:normAutofit/>
-          </a:bodyPr>
-          <a:lstStyle/>
-          <a:p>
-            <a:r>
-              <a:rPr lang="es-VE" dirty="0" smtClean="0"/>
-              <a:t>Planteamiento del problema.</a:t>
-            </a:r>
-          </a:p>
-          <a:p>
-            <a:r>
-              <a:rPr lang="es-VE" dirty="0" smtClean="0"/>
-              <a:t>Metodología.</a:t>
-            </a:r>
-          </a:p>
-          <a:p>
-            <a:r>
-              <a:rPr lang="es-VE" dirty="0" smtClean="0"/>
-              <a:t>Resultados.</a:t>
-            </a:r>
-          </a:p>
-          <a:p>
-            <a:r>
-              <a:rPr lang="es-VE" dirty="0" smtClean="0"/>
-              <a:t>Conclusiones </a:t>
-            </a:r>
-            <a:r>
-              <a:rPr lang="es-VE" dirty="0" smtClean="0"/>
-              <a:t>y Recomendaciones</a:t>
-            </a:r>
-            <a:r>
-              <a:rPr lang="es-VE" dirty="0" smtClean="0"/>
-              <a:t>.</a:t>
-            </a:r>
-          </a:p>
-          <a:p>
-            <a:r>
-              <a:rPr lang="es-VE" dirty="0" smtClean="0"/>
-              <a:t>Demostración</a:t>
-            </a:r>
-            <a:r>
-              <a:rPr lang="es-VE" dirty="0" smtClean="0"/>
-              <a:t>.</a:t>
-            </a:r>
-            <a:endParaRPr lang="es-VE" dirty="0" smtClean="0"/>
-          </a:p>
-          <a:p>
-            <a:r>
-              <a:rPr lang="es-VE" dirty="0" smtClean="0"/>
-              <a:t>Preguntas.</a:t>
-            </a:r>
-          </a:p>
-          <a:p>
-            <a:endParaRPr lang="es-VE" dirty="0" smtClean="0"/>
-          </a:p>
-          <a:p>
-            <a:endParaRPr lang="es-VE" dirty="0"/>
-          </a:p>
-        </p:txBody>
-      </p:sp>
-      <p:pic>
-        <p:nvPicPr>
-          <p:cNvPr id="4" name="Picture 2" descr="http://runrun.es/wp-content/uploads/2013/03/logo-ucab.jpg"/>
-          <p:cNvPicPr>
-            <a:picLocks noChangeAspect="1" noChangeArrowheads="1"/>
-          </p:cNvPicPr>
-          <p:nvPr/>
-        </p:nvPicPr>
-        <p:blipFill>
-          <a:blip r:embed="rId2" cstate="print"/>
-          <a:srcRect/>
-          <a:stretch>
-            <a:fillRect/>
-          </a:stretch>
-        </p:blipFill>
-        <p:spPr bwMode="auto">
-          <a:xfrm>
-            <a:off x="7249885" y="6481673"/>
-            <a:ext cx="1817915" cy="376327"/>
-          </a:xfrm>
-          <a:prstGeom prst="rect">
-            <a:avLst/>
-          </a:prstGeom>
-          <a:noFill/>
-        </p:spPr>
-      </p:pic>
-      <p:sp>
-        <p:nvSpPr>
-          <p:cNvPr id="5" name="4 CuadroTexto"/>
-          <p:cNvSpPr txBox="1"/>
-          <p:nvPr/>
-        </p:nvSpPr>
-        <p:spPr>
-          <a:xfrm>
-            <a:off x="0" y="6488668"/>
-            <a:ext cx="1577676" cy="369332"/>
-          </a:xfrm>
-          <a:prstGeom prst="rect">
-            <a:avLst/>
-          </a:prstGeom>
-          <a:noFill/>
-        </p:spPr>
-        <p:txBody>
-          <a:bodyPr wrap="none" rtlCol="0">
-            <a:spAutoFit/>
-          </a:bodyPr>
-          <a:lstStyle/>
-          <a:p>
-            <a:r>
-              <a:rPr lang="es-VE" sz="900" dirty="0" smtClean="0"/>
-              <a:t>Luis Felipe </a:t>
-            </a:r>
-            <a:r>
-              <a:rPr lang="es-VE" sz="900" dirty="0" err="1" smtClean="0"/>
-              <a:t>Vicens</a:t>
-            </a:r>
-            <a:r>
-              <a:rPr lang="es-VE" sz="900" dirty="0" smtClean="0"/>
-              <a:t> </a:t>
-            </a:r>
-            <a:r>
-              <a:rPr lang="es-VE" sz="900" dirty="0" err="1" smtClean="0"/>
-              <a:t>Gonzalez</a:t>
-            </a:r>
-            <a:endParaRPr lang="es-VE" sz="900" dirty="0" smtClean="0"/>
-          </a:p>
-          <a:p>
-            <a:r>
-              <a:rPr lang="es-VE" sz="900" dirty="0" err="1" smtClean="0"/>
-              <a:t>Yoshua</a:t>
-            </a:r>
-            <a:r>
-              <a:rPr lang="es-VE" sz="900" dirty="0" smtClean="0"/>
-              <a:t> Alfredo Nava </a:t>
-            </a:r>
-            <a:r>
-              <a:rPr lang="es-VE" sz="900" dirty="0" err="1" smtClean="0"/>
-              <a:t>Chocrón</a:t>
-            </a:r>
-            <a:endParaRPr lang="es-VE" sz="900" dirty="0"/>
-          </a:p>
-        </p:txBody>
-      </p:sp>
-      <p:pic>
-        <p:nvPicPr>
-          <p:cNvPr id="4098" name="Picture 2"/>
-          <p:cNvPicPr>
-            <a:picLocks noChangeAspect="1" noChangeArrowheads="1"/>
-          </p:cNvPicPr>
-          <p:nvPr/>
-        </p:nvPicPr>
-        <p:blipFill>
-          <a:blip r:embed="rId3" cstate="print"/>
-          <a:srcRect l="28865" t="58609" r="29345" b="40202"/>
-          <a:stretch>
-            <a:fillRect/>
-          </a:stretch>
-        </p:blipFill>
-        <p:spPr bwMode="auto">
-          <a:xfrm>
-            <a:off x="1" y="6248400"/>
-            <a:ext cx="9144000" cy="146304"/>
-          </a:xfrm>
-          <a:prstGeom prst="rect">
-            <a:avLst/>
-          </a:prstGeom>
-          <a:noFill/>
-          <a:ln w="9525">
-            <a:noFill/>
-            <a:miter lim="800000"/>
-            <a:headEnd/>
-            <a:tailEnd/>
-          </a:ln>
-        </p:spPr>
-      </p:pic>
-      <p:sp>
-        <p:nvSpPr>
-          <p:cNvPr id="9" name="8 Rectángulo"/>
-          <p:cNvSpPr/>
-          <p:nvPr/>
-        </p:nvSpPr>
-        <p:spPr>
-          <a:xfrm>
-            <a:off x="1981200" y="6627168"/>
-            <a:ext cx="4572000" cy="230832"/>
-          </a:xfrm>
-          <a:prstGeom prst="rect">
-            <a:avLst/>
-          </a:prstGeom>
-        </p:spPr>
-        <p:txBody>
-          <a:bodyPr anchor="b" anchorCtr="1">
-            <a:spAutoFit/>
-          </a:bodyPr>
-          <a:lstStyle/>
-          <a:p>
-            <a:pPr algn="ctr"/>
-            <a:r>
-              <a:rPr lang="es-VE" sz="900" dirty="0" smtClean="0"/>
-              <a:t>Estabilización de un cuadricóptero mediante un algoritmo Proporcional-Integral-Derivativo</a:t>
-            </a:r>
-            <a:endParaRPr lang="es-VE" sz="900" dirty="0"/>
-          </a:p>
-        </p:txBody>
-      </p:sp>
-    </p:spTree>
-  </p:cSld>
-  <p:clrMapOvr>
-    <a:masterClrMapping/>
-  </p:clrMapOvr>
-  <p:transition spd="slow"/>
-  <p:timing>
-    <p:tnLst>
-      <p:par>
-        <p:cTn id="1" dur="indefinite" restart="never" nodeType="tmRoot">
-          <p:childTnLst>
-            <p:seq concurrent="1" nextAc="seek">
-              <p:cTn id="2" dur="indefinite" nodeType="mainSeq">
-                <p:childTnLst>
-                  <p:par>
-                    <p:cTn id="3" fill="hold">
-                      <p:stCondLst>
-                        <p:cond delay="indefinite"/>
-                        <p:cond evt="onBegin" delay="0">
-                          <p:tn val="2"/>
-                        </p:cond>
-                      </p:stCondLst>
-                      <p:childTnLst>
-                        <p:par>
-                          <p:cTn id="4" fill="hold">
-                            <p:stCondLst>
-                              <p:cond delay="0"/>
-                            </p:stCondLst>
-                            <p:childTnLst>
-                              <p:par>
-                                <p:cTn id="5" presetID="10" presetClass="entr" presetSubtype="0" fill="hold" grpId="0" nodeType="withEffect">
-                                  <p:stCondLst>
-                                    <p:cond delay="0"/>
-                                  </p:stCondLst>
-                                  <p:childTnLst>
-                                    <p:set>
-                                      <p:cBhvr>
-                                        <p:cTn id="6" dur="1" fill="hold">
-                                          <p:stCondLst>
-                                            <p:cond delay="0"/>
-                                          </p:stCondLst>
-                                        </p:cTn>
-                                        <p:tgtEl>
-                                          <p:spTgt spid="3">
-                                            <p:txEl>
-                                              <p:pRg st="0" end="0"/>
-                                            </p:txEl>
-                                          </p:spTgt>
-                                        </p:tgtEl>
-                                        <p:attrNameLst>
-                                          <p:attrName>style.visibility</p:attrName>
-                                        </p:attrNameLst>
-                                      </p:cBhvr>
-                                      <p:to>
-                                        <p:strVal val="visible"/>
-                                      </p:to>
-                                    </p:set>
-                                    <p:animEffect transition="in" filter="fade">
-                                      <p:cBhvr>
-                                        <p:cTn id="7" dur="500"/>
-                                        <p:tgtEl>
-                                          <p:spTgt spid="3">
-                                            <p:txEl>
-                                              <p:pRg st="0" end="0"/>
-                                            </p:txEl>
-                                          </p:spTgt>
-                                        </p:tgtEl>
-                                      </p:cBhvr>
-                                    </p:animEffect>
-                                  </p:childTnLst>
-                                </p:cTn>
-                              </p:par>
-                              <p:par>
-                                <p:cTn id="8" presetID="10" presetClass="entr" presetSubtype="0" fill="hold" grpId="0" nodeType="withEffect">
-                                  <p:stCondLst>
-                                    <p:cond delay="0"/>
-                                  </p:stCondLst>
-                                  <p:childTnLst>
-                                    <p:set>
-                                      <p:cBhvr>
-                                        <p:cTn id="9" dur="1" fill="hold">
-                                          <p:stCondLst>
-                                            <p:cond delay="0"/>
-                                          </p:stCondLst>
-                                        </p:cTn>
-                                        <p:tgtEl>
-                                          <p:spTgt spid="3">
-                                            <p:txEl>
-                                              <p:pRg st="1" end="1"/>
-                                            </p:txEl>
-                                          </p:spTgt>
-                                        </p:tgtEl>
-                                        <p:attrNameLst>
-                                          <p:attrName>style.visibility</p:attrName>
-                                        </p:attrNameLst>
-                                      </p:cBhvr>
-                                      <p:to>
-                                        <p:strVal val="visible"/>
-                                      </p:to>
-                                    </p:set>
-                                    <p:animEffect transition="in" filter="fade">
-                                      <p:cBhvr>
-                                        <p:cTn id="10" dur="500"/>
-                                        <p:tgtEl>
-                                          <p:spTgt spid="3">
-                                            <p:txEl>
-                                              <p:pRg st="1" end="1"/>
-                                            </p:txEl>
-                                          </p:spTgt>
-                                        </p:tgtEl>
-                                      </p:cBhvr>
-                                    </p:animEffect>
-                                  </p:childTnLst>
-                                </p:cTn>
-                              </p:par>
-                              <p:par>
-                                <p:cTn id="11" presetID="10" presetClass="entr" presetSubtype="0" fill="hold" grpId="0" nodeType="withEffect">
-                                  <p:stCondLst>
-                                    <p:cond delay="0"/>
-                                  </p:stCondLst>
-                                  <p:childTnLst>
-                                    <p:set>
-                                      <p:cBhvr>
-                                        <p:cTn id="12" dur="1" fill="hold">
-                                          <p:stCondLst>
-                                            <p:cond delay="0"/>
-                                          </p:stCondLst>
-                                        </p:cTn>
-                                        <p:tgtEl>
-                                          <p:spTgt spid="3">
-                                            <p:txEl>
-                                              <p:pRg st="2" end="2"/>
-                                            </p:txEl>
-                                          </p:spTgt>
-                                        </p:tgtEl>
-                                        <p:attrNameLst>
-                                          <p:attrName>style.visibility</p:attrName>
-                                        </p:attrNameLst>
-                                      </p:cBhvr>
-                                      <p:to>
-                                        <p:strVal val="visible"/>
-                                      </p:to>
-                                    </p:set>
-                                    <p:animEffect transition="in" filter="fade">
-                                      <p:cBhvr>
-                                        <p:cTn id="13" dur="500"/>
-                                        <p:tgtEl>
-                                          <p:spTgt spid="3">
-                                            <p:txEl>
-                                              <p:pRg st="2" end="2"/>
-                                            </p:txEl>
-                                          </p:spTgt>
-                                        </p:tgtEl>
-                                      </p:cBhvr>
-                                    </p:animEffect>
-                                  </p:childTnLst>
-                                </p:cTn>
-                              </p:par>
-                              <p:par>
-                                <p:cTn id="14" presetID="10" presetClass="entr" presetSubtype="0" fill="hold" grpId="0" nodeType="withEffect">
-                                  <p:stCondLst>
-                                    <p:cond delay="0"/>
-                                  </p:stCondLst>
-                                  <p:childTnLst>
-                                    <p:set>
-                                      <p:cBhvr>
-                                        <p:cTn id="15" dur="1" fill="hold">
-                                          <p:stCondLst>
-                                            <p:cond delay="0"/>
-                                          </p:stCondLst>
-                                        </p:cTn>
-                                        <p:tgtEl>
-                                          <p:spTgt spid="3">
-                                            <p:txEl>
-                                              <p:pRg st="3" end="3"/>
-                                            </p:txEl>
-                                          </p:spTgt>
-                                        </p:tgtEl>
-                                        <p:attrNameLst>
-                                          <p:attrName>style.visibility</p:attrName>
-                                        </p:attrNameLst>
-                                      </p:cBhvr>
-                                      <p:to>
-                                        <p:strVal val="visible"/>
-                                      </p:to>
-                                    </p:set>
-                                    <p:animEffect transition="in" filter="fade">
-                                      <p:cBhvr>
-                                        <p:cTn id="16" dur="500"/>
-                                        <p:tgtEl>
-                                          <p:spTgt spid="3">
-                                            <p:txEl>
-                                              <p:pRg st="3" end="3"/>
-                                            </p:txEl>
-                                          </p:spTgt>
-                                        </p:tgtEl>
-                                      </p:cBhvr>
-                                    </p:animEffect>
-                                  </p:childTnLst>
-                                </p:cTn>
-                              </p:par>
-                            </p:childTnLst>
-                          </p:cTn>
-                        </p:par>
-                      </p:childTnLst>
-                    </p:cTn>
-                  </p:par>
-                  <p:par>
-                    <p:cTn id="17" fill="hold">
-                      <p:stCondLst>
-                        <p:cond delay="indefinite"/>
-                      </p:stCondLst>
-                      <p:childTnLst>
-                        <p:par>
-                          <p:cTn id="18" fill="hold">
-                            <p:stCondLst>
-                              <p:cond delay="0"/>
-                            </p:stCondLst>
-                            <p:childTnLst>
-                              <p:par>
-                                <p:cTn id="19" presetID="10" presetClass="entr" presetSubtype="0" fill="hold" grpId="0" nodeType="clickEffect">
-                                  <p:stCondLst>
-                                    <p:cond delay="0"/>
-                                  </p:stCondLst>
-                                  <p:childTnLst>
-                                    <p:set>
-                                      <p:cBhvr>
-                                        <p:cTn id="20" dur="1" fill="hold">
-                                          <p:stCondLst>
-                                            <p:cond delay="0"/>
-                                          </p:stCondLst>
-                                        </p:cTn>
-                                        <p:tgtEl>
-                                          <p:spTgt spid="3">
-                                            <p:txEl>
-                                              <p:pRg st="4" end="4"/>
-                                            </p:txEl>
-                                          </p:spTgt>
-                                        </p:tgtEl>
-                                        <p:attrNameLst>
-                                          <p:attrName>style.visibility</p:attrName>
-                                        </p:attrNameLst>
-                                      </p:cBhvr>
-                                      <p:to>
-                                        <p:strVal val="visible"/>
-                                      </p:to>
-                                    </p:set>
-                                    <p:animEffect transition="in" filter="fade">
-                                      <p:cBhvr>
-                                        <p:cTn id="21" dur="500"/>
-                                        <p:tgtEl>
-                                          <p:spTgt spid="3">
-                                            <p:txEl>
-                                              <p:pRg st="4" end="4"/>
-                                            </p:txEl>
-                                          </p:spTgt>
-                                        </p:tgtEl>
-                                      </p:cBhvr>
-                                    </p:animEffect>
-                                  </p:childTnLst>
-                                </p:cTn>
-                              </p:par>
-                              <p:par>
-                                <p:cTn id="22" presetID="10" presetClass="entr" presetSubtype="0" fill="hold" grpId="0" nodeType="withEffect">
-                                  <p:stCondLst>
-                                    <p:cond delay="0"/>
-                                  </p:stCondLst>
-                                  <p:childTnLst>
-                                    <p:set>
-                                      <p:cBhvr>
-                                        <p:cTn id="23" dur="1" fill="hold">
-                                          <p:stCondLst>
-                                            <p:cond delay="0"/>
-                                          </p:stCondLst>
-                                        </p:cTn>
-                                        <p:tgtEl>
-                                          <p:spTgt spid="3">
-                                            <p:txEl>
-                                              <p:pRg st="5" end="5"/>
-                                            </p:txEl>
-                                          </p:spTgt>
-                                        </p:tgtEl>
-                                        <p:attrNameLst>
-                                          <p:attrName>style.visibility</p:attrName>
-                                        </p:attrNameLst>
-                                      </p:cBhvr>
-                                      <p:to>
-                                        <p:strVal val="visible"/>
-                                      </p:to>
-                                    </p:set>
-                                    <p:animEffect transition="in" filter="fade">
-                                      <p:cBhvr>
-                                        <p:cTn id="24" dur="500"/>
-                                        <p:tgtEl>
-                                          <p:spTgt spid="3">
-                                            <p:txEl>
-                                              <p:pRg st="5" end="5"/>
-                                            </p:txEl>
-                                          </p:spTgt>
-                                        </p:tgtEl>
-                                      </p:cBhvr>
-                                    </p:animEffect>
-                                  </p:childTnLst>
-                                </p:cTn>
-                              </p:par>
-                            </p:childTnLst>
-                          </p:cTn>
-                        </p:par>
-                      </p:childTnLst>
-                    </p:cTn>
-                  </p:par>
-                </p:childTnLst>
-              </p:cTn>
-              <p:prevCondLst>
-                <p:cond evt="onPrev" delay="0">
-                  <p:tgtEl>
-                    <p:sldTgt/>
-                  </p:tgtEl>
-                </p:cond>
-              </p:prevCondLst>
-              <p:nextCondLst>
-                <p:cond evt="onNext" delay="0">
-                  <p:tgtEl>
-                    <p:sldTgt/>
-                  </p:tgtEl>
-                </p:cond>
-              </p:nextCondLst>
-            </p:seq>
-          </p:childTnLst>
-        </p:cTn>
-      </p:par>
-    </p:tnLst>
-    <p:bldLst>
-      <p:bldP spid="3" grpId="0" build="p"/>
-    </p:bldLst>
-  </p:timing>
-</p:sld>
-</file>
-
-<file path=ppt/slides/slide20.xml><?xml version="1.0" encoding="utf-8"?>
-<p:sld xmlns:a="http://schemas.openxmlformats.org/drawingml/2006/main" xmlns:r="http://schemas.openxmlformats.org/officeDocument/2006/relationships" xmlns:p="http://schemas.openxmlformats.org/presentationml/2006/main">
-  <p:cSld>
-    <p:spTree>
-      <p:nvGrpSpPr>
-        <p:cNvPr id="1" name=""/>
-        <p:cNvGrpSpPr/>
-        <p:nvPr/>
-      </p:nvGrpSpPr>
-      <p:grpSpPr>
-        <a:xfrm>
-          <a:off x="0" y="0"/>
-          <a:ext cx="0" cy="0"/>
-          <a:chOff x="0" y="0"/>
-          <a:chExt cx="0" cy="0"/>
-        </a:xfrm>
-      </p:grpSpPr>
-      <p:sp>
-        <p:nvSpPr>
-          <p:cNvPr id="6" name="5 Rectángulo"/>
-          <p:cNvSpPr/>
-          <p:nvPr/>
-        </p:nvSpPr>
-        <p:spPr>
-          <a:xfrm>
-            <a:off x="0" y="228600"/>
-            <a:ext cx="9144000" cy="1219200"/>
-          </a:xfrm>
-          <a:prstGeom prst="rect">
-            <a:avLst/>
-          </a:prstGeom>
-          <a:solidFill>
-            <a:schemeClr val="tx2">
-              <a:lumMod val="40000"/>
-              <a:lumOff val="60000"/>
-              <a:alpha val="68000"/>
-            </a:schemeClr>
-          </a:solidFill>
-          <a:ln w="0">
-            <a:noFill/>
-          </a:ln>
-        </p:spPr>
-        <p:style>
-          <a:lnRef idx="2">
-            <a:schemeClr val="accent1">
-              <a:shade val="50000"/>
-            </a:schemeClr>
-          </a:lnRef>
-          <a:fillRef idx="1">
-            <a:schemeClr val="accent1"/>
-          </a:fillRef>
-          <a:effectRef idx="0">
-            <a:schemeClr val="accent1"/>
-          </a:effectRef>
-          <a:fontRef idx="minor">
-            <a:schemeClr val="lt1"/>
-          </a:fontRef>
-        </p:style>
-        <p:txBody>
-          <a:bodyPr rtlCol="0" anchor="ctr"/>
-          <a:lstStyle/>
-          <a:p>
-            <a:pPr algn="ctr"/>
-            <a:endParaRPr lang="es-VE"/>
-          </a:p>
-        </p:txBody>
-      </p:sp>
-      <p:sp>
-        <p:nvSpPr>
-          <p:cNvPr id="2" name="1 Título"/>
-          <p:cNvSpPr>
-            <a:spLocks noGrp="1"/>
-          </p:cNvSpPr>
-          <p:nvPr>
-            <p:ph type="title"/>
-          </p:nvPr>
-        </p:nvSpPr>
-        <p:spPr/>
-        <p:txBody>
-          <a:bodyPr>
-            <a:normAutofit/>
-          </a:bodyPr>
-          <a:lstStyle/>
-          <a:p>
-            <a:r>
-              <a:rPr lang="es-VE" dirty="0" smtClean="0"/>
-              <a:t>Agenda</a:t>
-            </a:r>
-            <a:endParaRPr lang="es-VE" dirty="0"/>
-          </a:p>
-        </p:txBody>
-      </p:sp>
-      <p:sp>
-        <p:nvSpPr>
-          <p:cNvPr id="3" name="2 Marcador de contenido"/>
-          <p:cNvSpPr>
-            <a:spLocks noGrp="1"/>
-          </p:cNvSpPr>
-          <p:nvPr>
-            <p:ph idx="1"/>
-          </p:nvPr>
-        </p:nvSpPr>
-        <p:spPr>
-          <a:xfrm>
-            <a:off x="457200" y="1600201"/>
-            <a:ext cx="8229600" cy="4419600"/>
-          </a:xfrm>
-        </p:spPr>
-        <p:txBody>
-          <a:bodyPr>
-            <a:normAutofit/>
-          </a:bodyPr>
-          <a:lstStyle/>
-          <a:p>
-            <a:r>
-              <a:rPr lang="es-VE" dirty="0" smtClean="0">
-                <a:solidFill>
-                  <a:schemeClr val="bg1">
-                    <a:lumMod val="65000"/>
-                  </a:schemeClr>
-                </a:solidFill>
-              </a:rPr>
-              <a:t>Planteamiento del problema.</a:t>
-            </a:r>
-          </a:p>
-          <a:p>
-            <a:r>
-              <a:rPr lang="es-VE" dirty="0" smtClean="0">
-                <a:solidFill>
-                  <a:schemeClr val="bg1">
-                    <a:lumMod val="65000"/>
-                  </a:schemeClr>
-                </a:solidFill>
-              </a:rPr>
-              <a:t>Metodología.</a:t>
-            </a:r>
-          </a:p>
-          <a:p>
-            <a:r>
-              <a:rPr lang="es-VE" dirty="0" smtClean="0">
-                <a:solidFill>
-                  <a:schemeClr val="bg1">
-                    <a:lumMod val="65000"/>
-                  </a:schemeClr>
-                </a:solidFill>
-              </a:rPr>
-              <a:t>Resultados.</a:t>
-            </a:r>
-          </a:p>
-          <a:p>
-            <a:r>
-              <a:rPr lang="es-VE" dirty="0" smtClean="0">
-                <a:solidFill>
-                  <a:schemeClr val="bg1">
-                    <a:lumMod val="65000"/>
-                  </a:schemeClr>
-                </a:solidFill>
-              </a:rPr>
-              <a:t>Conclusiones </a:t>
-            </a:r>
-            <a:r>
-              <a:rPr lang="es-VE" dirty="0" smtClean="0">
-                <a:solidFill>
-                  <a:schemeClr val="bg1">
-                    <a:lumMod val="65000"/>
-                  </a:schemeClr>
-                </a:solidFill>
-              </a:rPr>
-              <a:t>y Recomendaciones</a:t>
-            </a:r>
-            <a:r>
-              <a:rPr lang="es-VE" dirty="0" smtClean="0">
-                <a:solidFill>
-                  <a:schemeClr val="bg1">
-                    <a:lumMod val="65000"/>
-                  </a:schemeClr>
-                </a:solidFill>
-              </a:rPr>
-              <a:t>.</a:t>
-            </a:r>
-          </a:p>
-          <a:p>
-            <a:r>
-              <a:rPr lang="es-VE" b="1" dirty="0" smtClean="0"/>
-              <a:t>Demostración</a:t>
-            </a:r>
-            <a:r>
-              <a:rPr lang="es-VE" b="1" dirty="0" smtClean="0"/>
-              <a:t>.</a:t>
-            </a:r>
-            <a:endParaRPr lang="es-VE" b="1" dirty="0" smtClean="0">
-              <a:solidFill>
-                <a:schemeClr val="bg1">
-                  <a:lumMod val="65000"/>
-                </a:schemeClr>
-              </a:solidFill>
-            </a:endParaRPr>
-          </a:p>
-          <a:p>
-            <a:r>
-              <a:rPr lang="es-VE" dirty="0" smtClean="0">
-                <a:solidFill>
-                  <a:schemeClr val="bg1">
-                    <a:lumMod val="65000"/>
-                  </a:schemeClr>
-                </a:solidFill>
-              </a:rPr>
-              <a:t>Preguntas.</a:t>
-            </a:r>
-          </a:p>
-          <a:p>
-            <a:endParaRPr lang="es-VE" dirty="0" smtClean="0"/>
-          </a:p>
-          <a:p>
-            <a:endParaRPr lang="es-VE" dirty="0"/>
-          </a:p>
-        </p:txBody>
-      </p:sp>
-      <p:pic>
-        <p:nvPicPr>
-          <p:cNvPr id="4" name="Picture 2" descr="http://runrun.es/wp-content/uploads/2013/03/logo-ucab.jpg"/>
-          <p:cNvPicPr>
-            <a:picLocks noChangeAspect="1" noChangeArrowheads="1"/>
-          </p:cNvPicPr>
-          <p:nvPr/>
-        </p:nvPicPr>
-        <p:blipFill>
-          <a:blip r:embed="rId2" cstate="print"/>
-          <a:srcRect/>
-          <a:stretch>
-            <a:fillRect/>
-          </a:stretch>
-        </p:blipFill>
-        <p:spPr bwMode="auto">
-          <a:xfrm>
-            <a:off x="7249885" y="6481673"/>
-            <a:ext cx="1817915" cy="376327"/>
-          </a:xfrm>
-          <a:prstGeom prst="rect">
-            <a:avLst/>
-          </a:prstGeom>
-          <a:noFill/>
-        </p:spPr>
-      </p:pic>
-      <p:sp>
-        <p:nvSpPr>
-          <p:cNvPr id="5" name="4 CuadroTexto"/>
-          <p:cNvSpPr txBox="1"/>
-          <p:nvPr/>
-        </p:nvSpPr>
-        <p:spPr>
-          <a:xfrm>
-            <a:off x="0" y="6488668"/>
-            <a:ext cx="1577676" cy="369332"/>
-          </a:xfrm>
-          <a:prstGeom prst="rect">
-            <a:avLst/>
-          </a:prstGeom>
-          <a:noFill/>
-        </p:spPr>
-        <p:txBody>
-          <a:bodyPr wrap="none" rtlCol="0">
-            <a:spAutoFit/>
-          </a:bodyPr>
-          <a:lstStyle/>
-          <a:p>
-            <a:r>
-              <a:rPr lang="es-VE" sz="900" dirty="0" smtClean="0"/>
-              <a:t>Luis Felipe </a:t>
-            </a:r>
-            <a:r>
-              <a:rPr lang="es-VE" sz="900" dirty="0" err="1" smtClean="0"/>
-              <a:t>Vicens</a:t>
-            </a:r>
-            <a:r>
-              <a:rPr lang="es-VE" sz="900" dirty="0" smtClean="0"/>
-              <a:t> </a:t>
-            </a:r>
-            <a:r>
-              <a:rPr lang="es-VE" sz="900" dirty="0" err="1" smtClean="0"/>
-              <a:t>Gonzalez</a:t>
-            </a:r>
-            <a:endParaRPr lang="es-VE" sz="900" dirty="0" smtClean="0"/>
-          </a:p>
-          <a:p>
-            <a:r>
-              <a:rPr lang="es-VE" sz="900" dirty="0" err="1" smtClean="0"/>
-              <a:t>Yoshua</a:t>
-            </a:r>
-            <a:r>
-              <a:rPr lang="es-VE" sz="900" dirty="0" smtClean="0"/>
-              <a:t> Alfredo Nava </a:t>
-            </a:r>
-            <a:r>
-              <a:rPr lang="es-VE" sz="900" dirty="0" err="1" smtClean="0"/>
-              <a:t>Chocrón</a:t>
-            </a:r>
-            <a:endParaRPr lang="es-VE" sz="900" dirty="0"/>
-          </a:p>
-        </p:txBody>
-      </p:sp>
-      <p:pic>
-        <p:nvPicPr>
-          <p:cNvPr id="4098" name="Picture 2"/>
-          <p:cNvPicPr>
-            <a:picLocks noChangeAspect="1" noChangeArrowheads="1"/>
-          </p:cNvPicPr>
-          <p:nvPr/>
-        </p:nvPicPr>
-        <p:blipFill>
-          <a:blip r:embed="rId3" cstate="print"/>
-          <a:srcRect l="28865" t="58609" r="29345" b="40202"/>
-          <a:stretch>
-            <a:fillRect/>
-          </a:stretch>
-        </p:blipFill>
-        <p:spPr bwMode="auto">
-          <a:xfrm>
-            <a:off x="1" y="6248400"/>
-            <a:ext cx="9144000" cy="146304"/>
-          </a:xfrm>
-          <a:prstGeom prst="rect">
-            <a:avLst/>
-          </a:prstGeom>
-          <a:noFill/>
-          <a:ln w="9525">
-            <a:noFill/>
-            <a:miter lim="800000"/>
-            <a:headEnd/>
-            <a:tailEnd/>
-          </a:ln>
-        </p:spPr>
-      </p:pic>
-      <p:sp>
-        <p:nvSpPr>
-          <p:cNvPr id="9" name="8 Rectángulo"/>
-          <p:cNvSpPr/>
-          <p:nvPr/>
-        </p:nvSpPr>
-        <p:spPr>
-          <a:xfrm>
-            <a:off x="1981200" y="6627168"/>
-            <a:ext cx="4572000" cy="230832"/>
-          </a:xfrm>
-          <a:prstGeom prst="rect">
-            <a:avLst/>
-          </a:prstGeom>
-        </p:spPr>
-        <p:txBody>
-          <a:bodyPr anchor="b" anchorCtr="1">
-            <a:spAutoFit/>
-          </a:bodyPr>
-          <a:lstStyle/>
-          <a:p>
-            <a:pPr algn="ctr"/>
-            <a:r>
-              <a:rPr lang="es-VE" sz="900" dirty="0" smtClean="0"/>
-              <a:t>Estabilización de un cuadricóptero mediante un algoritmo Proporcional-Integral-Derivativo</a:t>
-            </a:r>
-            <a:endParaRPr lang="es-VE" sz="900" dirty="0"/>
-          </a:p>
-        </p:txBody>
-      </p:sp>
-    </p:spTree>
-  </p:cSld>
-  <p:clrMapOvr>
-    <a:masterClrMapping/>
-  </p:clrMapOvr>
-  <p:transition spd="slow"/>
-  <p:timing>
-    <p:tnLst>
-      <p:par>
-        <p:cTn id="1" dur="indefinite" restart="never" nodeType="tmRoot"/>
-      </p:par>
-    </p:tnLst>
-  </p:timing>
-</p:sld>
-</file>
-
 <file path=ppt/slides/slide21.xml><?xml version="1.0" encoding="utf-8"?>
 <p:sld xmlns:a="http://schemas.openxmlformats.org/drawingml/2006/main" xmlns:r="http://schemas.openxmlformats.org/officeDocument/2006/relationships" xmlns:p="http://schemas.openxmlformats.org/presentationml/2006/main">
   <p:cSld>
@@ -11775,8 +12358,23 @@
                   </a:schemeClr>
                 </a:solidFill>
               </a:rPr>
-              <a:t>Conclusiones </a:t>
-            </a:r>
+              <a:t>Conclusiones y Recomendaciones.</a:t>
+            </a:r>
+          </a:p>
+          <a:p>
+            <a:r>
+              <a:rPr lang="es-VE" b="1" dirty="0" smtClean="0"/>
+              <a:t>Demostración.</a:t>
+            </a:r>
+            <a:endParaRPr lang="es-VE" b="1" dirty="0" smtClean="0">
+              <a:solidFill>
+                <a:schemeClr val="bg1">
+                  <a:lumMod val="65000"/>
+                </a:schemeClr>
+              </a:solidFill>
+            </a:endParaRPr>
+          </a:p>
+          <a:p>
             <a:r>
               <a:rPr lang="es-VE" dirty="0" smtClean="0">
                 <a:solidFill>
@@ -11785,52 +12383,8 @@
                   </a:schemeClr>
                 </a:solidFill>
               </a:rPr>
-              <a:t>y Recomendaciones</a:t>
-            </a:r>
-            <a:r>
-              <a:rPr lang="es-VE" dirty="0" smtClean="0">
-                <a:solidFill>
-                  <a:schemeClr val="bg1">
-                    <a:lumMod val="65000"/>
-                  </a:schemeClr>
-                </a:solidFill>
-              </a:rPr>
-              <a:t>.</a:t>
-            </a:r>
-          </a:p>
-          <a:p>
-            <a:r>
-              <a:rPr lang="es-VE" dirty="0" smtClean="0">
-                <a:solidFill>
-                  <a:schemeClr val="bg1">
-                    <a:lumMod val="65000"/>
-                  </a:schemeClr>
-                </a:solidFill>
-              </a:rPr>
-              <a:t>Demostración.</a:t>
-            </a:r>
-          </a:p>
-          <a:p>
-            <a:r>
-              <a:rPr lang="es-VE" b="1" dirty="0" smtClean="0"/>
               <a:t>Preguntas.</a:t>
             </a:r>
-            <a:endParaRPr lang="es-VE" b="1" dirty="0" smtClean="0">
-              <a:solidFill>
-                <a:schemeClr val="bg1">
-                  <a:lumMod val="65000"/>
-                </a:schemeClr>
-              </a:solidFill>
-            </a:endParaRPr>
-          </a:p>
-          <a:p>
-            <a:endParaRPr lang="es-VE" dirty="0" smtClean="0">
-              <a:solidFill>
-                <a:schemeClr val="bg1">
-                  <a:lumMod val="65000"/>
-                </a:schemeClr>
-              </a:solidFill>
-            </a:endParaRPr>
           </a:p>
           <a:p>
             <a:endParaRPr lang="es-VE" dirty="0" smtClean="0"/>
@@ -12026,6 +12580,370 @@
         </p:nvSpPr>
         <p:spPr>
           <a:xfrm>
+            <a:off x="0" y="228600"/>
+            <a:ext cx="9144000" cy="1219200"/>
+          </a:xfrm>
+          <a:prstGeom prst="rect">
+            <a:avLst/>
+          </a:prstGeom>
+          <a:solidFill>
+            <a:schemeClr val="tx2">
+              <a:lumMod val="40000"/>
+              <a:lumOff val="60000"/>
+              <a:alpha val="68000"/>
+            </a:schemeClr>
+          </a:solidFill>
+          <a:ln w="0">
+            <a:noFill/>
+          </a:ln>
+        </p:spPr>
+        <p:style>
+          <a:lnRef idx="2">
+            <a:schemeClr val="accent1">
+              <a:shade val="50000"/>
+            </a:schemeClr>
+          </a:lnRef>
+          <a:fillRef idx="1">
+            <a:schemeClr val="accent1"/>
+          </a:fillRef>
+          <a:effectRef idx="0">
+            <a:schemeClr val="accent1"/>
+          </a:effectRef>
+          <a:fontRef idx="minor">
+            <a:schemeClr val="lt1"/>
+          </a:fontRef>
+        </p:style>
+        <p:txBody>
+          <a:bodyPr rtlCol="0" anchor="ctr"/>
+          <a:lstStyle/>
+          <a:p>
+            <a:pPr algn="ctr"/>
+            <a:endParaRPr lang="es-VE"/>
+          </a:p>
+        </p:txBody>
+      </p:sp>
+      <p:sp>
+        <p:nvSpPr>
+          <p:cNvPr id="2" name="1 Título"/>
+          <p:cNvSpPr>
+            <a:spLocks noGrp="1"/>
+          </p:cNvSpPr>
+          <p:nvPr>
+            <p:ph type="title"/>
+          </p:nvPr>
+        </p:nvSpPr>
+        <p:spPr/>
+        <p:txBody>
+          <a:bodyPr>
+            <a:normAutofit/>
+          </a:bodyPr>
+          <a:lstStyle/>
+          <a:p>
+            <a:r>
+              <a:rPr lang="es-VE" dirty="0" smtClean="0"/>
+              <a:t>Agenda</a:t>
+            </a:r>
+            <a:endParaRPr lang="es-VE" dirty="0"/>
+          </a:p>
+        </p:txBody>
+      </p:sp>
+      <p:sp>
+        <p:nvSpPr>
+          <p:cNvPr id="3" name="2 Marcador de contenido"/>
+          <p:cNvSpPr>
+            <a:spLocks noGrp="1"/>
+          </p:cNvSpPr>
+          <p:nvPr>
+            <p:ph idx="1"/>
+          </p:nvPr>
+        </p:nvSpPr>
+        <p:spPr>
+          <a:xfrm>
+            <a:off x="457200" y="1600201"/>
+            <a:ext cx="8229600" cy="4419600"/>
+          </a:xfrm>
+        </p:spPr>
+        <p:txBody>
+          <a:bodyPr>
+            <a:normAutofit/>
+          </a:bodyPr>
+          <a:lstStyle/>
+          <a:p>
+            <a:r>
+              <a:rPr lang="es-VE" dirty="0" smtClean="0">
+                <a:solidFill>
+                  <a:schemeClr val="bg1">
+                    <a:lumMod val="65000"/>
+                  </a:schemeClr>
+                </a:solidFill>
+              </a:rPr>
+              <a:t>Planteamiento del problema.</a:t>
+            </a:r>
+          </a:p>
+          <a:p>
+            <a:r>
+              <a:rPr lang="es-VE" dirty="0" smtClean="0">
+                <a:solidFill>
+                  <a:schemeClr val="bg1">
+                    <a:lumMod val="65000"/>
+                  </a:schemeClr>
+                </a:solidFill>
+              </a:rPr>
+              <a:t>Metodología.</a:t>
+            </a:r>
+          </a:p>
+          <a:p>
+            <a:r>
+              <a:rPr lang="es-VE" dirty="0" smtClean="0">
+                <a:solidFill>
+                  <a:schemeClr val="bg1">
+                    <a:lumMod val="65000"/>
+                  </a:schemeClr>
+                </a:solidFill>
+              </a:rPr>
+              <a:t>Resultados.</a:t>
+            </a:r>
+          </a:p>
+          <a:p>
+            <a:r>
+              <a:rPr lang="es-VE" dirty="0" smtClean="0">
+                <a:solidFill>
+                  <a:schemeClr val="bg1">
+                    <a:lumMod val="65000"/>
+                  </a:schemeClr>
+                </a:solidFill>
+              </a:rPr>
+              <a:t>Conclusiones y Recomendaciones.</a:t>
+            </a:r>
+          </a:p>
+          <a:p>
+            <a:r>
+              <a:rPr lang="es-VE" dirty="0" smtClean="0">
+                <a:solidFill>
+                  <a:schemeClr val="bg1">
+                    <a:lumMod val="65000"/>
+                  </a:schemeClr>
+                </a:solidFill>
+              </a:rPr>
+              <a:t>Demostración.</a:t>
+            </a:r>
+          </a:p>
+          <a:p>
+            <a:r>
+              <a:rPr lang="es-VE" b="1" dirty="0" smtClean="0"/>
+              <a:t>Preguntas.</a:t>
+            </a:r>
+            <a:endParaRPr lang="es-VE" b="1" dirty="0" smtClean="0">
+              <a:solidFill>
+                <a:schemeClr val="bg1">
+                  <a:lumMod val="65000"/>
+                </a:schemeClr>
+              </a:solidFill>
+            </a:endParaRPr>
+          </a:p>
+          <a:p>
+            <a:endParaRPr lang="es-VE" dirty="0" smtClean="0">
+              <a:solidFill>
+                <a:schemeClr val="bg1">
+                  <a:lumMod val="65000"/>
+                </a:schemeClr>
+              </a:solidFill>
+            </a:endParaRPr>
+          </a:p>
+          <a:p>
+            <a:endParaRPr lang="es-VE" dirty="0" smtClean="0"/>
+          </a:p>
+          <a:p>
+            <a:endParaRPr lang="es-VE" dirty="0"/>
+          </a:p>
+        </p:txBody>
+      </p:sp>
+      <p:pic>
+        <p:nvPicPr>
+          <p:cNvPr id="4" name="Picture 2" descr="http://runrun.es/wp-content/uploads/2013/03/logo-ucab.jpg"/>
+          <p:cNvPicPr>
+            <a:picLocks noChangeAspect="1" noChangeArrowheads="1"/>
+          </p:cNvPicPr>
+          <p:nvPr/>
+        </p:nvPicPr>
+        <p:blipFill>
+          <a:blip r:embed="rId2" cstate="print"/>
+          <a:srcRect/>
+          <a:stretch>
+            <a:fillRect/>
+          </a:stretch>
+        </p:blipFill>
+        <p:spPr bwMode="auto">
+          <a:xfrm>
+            <a:off x="7249885" y="6481673"/>
+            <a:ext cx="1817915" cy="376327"/>
+          </a:xfrm>
+          <a:prstGeom prst="rect">
+            <a:avLst/>
+          </a:prstGeom>
+          <a:noFill/>
+        </p:spPr>
+      </p:pic>
+      <p:sp>
+        <p:nvSpPr>
+          <p:cNvPr id="5" name="4 CuadroTexto"/>
+          <p:cNvSpPr txBox="1"/>
+          <p:nvPr/>
+        </p:nvSpPr>
+        <p:spPr>
+          <a:xfrm>
+            <a:off x="0" y="6488668"/>
+            <a:ext cx="1577676" cy="369332"/>
+          </a:xfrm>
+          <a:prstGeom prst="rect">
+            <a:avLst/>
+          </a:prstGeom>
+          <a:noFill/>
+        </p:spPr>
+        <p:txBody>
+          <a:bodyPr wrap="none" rtlCol="0">
+            <a:spAutoFit/>
+          </a:bodyPr>
+          <a:lstStyle/>
+          <a:p>
+            <a:r>
+              <a:rPr lang="es-VE" sz="900" dirty="0" smtClean="0"/>
+              <a:t>Luis Felipe </a:t>
+            </a:r>
+            <a:r>
+              <a:rPr lang="es-VE" sz="900" dirty="0" err="1" smtClean="0"/>
+              <a:t>Vicens</a:t>
+            </a:r>
+            <a:r>
+              <a:rPr lang="es-VE" sz="900" dirty="0" smtClean="0"/>
+              <a:t> </a:t>
+            </a:r>
+            <a:r>
+              <a:rPr lang="es-VE" sz="900" dirty="0" err="1" smtClean="0"/>
+              <a:t>Gonzalez</a:t>
+            </a:r>
+            <a:endParaRPr lang="es-VE" sz="900" dirty="0" smtClean="0"/>
+          </a:p>
+          <a:p>
+            <a:r>
+              <a:rPr lang="es-VE" sz="900" dirty="0" err="1" smtClean="0"/>
+              <a:t>Yoshua</a:t>
+            </a:r>
+            <a:r>
+              <a:rPr lang="es-VE" sz="900" dirty="0" smtClean="0"/>
+              <a:t> Alfredo Nava </a:t>
+            </a:r>
+            <a:r>
+              <a:rPr lang="es-VE" sz="900" dirty="0" err="1" smtClean="0"/>
+              <a:t>Chocrón</a:t>
+            </a:r>
+            <a:endParaRPr lang="es-VE" sz="900" dirty="0"/>
+          </a:p>
+        </p:txBody>
+      </p:sp>
+      <p:pic>
+        <p:nvPicPr>
+          <p:cNvPr id="4098" name="Picture 2"/>
+          <p:cNvPicPr>
+            <a:picLocks noChangeAspect="1" noChangeArrowheads="1"/>
+          </p:cNvPicPr>
+          <p:nvPr/>
+        </p:nvPicPr>
+        <p:blipFill>
+          <a:blip r:embed="rId3" cstate="print"/>
+          <a:srcRect l="28865" t="58609" r="29345" b="40202"/>
+          <a:stretch>
+            <a:fillRect/>
+          </a:stretch>
+        </p:blipFill>
+        <p:spPr bwMode="auto">
+          <a:xfrm>
+            <a:off x="1" y="6248400"/>
+            <a:ext cx="9144000" cy="146304"/>
+          </a:xfrm>
+          <a:prstGeom prst="rect">
+            <a:avLst/>
+          </a:prstGeom>
+          <a:noFill/>
+          <a:ln w="9525">
+            <a:noFill/>
+            <a:miter lim="800000"/>
+            <a:headEnd/>
+            <a:tailEnd/>
+          </a:ln>
+        </p:spPr>
+      </p:pic>
+      <p:sp>
+        <p:nvSpPr>
+          <p:cNvPr id="9" name="8 Rectángulo"/>
+          <p:cNvSpPr/>
+          <p:nvPr/>
+        </p:nvSpPr>
+        <p:spPr>
+          <a:xfrm>
+            <a:off x="1981200" y="6627168"/>
+            <a:ext cx="4572000" cy="230832"/>
+          </a:xfrm>
+          <a:prstGeom prst="rect">
+            <a:avLst/>
+          </a:prstGeom>
+        </p:spPr>
+        <p:txBody>
+          <a:bodyPr anchor="b" anchorCtr="1">
+            <a:spAutoFit/>
+          </a:bodyPr>
+          <a:lstStyle/>
+          <a:p>
+            <a:pPr algn="ctr"/>
+            <a:r>
+              <a:rPr lang="es-VE" sz="900" dirty="0" smtClean="0"/>
+              <a:t>Estabilización de un cuadricóptero mediante un algoritmo Proporcional-Integral-Derivativo</a:t>
+            </a:r>
+            <a:endParaRPr lang="es-VE" sz="900" dirty="0"/>
+          </a:p>
+        </p:txBody>
+      </p:sp>
+    </p:spTree>
+  </p:cSld>
+  <p:clrMapOvr>
+    <a:masterClrMapping/>
+  </p:clrMapOvr>
+  <p:transition spd="slow"/>
+  <p:timing>
+    <p:tnLst>
+      <p:par>
+        <p:cTn id="1" dur="indefinite" restart="never" nodeType="tmRoot"/>
+      </p:par>
+    </p:tnLst>
+  </p:timing>
+</p:sld>
+</file>
+
+<file path=ppt/slides/slide23.xml><?xml version="1.0" encoding="utf-8"?>
+<p:sld xmlns:a="http://schemas.openxmlformats.org/drawingml/2006/main" xmlns:r="http://schemas.openxmlformats.org/officeDocument/2006/relationships" xmlns:p="http://schemas.openxmlformats.org/presentationml/2006/main">
+  <p:cSld>
+    <p:spTree>
+      <p:nvGrpSpPr>
+        <p:cNvPr id="1" name=""/>
+        <p:cNvGrpSpPr/>
+        <p:nvPr/>
+      </p:nvGrpSpPr>
+      <p:grpSpPr>
+        <a:xfrm>
+          <a:off x="0" y="0"/>
+          <a:ext cx="0" cy="0"/>
+          <a:chOff x="0" y="0"/>
+          <a:chExt cx="0" cy="0"/>
+        </a:xfrm>
+      </p:grpSpPr>
+      <p:sp>
+        <p:nvSpPr>
+          <p:cNvPr id="6" name="5 Rectángulo"/>
+          <p:cNvSpPr/>
+          <p:nvPr/>
+        </p:nvSpPr>
+        <p:spPr>
+          <a:xfrm>
             <a:off x="0" y="2590800"/>
             <a:ext cx="9144000" cy="1219200"/>
           </a:xfrm>
@@ -12441,8 +13359,10 @@
                   </a:schemeClr>
                 </a:solidFill>
               </a:rPr>
-              <a:t>Conclusiones </a:t>
-            </a:r>
+              <a:t>Conclusiones y Recomendaciones.</a:t>
+            </a:r>
+          </a:p>
+          <a:p>
             <a:r>
               <a:rPr lang="es-VE" dirty="0" smtClean="0">
                 <a:solidFill>
@@ -12451,47 +13371,8 @@
                   </a:schemeClr>
                 </a:solidFill>
               </a:rPr>
-              <a:t>y Recomendaciones</a:t>
-            </a:r>
-            <a:r>
-              <a:rPr lang="es-VE" dirty="0" smtClean="0">
-                <a:solidFill>
-                  <a:schemeClr val="bg1">
-                    <a:lumMod val="65000"/>
-                  </a:schemeClr>
-                </a:solidFill>
-              </a:rPr>
-              <a:t>.</a:t>
-            </a:r>
-          </a:p>
-          <a:p>
-            <a:r>
-              <a:rPr lang="es-VE" dirty="0" smtClean="0">
-                <a:solidFill>
-                  <a:schemeClr val="bg1">
-                    <a:lumMod val="65000"/>
-                  </a:schemeClr>
-                </a:solidFill>
-              </a:rPr>
-              <a:t>Demostración</a:t>
-            </a:r>
-            <a:r>
-              <a:rPr lang="es-VE" dirty="0" smtClean="0">
-                <a:solidFill>
-                  <a:schemeClr val="bg1">
-                    <a:lumMod val="65000"/>
-                  </a:schemeClr>
-                </a:solidFill>
-              </a:rPr>
-              <a:t>.</a:t>
-            </a:r>
-            <a:endParaRPr lang="es-VE" dirty="0" smtClean="0">
-              <a:solidFill>
-                <a:schemeClr val="bg1">
-                  <a:lumMod val="65000"/>
-                </a:schemeClr>
-              </a:solidFill>
-            </a:endParaRPr>
+              <a:t>Demostración.</a:t>
+            </a:r>
           </a:p>
           <a:p>
             <a:r>
@@ -14465,8 +15346,10 @@
                   </a:schemeClr>
                 </a:solidFill>
               </a:rPr>
-              <a:t>Conclusiones </a:t>
-            </a:r>
+              <a:t>Conclusiones y Recomendaciones.</a:t>
+            </a:r>
+          </a:p>
+          <a:p>
             <a:r>
               <a:rPr lang="es-VE" dirty="0" smtClean="0">
                 <a:solidFill>
@@ -14475,47 +15358,8 @@
                   </a:schemeClr>
                 </a:solidFill>
               </a:rPr>
-              <a:t>y Recomendaciones</a:t>
-            </a:r>
-            <a:r>
-              <a:rPr lang="es-VE" dirty="0" smtClean="0">
-                <a:solidFill>
-                  <a:schemeClr val="bg1">
-                    <a:lumMod val="65000"/>
-                  </a:schemeClr>
-                </a:solidFill>
-              </a:rPr>
-              <a:t>.</a:t>
-            </a:r>
-          </a:p>
-          <a:p>
-            <a:r>
-              <a:rPr lang="es-VE" dirty="0" smtClean="0">
-                <a:solidFill>
-                  <a:schemeClr val="bg1">
-                    <a:lumMod val="65000"/>
-                  </a:schemeClr>
-                </a:solidFill>
-              </a:rPr>
-              <a:t>Demostración</a:t>
-            </a:r>
-            <a:r>
-              <a:rPr lang="es-VE" dirty="0" smtClean="0">
-                <a:solidFill>
-                  <a:schemeClr val="bg1">
-                    <a:lumMod val="65000"/>
-                  </a:schemeClr>
-                </a:solidFill>
-              </a:rPr>
-              <a:t>.</a:t>
-            </a:r>
-            <a:endParaRPr lang="es-VE" dirty="0" smtClean="0">
-              <a:solidFill>
-                <a:schemeClr val="bg1">
-                  <a:lumMod val="65000"/>
-                </a:schemeClr>
-              </a:solidFill>
-            </a:endParaRPr>
+              <a:t>Demostración.</a:t>
+            </a:r>
           </a:p>
           <a:p>
             <a:r>
@@ -15356,8 +16200,10 @@
                   </a:schemeClr>
                 </a:solidFill>
               </a:rPr>
-              <a:t>Conclusiones </a:t>
-            </a:r>
+              <a:t>Conclusiones y Recomendaciones.</a:t>
+            </a:r>
+          </a:p>
+          <a:p>
             <a:r>
               <a:rPr lang="es-VE" dirty="0" smtClean="0">
                 <a:solidFill>
@@ -15366,47 +16212,8 @@
                   </a:schemeClr>
                 </a:solidFill>
               </a:rPr>
-              <a:t>y Recomendaciones</a:t>
-            </a:r>
-            <a:r>
-              <a:rPr lang="es-VE" dirty="0" smtClean="0">
-                <a:solidFill>
-                  <a:schemeClr val="bg1">
-                    <a:lumMod val="65000"/>
-                  </a:schemeClr>
-                </a:solidFill>
-              </a:rPr>
-              <a:t>.</a:t>
-            </a:r>
-          </a:p>
-          <a:p>
-            <a:r>
-              <a:rPr lang="es-VE" dirty="0" smtClean="0">
-                <a:solidFill>
-                  <a:schemeClr val="bg1">
-                    <a:lumMod val="65000"/>
-                  </a:schemeClr>
-                </a:solidFill>
-              </a:rPr>
-              <a:t>Demostración</a:t>
-            </a:r>
-            <a:r>
-              <a:rPr lang="es-VE" dirty="0" smtClean="0">
-                <a:solidFill>
-                  <a:schemeClr val="bg1">
-                    <a:lumMod val="65000"/>
-                  </a:schemeClr>
-                </a:solidFill>
-              </a:rPr>
-              <a:t>.</a:t>
-            </a:r>
-            <a:endParaRPr lang="es-VE" dirty="0" smtClean="0">
-              <a:solidFill>
-                <a:schemeClr val="bg1">
-                  <a:lumMod val="65000"/>
-                </a:schemeClr>
-              </a:solidFill>
-            </a:endParaRPr>
+              <a:t>Demostración.</a:t>
+            </a:r>
           </a:p>
           <a:p>
             <a:r>
@@ -16153,4 +16960,283 @@
   <a:objectDefaults/>
   <a:extraClrSchemeLst/>
 </a:theme>
+</file>
+
+<file path=ppt/theme/themeOverride1.xml><?xml version="1.0" encoding="utf-8"?>
+<a:themeOverride xmlns:a="http://schemas.openxmlformats.org/drawingml/2006/main">
+  <a:clrScheme name="Office">
+    <a:dk1>
+      <a:sysClr val="windowText" lastClr="000000"/>
+    </a:dk1>
+    <a:lt1>
+      <a:sysClr val="window" lastClr="FFFFFF"/>
+    </a:lt1>
+    <a:dk2>
+      <a:srgbClr val="1F497D"/>
+    </a:dk2>
+    <a:lt2>
+      <a:srgbClr val="EEECE1"/>
+    </a:lt2>
+    <a:accent1>
+      <a:srgbClr val="4F81BD"/>
+    </a:accent1>
+    <a:accent2>
+      <a:srgbClr val="C0504D"/>
+    </a:accent2>
+    <a:accent3>
+      <a:srgbClr val="9BBB59"/>
+    </a:accent3>
+    <a:accent4>
+      <a:srgbClr val="8064A2"/>
+    </a:accent4>
+    <a:accent5>
+      <a:srgbClr val="4BACC6"/>
+    </a:accent5>
+    <a:accent6>
+      <a:srgbClr val="F79646"/>
+    </a:accent6>
+    <a:hlink>
+      <a:srgbClr val="0000FF"/>
+    </a:hlink>
+    <a:folHlink>
+      <a:srgbClr val="800080"/>
+    </a:folHlink>
+  </a:clrScheme>
+  <a:fontScheme name="Office">
+    <a:majorFont>
+      <a:latin typeface="Cambria"/>
+      <a:ea typeface=""/>
+      <a:cs typeface=""/>
+      <a:font script="Jpan" typeface="ＭＳ ゴシック"/>
+      <a:font script="Hang" typeface="맑은 고딕"/>
+      <a:font script="Hans" typeface="宋体"/>
+      <a:font script="Hant" typeface="新細明體"/>
+      <a:font script="Arab" typeface="Times New Roman"/>
+      <a:font script="Hebr" typeface="Times New Roman"/>
+      <a:font script="Thai" typeface="Angsana New"/>
+      <a:font script="Ethi" typeface="Nyala"/>
+      <a:font script="Beng" typeface="Vrinda"/>
+      <a:font script="Gujr" typeface="Shruti"/>
+      <a:font script="Khmr" typeface="MoolBoran"/>
+      <a:font script="Knda" typeface="Tunga"/>
+      <a:font script="Guru" typeface="Raavi"/>
+      <a:font script="Cans" typeface="Euphemia"/>
+      <a:font script="Cher" typeface="Plantagenet Cherokee"/>
+      <a:font script="Yiii" typeface="Microsoft Yi Baiti"/>
+      <a:font script="Tibt" typeface="Microsoft Himalaya"/>
+      <a:font script="Thaa" typeface="MV Boli"/>
+      <a:font script="Deva" typeface="Mangal"/>
+      <a:font script="Telu" typeface="Gautami"/>
+      <a:font script="Taml" typeface="Latha"/>
+      <a:font script="Syrc" typeface="Estrangelo Edessa"/>
+      <a:font script="Orya" typeface="Kalinga"/>
+      <a:font script="Mlym" typeface="Kartika"/>
+      <a:font script="Laoo" typeface="DokChampa"/>
+      <a:font script="Sinh" typeface="Iskoola Pota"/>
+      <a:font script="Mong" typeface="Mongolian Baiti"/>
+      <a:font script="Viet" typeface="Times New Roman"/>
+      <a:font script="Uigh" typeface="Microsoft Uighur"/>
+    </a:majorFont>
+    <a:minorFont>
+      <a:latin typeface="Calibri"/>
+      <a:ea typeface=""/>
+      <a:cs typeface=""/>
+      <a:font script="Jpan" typeface="ＭＳ 明朝"/>
+      <a:font script="Hang" typeface="맑은 고딕"/>
+      <a:font script="Hans" typeface="宋体"/>
+      <a:font script="Hant" typeface="新細明體"/>
+      <a:font script="Arab" typeface="Arial"/>
+      <a:font script="Hebr" typeface="Arial"/>
+      <a:font script="Thai" typeface="Cordia New"/>
+      <a:font script="Ethi" typeface="Nyala"/>
+      <a:font script="Beng" typeface="Vrinda"/>
+      <a:font script="Gujr" typeface="Shruti"/>
+      <a:font script="Khmr" typeface="DaunPenh"/>
+      <a:font script="Knda" typeface="Tunga"/>
+      <a:font script="Guru" typeface="Raavi"/>
+      <a:font script="Cans" typeface="Euphemia"/>
+      <a:font script="Cher" typeface="Plantagenet Cherokee"/>
+      <a:font script="Yiii" typeface="Microsoft Yi Baiti"/>
+      <a:font script="Tibt" typeface="Microsoft Himalaya"/>
+      <a:font script="Thaa" typeface="MV Boli"/>
+      <a:font script="Deva" typeface="Mangal"/>
+      <a:font script="Telu" typeface="Gautami"/>
+      <a:font script="Taml" typeface="Latha"/>
+      <a:font script="Syrc" typeface="Estrangelo Edessa"/>
+      <a:font script="Orya" typeface="Kalinga"/>
+      <a:font script="Mlym" typeface="Kartika"/>
+      <a:font script="Laoo" typeface="DokChampa"/>
+      <a:font script="Sinh" typeface="Iskoola Pota"/>
+      <a:font script="Mong" typeface="Mongolian Baiti"/>
+      <a:font script="Viet" typeface="Arial"/>
+      <a:font script="Uigh" typeface="Microsoft Uighur"/>
+    </a:minorFont>
+  </a:fontScheme>
+  <a:fmtScheme name="Office">
+    <a:fillStyleLst>
+      <a:solidFill>
+        <a:schemeClr val="phClr"/>
+      </a:solidFill>
+      <a:gradFill rotWithShape="1">
+        <a:gsLst>
+          <a:gs pos="0">
+            <a:schemeClr val="phClr">
+              <a:tint val="50000"/>
+              <a:satMod val="300000"/>
+            </a:schemeClr>
+          </a:gs>
+          <a:gs pos="35000">
+            <a:schemeClr val="phClr">
+              <a:tint val="37000"/>
+              <a:satMod val="300000"/>
+            </a:schemeClr>
+          </a:gs>
+          <a:gs pos="100000">
+            <a:schemeClr val="phClr">
+              <a:tint val="15000"/>
+              <a:satMod val="350000"/>
+            </a:schemeClr>
+          </a:gs>
+        </a:gsLst>
+        <a:lin ang="16200000" scaled="1"/>
+      </a:gradFill>
+      <a:gradFill rotWithShape="1">
+        <a:gsLst>
+          <a:gs pos="0">
+            <a:schemeClr val="phClr">
+              <a:shade val="51000"/>
+              <a:satMod val="130000"/>
+            </a:schemeClr>
+          </a:gs>
+          <a:gs pos="80000">
+            <a:schemeClr val="phClr">
+              <a:shade val="93000"/>
+              <a:satMod val="130000"/>
+            </a:schemeClr>
+          </a:gs>
+          <a:gs pos="100000">
+            <a:schemeClr val="phClr">
+              <a:shade val="94000"/>
+              <a:satMod val="135000"/>
+            </a:schemeClr>
+          </a:gs>
+        </a:gsLst>
+        <a:lin ang="16200000" scaled="0"/>
+      </a:gradFill>
+    </a:fillStyleLst>
+    <a:lnStyleLst>
+      <a:ln w="9525" cap="flat" cmpd="sng" algn="ctr">
+        <a:solidFill>
+          <a:schemeClr val="phClr">
+            <a:shade val="95000"/>
+            <a:satMod val="105000"/>
+          </a:schemeClr>
+        </a:solidFill>
+        <a:prstDash val="solid"/>
+      </a:ln>
+      <a:ln w="25400" cap="flat" cmpd="sng" algn="ctr">
+        <a:solidFill>
+          <a:schemeClr val="phClr"/>
+        </a:solidFill>
+        <a:prstDash val="solid"/>
+      </a:ln>
+      <a:ln w="38100" cap="flat" cmpd="sng" algn="ctr">
+        <a:solidFill>
+          <a:schemeClr val="phClr"/>
+        </a:solidFill>
+        <a:prstDash val="solid"/>
+      </a:ln>
+    </a:lnStyleLst>
+    <a:effectStyleLst>
+      <a:effectStyle>
+        <a:effectLst>
+          <a:outerShdw blurRad="40000" dist="20000" dir="5400000" rotWithShape="0">
+            <a:srgbClr val="000000">
+              <a:alpha val="38000"/>
+            </a:srgbClr>
+          </a:outerShdw>
+        </a:effectLst>
+      </a:effectStyle>
+      <a:effectStyle>
+        <a:effectLst>
+          <a:outerShdw blurRad="40000" dist="23000" dir="5400000" rotWithShape="0">
+            <a:srgbClr val="000000">
+              <a:alpha val="35000"/>
+            </a:srgbClr>
+          </a:outerShdw>
+        </a:effectLst>
+      </a:effectStyle>
+      <a:effectStyle>
+        <a:effectLst>
+          <a:outerShdw blurRad="40000" dist="23000" dir="5400000" rotWithShape="0">
+            <a:srgbClr val="000000">
+              <a:alpha val="35000"/>
+            </a:srgbClr>
+          </a:outerShdw>
+        </a:effectLst>
+        <a:scene3d>
+          <a:camera prst="orthographicFront">
+            <a:rot lat="0" lon="0" rev="0"/>
+          </a:camera>
+          <a:lightRig rig="threePt" dir="t">
+            <a:rot lat="0" lon="0" rev="1200000"/>
+          </a:lightRig>
+        </a:scene3d>
+        <a:sp3d>
+          <a:bevelT w="63500" h="25400"/>
+        </a:sp3d>
+      </a:effectStyle>
+    </a:effectStyleLst>
+    <a:bgFillStyleLst>
+      <a:solidFill>
+        <a:schemeClr val="phClr"/>
+      </a:solidFill>
+      <a:gradFill rotWithShape="1">
+        <a:gsLst>
+          <a:gs pos="0">
+            <a:schemeClr val="phClr">
+              <a:tint val="40000"/>
+              <a:satMod val="350000"/>
+            </a:schemeClr>
+          </a:gs>
+          <a:gs pos="40000">
+            <a:schemeClr val="phClr">
+              <a:tint val="45000"/>
+              <a:shade val="99000"/>
+              <a:satMod val="350000"/>
+            </a:schemeClr>
+          </a:gs>
+          <a:gs pos="100000">
+            <a:schemeClr val="phClr">
+              <a:shade val="20000"/>
+              <a:satMod val="255000"/>
+            </a:schemeClr>
+          </a:gs>
+        </a:gsLst>
+        <a:path path="circle">
+          <a:fillToRect l="50000" t="-80000" r="50000" b="180000"/>
+        </a:path>
+      </a:gradFill>
+      <a:gradFill rotWithShape="1">
+        <a:gsLst>
+          <a:gs pos="0">
+            <a:schemeClr val="phClr">
+              <a:tint val="80000"/>
+              <a:satMod val="300000"/>
+            </a:schemeClr>
+          </a:gs>
+          <a:gs pos="100000">
+            <a:schemeClr val="phClr">
+              <a:shade val="30000"/>
+              <a:satMod val="200000"/>
+            </a:schemeClr>
+          </a:gs>
+        </a:gsLst>
+        <a:path path="circle">
+          <a:fillToRect l="50000" t="50000" r="50000" b="50000"/>
+        </a:path>
+      </a:gradFill>
+    </a:bgFillStyleLst>
+  </a:fmtScheme>
+</a:themeOverride>
 </file>
--- a/Documento/Defensa TEG animaciones.pptx
+++ b/Documento/Defensa TEG animaciones.pptx
@@ -135,7 +135,7 @@
 <file path=ppt/charts/chart1.xml><?xml version="1.0" encoding="utf-8"?>
 <c:chartSpace xmlns:c="http://schemas.openxmlformats.org/drawingml/2006/chart" xmlns:a="http://schemas.openxmlformats.org/drawingml/2006/main" xmlns:r="http://schemas.openxmlformats.org/officeDocument/2006/relationships">
   <c:date1904 val="1"/>
-  <c:lang val="es-VE"/>
+  <c:lang val="en-US"/>
   <c:clrMapOvr bg1="lt1" tx1="dk1" bg2="lt2" tx2="dk2" accent1="accent1" accent2="accent2" accent3="accent3" accent4="accent4" accent5="accent5" accent6="accent6" hlink="hlink" folHlink="folHlink"/>
   <c:chart>
     <c:title>
@@ -235,11 +235,11 @@
             </c:numRef>
           </c:yVal>
         </c:ser>
-        <c:axId val="123566336"/>
-        <c:axId val="123486592"/>
+        <c:axId val="88033152"/>
+        <c:axId val="88142976"/>
       </c:scatterChart>
       <c:valAx>
-        <c:axId val="123566336"/>
+        <c:axId val="88033152"/>
         <c:scaling>
           <c:orientation val="minMax"/>
         </c:scaling>
@@ -288,12 +288,12 @@
             <a:round/>
           </a:ln>
         </c:spPr>
-        <c:crossAx val="123486592"/>
+        <c:crossAx val="88142976"/>
         <c:crossesAt val="0"/>
         <c:crossBetween val="midCat"/>
       </c:valAx>
       <c:valAx>
-        <c:axId val="123486592"/>
+        <c:axId val="88142976"/>
         <c:scaling>
           <c:orientation val="minMax"/>
           <c:max val="100"/>
@@ -343,7 +343,7 @@
             <a:round/>
           </a:ln>
         </c:spPr>
-        <c:crossAx val="123566336"/>
+        <c:crossAx val="88033152"/>
         <c:crossesAt val="0"/>
         <c:crossBetween val="midCat"/>
       </c:valAx>
@@ -454,7 +454,7 @@
             <a:fld id="{A17EFB24-B8E6-47B6-AF1C-3FF6B5A16A31}" type="datetimeFigureOut">
               <a:rPr lang="es-VE" smtClean="0"/>
               <a:pPr/>
-              <a:t>26-01-2015</a:t>
+              <a:t>26/01/2015</a:t>
             </a:fld>
             <a:endParaRPr lang="es-VE"/>
           </a:p>
@@ -625,7 +625,7 @@
     </p:spTree>
     <p:extLst>
       <p:ext uri="{BB962C8B-B14F-4D97-AF65-F5344CB8AC3E}">
-        <p14:creationId xmlns:p14="http://schemas.microsoft.com/office/powerpoint/2010/main" xmlns="" val="2929960866"/>
+        <p14:creationId xmlns="" xmlns:p14="http://schemas.microsoft.com/office/powerpoint/2010/main" val="2929960866"/>
       </p:ext>
     </p:extLst>
   </p:cSld>
@@ -4433,24 +4433,15 @@
                                   </p:childTnLst>
                                 </p:cTn>
                               </p:par>
-                            </p:childTnLst>
-                          </p:cTn>
-                        </p:par>
-                        <p:par>
-                          <p:cTn id="8" fill="hold">
-                            <p:stCondLst>
-                              <p:cond delay="500"/>
-                            </p:stCondLst>
-                            <p:childTnLst>
                               <p:par>
-                                <p:cTn id="9" presetID="10" presetClass="entr" presetSubtype="0" fill="hold" grpId="0" nodeType="afterEffect">
+                                <p:cTn id="8" presetID="10" presetClass="entr" presetSubtype="0" fill="hold" grpId="0" nodeType="withEffect">
                                   <p:stCondLst>
                                     <p:cond delay="0"/>
                                   </p:stCondLst>
                                   <p:childTnLst>
                                     <p:set>
                                       <p:cBhvr>
-                                        <p:cTn id="10" dur="1" fill="hold">
+                                        <p:cTn id="9" dur="1" fill="hold">
                                           <p:stCondLst>
                                             <p:cond delay="0"/>
                                           </p:stCondLst>
@@ -4472,7 +4463,7 @@
                                     </p:set>
                                     <p:animEffect transition="in" filter="fade">
                                       <p:cBhvr>
-                                        <p:cTn id="11" dur="500"/>
+                                        <p:cTn id="10" dur="500"/>
                                         <p:tgtEl>
                                           <p:spTgt spid="3">
                                             <p:txEl>
@@ -4486,14 +4477,14 @@
                                 </p:cTn>
                               </p:par>
                               <p:par>
-                                <p:cTn id="12" presetID="10" presetClass="entr" presetSubtype="0" fill="hold" nodeType="withEffect">
+                                <p:cTn id="11" presetID="10" presetClass="entr" presetSubtype="0" fill="hold" nodeType="withEffect">
                                   <p:stCondLst>
                                     <p:cond delay="0"/>
                                   </p:stCondLst>
                                   <p:childTnLst>
                                     <p:set>
                                       <p:cBhvr>
-                                        <p:cTn id="13" dur="1" fill="hold">
+                                        <p:cTn id="12" dur="1" fill="hold">
                                           <p:stCondLst>
                                             <p:cond delay="0"/>
                                           </p:stCondLst>
@@ -4511,7 +4502,7 @@
                                     </p:set>
                                     <p:animEffect transition="in" filter="fade">
                                       <p:cBhvr>
-                                        <p:cTn id="14" dur="2000"/>
+                                        <p:cTn id="13" dur="500"/>
                                         <p:tgtEl>
                                           <p:spTgt spid="10"/>
                                         </p:tgtEl>
@@ -4527,26 +4518,26 @@
                     </p:cTn>
                   </p:par>
                   <p:par>
-                    <p:cTn id="15" fill="hold">
+                    <p:cTn id="14" fill="hold">
                       <p:stCondLst>
                         <p:cond delay="indefinite"/>
                       </p:stCondLst>
                       <p:childTnLst>
                         <p:par>
-                          <p:cTn id="16" fill="hold">
+                          <p:cTn id="15" fill="hold">
                             <p:stCondLst>
                               <p:cond delay="0"/>
                             </p:stCondLst>
                             <p:childTnLst>
                               <p:par>
-                                <p:cTn id="17" presetID="10" presetClass="entr" presetSubtype="0" fill="hold" grpId="0" nodeType="clickEffect">
+                                <p:cTn id="16" presetID="10" presetClass="entr" presetSubtype="0" fill="hold" grpId="0" nodeType="clickEffect">
                                   <p:stCondLst>
                                     <p:cond delay="0"/>
                                   </p:stCondLst>
                                   <p:childTnLst>
                                     <p:set>
                                       <p:cBhvr>
-                                        <p:cTn id="18" dur="1" fill="hold">
+                                        <p:cTn id="17" dur="1" fill="hold">
                                           <p:stCondLst>
                                             <p:cond delay="0"/>
                                           </p:stCondLst>
@@ -4568,7 +4559,7 @@
                                     </p:set>
                                     <p:animEffect transition="in" filter="fade">
                                       <p:cBhvr>
-                                        <p:cTn id="19" dur="500"/>
+                                        <p:cTn id="18" dur="500"/>
                                         <p:tgtEl>
                                           <p:spTgt spid="3">
                                             <p:txEl>
@@ -4582,14 +4573,14 @@
                                 </p:cTn>
                               </p:par>
                               <p:par>
-                                <p:cTn id="20" presetID="10" presetClass="entr" presetSubtype="0" fill="hold" nodeType="withEffect">
+                                <p:cTn id="19" presetID="10" presetClass="entr" presetSubtype="0" fill="hold" nodeType="withEffect">
                                   <p:stCondLst>
                                     <p:cond delay="0"/>
                                   </p:stCondLst>
                                   <p:childTnLst>
                                     <p:set>
                                       <p:cBhvr>
-                                        <p:cTn id="21" dur="1" fill="hold">
+                                        <p:cTn id="20" dur="1" fill="hold">
                                           <p:stCondLst>
                                             <p:cond delay="0"/>
                                           </p:stCondLst>
@@ -4607,7 +4598,7 @@
                                     </p:set>
                                     <p:animEffect transition="in" filter="fade">
                                       <p:cBhvr>
-                                        <p:cTn id="22" dur="2000"/>
+                                        <p:cTn id="21" dur="500"/>
                                         <p:tgtEl>
                                           <p:spTgt spid="11"/>
                                         </p:tgtEl>
@@ -4617,14 +4608,14 @@
                                 </p:cTn>
                               </p:par>
                               <p:par>
-                                <p:cTn id="23" presetID="10" presetClass="exit" presetSubtype="0" fill="hold" nodeType="withEffect">
+                                <p:cTn id="22" presetID="10" presetClass="exit" presetSubtype="0" fill="hold" nodeType="withEffect">
                                   <p:stCondLst>
                                     <p:cond delay="0"/>
                                   </p:stCondLst>
                                   <p:childTnLst>
                                     <p:animEffect transition="out" filter="fade">
                                       <p:cBhvr>
-                                        <p:cTn id="24" dur="2000"/>
+                                        <p:cTn id="23" dur="500"/>
                                         <p:tgtEl>
                                           <p:spTgt spid="10"/>
                                         </p:tgtEl>
@@ -4632,9 +4623,9 @@
                                     </p:animEffect>
                                     <p:set>
                                       <p:cBhvr>
-                                        <p:cTn id="25" dur="1" fill="hold">
+                                        <p:cTn id="24" dur="1" fill="hold">
                                           <p:stCondLst>
-                                            <p:cond delay="1999"/>
+                                            <p:cond delay="499"/>
                                           </p:stCondLst>
                                         </p:cTn>
                                         <p:tgtEl>
@@ -4808,13 +4799,8 @@
             <a:pPr lvl="1"/>
             <a:r>
               <a:rPr lang="es-VE" dirty="0" smtClean="0"/>
-              <a:t>Algoritmos de estimación de posición y velocidad angular</a:t>
-            </a:r>
-            <a:r>
-              <a:rPr lang="es-VE" dirty="0" smtClean="0"/>
-              <a:t>.</a:t>
-            </a:r>
-            <a:endParaRPr lang="es-VE" dirty="0" smtClean="0"/>
+              <a:t>Algoritmos de estimación de posición y velocidad angular.</a:t>
+            </a:r>
           </a:p>
         </p:txBody>
       </p:sp>
@@ -5053,7 +5039,7 @@
                             </p:stCondLst>
                             <p:childTnLst>
                               <p:par>
-                                <p:cTn id="5" presetID="10" presetClass="entr" presetSubtype="0" fill="hold" grpId="0" nodeType="afterEffect">
+                                <p:cTn id="5" presetID="10" presetClass="entr" presetSubtype="0" fill="hold" grpId="0" nodeType="withEffect">
                                   <p:stCondLst>
                                     <p:cond delay="0"/>
                                   </p:stCondLst>
@@ -5095,24 +5081,15 @@
                                   </p:childTnLst>
                                 </p:cTn>
                               </p:par>
-                            </p:childTnLst>
-                          </p:cTn>
-                        </p:par>
-                        <p:par>
-                          <p:cTn id="8" fill="hold">
-                            <p:stCondLst>
-                              <p:cond delay="500"/>
-                            </p:stCondLst>
-                            <p:childTnLst>
                               <p:par>
-                                <p:cTn id="9" presetID="10" presetClass="entr" presetSubtype="0" fill="hold" grpId="0" nodeType="afterEffect">
+                                <p:cTn id="8" presetID="10" presetClass="entr" presetSubtype="0" fill="hold" grpId="0" nodeType="withEffect">
                                   <p:stCondLst>
                                     <p:cond delay="0"/>
                                   </p:stCondLst>
                                   <p:childTnLst>
                                     <p:set>
                                       <p:cBhvr>
-                                        <p:cTn id="10" dur="1" fill="hold">
+                                        <p:cTn id="9" dur="1" fill="hold">
                                           <p:stCondLst>
                                             <p:cond delay="0"/>
                                           </p:stCondLst>
@@ -5134,13 +5111,83 @@
                                     </p:set>
                                     <p:animEffect transition="in" filter="fade">
                                       <p:cBhvr>
-                                        <p:cTn id="11" dur="500"/>
+                                        <p:cTn id="10" dur="500"/>
                                         <p:tgtEl>
                                           <p:spTgt spid="3">
                                             <p:txEl>
                                               <p:pRg st="1" end="1"/>
                                             </p:txEl>
                                           </p:spTgt>
+                                        </p:tgtEl>
+                                      </p:cBhvr>
+                                    </p:animEffect>
+                                  </p:childTnLst>
+                                </p:cTn>
+                              </p:par>
+                              <p:par>
+                                <p:cTn id="11" presetID="10" presetClass="entr" presetSubtype="0" fill="hold" nodeType="withEffect">
+                                  <p:stCondLst>
+                                    <p:cond delay="0"/>
+                                  </p:stCondLst>
+                                  <p:childTnLst>
+                                    <p:set>
+                                      <p:cBhvr>
+                                        <p:cTn id="12" dur="1" fill="hold">
+                                          <p:stCondLst>
+                                            <p:cond delay="0"/>
+                                          </p:stCondLst>
+                                        </p:cTn>
+                                        <p:tgtEl>
+                                          <p:spTgt spid="10"/>
+                                        </p:tgtEl>
+                                        <p:attrNameLst>
+                                          <p:attrName>style.visibility</p:attrName>
+                                        </p:attrNameLst>
+                                      </p:cBhvr>
+                                      <p:to>
+                                        <p:strVal val="visible"/>
+                                      </p:to>
+                                    </p:set>
+                                    <p:animEffect transition="in" filter="fade">
+                                      <p:cBhvr>
+                                        <p:cTn id="13" dur="500"/>
+                                        <p:tgtEl>
+                                          <p:spTgt spid="10"/>
+                                        </p:tgtEl>
+                                      </p:cBhvr>
+                                    </p:animEffect>
+                                  </p:childTnLst>
+                                </p:cTn>
+                              </p:par>
+                              <p:par>
+                                <p:cTn id="14" presetID="10" presetClass="entr" presetSubtype="0" fill="hold" nodeType="withEffect">
+                                  <p:stCondLst>
+                                    <p:cond delay="0"/>
+                                  </p:stCondLst>
+                                  <p:childTnLst>
+                                    <p:set>
+                                      <p:cBhvr>
+                                        <p:cTn id="15" dur="1" fill="hold">
+                                          <p:stCondLst>
+                                            <p:cond delay="0"/>
+                                          </p:stCondLst>
+                                        </p:cTn>
+                                        <p:tgtEl>
+                                          <p:spTgt spid="11"/>
+                                        </p:tgtEl>
+                                        <p:attrNameLst>
+                                          <p:attrName>style.visibility</p:attrName>
+                                        </p:attrNameLst>
+                                      </p:cBhvr>
+                                      <p:to>
+                                        <p:strVal val="visible"/>
+                                      </p:to>
+                                    </p:set>
+                                    <p:animEffect transition="in" filter="fade">
+                                      <p:cBhvr>
+                                        <p:cTn id="16" dur="500"/>
+                                        <p:tgtEl>
+                                          <p:spTgt spid="11"/>
                                         </p:tgtEl>
                                       </p:cBhvr>
                                     </p:animEffect>
@@ -5304,11 +5351,7 @@
             <a:pPr lvl="1"/>
             <a:r>
               <a:rPr lang="es-VE" dirty="0" smtClean="0"/>
-              <a:t>Algoritmos </a:t>
-            </a:r>
-            <a:r>
-              <a:rPr lang="es-VE" dirty="0" smtClean="0"/>
-              <a:t>de estimación de posición y velocidad lineal en el eje z (altura y tasa de cambio de altura)</a:t>
+              <a:t>Algoritmos de estimación de posición y velocidad lineal en el eje z (altura y tasa de cambio de altura)</a:t>
             </a:r>
             <a:endParaRPr lang="es-VE" dirty="0"/>
           </a:p>
@@ -5600,33 +5643,15 @@
                                   </p:childTnLst>
                                 </p:cTn>
                               </p:par>
-                            </p:childTnLst>
-                          </p:cTn>
-                        </p:par>
-                      </p:childTnLst>
-                    </p:cTn>
-                  </p:par>
-                  <p:par>
-                    <p:cTn id="8" fill="hold">
-                      <p:stCondLst>
-                        <p:cond delay="indefinite"/>
-                      </p:stCondLst>
-                      <p:childTnLst>
-                        <p:par>
-                          <p:cTn id="9" fill="hold">
-                            <p:stCondLst>
-                              <p:cond delay="0"/>
-                            </p:stCondLst>
-                            <p:childTnLst>
                               <p:par>
-                                <p:cTn id="10" presetID="10" presetClass="entr" presetSubtype="0" fill="hold" grpId="0" nodeType="clickEffect">
+                                <p:cTn id="8" presetID="10" presetClass="entr" presetSubtype="0" fill="hold" grpId="0" nodeType="withEffect">
                                   <p:stCondLst>
                                     <p:cond delay="0"/>
                                   </p:stCondLst>
                                   <p:childTnLst>
                                     <p:set>
                                       <p:cBhvr>
-                                        <p:cTn id="11" dur="1" fill="hold">
+                                        <p:cTn id="9" dur="1" fill="hold">
                                           <p:stCondLst>
                                             <p:cond delay="0"/>
                                           </p:stCondLst>
@@ -5648,13 +5673,118 @@
                                     </p:set>
                                     <p:animEffect transition="in" filter="fade">
                                       <p:cBhvr>
-                                        <p:cTn id="12" dur="500"/>
+                                        <p:cTn id="10" dur="500"/>
                                         <p:tgtEl>
                                           <p:spTgt spid="3">
                                             <p:txEl>
                                               <p:pRg st="1" end="1"/>
                                             </p:txEl>
                                           </p:spTgt>
+                                        </p:tgtEl>
+                                      </p:cBhvr>
+                                    </p:animEffect>
+                                  </p:childTnLst>
+                                </p:cTn>
+                              </p:par>
+                              <p:par>
+                                <p:cTn id="11" presetID="10" presetClass="entr" presetSubtype="0" fill="hold" nodeType="withEffect">
+                                  <p:stCondLst>
+                                    <p:cond delay="0"/>
+                                  </p:stCondLst>
+                                  <p:childTnLst>
+                                    <p:set>
+                                      <p:cBhvr>
+                                        <p:cTn id="12" dur="1" fill="hold">
+                                          <p:stCondLst>
+                                            <p:cond delay="0"/>
+                                          </p:stCondLst>
+                                        </p:cTn>
+                                        <p:tgtEl>
+                                          <p:spTgt spid="12"/>
+                                        </p:tgtEl>
+                                        <p:attrNameLst>
+                                          <p:attrName>style.visibility</p:attrName>
+                                        </p:attrNameLst>
+                                      </p:cBhvr>
+                                      <p:to>
+                                        <p:strVal val="visible"/>
+                                      </p:to>
+                                    </p:set>
+                                    <p:animEffect transition="in" filter="fade">
+                                      <p:cBhvr>
+                                        <p:cTn id="13" dur="500"/>
+                                        <p:tgtEl>
+                                          <p:spTgt spid="12"/>
+                                        </p:tgtEl>
+                                      </p:cBhvr>
+                                    </p:animEffect>
+                                  </p:childTnLst>
+                                </p:cTn>
+                              </p:par>
+                              <p:par>
+                                <p:cTn id="14" presetID="10" presetClass="entr" presetSubtype="0" fill="hold" nodeType="withEffect">
+                                  <p:stCondLst>
+                                    <p:cond delay="0"/>
+                                  </p:stCondLst>
+                                  <p:childTnLst>
+                                    <p:set>
+                                      <p:cBhvr>
+                                        <p:cTn id="15" dur="1" fill="hold">
+                                          <p:stCondLst>
+                                            <p:cond delay="0"/>
+                                          </p:stCondLst>
+                                        </p:cTn>
+                                        <p:tgtEl>
+                                          <p:spTgt spid="13"/>
+                                        </p:tgtEl>
+                                        <p:attrNameLst>
+                                          <p:attrName>style.visibility</p:attrName>
+                                        </p:attrNameLst>
+                                      </p:cBhvr>
+                                      <p:to>
+                                        <p:strVal val="visible"/>
+                                      </p:to>
+                                    </p:set>
+                                    <p:animEffect transition="in" filter="fade">
+                                      <p:cBhvr>
+                                        <p:cTn id="16" dur="500"/>
+                                        <p:tgtEl>
+                                          <p:spTgt spid="13"/>
+                                        </p:tgtEl>
+                                      </p:cBhvr>
+                                    </p:animEffect>
+                                  </p:childTnLst>
+                                </p:cTn>
+                              </p:par>
+                              <p:par>
+                                <p:cTn id="17" presetID="10" presetClass="entr" presetSubtype="0" fill="hold" nodeType="withEffect">
+                                  <p:stCondLst>
+                                    <p:cond delay="0"/>
+                                  </p:stCondLst>
+                                  <p:childTnLst>
+                                    <p:set>
+                                      <p:cBhvr>
+                                        <p:cTn id="18" dur="1" fill="hold">
+                                          <p:stCondLst>
+                                            <p:cond delay="0"/>
+                                          </p:stCondLst>
+                                        </p:cTn>
+                                        <p:tgtEl>
+                                          <p:spTgt spid="14"/>
+                                        </p:tgtEl>
+                                        <p:attrNameLst>
+                                          <p:attrName>style.visibility</p:attrName>
+                                        </p:attrNameLst>
+                                      </p:cBhvr>
+                                      <p:to>
+                                        <p:strVal val="visible"/>
+                                      </p:to>
+                                    </p:set>
+                                    <p:animEffect transition="in" filter="fade">
+                                      <p:cBhvr>
+                                        <p:cTn id="19" dur="500"/>
+                                        <p:tgtEl>
+                                          <p:spTgt spid="14"/>
                                         </p:tgtEl>
                                       </p:cBhvr>
                                     </p:animEffect>
@@ -5689,7 +5819,7 @@
       </p:par>
     </p:tnLst>
     <p:bldLst>
-      <p:bldP spid="3" grpId="0" build="p"/>
+      <p:bldP spid="3" grpId="0" uiExpand="1" build="p"/>
     </p:bldLst>
   </p:timing>
 </p:sld>
@@ -6151,43 +6281,21 @@
                                   </p:childTnLst>
                                 </p:cTn>
                               </p:par>
-                            </p:childTnLst>
-                          </p:cTn>
-                        </p:par>
-                      </p:childTnLst>
-                    </p:cTn>
-                  </p:par>
-                  <p:par>
-                    <p:cTn id="8" fill="hold">
-                      <p:stCondLst>
-                        <p:cond delay="indefinite"/>
-                      </p:stCondLst>
-                      <p:childTnLst>
-                        <p:par>
-                          <p:cTn id="9" fill="hold">
-                            <p:stCondLst>
-                              <p:cond delay="0"/>
-                            </p:stCondLst>
-                            <p:childTnLst>
                               <p:par>
-                                <p:cTn id="10" presetID="10" presetClass="entr" presetSubtype="0" fill="hold" grpId="0" nodeType="clickEffect">
+                                <p:cTn id="8" presetID="10" presetClass="entr" presetSubtype="0" fill="hold" nodeType="withEffect">
                                   <p:stCondLst>
                                     <p:cond delay="0"/>
                                   </p:stCondLst>
                                   <p:childTnLst>
                                     <p:set>
                                       <p:cBhvr>
-                                        <p:cTn id="11" dur="1" fill="hold">
+                                        <p:cTn id="9" dur="1" fill="hold">
                                           <p:stCondLst>
                                             <p:cond delay="0"/>
                                           </p:stCondLst>
                                         </p:cTn>
                                         <p:tgtEl>
-                                          <p:spTgt spid="3">
-                                            <p:txEl>
-                                              <p:pRg st="1" end="1"/>
-                                            </p:txEl>
-                                          </p:spTgt>
+                                          <p:spTgt spid="10"/>
                                         </p:tgtEl>
                                         <p:attrNameLst>
                                           <p:attrName>style.visibility</p:attrName>
@@ -6199,13 +6307,9 @@
                                     </p:set>
                                     <p:animEffect transition="in" filter="fade">
                                       <p:cBhvr>
-                                        <p:cTn id="12" dur="500"/>
-                                        <p:tgtEl>
-                                          <p:spTgt spid="3">
-                                            <p:txEl>
-                                              <p:pRg st="1" end="1"/>
-                                            </p:txEl>
-                                          </p:spTgt>
+                                        <p:cTn id="10" dur="500"/>
+                                        <p:tgtEl>
+                                          <p:spTgt spid="10"/>
                                         </p:tgtEl>
                                       </p:cBhvr>
                                     </p:animEffect>
@@ -6219,26 +6323,26 @@
                     </p:cTn>
                   </p:par>
                   <p:par>
-                    <p:cTn id="13" fill="hold">
+                    <p:cTn id="11" fill="hold">
                       <p:stCondLst>
                         <p:cond delay="indefinite"/>
                       </p:stCondLst>
                       <p:childTnLst>
                         <p:par>
-                          <p:cTn id="14" fill="hold">
+                          <p:cTn id="12" fill="hold">
                             <p:stCondLst>
                               <p:cond delay="0"/>
                             </p:stCondLst>
                             <p:childTnLst>
                               <p:par>
-                                <p:cTn id="15" presetID="10" presetClass="entr" presetSubtype="0" fill="hold" grpId="0" nodeType="clickEffect">
+                                <p:cTn id="13" presetID="10" presetClass="entr" presetSubtype="0" fill="hold" grpId="0" nodeType="clickEffect">
                                   <p:stCondLst>
                                     <p:cond delay="0"/>
                                   </p:stCondLst>
                                   <p:childTnLst>
                                     <p:set>
                                       <p:cBhvr>
-                                        <p:cTn id="16" dur="1" fill="hold">
+                                        <p:cTn id="14" dur="1" fill="hold">
                                           <p:stCondLst>
                                             <p:cond delay="0"/>
                                           </p:stCondLst>
@@ -6246,7 +6350,7 @@
                                         <p:tgtEl>
                                           <p:spTgt spid="3">
                                             <p:txEl>
-                                              <p:pRg st="2" end="2"/>
+                                              <p:pRg st="1" end="1"/>
                                             </p:txEl>
                                           </p:spTgt>
                                         </p:tgtEl>
@@ -6260,54 +6364,11 @@
                                     </p:set>
                                     <p:animEffect transition="in" filter="fade">
                                       <p:cBhvr>
-                                        <p:cTn id="17" dur="500"/>
+                                        <p:cTn id="15" dur="500"/>
                                         <p:tgtEl>
                                           <p:spTgt spid="3">
                                             <p:txEl>
-                                              <p:pRg st="2" end="2"/>
-                                            </p:txEl>
-                                          </p:spTgt>
-                                        </p:tgtEl>
-                                      </p:cBhvr>
-                                    </p:animEffect>
-                                  </p:childTnLst>
-                                </p:cTn>
-                              </p:par>
-                              <p:par>
-                                <p:cTn id="18" presetID="10" presetClass="entr" presetSubtype="0" fill="hold" grpId="0" nodeType="withEffect">
-                                  <p:stCondLst>
-                                    <p:cond delay="0"/>
-                                  </p:stCondLst>
-                                  <p:childTnLst>
-                                    <p:set>
-                                      <p:cBhvr>
-                                        <p:cTn id="19" dur="1" fill="hold">
-                                          <p:stCondLst>
-                                            <p:cond delay="0"/>
-                                          </p:stCondLst>
-                                        </p:cTn>
-                                        <p:tgtEl>
-                                          <p:spTgt spid="3">
-                                            <p:txEl>
-                                              <p:pRg st="3" end="3"/>
-                                            </p:txEl>
-                                          </p:spTgt>
-                                        </p:tgtEl>
-                                        <p:attrNameLst>
-                                          <p:attrName>style.visibility</p:attrName>
-                                        </p:attrNameLst>
-                                      </p:cBhvr>
-                                      <p:to>
-                                        <p:strVal val="visible"/>
-                                      </p:to>
-                                    </p:set>
-                                    <p:animEffect transition="in" filter="fade">
-                                      <p:cBhvr>
-                                        <p:cTn id="20" dur="500"/>
-                                        <p:tgtEl>
-                                          <p:spTgt spid="3">
-                                            <p:txEl>
-                                              <p:pRg st="3" end="3"/>
+                                              <p:pRg st="1" end="1"/>
                                             </p:txEl>
                                           </p:spTgt>
                                         </p:tgtEl>
@@ -6323,26 +6384,26 @@
                     </p:cTn>
                   </p:par>
                   <p:par>
-                    <p:cTn id="21" fill="hold">
+                    <p:cTn id="16" fill="hold">
                       <p:stCondLst>
                         <p:cond delay="indefinite"/>
                       </p:stCondLst>
                       <p:childTnLst>
                         <p:par>
-                          <p:cTn id="22" fill="hold">
+                          <p:cTn id="17" fill="hold">
                             <p:stCondLst>
                               <p:cond delay="0"/>
                             </p:stCondLst>
                             <p:childTnLst>
                               <p:par>
-                                <p:cTn id="23" presetID="10" presetClass="entr" presetSubtype="0" fill="hold" grpId="0" nodeType="clickEffect">
+                                <p:cTn id="18" presetID="10" presetClass="entr" presetSubtype="0" fill="hold" grpId="0" nodeType="clickEffect">
                                   <p:stCondLst>
                                     <p:cond delay="0"/>
                                   </p:stCondLst>
                                   <p:childTnLst>
                                     <p:set>
                                       <p:cBhvr>
-                                        <p:cTn id="24" dur="1" fill="hold">
+                                        <p:cTn id="19" dur="1" fill="hold">
                                           <p:stCondLst>
                                             <p:cond delay="0"/>
                                           </p:stCondLst>
@@ -6350,7 +6411,7 @@
                                         <p:tgtEl>
                                           <p:spTgt spid="3">
                                             <p:txEl>
-                                              <p:pRg st="4" end="4"/>
+                                              <p:pRg st="2" end="2"/>
                                             </p:txEl>
                                           </p:spTgt>
                                         </p:tgtEl>
@@ -6364,11 +6425,54 @@
                                     </p:set>
                                     <p:animEffect transition="in" filter="fade">
                                       <p:cBhvr>
-                                        <p:cTn id="25" dur="500"/>
+                                        <p:cTn id="20" dur="500"/>
                                         <p:tgtEl>
                                           <p:spTgt spid="3">
                                             <p:txEl>
-                                              <p:pRg st="4" end="4"/>
+                                              <p:pRg st="2" end="2"/>
+                                            </p:txEl>
+                                          </p:spTgt>
+                                        </p:tgtEl>
+                                      </p:cBhvr>
+                                    </p:animEffect>
+                                  </p:childTnLst>
+                                </p:cTn>
+                              </p:par>
+                              <p:par>
+                                <p:cTn id="21" presetID="10" presetClass="entr" presetSubtype="0" fill="hold" grpId="0" nodeType="withEffect">
+                                  <p:stCondLst>
+                                    <p:cond delay="0"/>
+                                  </p:stCondLst>
+                                  <p:childTnLst>
+                                    <p:set>
+                                      <p:cBhvr>
+                                        <p:cTn id="22" dur="1" fill="hold">
+                                          <p:stCondLst>
+                                            <p:cond delay="0"/>
+                                          </p:stCondLst>
+                                        </p:cTn>
+                                        <p:tgtEl>
+                                          <p:spTgt spid="3">
+                                            <p:txEl>
+                                              <p:pRg st="3" end="3"/>
+                                            </p:txEl>
+                                          </p:spTgt>
+                                        </p:tgtEl>
+                                        <p:attrNameLst>
+                                          <p:attrName>style.visibility</p:attrName>
+                                        </p:attrNameLst>
+                                      </p:cBhvr>
+                                      <p:to>
+                                        <p:strVal val="visible"/>
+                                      </p:to>
+                                    </p:set>
+                                    <p:animEffect transition="in" filter="fade">
+                                      <p:cBhvr>
+                                        <p:cTn id="23" dur="500"/>
+                                        <p:tgtEl>
+                                          <p:spTgt spid="3">
+                                            <p:txEl>
+                                              <p:pRg st="3" end="3"/>
                                             </p:txEl>
                                           </p:spTgt>
                                         </p:tgtEl>
@@ -6384,26 +6488,26 @@
                     </p:cTn>
                   </p:par>
                   <p:par>
-                    <p:cTn id="26" fill="hold">
+                    <p:cTn id="24" fill="hold">
                       <p:stCondLst>
                         <p:cond delay="indefinite"/>
                       </p:stCondLst>
                       <p:childTnLst>
                         <p:par>
-                          <p:cTn id="27" fill="hold">
+                          <p:cTn id="25" fill="hold">
                             <p:stCondLst>
                               <p:cond delay="0"/>
                             </p:stCondLst>
                             <p:childTnLst>
                               <p:par>
-                                <p:cTn id="28" presetID="10" presetClass="entr" presetSubtype="0" fill="hold" grpId="0" nodeType="clickEffect">
+                                <p:cTn id="26" presetID="10" presetClass="entr" presetSubtype="0" fill="hold" grpId="0" nodeType="clickEffect">
                                   <p:stCondLst>
                                     <p:cond delay="0"/>
                                   </p:stCondLst>
                                   <p:childTnLst>
                                     <p:set>
                                       <p:cBhvr>
-                                        <p:cTn id="29" dur="1" fill="hold">
+                                        <p:cTn id="27" dur="1" fill="hold">
                                           <p:stCondLst>
                                             <p:cond delay="0"/>
                                           </p:stCondLst>
@@ -6411,7 +6515,7 @@
                                         <p:tgtEl>
                                           <p:spTgt spid="3">
                                             <p:txEl>
-                                              <p:pRg st="5" end="5"/>
+                                              <p:pRg st="4" end="4"/>
                                             </p:txEl>
                                           </p:spTgt>
                                         </p:tgtEl>
@@ -6425,11 +6529,11 @@
                                     </p:set>
                                     <p:animEffect transition="in" filter="fade">
                                       <p:cBhvr>
-                                        <p:cTn id="30" dur="500"/>
+                                        <p:cTn id="28" dur="500"/>
                                         <p:tgtEl>
                                           <p:spTgt spid="3">
                                             <p:txEl>
-                                              <p:pRg st="5" end="5"/>
+                                              <p:pRg st="4" end="4"/>
                                             </p:txEl>
                                           </p:spTgt>
                                         </p:tgtEl>
@@ -6445,26 +6549,26 @@
                     </p:cTn>
                   </p:par>
                   <p:par>
-                    <p:cTn id="31" fill="hold">
+                    <p:cTn id="29" fill="hold">
                       <p:stCondLst>
                         <p:cond delay="indefinite"/>
                       </p:stCondLst>
                       <p:childTnLst>
                         <p:par>
-                          <p:cTn id="32" fill="hold">
+                          <p:cTn id="30" fill="hold">
                             <p:stCondLst>
                               <p:cond delay="0"/>
                             </p:stCondLst>
                             <p:childTnLst>
                               <p:par>
-                                <p:cTn id="33" presetID="10" presetClass="entr" presetSubtype="0" fill="hold" grpId="0" nodeType="clickEffect">
+                                <p:cTn id="31" presetID="10" presetClass="entr" presetSubtype="0" fill="hold" grpId="0" nodeType="clickEffect">
                                   <p:stCondLst>
                                     <p:cond delay="0"/>
                                   </p:stCondLst>
                                   <p:childTnLst>
                                     <p:set>
                                       <p:cBhvr>
-                                        <p:cTn id="34" dur="1" fill="hold">
+                                        <p:cTn id="32" dur="1" fill="hold">
                                           <p:stCondLst>
                                             <p:cond delay="0"/>
                                           </p:stCondLst>
@@ -6472,7 +6576,7 @@
                                         <p:tgtEl>
                                           <p:spTgt spid="3">
                                             <p:txEl>
-                                              <p:pRg st="6" end="6"/>
+                                              <p:pRg st="5" end="5"/>
                                             </p:txEl>
                                           </p:spTgt>
                                         </p:tgtEl>
@@ -6486,11 +6590,11 @@
                                     </p:set>
                                     <p:animEffect transition="in" filter="fade">
                                       <p:cBhvr>
-                                        <p:cTn id="35" dur="500"/>
+                                        <p:cTn id="33" dur="500"/>
                                         <p:tgtEl>
                                           <p:spTgt spid="3">
                                             <p:txEl>
-                                              <p:pRg st="6" end="6"/>
+                                              <p:pRg st="5" end="5"/>
                                             </p:txEl>
                                           </p:spTgt>
                                         </p:tgtEl>
@@ -6506,26 +6610,26 @@
                     </p:cTn>
                   </p:par>
                   <p:par>
-                    <p:cTn id="36" fill="hold">
+                    <p:cTn id="34" fill="hold">
                       <p:stCondLst>
                         <p:cond delay="indefinite"/>
                       </p:stCondLst>
                       <p:childTnLst>
                         <p:par>
-                          <p:cTn id="37" fill="hold">
+                          <p:cTn id="35" fill="hold">
                             <p:stCondLst>
                               <p:cond delay="0"/>
                             </p:stCondLst>
                             <p:childTnLst>
                               <p:par>
-                                <p:cTn id="38" presetID="10" presetClass="entr" presetSubtype="0" fill="hold" grpId="0" nodeType="clickEffect">
+                                <p:cTn id="36" presetID="10" presetClass="entr" presetSubtype="0" fill="hold" grpId="0" nodeType="clickEffect">
                                   <p:stCondLst>
                                     <p:cond delay="0"/>
                                   </p:stCondLst>
                                   <p:childTnLst>
                                     <p:set>
                                       <p:cBhvr>
-                                        <p:cTn id="39" dur="1" fill="hold">
+                                        <p:cTn id="37" dur="1" fill="hold">
                                           <p:stCondLst>
                                             <p:cond delay="0"/>
                                           </p:stCondLst>
@@ -6533,7 +6637,7 @@
                                         <p:tgtEl>
                                           <p:spTgt spid="3">
                                             <p:txEl>
-                                              <p:pRg st="7" end="7"/>
+                                              <p:pRg st="6" end="6"/>
                                             </p:txEl>
                                           </p:spTgt>
                                         </p:tgtEl>
@@ -6547,11 +6651,11 @@
                                     </p:set>
                                     <p:animEffect transition="in" filter="fade">
                                       <p:cBhvr>
-                                        <p:cTn id="40" dur="500"/>
+                                        <p:cTn id="38" dur="500"/>
                                         <p:tgtEl>
                                           <p:spTgt spid="3">
                                             <p:txEl>
-                                              <p:pRg st="7" end="7"/>
+                                              <p:pRg st="6" end="6"/>
                                             </p:txEl>
                                           </p:spTgt>
                                         </p:tgtEl>
@@ -6567,26 +6671,87 @@
                     </p:cTn>
                   </p:par>
                   <p:par>
-                    <p:cTn id="41" fill="hold">
+                    <p:cTn id="39" fill="hold">
                       <p:stCondLst>
                         <p:cond delay="indefinite"/>
                       </p:stCondLst>
                       <p:childTnLst>
                         <p:par>
-                          <p:cTn id="42" fill="hold">
+                          <p:cTn id="40" fill="hold">
                             <p:stCondLst>
                               <p:cond delay="0"/>
                             </p:stCondLst>
                             <p:childTnLst>
                               <p:par>
-                                <p:cTn id="43" presetID="10" presetClass="entr" presetSubtype="0" fill="hold" grpId="0" nodeType="clickEffect">
+                                <p:cTn id="41" presetID="10" presetClass="entr" presetSubtype="0" fill="hold" grpId="0" nodeType="clickEffect">
                                   <p:stCondLst>
                                     <p:cond delay="0"/>
                                   </p:stCondLst>
                                   <p:childTnLst>
                                     <p:set>
                                       <p:cBhvr>
-                                        <p:cTn id="44" dur="1" fill="hold">
+                                        <p:cTn id="42" dur="1" fill="hold">
+                                          <p:stCondLst>
+                                            <p:cond delay="0"/>
+                                          </p:stCondLst>
+                                        </p:cTn>
+                                        <p:tgtEl>
+                                          <p:spTgt spid="3">
+                                            <p:txEl>
+                                              <p:pRg st="7" end="7"/>
+                                            </p:txEl>
+                                          </p:spTgt>
+                                        </p:tgtEl>
+                                        <p:attrNameLst>
+                                          <p:attrName>style.visibility</p:attrName>
+                                        </p:attrNameLst>
+                                      </p:cBhvr>
+                                      <p:to>
+                                        <p:strVal val="visible"/>
+                                      </p:to>
+                                    </p:set>
+                                    <p:animEffect transition="in" filter="fade">
+                                      <p:cBhvr>
+                                        <p:cTn id="43" dur="500"/>
+                                        <p:tgtEl>
+                                          <p:spTgt spid="3">
+                                            <p:txEl>
+                                              <p:pRg st="7" end="7"/>
+                                            </p:txEl>
+                                          </p:spTgt>
+                                        </p:tgtEl>
+                                      </p:cBhvr>
+                                    </p:animEffect>
+                                  </p:childTnLst>
+                                </p:cTn>
+                              </p:par>
+                            </p:childTnLst>
+                          </p:cTn>
+                        </p:par>
+                      </p:childTnLst>
+                    </p:cTn>
+                  </p:par>
+                  <p:par>
+                    <p:cTn id="44" fill="hold">
+                      <p:stCondLst>
+                        <p:cond delay="indefinite"/>
+                      </p:stCondLst>
+                      <p:childTnLst>
+                        <p:par>
+                          <p:cTn id="45" fill="hold">
+                            <p:stCondLst>
+                              <p:cond delay="0"/>
+                            </p:stCondLst>
+                            <p:childTnLst>
+                              <p:par>
+                                <p:cTn id="46" presetID="10" presetClass="entr" presetSubtype="0" fill="hold" grpId="0" nodeType="clickEffect">
+                                  <p:stCondLst>
+                                    <p:cond delay="0"/>
+                                  </p:stCondLst>
+                                  <p:childTnLst>
+                                    <p:set>
+                                      <p:cBhvr>
+                                        <p:cTn id="47" dur="1" fill="hold">
                                           <p:stCondLst>
                                             <p:cond delay="0"/>
                                           </p:stCondLst>
@@ -6608,13 +6773,48 @@
                                     </p:set>
                                     <p:animEffect transition="in" filter="fade">
                                       <p:cBhvr>
-                                        <p:cTn id="45" dur="500"/>
+                                        <p:cTn id="48" dur="500"/>
                                         <p:tgtEl>
                                           <p:spTgt spid="3">
                                             <p:txEl>
                                               <p:pRg st="8" end="8"/>
                                             </p:txEl>
                                           </p:spTgt>
+                                        </p:tgtEl>
+                                      </p:cBhvr>
+                                    </p:animEffect>
+                                  </p:childTnLst>
+                                </p:cTn>
+                              </p:par>
+                              <p:par>
+                                <p:cTn id="49" presetID="10" presetClass="entr" presetSubtype="0" fill="hold" grpId="0" nodeType="withEffect">
+                                  <p:stCondLst>
+                                    <p:cond delay="0"/>
+                                  </p:stCondLst>
+                                  <p:childTnLst>
+                                    <p:set>
+                                      <p:cBhvr>
+                                        <p:cTn id="50" dur="1" fill="hold">
+                                          <p:stCondLst>
+                                            <p:cond delay="0"/>
+                                          </p:stCondLst>
+                                        </p:cTn>
+                                        <p:tgtEl>
+                                          <p:spTgt spid="11"/>
+                                        </p:tgtEl>
+                                        <p:attrNameLst>
+                                          <p:attrName>style.visibility</p:attrName>
+                                        </p:attrNameLst>
+                                      </p:cBhvr>
+                                      <p:to>
+                                        <p:strVal val="visible"/>
+                                      </p:to>
+                                    </p:set>
+                                    <p:animEffect transition="in" filter="fade">
+                                      <p:cBhvr>
+                                        <p:cTn id="51" dur="500"/>
+                                        <p:tgtEl>
+                                          <p:spTgt spid="11"/>
                                         </p:tgtEl>
                                       </p:cBhvr>
                                     </p:animEffect>
@@ -6650,6 +6850,9 @@
     </p:tnLst>
     <p:bldLst>
       <p:bldP spid="3" grpId="0" uiExpand="1" build="p"/>
+      <p:bldGraphic spid="11" grpId="0">
+        <p:bldAsOne/>
+      </p:bldGraphic>
     </p:bldLst>
   </p:timing>
 </p:sld>
@@ -7845,7 +8048,7 @@
                             </p:stCondLst>
                             <p:childTnLst>
                               <p:par>
-                                <p:cTn id="5" presetID="10" presetClass="entr" presetSubtype="0" fill="hold" grpId="0" nodeType="afterEffect">
+                                <p:cTn id="5" presetID="10" presetClass="entr" presetSubtype="0" fill="hold" grpId="0" nodeType="withEffect">
                                   <p:stCondLst>
                                     <p:cond delay="0"/>
                                   </p:stCondLst>
@@ -7881,6 +8084,146 @@
                                               <p:pRg st="0" end="0"/>
                                             </p:txEl>
                                           </p:spTgt>
+                                        </p:tgtEl>
+                                      </p:cBhvr>
+                                    </p:animEffect>
+                                  </p:childTnLst>
+                                </p:cTn>
+                              </p:par>
+                              <p:par>
+                                <p:cTn id="8" presetID="10" presetClass="entr" presetSubtype="0" fill="hold" nodeType="withEffect">
+                                  <p:stCondLst>
+                                    <p:cond delay="0"/>
+                                  </p:stCondLst>
+                                  <p:childTnLst>
+                                    <p:set>
+                                      <p:cBhvr>
+                                        <p:cTn id="9" dur="1" fill="hold">
+                                          <p:stCondLst>
+                                            <p:cond delay="0"/>
+                                          </p:stCondLst>
+                                        </p:cTn>
+                                        <p:tgtEl>
+                                          <p:spTgt spid="12"/>
+                                        </p:tgtEl>
+                                        <p:attrNameLst>
+                                          <p:attrName>style.visibility</p:attrName>
+                                        </p:attrNameLst>
+                                      </p:cBhvr>
+                                      <p:to>
+                                        <p:strVal val="visible"/>
+                                      </p:to>
+                                    </p:set>
+                                    <p:animEffect transition="in" filter="fade">
+                                      <p:cBhvr>
+                                        <p:cTn id="10" dur="500"/>
+                                        <p:tgtEl>
+                                          <p:spTgt spid="12"/>
+                                        </p:tgtEl>
+                                      </p:cBhvr>
+                                    </p:animEffect>
+                                  </p:childTnLst>
+                                </p:cTn>
+                              </p:par>
+                              <p:par>
+                                <p:cTn id="11" presetID="10" presetClass="entr" presetSubtype="0" fill="hold" nodeType="withEffect">
+                                  <p:stCondLst>
+                                    <p:cond delay="0"/>
+                                  </p:stCondLst>
+                                  <p:childTnLst>
+                                    <p:set>
+                                      <p:cBhvr>
+                                        <p:cTn id="12" dur="1" fill="hold">
+                                          <p:stCondLst>
+                                            <p:cond delay="0"/>
+                                          </p:stCondLst>
+                                        </p:cTn>
+                                        <p:tgtEl>
+                                          <p:spTgt spid="13"/>
+                                        </p:tgtEl>
+                                        <p:attrNameLst>
+                                          <p:attrName>style.visibility</p:attrName>
+                                        </p:attrNameLst>
+                                      </p:cBhvr>
+                                      <p:to>
+                                        <p:strVal val="visible"/>
+                                      </p:to>
+                                    </p:set>
+                                    <p:animEffect transition="in" filter="fade">
+                                      <p:cBhvr>
+                                        <p:cTn id="13" dur="500"/>
+                                        <p:tgtEl>
+                                          <p:spTgt spid="13"/>
+                                        </p:tgtEl>
+                                      </p:cBhvr>
+                                    </p:animEffect>
+                                  </p:childTnLst>
+                                </p:cTn>
+                              </p:par>
+                              <p:par>
+                                <p:cTn id="14" presetID="10" presetClass="entr" presetSubtype="0" fill="hold" nodeType="withEffect">
+                                  <p:stCondLst>
+                                    <p:cond delay="0"/>
+                                  </p:stCondLst>
+                                  <p:childTnLst>
+                                    <p:set>
+                                      <p:cBhvr>
+                                        <p:cTn id="15" dur="1" fill="hold">
+                                          <p:stCondLst>
+                                            <p:cond delay="0"/>
+                                          </p:stCondLst>
+                                        </p:cTn>
+                                        <p:tgtEl>
+                                          <p:spTgt spid="14"/>
+                                        </p:tgtEl>
+                                        <p:attrNameLst>
+                                          <p:attrName>style.visibility</p:attrName>
+                                        </p:attrNameLst>
+                                      </p:cBhvr>
+                                      <p:to>
+                                        <p:strVal val="visible"/>
+                                      </p:to>
+                                    </p:set>
+                                    <p:animEffect transition="in" filter="fade">
+                                      <p:cBhvr>
+                                        <p:cTn id="16" dur="500"/>
+                                        <p:tgtEl>
+                                          <p:spTgt spid="14"/>
+                                        </p:tgtEl>
+                                      </p:cBhvr>
+                                    </p:animEffect>
+                                  </p:childTnLst>
+                                </p:cTn>
+                              </p:par>
+                              <p:par>
+                                <p:cTn id="17" presetID="10" presetClass="entr" presetSubtype="0" fill="hold" nodeType="withEffect">
+                                  <p:stCondLst>
+                                    <p:cond delay="0"/>
+                                  </p:stCondLst>
+                                  <p:childTnLst>
+                                    <p:set>
+                                      <p:cBhvr>
+                                        <p:cTn id="18" dur="1" fill="hold">
+                                          <p:stCondLst>
+                                            <p:cond delay="0"/>
+                                          </p:stCondLst>
+                                        </p:cTn>
+                                        <p:tgtEl>
+                                          <p:spTgt spid="15"/>
+                                        </p:tgtEl>
+                                        <p:attrNameLst>
+                                          <p:attrName>style.visibility</p:attrName>
+                                        </p:attrNameLst>
+                                      </p:cBhvr>
+                                      <p:to>
+                                        <p:strVal val="visible"/>
+                                      </p:to>
+                                    </p:set>
+                                    <p:animEffect transition="in" filter="fade">
+                                      <p:cBhvr>
+                                        <p:cTn id="19" dur="500"/>
+                                        <p:tgtEl>
+                                          <p:spTgt spid="15"/>
                                         </p:tgtEl>
                                       </p:cBhvr>
                                     </p:animEffect>
@@ -7894,26 +8237,26 @@
                     </p:cTn>
                   </p:par>
                   <p:par>
-                    <p:cTn id="8" fill="hold">
+                    <p:cTn id="20" fill="hold">
                       <p:stCondLst>
                         <p:cond delay="indefinite"/>
                       </p:stCondLst>
                       <p:childTnLst>
                         <p:par>
-                          <p:cTn id="9" fill="hold">
+                          <p:cTn id="21" fill="hold">
                             <p:stCondLst>
                               <p:cond delay="0"/>
                             </p:stCondLst>
                             <p:childTnLst>
                               <p:par>
-                                <p:cTn id="10" presetID="10" presetClass="entr" presetSubtype="0" fill="hold" grpId="0" nodeType="clickEffect">
+                                <p:cTn id="22" presetID="10" presetClass="entr" presetSubtype="0" fill="hold" grpId="0" nodeType="clickEffect">
                                   <p:stCondLst>
                                     <p:cond delay="0"/>
                                   </p:stCondLst>
                                   <p:childTnLst>
                                     <p:set>
                                       <p:cBhvr>
-                                        <p:cTn id="11" dur="1" fill="hold">
+                                        <p:cTn id="23" dur="1" fill="hold">
                                           <p:stCondLst>
                                             <p:cond delay="0"/>
                                           </p:stCondLst>
@@ -7935,13 +8278,223 @@
                                     </p:set>
                                     <p:animEffect transition="in" filter="fade">
                                       <p:cBhvr>
-                                        <p:cTn id="12" dur="500"/>
+                                        <p:cTn id="24" dur="500"/>
                                         <p:tgtEl>
                                           <p:spTgt spid="3">
                                             <p:txEl>
                                               <p:pRg st="1" end="1"/>
                                             </p:txEl>
                                           </p:spTgt>
+                                        </p:tgtEl>
+                                      </p:cBhvr>
+                                    </p:animEffect>
+                                  </p:childTnLst>
+                                </p:cTn>
+                              </p:par>
+                              <p:par>
+                                <p:cTn id="25" presetID="10" presetClass="exit" presetSubtype="0" fill="hold" nodeType="withEffect">
+                                  <p:stCondLst>
+                                    <p:cond delay="0"/>
+                                  </p:stCondLst>
+                                  <p:childTnLst>
+                                    <p:animEffect transition="out" filter="fade">
+                                      <p:cBhvr>
+                                        <p:cTn id="26" dur="500"/>
+                                        <p:tgtEl>
+                                          <p:spTgt spid="12"/>
+                                        </p:tgtEl>
+                                      </p:cBhvr>
+                                    </p:animEffect>
+                                    <p:set>
+                                      <p:cBhvr>
+                                        <p:cTn id="27" dur="1" fill="hold">
+                                          <p:stCondLst>
+                                            <p:cond delay="499"/>
+                                          </p:stCondLst>
+                                        </p:cTn>
+                                        <p:tgtEl>
+                                          <p:spTgt spid="12"/>
+                                        </p:tgtEl>
+                                        <p:attrNameLst>
+                                          <p:attrName>style.visibility</p:attrName>
+                                        </p:attrNameLst>
+                                      </p:cBhvr>
+                                      <p:to>
+                                        <p:strVal val="hidden"/>
+                                      </p:to>
+                                    </p:set>
+                                  </p:childTnLst>
+                                </p:cTn>
+                              </p:par>
+                              <p:par>
+                                <p:cTn id="28" presetID="10" presetClass="exit" presetSubtype="0" fill="hold" nodeType="withEffect">
+                                  <p:stCondLst>
+                                    <p:cond delay="0"/>
+                                  </p:stCondLst>
+                                  <p:childTnLst>
+                                    <p:animEffect transition="out" filter="fade">
+                                      <p:cBhvr>
+                                        <p:cTn id="29" dur="500"/>
+                                        <p:tgtEl>
+                                          <p:spTgt spid="13"/>
+                                        </p:tgtEl>
+                                      </p:cBhvr>
+                                    </p:animEffect>
+                                    <p:set>
+                                      <p:cBhvr>
+                                        <p:cTn id="30" dur="1" fill="hold">
+                                          <p:stCondLst>
+                                            <p:cond delay="499"/>
+                                          </p:stCondLst>
+                                        </p:cTn>
+                                        <p:tgtEl>
+                                          <p:spTgt spid="13"/>
+                                        </p:tgtEl>
+                                        <p:attrNameLst>
+                                          <p:attrName>style.visibility</p:attrName>
+                                        </p:attrNameLst>
+                                      </p:cBhvr>
+                                      <p:to>
+                                        <p:strVal val="hidden"/>
+                                      </p:to>
+                                    </p:set>
+                                  </p:childTnLst>
+                                </p:cTn>
+                              </p:par>
+                              <p:par>
+                                <p:cTn id="31" presetID="10" presetClass="exit" presetSubtype="0" fill="hold" nodeType="withEffect">
+                                  <p:stCondLst>
+                                    <p:cond delay="0"/>
+                                  </p:stCondLst>
+                                  <p:childTnLst>
+                                    <p:animEffect transition="out" filter="fade">
+                                      <p:cBhvr>
+                                        <p:cTn id="32" dur="500"/>
+                                        <p:tgtEl>
+                                          <p:spTgt spid="15"/>
+                                        </p:tgtEl>
+                                      </p:cBhvr>
+                                    </p:animEffect>
+                                    <p:set>
+                                      <p:cBhvr>
+                                        <p:cTn id="33" dur="1" fill="hold">
+                                          <p:stCondLst>
+                                            <p:cond delay="499"/>
+                                          </p:stCondLst>
+                                        </p:cTn>
+                                        <p:tgtEl>
+                                          <p:spTgt spid="15"/>
+                                        </p:tgtEl>
+                                        <p:attrNameLst>
+                                          <p:attrName>style.visibility</p:attrName>
+                                        </p:attrNameLst>
+                                      </p:cBhvr>
+                                      <p:to>
+                                        <p:strVal val="hidden"/>
+                                      </p:to>
+                                    </p:set>
+                                  </p:childTnLst>
+                                </p:cTn>
+                              </p:par>
+                              <p:par>
+                                <p:cTn id="34" presetID="10" presetClass="exit" presetSubtype="0" fill="hold" nodeType="withEffect">
+                                  <p:stCondLst>
+                                    <p:cond delay="0"/>
+                                  </p:stCondLst>
+                                  <p:childTnLst>
+                                    <p:animEffect transition="out" filter="fade">
+                                      <p:cBhvr>
+                                        <p:cTn id="35" dur="500"/>
+                                        <p:tgtEl>
+                                          <p:spTgt spid="14"/>
+                                        </p:tgtEl>
+                                      </p:cBhvr>
+                                    </p:animEffect>
+                                    <p:set>
+                                      <p:cBhvr>
+                                        <p:cTn id="36" dur="1" fill="hold">
+                                          <p:stCondLst>
+                                            <p:cond delay="499"/>
+                                          </p:stCondLst>
+                                        </p:cTn>
+                                        <p:tgtEl>
+                                          <p:spTgt spid="14"/>
+                                        </p:tgtEl>
+                                        <p:attrNameLst>
+                                          <p:attrName>style.visibility</p:attrName>
+                                        </p:attrNameLst>
+                                      </p:cBhvr>
+                                      <p:to>
+                                        <p:strVal val="hidden"/>
+                                      </p:to>
+                                    </p:set>
+                                  </p:childTnLst>
+                                </p:cTn>
+                              </p:par>
+                              <p:par>
+                                <p:cTn id="37" presetID="10" presetClass="entr" presetSubtype="0" fill="hold" nodeType="withEffect">
+                                  <p:stCondLst>
+                                    <p:cond delay="0"/>
+                                  </p:stCondLst>
+                                  <p:childTnLst>
+                                    <p:set>
+                                      <p:cBhvr>
+                                        <p:cTn id="38" dur="1" fill="hold">
+                                          <p:stCondLst>
+                                            <p:cond delay="0"/>
+                                          </p:stCondLst>
+                                        </p:cTn>
+                                        <p:tgtEl>
+                                          <p:spTgt spid="10"/>
+                                        </p:tgtEl>
+                                        <p:attrNameLst>
+                                          <p:attrName>style.visibility</p:attrName>
+                                        </p:attrNameLst>
+                                      </p:cBhvr>
+                                      <p:to>
+                                        <p:strVal val="visible"/>
+                                      </p:to>
+                                    </p:set>
+                                    <p:animEffect transition="in" filter="fade">
+                                      <p:cBhvr>
+                                        <p:cTn id="39" dur="500"/>
+                                        <p:tgtEl>
+                                          <p:spTgt spid="10"/>
+                                        </p:tgtEl>
+                                      </p:cBhvr>
+                                    </p:animEffect>
+                                  </p:childTnLst>
+                                </p:cTn>
+                              </p:par>
+                              <p:par>
+                                <p:cTn id="40" presetID="10" presetClass="entr" presetSubtype="0" fill="hold" nodeType="withEffect">
+                                  <p:stCondLst>
+                                    <p:cond delay="0"/>
+                                  </p:stCondLst>
+                                  <p:childTnLst>
+                                    <p:set>
+                                      <p:cBhvr>
+                                        <p:cTn id="41" dur="1" fill="hold">
+                                          <p:stCondLst>
+                                            <p:cond delay="0"/>
+                                          </p:stCondLst>
+                                        </p:cTn>
+                                        <p:tgtEl>
+                                          <p:spTgt spid="11"/>
+                                        </p:tgtEl>
+                                        <p:attrNameLst>
+                                          <p:attrName>style.visibility</p:attrName>
+                                        </p:attrNameLst>
+                                      </p:cBhvr>
+                                      <p:to>
+                                        <p:strVal val="visible"/>
+                                      </p:to>
+                                    </p:set>
+                                    <p:animEffect transition="in" filter="fade">
+                                      <p:cBhvr>
+                                        <p:cTn id="42" dur="500"/>
+                                        <p:tgtEl>
+                                          <p:spTgt spid="11"/>
                                         </p:tgtEl>
                                       </p:cBhvr>
                                     </p:animEffect>
@@ -7976,7 +8529,7 @@
       </p:par>
     </p:tnLst>
     <p:bldLst>
-      <p:bldP spid="3" grpId="0" build="p"/>
+      <p:bldP spid="3" grpId="0" uiExpand="1" build="p"/>
     </p:bldLst>
   </p:timing>
 </p:sld>
@@ -8158,13 +8711,8 @@
             <a:pPr lvl="1"/>
             <a:r>
               <a:rPr lang="es-VE" sz="2400" dirty="0" smtClean="0"/>
-              <a:t>Almacenamiento de datos recibidos por </a:t>
-            </a:r>
-            <a:r>
-              <a:rPr lang="es-VE" sz="2400" dirty="0" smtClean="0"/>
-              <a:t>telemetría en formato CSV.</a:t>
-            </a:r>
-            <a:endParaRPr lang="es-VE" sz="2400" dirty="0" smtClean="0"/>
+              <a:t>Almacenamiento de datos recibidos por telemetría en formato CSV.</a:t>
+            </a:r>
           </a:p>
           <a:p>
             <a:pPr lvl="1"/>
@@ -8807,19 +9355,7 @@
           <a:p>
             <a:r>
               <a:rPr lang="es-VE" sz="2700" dirty="0" smtClean="0"/>
-              <a:t>Scripts </a:t>
-            </a:r>
-            <a:r>
-              <a:rPr lang="es-VE" sz="2700" dirty="0" smtClean="0"/>
-              <a:t>de MATLAB </a:t>
-            </a:r>
-            <a:r>
-              <a:rPr lang="es-VE" sz="2700" dirty="0" smtClean="0"/>
-              <a:t>para </a:t>
-            </a:r>
-            <a:r>
-              <a:rPr lang="es-VE" sz="2700" dirty="0" smtClean="0"/>
-              <a:t>análisis de datos de los sensores mediante transformada rápida de Fourier.</a:t>
+              <a:t>Scripts de MATLAB para análisis de datos de los sensores mediante transformada rápida de Fourier.</a:t>
             </a:r>
           </a:p>
           <a:p>

--- a/Documento/Defensa TEG animaciones.pptx
+++ b/Documento/Defensa TEG animaciones.pptx
@@ -235,11 +235,11 @@
             </c:numRef>
           </c:yVal>
         </c:ser>
-        <c:axId val="88033152"/>
-        <c:axId val="88142976"/>
+        <c:axId val="63522688"/>
+        <c:axId val="63632512"/>
       </c:scatterChart>
       <c:valAx>
-        <c:axId val="88033152"/>
+        <c:axId val="63522688"/>
         <c:scaling>
           <c:orientation val="minMax"/>
         </c:scaling>
@@ -288,12 +288,12 @@
             <a:round/>
           </a:ln>
         </c:spPr>
-        <c:crossAx val="88142976"/>
+        <c:crossAx val="63632512"/>
         <c:crossesAt val="0"/>
         <c:crossBetween val="midCat"/>
       </c:valAx>
       <c:valAx>
-        <c:axId val="88142976"/>
+        <c:axId val="63632512"/>
         <c:scaling>
           <c:orientation val="minMax"/>
           <c:max val="100"/>
@@ -343,7 +343,7 @@
             <a:round/>
           </a:ln>
         </c:spPr>
-        <c:crossAx val="88033152"/>
+        <c:crossAx val="63522688"/>
         <c:crossesAt val="0"/>
         <c:crossBetween val="midCat"/>
       </c:valAx>
@@ -625,7 +625,7 @@
     </p:spTree>
     <p:extLst>
       <p:ext uri="{BB962C8B-B14F-4D97-AF65-F5344CB8AC3E}">
-        <p14:creationId xmlns="" xmlns:p14="http://schemas.microsoft.com/office/powerpoint/2010/main" val="2929960866"/>
+        <p14:creationId xmlns:p14="http://schemas.microsoft.com/office/powerpoint/2010/main" xmlns="" val="2929960866"/>
       </p:ext>
     </p:extLst>
   </p:cSld>
@@ -5844,6 +5844,144 @@
       </p:grpSpPr>
       <p:sp>
         <p:nvSpPr>
+          <p:cNvPr id="3" name="2 Marcador de contenido"/>
+          <p:cNvSpPr>
+            <a:spLocks noGrp="1"/>
+          </p:cNvSpPr>
+          <p:nvPr>
+            <p:ph idx="1"/>
+          </p:nvPr>
+        </p:nvSpPr>
+        <p:spPr>
+          <a:xfrm>
+            <a:off x="457200" y="1600201"/>
+            <a:ext cx="8229600" cy="4419600"/>
+          </a:xfrm>
+        </p:spPr>
+        <p:txBody>
+          <a:bodyPr>
+            <a:normAutofit/>
+          </a:bodyPr>
+          <a:lstStyle/>
+          <a:p>
+            <a:r>
+              <a:rPr lang="es-VE" sz="2800" dirty="0" smtClean="0"/>
+              <a:t>Módulos utilizados y configuración.</a:t>
+            </a:r>
+          </a:p>
+          <a:p>
+            <a:r>
+              <a:rPr lang="es-VE" sz="2800" dirty="0" smtClean="0"/>
+              <a:t>Codificación y estructura de los paquetes.</a:t>
+            </a:r>
+          </a:p>
+          <a:p>
+            <a:r>
+              <a:rPr lang="es-VE" sz="2800" dirty="0" smtClean="0"/>
+              <a:t>Mensajes </a:t>
+            </a:r>
+          </a:p>
+          <a:p>
+            <a:pPr marL="914400" lvl="1" indent="-457200">
+              <a:buFont typeface="+mj-lt"/>
+              <a:buAutoNum type="arabicPeriod"/>
+            </a:pPr>
+            <a:r>
+              <a:rPr lang="es-VE" sz="2400" dirty="0" smtClean="0"/>
+              <a:t>Encendido</a:t>
+            </a:r>
+          </a:p>
+          <a:p>
+            <a:pPr marL="914400" lvl="1" indent="-457200">
+              <a:buFont typeface="+mj-lt"/>
+              <a:buAutoNum type="arabicPeriod"/>
+            </a:pPr>
+            <a:r>
+              <a:rPr lang="es-VE" sz="2400" dirty="0" smtClean="0"/>
+              <a:t>Estado</a:t>
+            </a:r>
+          </a:p>
+          <a:p>
+            <a:pPr marL="914400" lvl="1" indent="-457200">
+              <a:buFont typeface="+mj-lt"/>
+              <a:buAutoNum type="arabicPeriod"/>
+            </a:pPr>
+            <a:r>
+              <a:rPr lang="es-VE" sz="2400" dirty="0" smtClean="0"/>
+              <a:t>Telemetría </a:t>
+            </a:r>
+            <a:r>
+              <a:rPr lang="es-VE" sz="2400" dirty="0" smtClean="0"/>
+              <a:t>total</a:t>
+            </a:r>
+          </a:p>
+          <a:p>
+            <a:pPr marL="914400" lvl="1" indent="-457200">
+              <a:buFont typeface="+mj-lt"/>
+              <a:buAutoNum type="arabicPeriod"/>
+            </a:pPr>
+            <a:r>
+              <a:rPr lang="es-VE" sz="2400" dirty="0" smtClean="0"/>
+              <a:t>Comando de movimiento </a:t>
+            </a:r>
+          </a:p>
+          <a:p>
+            <a:pPr marL="914400" lvl="1" indent="-457200">
+              <a:buFont typeface="+mj-lt"/>
+              <a:buAutoNum type="arabicPeriod"/>
+            </a:pPr>
+            <a:r>
+              <a:rPr lang="es-VE" sz="2400" dirty="0" err="1" smtClean="0"/>
+              <a:t>Acknowledge</a:t>
+            </a:r>
+            <a:r>
+              <a:rPr lang="es-VE" sz="2400" dirty="0" smtClean="0"/>
+              <a:t> o acuse de recibo</a:t>
+            </a:r>
+          </a:p>
+          <a:p>
+            <a:r>
+              <a:rPr lang="es-VE" sz="2800" dirty="0" smtClean="0"/>
+              <a:t>Rendimiento obtenido.</a:t>
+            </a:r>
+            <a:endParaRPr lang="es-VE" sz="2800" dirty="0"/>
+          </a:p>
+        </p:txBody>
+      </p:sp>
+      <p:pic>
+        <p:nvPicPr>
+          <p:cNvPr id="1027" name="Picture 3"/>
+          <p:cNvPicPr>
+            <a:picLocks noChangeAspect="1" noChangeArrowheads="1"/>
+          </p:cNvPicPr>
+          <p:nvPr/>
+        </p:nvPicPr>
+        <p:blipFill>
+          <a:blip r:embed="rId2" cstate="print"/>
+          <a:srcRect/>
+          <a:stretch>
+            <a:fillRect/>
+          </a:stretch>
+        </p:blipFill>
+        <p:spPr bwMode="auto">
+          <a:xfrm>
+            <a:off x="457200" y="3810000"/>
+            <a:ext cx="6524625" cy="453699"/>
+          </a:xfrm>
+          <a:prstGeom prst="rect">
+            <a:avLst/>
+          </a:prstGeom>
+          <a:noFill/>
+          <a:ln w="9525">
+            <a:noFill/>
+            <a:miter lim="800000"/>
+            <a:headEnd/>
+            <a:tailEnd/>
+          </a:ln>
+        </p:spPr>
+      </p:pic>
+      <p:sp>
+        <p:nvSpPr>
           <p:cNvPr id="6" name="5 Rectángulo"/>
           <p:cNvSpPr/>
           <p:nvPr/>
@@ -5916,108 +6054,6 @@
           </a:p>
         </p:txBody>
       </p:sp>
-      <p:sp>
-        <p:nvSpPr>
-          <p:cNvPr id="3" name="2 Marcador de contenido"/>
-          <p:cNvSpPr>
-            <a:spLocks noGrp="1"/>
-          </p:cNvSpPr>
-          <p:nvPr>
-            <p:ph idx="1"/>
-          </p:nvPr>
-        </p:nvSpPr>
-        <p:spPr>
-          <a:xfrm>
-            <a:off x="457200" y="1600201"/>
-            <a:ext cx="8229600" cy="4419600"/>
-          </a:xfrm>
-        </p:spPr>
-        <p:txBody>
-          <a:bodyPr>
-            <a:normAutofit/>
-          </a:bodyPr>
-          <a:lstStyle/>
-          <a:p>
-            <a:r>
-              <a:rPr lang="es-VE" sz="2800" dirty="0" smtClean="0"/>
-              <a:t>Módulos utilizados y configuración.</a:t>
-            </a:r>
-          </a:p>
-          <a:p>
-            <a:r>
-              <a:rPr lang="es-VE" sz="2800" dirty="0" smtClean="0"/>
-              <a:t>Codificación y estructura de los paquetes.</a:t>
-            </a:r>
-          </a:p>
-          <a:p>
-            <a:r>
-              <a:rPr lang="es-VE" sz="2800" dirty="0" smtClean="0"/>
-              <a:t>Mensajes </a:t>
-            </a:r>
-          </a:p>
-          <a:p>
-            <a:pPr marL="914400" lvl="1" indent="-457200">
-              <a:buFont typeface="+mj-lt"/>
-              <a:buAutoNum type="arabicPeriod"/>
-            </a:pPr>
-            <a:r>
-              <a:rPr lang="es-VE" sz="2400" dirty="0" smtClean="0"/>
-              <a:t>Encendido</a:t>
-            </a:r>
-          </a:p>
-          <a:p>
-            <a:pPr marL="914400" lvl="1" indent="-457200">
-              <a:buFont typeface="+mj-lt"/>
-              <a:buAutoNum type="arabicPeriod"/>
-            </a:pPr>
-            <a:r>
-              <a:rPr lang="es-VE" sz="2400" dirty="0" smtClean="0"/>
-              <a:t>Estado</a:t>
-            </a:r>
-          </a:p>
-          <a:p>
-            <a:pPr marL="914400" lvl="1" indent="-457200">
-              <a:buFont typeface="+mj-lt"/>
-              <a:buAutoNum type="arabicPeriod"/>
-            </a:pPr>
-            <a:r>
-              <a:rPr lang="es-VE" sz="2400" dirty="0" smtClean="0"/>
-              <a:t>Telemetría total</a:t>
-            </a:r>
-          </a:p>
-          <a:p>
-            <a:pPr marL="914400" lvl="1" indent="-457200">
-              <a:buFont typeface="+mj-lt"/>
-              <a:buAutoNum type="arabicPeriod"/>
-            </a:pPr>
-            <a:r>
-              <a:rPr lang="es-VE" sz="2400" dirty="0" smtClean="0"/>
-              <a:t>Comando de movimiento </a:t>
-            </a:r>
-          </a:p>
-          <a:p>
-            <a:pPr marL="914400" lvl="1" indent="-457200">
-              <a:buFont typeface="+mj-lt"/>
-              <a:buAutoNum type="arabicPeriod"/>
-            </a:pPr>
-            <a:r>
-              <a:rPr lang="es-VE" sz="2400" dirty="0" err="1" smtClean="0"/>
-              <a:t>Acknowledge</a:t>
-            </a:r>
-            <a:r>
-              <a:rPr lang="es-VE" sz="2400" dirty="0" smtClean="0"/>
-              <a:t> o acuse de recibo</a:t>
-            </a:r>
-          </a:p>
-          <a:p>
-            <a:r>
-              <a:rPr lang="es-VE" sz="2800" dirty="0" smtClean="0"/>
-              <a:t>Rendimiento obtenido.</a:t>
-            </a:r>
-            <a:endParaRPr lang="es-VE" sz="2800" dirty="0"/>
-          </a:p>
-        </p:txBody>
-      </p:sp>
       <p:pic>
         <p:nvPicPr>
           <p:cNvPr id="4" name="Picture 2" descr="http://runrun.es/wp-content/uploads/2013/03/logo-ucab.jpg"/>
@@ -6027,7 +6063,7 @@
           <p:nvPr/>
         </p:nvPicPr>
         <p:blipFill>
-          <a:blip r:embed="rId2" cstate="print"/>
+          <a:blip r:embed="rId3" cstate="print"/>
           <a:srcRect/>
           <a:stretch>
             <a:fillRect/>
@@ -6110,7 +6146,7 @@
           <p:nvPr/>
         </p:nvPicPr>
         <p:blipFill>
-          <a:blip r:embed="rId3" cstate="print"/>
+          <a:blip r:embed="rId4" cstate="print"/>
           <a:srcRect l="28865" t="58609" r="29345" b="40202"/>
           <a:stretch>
             <a:fillRect/>
@@ -6170,7 +6206,7 @@
           <p:nvPr/>
         </p:nvPicPr>
         <p:blipFill>
-          <a:blip r:embed="rId4" cstate="print"/>
+          <a:blip r:embed="rId5" cstate="print"/>
           <a:srcRect/>
           <a:stretch>
             <a:fillRect/>
@@ -6205,7 +6241,7 @@
         </p:xfrm>
         <a:graphic>
           <a:graphicData uri="http://schemas.openxmlformats.org/drawingml/2006/chart">
-            <c:chart xmlns:c="http://schemas.openxmlformats.org/drawingml/2006/chart" xmlns:r="http://schemas.openxmlformats.org/officeDocument/2006/relationships" r:id="rId5"/>
+            <c:chart xmlns:c="http://schemas.openxmlformats.org/drawingml/2006/chart" xmlns:r="http://schemas.openxmlformats.org/officeDocument/2006/relationships" r:id="rId6"/>
           </a:graphicData>
         </a:graphic>
       </p:graphicFrame>
@@ -6377,43 +6413,21 @@
                                   </p:childTnLst>
                                 </p:cTn>
                               </p:par>
-                            </p:childTnLst>
-                          </p:cTn>
-                        </p:par>
-                      </p:childTnLst>
-                    </p:cTn>
-                  </p:par>
-                  <p:par>
-                    <p:cTn id="16" fill="hold">
-                      <p:stCondLst>
-                        <p:cond delay="indefinite"/>
-                      </p:stCondLst>
-                      <p:childTnLst>
-                        <p:par>
-                          <p:cTn id="17" fill="hold">
-                            <p:stCondLst>
-                              <p:cond delay="0"/>
-                            </p:stCondLst>
-                            <p:childTnLst>
                               <p:par>
-                                <p:cTn id="18" presetID="10" presetClass="entr" presetSubtype="0" fill="hold" grpId="0" nodeType="clickEffect">
+                                <p:cTn id="16" presetID="10" presetClass="entr" presetSubtype="0" fill="hold" nodeType="withEffect">
                                   <p:stCondLst>
                                     <p:cond delay="0"/>
                                   </p:stCondLst>
                                   <p:childTnLst>
                                     <p:set>
                                       <p:cBhvr>
-                                        <p:cTn id="19" dur="1" fill="hold">
+                                        <p:cTn id="17" dur="1" fill="hold">
                                           <p:stCondLst>
                                             <p:cond delay="0"/>
                                           </p:stCondLst>
                                         </p:cTn>
                                         <p:tgtEl>
-                                          <p:spTgt spid="3">
-                                            <p:txEl>
-                                              <p:pRg st="2" end="2"/>
-                                            </p:txEl>
-                                          </p:spTgt>
+                                          <p:spTgt spid="1027"/>
                                         </p:tgtEl>
                                         <p:attrNameLst>
                                           <p:attrName>style.visibility</p:attrName>
@@ -6425,56 +6439,9 @@
                                     </p:set>
                                     <p:animEffect transition="in" filter="fade">
                                       <p:cBhvr>
-                                        <p:cTn id="20" dur="500"/>
-                                        <p:tgtEl>
-                                          <p:spTgt spid="3">
-                                            <p:txEl>
-                                              <p:pRg st="2" end="2"/>
-                                            </p:txEl>
-                                          </p:spTgt>
-                                        </p:tgtEl>
-                                      </p:cBhvr>
-                                    </p:animEffect>
-                                  </p:childTnLst>
-                                </p:cTn>
-                              </p:par>
-                              <p:par>
-                                <p:cTn id="21" presetID="10" presetClass="entr" presetSubtype="0" fill="hold" grpId="0" nodeType="withEffect">
-                                  <p:stCondLst>
-                                    <p:cond delay="0"/>
-                                  </p:stCondLst>
-                                  <p:childTnLst>
-                                    <p:set>
-                                      <p:cBhvr>
-                                        <p:cTn id="22" dur="1" fill="hold">
-                                          <p:stCondLst>
-                                            <p:cond delay="0"/>
-                                          </p:stCondLst>
-                                        </p:cTn>
-                                        <p:tgtEl>
-                                          <p:spTgt spid="3">
-                                            <p:txEl>
-                                              <p:pRg st="3" end="3"/>
-                                            </p:txEl>
-                                          </p:spTgt>
-                                        </p:tgtEl>
-                                        <p:attrNameLst>
-                                          <p:attrName>style.visibility</p:attrName>
-                                        </p:attrNameLst>
-                                      </p:cBhvr>
-                                      <p:to>
-                                        <p:strVal val="visible"/>
-                                      </p:to>
-                                    </p:set>
-                                    <p:animEffect transition="in" filter="fade">
-                                      <p:cBhvr>
-                                        <p:cTn id="23" dur="500"/>
-                                        <p:tgtEl>
-                                          <p:spTgt spid="3">
-                                            <p:txEl>
-                                              <p:pRg st="3" end="3"/>
-                                            </p:txEl>
-                                          </p:spTgt>
+                                        <p:cTn id="18" dur="500"/>
+                                        <p:tgtEl>
+                                          <p:spTgt spid="1027"/>
                                         </p:tgtEl>
                                       </p:cBhvr>
                                     </p:animEffect>
@@ -6488,26 +6455,61 @@
                     </p:cTn>
                   </p:par>
                   <p:par>
-                    <p:cTn id="24" fill="hold">
+                    <p:cTn id="19" fill="hold">
                       <p:stCondLst>
                         <p:cond delay="indefinite"/>
                       </p:stCondLst>
                       <p:childTnLst>
                         <p:par>
-                          <p:cTn id="25" fill="hold">
+                          <p:cTn id="20" fill="hold">
                             <p:stCondLst>
                               <p:cond delay="0"/>
                             </p:stCondLst>
                             <p:childTnLst>
                               <p:par>
-                                <p:cTn id="26" presetID="10" presetClass="entr" presetSubtype="0" fill="hold" grpId="0" nodeType="clickEffect">
+                                <p:cTn id="21" presetID="10" presetClass="exit" presetSubtype="0" fill="hold" nodeType="clickEffect">
+                                  <p:stCondLst>
+                                    <p:cond delay="0"/>
+                                  </p:stCondLst>
+                                  <p:childTnLst>
+                                    <p:animEffect transition="out" filter="fade">
+                                      <p:cBhvr>
+                                        <p:cTn id="22" dur="500"/>
+                                        <p:tgtEl>
+                                          <p:spTgt spid="1027"/>
+                                        </p:tgtEl>
+                                      </p:cBhvr>
+                                    </p:animEffect>
+                                    <p:set>
+                                      <p:cBhvr>
+                                        <p:cTn id="23" dur="1" fill="hold">
+                                          <p:stCondLst>
+                                            <p:cond delay="499"/>
+                                          </p:stCondLst>
+                                        </p:cTn>
+                                        <p:tgtEl>
+                                          <p:spTgt spid="1027"/>
+                                        </p:tgtEl>
+                                        <p:attrNameLst>
+                                          <p:attrName>style.visibility</p:attrName>
+                                        </p:attrNameLst>
+                                      </p:cBhvr>
+                                      <p:to>
+                                        <p:strVal val="hidden"/>
+                                      </p:to>
+                                    </p:set>
+                                  </p:childTnLst>
+                                </p:cTn>
+                              </p:par>
+                              <p:par>
+                                <p:cTn id="24" presetID="10" presetClass="entr" presetSubtype="0" fill="hold" grpId="0" nodeType="withEffect">
                                   <p:stCondLst>
                                     <p:cond delay="0"/>
                                   </p:stCondLst>
                                   <p:childTnLst>
                                     <p:set>
                                       <p:cBhvr>
-                                        <p:cTn id="27" dur="1" fill="hold">
+                                        <p:cTn id="25" dur="1" fill="hold">
                                           <p:stCondLst>
                                             <p:cond delay="0"/>
                                           </p:stCondLst>
@@ -6515,7 +6517,7 @@
                                         <p:tgtEl>
                                           <p:spTgt spid="3">
                                             <p:txEl>
-                                              <p:pRg st="4" end="4"/>
+                                              <p:pRg st="2" end="2"/>
                                             </p:txEl>
                                           </p:spTgt>
                                         </p:tgtEl>
@@ -6529,11 +6531,54 @@
                                     </p:set>
                                     <p:animEffect transition="in" filter="fade">
                                       <p:cBhvr>
-                                        <p:cTn id="28" dur="500"/>
+                                        <p:cTn id="26" dur="500"/>
                                         <p:tgtEl>
                                           <p:spTgt spid="3">
                                             <p:txEl>
-                                              <p:pRg st="4" end="4"/>
+                                              <p:pRg st="2" end="2"/>
+                                            </p:txEl>
+                                          </p:spTgt>
+                                        </p:tgtEl>
+                                      </p:cBhvr>
+                                    </p:animEffect>
+                                  </p:childTnLst>
+                                </p:cTn>
+                              </p:par>
+                              <p:par>
+                                <p:cTn id="27" presetID="10" presetClass="entr" presetSubtype="0" fill="hold" grpId="0" nodeType="withEffect">
+                                  <p:stCondLst>
+                                    <p:cond delay="0"/>
+                                  </p:stCondLst>
+                                  <p:childTnLst>
+                                    <p:set>
+                                      <p:cBhvr>
+                                        <p:cTn id="28" dur="1" fill="hold">
+                                          <p:stCondLst>
+                                            <p:cond delay="0"/>
+                                          </p:stCondLst>
+                                        </p:cTn>
+                                        <p:tgtEl>
+                                          <p:spTgt spid="3">
+                                            <p:txEl>
+                                              <p:pRg st="3" end="3"/>
+                                            </p:txEl>
+                                          </p:spTgt>
+                                        </p:tgtEl>
+                                        <p:attrNameLst>
+                                          <p:attrName>style.visibility</p:attrName>
+                                        </p:attrNameLst>
+                                      </p:cBhvr>
+                                      <p:to>
+                                        <p:strVal val="visible"/>
+                                      </p:to>
+                                    </p:set>
+                                    <p:animEffect transition="in" filter="fade">
+                                      <p:cBhvr>
+                                        <p:cTn id="29" dur="500"/>
+                                        <p:tgtEl>
+                                          <p:spTgt spid="3">
+                                            <p:txEl>
+                                              <p:pRg st="3" end="3"/>
                                             </p:txEl>
                                           </p:spTgt>
                                         </p:tgtEl>
@@ -6549,26 +6594,26 @@
                     </p:cTn>
                   </p:par>
                   <p:par>
-                    <p:cTn id="29" fill="hold">
+                    <p:cTn id="30" fill="hold">
                       <p:stCondLst>
                         <p:cond delay="indefinite"/>
                       </p:stCondLst>
                       <p:childTnLst>
                         <p:par>
-                          <p:cTn id="30" fill="hold">
+                          <p:cTn id="31" fill="hold">
                             <p:stCondLst>
                               <p:cond delay="0"/>
                             </p:stCondLst>
                             <p:childTnLst>
                               <p:par>
-                                <p:cTn id="31" presetID="10" presetClass="entr" presetSubtype="0" fill="hold" grpId="0" nodeType="clickEffect">
+                                <p:cTn id="32" presetID="10" presetClass="entr" presetSubtype="0" fill="hold" grpId="0" nodeType="clickEffect">
                                   <p:stCondLst>
                                     <p:cond delay="0"/>
                                   </p:stCondLst>
                                   <p:childTnLst>
                                     <p:set>
                                       <p:cBhvr>
-                                        <p:cTn id="32" dur="1" fill="hold">
+                                        <p:cTn id="33" dur="1" fill="hold">
                                           <p:stCondLst>
                                             <p:cond delay="0"/>
                                           </p:stCondLst>
@@ -6576,7 +6621,7 @@
                                         <p:tgtEl>
                                           <p:spTgt spid="3">
                                             <p:txEl>
-                                              <p:pRg st="5" end="5"/>
+                                              <p:pRg st="4" end="4"/>
                                             </p:txEl>
                                           </p:spTgt>
                                         </p:tgtEl>
@@ -6590,11 +6635,11 @@
                                     </p:set>
                                     <p:animEffect transition="in" filter="fade">
                                       <p:cBhvr>
-                                        <p:cTn id="33" dur="500"/>
+                                        <p:cTn id="34" dur="500"/>
                                         <p:tgtEl>
                                           <p:spTgt spid="3">
                                             <p:txEl>
-                                              <p:pRg st="5" end="5"/>
+                                              <p:pRg st="4" end="4"/>
                                             </p:txEl>
                                           </p:spTgt>
                                         </p:tgtEl>
@@ -6610,26 +6655,26 @@
                     </p:cTn>
                   </p:par>
                   <p:par>
-                    <p:cTn id="34" fill="hold">
+                    <p:cTn id="35" fill="hold">
                       <p:stCondLst>
                         <p:cond delay="indefinite"/>
                       </p:stCondLst>
                       <p:childTnLst>
                         <p:par>
-                          <p:cTn id="35" fill="hold">
+                          <p:cTn id="36" fill="hold">
                             <p:stCondLst>
                               <p:cond delay="0"/>
                             </p:stCondLst>
                             <p:childTnLst>
                               <p:par>
-                                <p:cTn id="36" presetID="10" presetClass="entr" presetSubtype="0" fill="hold" grpId="0" nodeType="clickEffect">
+                                <p:cTn id="37" presetID="10" presetClass="entr" presetSubtype="0" fill="hold" grpId="0" nodeType="clickEffect">
                                   <p:stCondLst>
                                     <p:cond delay="0"/>
                                   </p:stCondLst>
                                   <p:childTnLst>
                                     <p:set>
                                       <p:cBhvr>
-                                        <p:cTn id="37" dur="1" fill="hold">
+                                        <p:cTn id="38" dur="1" fill="hold">
                                           <p:stCondLst>
                                             <p:cond delay="0"/>
                                           </p:stCondLst>
@@ -6637,7 +6682,7 @@
                                         <p:tgtEl>
                                           <p:spTgt spid="3">
                                             <p:txEl>
-                                              <p:pRg st="6" end="6"/>
+                                              <p:pRg st="5" end="5"/>
                                             </p:txEl>
                                           </p:spTgt>
                                         </p:tgtEl>
@@ -6651,11 +6696,11 @@
                                     </p:set>
                                     <p:animEffect transition="in" filter="fade">
                                       <p:cBhvr>
-                                        <p:cTn id="38" dur="500"/>
+                                        <p:cTn id="39" dur="500"/>
                                         <p:tgtEl>
                                           <p:spTgt spid="3">
                                             <p:txEl>
-                                              <p:pRg st="6" end="6"/>
+                                              <p:pRg st="5" end="5"/>
                                             </p:txEl>
                                           </p:spTgt>
                                         </p:tgtEl>
@@ -6671,26 +6716,26 @@
                     </p:cTn>
                   </p:par>
                   <p:par>
-                    <p:cTn id="39" fill="hold">
+                    <p:cTn id="40" fill="hold">
                       <p:stCondLst>
                         <p:cond delay="indefinite"/>
                       </p:stCondLst>
                       <p:childTnLst>
                         <p:par>
-                          <p:cTn id="40" fill="hold">
+                          <p:cTn id="41" fill="hold">
                             <p:stCondLst>
                               <p:cond delay="0"/>
                             </p:stCondLst>
                             <p:childTnLst>
                               <p:par>
-                                <p:cTn id="41" presetID="10" presetClass="entr" presetSubtype="0" fill="hold" grpId="0" nodeType="clickEffect">
+                                <p:cTn id="42" presetID="10" presetClass="entr" presetSubtype="0" fill="hold" grpId="0" nodeType="clickEffect">
                                   <p:stCondLst>
                                     <p:cond delay="0"/>
                                   </p:stCondLst>
                                   <p:childTnLst>
                                     <p:set>
                                       <p:cBhvr>
-                                        <p:cTn id="42" dur="1" fill="hold">
+                                        <p:cTn id="43" dur="1" fill="hold">
                                           <p:stCondLst>
                                             <p:cond delay="0"/>
                                           </p:stCondLst>
@@ -6698,7 +6743,7 @@
                                         <p:tgtEl>
                                           <p:spTgt spid="3">
                                             <p:txEl>
-                                              <p:pRg st="7" end="7"/>
+                                              <p:pRg st="6" end="6"/>
                                             </p:txEl>
                                           </p:spTgt>
                                         </p:tgtEl>
@@ -6712,11 +6757,11 @@
                                     </p:set>
                                     <p:animEffect transition="in" filter="fade">
                                       <p:cBhvr>
-                                        <p:cTn id="43" dur="500"/>
+                                        <p:cTn id="44" dur="500"/>
                                         <p:tgtEl>
                                           <p:spTgt spid="3">
                                             <p:txEl>
-                                              <p:pRg st="7" end="7"/>
+                                              <p:pRg st="6" end="6"/>
                                             </p:txEl>
                                           </p:spTgt>
                                         </p:tgtEl>
@@ -6732,26 +6777,87 @@
                     </p:cTn>
                   </p:par>
                   <p:par>
-                    <p:cTn id="44" fill="hold">
+                    <p:cTn id="45" fill="hold">
                       <p:stCondLst>
                         <p:cond delay="indefinite"/>
                       </p:stCondLst>
                       <p:childTnLst>
                         <p:par>
-                          <p:cTn id="45" fill="hold">
+                          <p:cTn id="46" fill="hold">
                             <p:stCondLst>
                               <p:cond delay="0"/>
                             </p:stCondLst>
                             <p:childTnLst>
                               <p:par>
-                                <p:cTn id="46" presetID="10" presetClass="entr" presetSubtype="0" fill="hold" grpId="0" nodeType="clickEffect">
+                                <p:cTn id="47" presetID="10" presetClass="entr" presetSubtype="0" fill="hold" grpId="0" nodeType="clickEffect">
                                   <p:stCondLst>
                                     <p:cond delay="0"/>
                                   </p:stCondLst>
                                   <p:childTnLst>
                                     <p:set>
                                       <p:cBhvr>
-                                        <p:cTn id="47" dur="1" fill="hold">
+                                        <p:cTn id="48" dur="1" fill="hold">
+                                          <p:stCondLst>
+                                            <p:cond delay="0"/>
+                                          </p:stCondLst>
+                                        </p:cTn>
+                                        <p:tgtEl>
+                                          <p:spTgt spid="3">
+                                            <p:txEl>
+                                              <p:pRg st="7" end="7"/>
+                                            </p:txEl>
+                                          </p:spTgt>
+                                        </p:tgtEl>
+                                        <p:attrNameLst>
+                                          <p:attrName>style.visibility</p:attrName>
+                                        </p:attrNameLst>
+                                      </p:cBhvr>
+                                      <p:to>
+                                        <p:strVal val="visible"/>
+                                      </p:to>
+                                    </p:set>
+                                    <p:animEffect transition="in" filter="fade">
+                                      <p:cBhvr>
+                                        <p:cTn id="49" dur="500"/>
+                                        <p:tgtEl>
+                                          <p:spTgt spid="3">
+                                            <p:txEl>
+                                              <p:pRg st="7" end="7"/>
+                                            </p:txEl>
+                                          </p:spTgt>
+                                        </p:tgtEl>
+                                      </p:cBhvr>
+                                    </p:animEffect>
+                                  </p:childTnLst>
+                                </p:cTn>
+                              </p:par>
+                            </p:childTnLst>
+                          </p:cTn>
+                        </p:par>
+                      </p:childTnLst>
+                    </p:cTn>
+                  </p:par>
+                  <p:par>
+                    <p:cTn id="50" fill="hold">
+                      <p:stCondLst>
+                        <p:cond delay="indefinite"/>
+                      </p:stCondLst>
+                      <p:childTnLst>
+                        <p:par>
+                          <p:cTn id="51" fill="hold">
+                            <p:stCondLst>
+                              <p:cond delay="0"/>
+                            </p:stCondLst>
+                            <p:childTnLst>
+                              <p:par>
+                                <p:cTn id="52" presetID="10" presetClass="entr" presetSubtype="0" fill="hold" grpId="0" nodeType="clickEffect">
+                                  <p:stCondLst>
+                                    <p:cond delay="0"/>
+                                  </p:stCondLst>
+                                  <p:childTnLst>
+                                    <p:set>
+                                      <p:cBhvr>
+                                        <p:cTn id="53" dur="1" fill="hold">
                                           <p:stCondLst>
                                             <p:cond delay="0"/>
                                           </p:stCondLst>
@@ -6773,7 +6879,7 @@
                                     </p:set>
                                     <p:animEffect transition="in" filter="fade">
                                       <p:cBhvr>
-                                        <p:cTn id="48" dur="500"/>
+                                        <p:cTn id="54" dur="500"/>
                                         <p:tgtEl>
                                           <p:spTgt spid="3">
                                             <p:txEl>
@@ -6787,14 +6893,14 @@
                                 </p:cTn>
                               </p:par>
                               <p:par>
-                                <p:cTn id="49" presetID="10" presetClass="entr" presetSubtype="0" fill="hold" grpId="0" nodeType="withEffect">
+                                <p:cTn id="55" presetID="10" presetClass="entr" presetSubtype="0" fill="hold" grpId="0" nodeType="withEffect">
                                   <p:stCondLst>
                                     <p:cond delay="0"/>
                                   </p:stCondLst>
                                   <p:childTnLst>
                                     <p:set>
                                       <p:cBhvr>
-                                        <p:cTn id="50" dur="1" fill="hold">
+                                        <p:cTn id="56" dur="1" fill="hold">
                                           <p:stCondLst>
                                             <p:cond delay="0"/>
                                           </p:stCondLst>
@@ -6812,7 +6918,7 @@
                                     </p:set>
                                     <p:animEffect transition="in" filter="fade">
                                       <p:cBhvr>
-                                        <p:cTn id="51" dur="500"/>
+                                        <p:cTn id="57" dur="500"/>
                                         <p:tgtEl>
                                           <p:spTgt spid="11"/>
                                         </p:tgtEl>
@@ -8104,7 +8210,7 @@
                                           </p:stCondLst>
                                         </p:cTn>
                                         <p:tgtEl>
-                                          <p:spTgt spid="12"/>
+                                          <p:spTgt spid="10"/>
                                         </p:tgtEl>
                                         <p:attrNameLst>
                                           <p:attrName>style.visibility</p:attrName>
@@ -8118,7 +8224,7 @@
                                       <p:cBhvr>
                                         <p:cTn id="10" dur="500"/>
                                         <p:tgtEl>
-                                          <p:spTgt spid="12"/>
+                                          <p:spTgt spid="10"/>
                                         </p:tgtEl>
                                       </p:cBhvr>
                                     </p:animEffect>
@@ -8139,7 +8245,7 @@
                                           </p:stCondLst>
                                         </p:cTn>
                                         <p:tgtEl>
-                                          <p:spTgt spid="13"/>
+                                          <p:spTgt spid="11"/>
                                         </p:tgtEl>
                                         <p:attrNameLst>
                                           <p:attrName>style.visibility</p:attrName>
@@ -8153,77 +8259,7 @@
                                       <p:cBhvr>
                                         <p:cTn id="13" dur="500"/>
                                         <p:tgtEl>
-                                          <p:spTgt spid="13"/>
-                                        </p:tgtEl>
-                                      </p:cBhvr>
-                                    </p:animEffect>
-                                  </p:childTnLst>
-                                </p:cTn>
-                              </p:par>
-                              <p:par>
-                                <p:cTn id="14" presetID="10" presetClass="entr" presetSubtype="0" fill="hold" nodeType="withEffect">
-                                  <p:stCondLst>
-                                    <p:cond delay="0"/>
-                                  </p:stCondLst>
-                                  <p:childTnLst>
-                                    <p:set>
-                                      <p:cBhvr>
-                                        <p:cTn id="15" dur="1" fill="hold">
-                                          <p:stCondLst>
-                                            <p:cond delay="0"/>
-                                          </p:stCondLst>
-                                        </p:cTn>
-                                        <p:tgtEl>
-                                          <p:spTgt spid="14"/>
-                                        </p:tgtEl>
-                                        <p:attrNameLst>
-                                          <p:attrName>style.visibility</p:attrName>
-                                        </p:attrNameLst>
-                                      </p:cBhvr>
-                                      <p:to>
-                                        <p:strVal val="visible"/>
-                                      </p:to>
-                                    </p:set>
-                                    <p:animEffect transition="in" filter="fade">
-                                      <p:cBhvr>
-                                        <p:cTn id="16" dur="500"/>
-                                        <p:tgtEl>
-                                          <p:spTgt spid="14"/>
-                                        </p:tgtEl>
-                                      </p:cBhvr>
-                                    </p:animEffect>
-                                  </p:childTnLst>
-                                </p:cTn>
-                              </p:par>
-                              <p:par>
-                                <p:cTn id="17" presetID="10" presetClass="entr" presetSubtype="0" fill="hold" nodeType="withEffect">
-                                  <p:stCondLst>
-                                    <p:cond delay="0"/>
-                                  </p:stCondLst>
-                                  <p:childTnLst>
-                                    <p:set>
-                                      <p:cBhvr>
-                                        <p:cTn id="18" dur="1" fill="hold">
-                                          <p:stCondLst>
-                                            <p:cond delay="0"/>
-                                          </p:stCondLst>
-                                        </p:cTn>
-                                        <p:tgtEl>
-                                          <p:spTgt spid="15"/>
-                                        </p:tgtEl>
-                                        <p:attrNameLst>
-                                          <p:attrName>style.visibility</p:attrName>
-                                        </p:attrNameLst>
-                                      </p:cBhvr>
-                                      <p:to>
-                                        <p:strVal val="visible"/>
-                                      </p:to>
-                                    </p:set>
-                                    <p:animEffect transition="in" filter="fade">
-                                      <p:cBhvr>
-                                        <p:cTn id="19" dur="500"/>
-                                        <p:tgtEl>
-                                          <p:spTgt spid="15"/>
+                                          <p:spTgt spid="11"/>
                                         </p:tgtEl>
                                       </p:cBhvr>
                                     </p:animEffect>
@@ -8237,83 +8273,40 @@
                     </p:cTn>
                   </p:par>
                   <p:par>
-                    <p:cTn id="20" fill="hold">
+                    <p:cTn id="14" fill="hold">
                       <p:stCondLst>
                         <p:cond delay="indefinite"/>
                       </p:stCondLst>
                       <p:childTnLst>
                         <p:par>
-                          <p:cTn id="21" fill="hold">
+                          <p:cTn id="15" fill="hold">
                             <p:stCondLst>
                               <p:cond delay="0"/>
                             </p:stCondLst>
                             <p:childTnLst>
                               <p:par>
-                                <p:cTn id="22" presetID="10" presetClass="entr" presetSubtype="0" fill="hold" grpId="0" nodeType="clickEffect">
-                                  <p:stCondLst>
-                                    <p:cond delay="0"/>
-                                  </p:stCondLst>
-                                  <p:childTnLst>
-                                    <p:set>
-                                      <p:cBhvr>
-                                        <p:cTn id="23" dur="1" fill="hold">
-                                          <p:stCondLst>
-                                            <p:cond delay="0"/>
-                                          </p:stCondLst>
-                                        </p:cTn>
-                                        <p:tgtEl>
-                                          <p:spTgt spid="3">
-                                            <p:txEl>
-                                              <p:pRg st="1" end="1"/>
-                                            </p:txEl>
-                                          </p:spTgt>
-                                        </p:tgtEl>
-                                        <p:attrNameLst>
-                                          <p:attrName>style.visibility</p:attrName>
-                                        </p:attrNameLst>
-                                      </p:cBhvr>
-                                      <p:to>
-                                        <p:strVal val="visible"/>
-                                      </p:to>
-                                    </p:set>
-                                    <p:animEffect transition="in" filter="fade">
-                                      <p:cBhvr>
-                                        <p:cTn id="24" dur="500"/>
-                                        <p:tgtEl>
-                                          <p:spTgt spid="3">
-                                            <p:txEl>
-                                              <p:pRg st="1" end="1"/>
-                                            </p:txEl>
-                                          </p:spTgt>
-                                        </p:tgtEl>
-                                      </p:cBhvr>
-                                    </p:animEffect>
-                                  </p:childTnLst>
-                                </p:cTn>
-                              </p:par>
-                              <p:par>
-                                <p:cTn id="25" presetID="10" presetClass="exit" presetSubtype="0" fill="hold" nodeType="withEffect">
+                                <p:cTn id="16" presetID="10" presetClass="exit" presetSubtype="0" fill="hold" nodeType="clickEffect">
                                   <p:stCondLst>
                                     <p:cond delay="0"/>
                                   </p:stCondLst>
                                   <p:childTnLst>
                                     <p:animEffect transition="out" filter="fade">
                                       <p:cBhvr>
-                                        <p:cTn id="26" dur="500"/>
-                                        <p:tgtEl>
-                                          <p:spTgt spid="12"/>
+                                        <p:cTn id="17" dur="500"/>
+                                        <p:tgtEl>
+                                          <p:spTgt spid="10"/>
                                         </p:tgtEl>
                                       </p:cBhvr>
                                     </p:animEffect>
                                     <p:set>
                                       <p:cBhvr>
-                                        <p:cTn id="27" dur="1" fill="hold">
+                                        <p:cTn id="18" dur="1" fill="hold">
                                           <p:stCondLst>
                                             <p:cond delay="499"/>
                                           </p:stCondLst>
                                         </p:cTn>
                                         <p:tgtEl>
-                                          <p:spTgt spid="12"/>
+                                          <p:spTgt spid="10"/>
                                         </p:tgtEl>
                                         <p:attrNameLst>
                                           <p:attrName>style.visibility</p:attrName>
@@ -8327,28 +8320,28 @@
                                 </p:cTn>
                               </p:par>
                               <p:par>
-                                <p:cTn id="28" presetID="10" presetClass="exit" presetSubtype="0" fill="hold" nodeType="withEffect">
+                                <p:cTn id="19" presetID="10" presetClass="exit" presetSubtype="0" fill="hold" nodeType="withEffect">
                                   <p:stCondLst>
                                     <p:cond delay="0"/>
                                   </p:stCondLst>
                                   <p:childTnLst>
                                     <p:animEffect transition="out" filter="fade">
                                       <p:cBhvr>
-                                        <p:cTn id="29" dur="500"/>
-                                        <p:tgtEl>
-                                          <p:spTgt spid="13"/>
+                                        <p:cTn id="20" dur="500"/>
+                                        <p:tgtEl>
+                                          <p:spTgt spid="11"/>
                                         </p:tgtEl>
                                       </p:cBhvr>
                                     </p:animEffect>
                                     <p:set>
                                       <p:cBhvr>
-                                        <p:cTn id="30" dur="1" fill="hold">
+                                        <p:cTn id="21" dur="1" fill="hold">
                                           <p:stCondLst>
                                             <p:cond delay="499"/>
                                           </p:stCondLst>
                                         </p:cTn>
                                         <p:tgtEl>
-                                          <p:spTgt spid="13"/>
+                                          <p:spTgt spid="11"/>
                                         </p:tgtEl>
                                         <p:attrNameLst>
                                           <p:attrName>style.visibility</p:attrName>
@@ -8361,91 +8354,43 @@
                                   </p:childTnLst>
                                 </p:cTn>
                               </p:par>
+                            </p:childTnLst>
+                          </p:cTn>
+                        </p:par>
+                      </p:childTnLst>
+                    </p:cTn>
+                  </p:par>
+                  <p:par>
+                    <p:cTn id="22" fill="hold">
+                      <p:stCondLst>
+                        <p:cond delay="indefinite"/>
+                      </p:stCondLst>
+                      <p:childTnLst>
+                        <p:par>
+                          <p:cTn id="23" fill="hold">
+                            <p:stCondLst>
+                              <p:cond delay="0"/>
+                            </p:stCondLst>
+                            <p:childTnLst>
                               <p:par>
-                                <p:cTn id="31" presetID="10" presetClass="exit" presetSubtype="0" fill="hold" nodeType="withEffect">
-                                  <p:stCondLst>
-                                    <p:cond delay="0"/>
-                                  </p:stCondLst>
-                                  <p:childTnLst>
-                                    <p:animEffect transition="out" filter="fade">
-                                      <p:cBhvr>
-                                        <p:cTn id="32" dur="500"/>
-                                        <p:tgtEl>
-                                          <p:spTgt spid="15"/>
-                                        </p:tgtEl>
-                                      </p:cBhvr>
-                                    </p:animEffect>
-                                    <p:set>
-                                      <p:cBhvr>
-                                        <p:cTn id="33" dur="1" fill="hold">
-                                          <p:stCondLst>
-                                            <p:cond delay="499"/>
-                                          </p:stCondLst>
-                                        </p:cTn>
-                                        <p:tgtEl>
-                                          <p:spTgt spid="15"/>
-                                        </p:tgtEl>
-                                        <p:attrNameLst>
-                                          <p:attrName>style.visibility</p:attrName>
-                                        </p:attrNameLst>
-                                      </p:cBhvr>
-                                      <p:to>
-                                        <p:strVal val="hidden"/>
-                                      </p:to>
-                                    </p:set>
-                                  </p:childTnLst>
-                                </p:cTn>
-                              </p:par>
-                              <p:par>
-                                <p:cTn id="34" presetID="10" presetClass="exit" presetSubtype="0" fill="hold" nodeType="withEffect">
-                                  <p:stCondLst>
-                                    <p:cond delay="0"/>
-                                  </p:stCondLst>
-                                  <p:childTnLst>
-                                    <p:animEffect transition="out" filter="fade">
-                                      <p:cBhvr>
-                                        <p:cTn id="35" dur="500"/>
-                                        <p:tgtEl>
-                                          <p:spTgt spid="14"/>
-                                        </p:tgtEl>
-                                      </p:cBhvr>
-                                    </p:animEffect>
-                                    <p:set>
-                                      <p:cBhvr>
-                                        <p:cTn id="36" dur="1" fill="hold">
-                                          <p:stCondLst>
-                                            <p:cond delay="499"/>
-                                          </p:stCondLst>
-                                        </p:cTn>
-                                        <p:tgtEl>
-                                          <p:spTgt spid="14"/>
-                                        </p:tgtEl>
-                                        <p:attrNameLst>
-                                          <p:attrName>style.visibility</p:attrName>
-                                        </p:attrNameLst>
-                                      </p:cBhvr>
-                                      <p:to>
-                                        <p:strVal val="hidden"/>
-                                      </p:to>
-                                    </p:set>
-                                  </p:childTnLst>
-                                </p:cTn>
-                              </p:par>
-                              <p:par>
-                                <p:cTn id="37" presetID="10" presetClass="entr" presetSubtype="0" fill="hold" nodeType="withEffect">
+                                <p:cTn id="24" presetID="10" presetClass="entr" presetSubtype="0" fill="hold" grpId="0" nodeType="clickEffect">
                                   <p:stCondLst>
                                     <p:cond delay="0"/>
                                   </p:stCondLst>
                                   <p:childTnLst>
                                     <p:set>
                                       <p:cBhvr>
-                                        <p:cTn id="38" dur="1" fill="hold">
+                                        <p:cTn id="25" dur="1" fill="hold">
                                           <p:stCondLst>
                                             <p:cond delay="0"/>
                                           </p:stCondLst>
                                         </p:cTn>
                                         <p:tgtEl>
-                                          <p:spTgt spid="10"/>
+                                          <p:spTgt spid="3">
+                                            <p:txEl>
+                                              <p:pRg st="1" end="1"/>
+                                            </p:txEl>
+                                          </p:spTgt>
                                         </p:tgtEl>
                                         <p:attrNameLst>
                                           <p:attrName>style.visibility</p:attrName>
@@ -8457,9 +8402,13 @@
                                     </p:set>
                                     <p:animEffect transition="in" filter="fade">
                                       <p:cBhvr>
-                                        <p:cTn id="39" dur="500"/>
-                                        <p:tgtEl>
-                                          <p:spTgt spid="10"/>
+                                        <p:cTn id="26" dur="500"/>
+                                        <p:tgtEl>
+                                          <p:spTgt spid="3">
+                                            <p:txEl>
+                                              <p:pRg st="1" end="1"/>
+                                            </p:txEl>
+                                          </p:spTgt>
                                         </p:tgtEl>
                                       </p:cBhvr>
                                     </p:animEffect>
@@ -8467,20 +8416,20 @@
                                 </p:cTn>
                               </p:par>
                               <p:par>
-                                <p:cTn id="40" presetID="10" presetClass="entr" presetSubtype="0" fill="hold" nodeType="withEffect">
+                                <p:cTn id="27" presetID="10" presetClass="entr" presetSubtype="0" fill="hold" nodeType="withEffect">
                                   <p:stCondLst>
                                     <p:cond delay="0"/>
                                   </p:stCondLst>
                                   <p:childTnLst>
                                     <p:set>
                                       <p:cBhvr>
-                                        <p:cTn id="41" dur="1" fill="hold">
+                                        <p:cTn id="28" dur="1" fill="hold">
                                           <p:stCondLst>
                                             <p:cond delay="0"/>
                                           </p:stCondLst>
                                         </p:cTn>
                                         <p:tgtEl>
-                                          <p:spTgt spid="11"/>
+                                          <p:spTgt spid="12"/>
                                         </p:tgtEl>
                                         <p:attrNameLst>
                                           <p:attrName>style.visibility</p:attrName>
@@ -8492,9 +8441,114 @@
                                     </p:set>
                                     <p:animEffect transition="in" filter="fade">
                                       <p:cBhvr>
-                                        <p:cTn id="42" dur="500"/>
-                                        <p:tgtEl>
-                                          <p:spTgt spid="11"/>
+                                        <p:cTn id="29" dur="500"/>
+                                        <p:tgtEl>
+                                          <p:spTgt spid="12"/>
+                                        </p:tgtEl>
+                                      </p:cBhvr>
+                                    </p:animEffect>
+                                  </p:childTnLst>
+                                </p:cTn>
+                              </p:par>
+                              <p:par>
+                                <p:cTn id="30" presetID="10" presetClass="entr" presetSubtype="0" fill="hold" nodeType="withEffect">
+                                  <p:stCondLst>
+                                    <p:cond delay="0"/>
+                                  </p:stCondLst>
+                                  <p:childTnLst>
+                                    <p:set>
+                                      <p:cBhvr>
+                                        <p:cTn id="31" dur="1" fill="hold">
+                                          <p:stCondLst>
+                                            <p:cond delay="0"/>
+                                          </p:stCondLst>
+                                        </p:cTn>
+                                        <p:tgtEl>
+                                          <p:spTgt spid="13"/>
+                                        </p:tgtEl>
+                                        <p:attrNameLst>
+                                          <p:attrName>style.visibility</p:attrName>
+                                        </p:attrNameLst>
+                                      </p:cBhvr>
+                                      <p:to>
+                                        <p:strVal val="visible"/>
+                                      </p:to>
+                                    </p:set>
+                                    <p:animEffect transition="in" filter="fade">
+                                      <p:cBhvr>
+                                        <p:cTn id="32" dur="500"/>
+                                        <p:tgtEl>
+                                          <p:spTgt spid="13"/>
+                                        </p:tgtEl>
+                                      </p:cBhvr>
+                                    </p:animEffect>
+                                  </p:childTnLst>
+                                </p:cTn>
+                              </p:par>
+                              <p:par>
+                                <p:cTn id="33" presetID="10" presetClass="entr" presetSubtype="0" fill="hold" nodeType="withEffect">
+                                  <p:stCondLst>
+                                    <p:cond delay="0"/>
+                                  </p:stCondLst>
+                                  <p:childTnLst>
+                                    <p:set>
+                                      <p:cBhvr>
+                                        <p:cTn id="34" dur="1" fill="hold">
+                                          <p:stCondLst>
+                                            <p:cond delay="0"/>
+                                          </p:stCondLst>
+                                        </p:cTn>
+                                        <p:tgtEl>
+                                          <p:spTgt spid="14"/>
+                                        </p:tgtEl>
+                                        <p:attrNameLst>
+                                          <p:attrName>style.visibility</p:attrName>
+                                        </p:attrNameLst>
+                                      </p:cBhvr>
+                                      <p:to>
+                                        <p:strVal val="visible"/>
+                                      </p:to>
+                                    </p:set>
+                                    <p:animEffect transition="in" filter="fade">
+                                      <p:cBhvr>
+                                        <p:cTn id="35" dur="500"/>
+                                        <p:tgtEl>
+                                          <p:spTgt spid="14"/>
+                                        </p:tgtEl>
+                                      </p:cBhvr>
+                                    </p:animEffect>
+                                  </p:childTnLst>
+                                </p:cTn>
+                              </p:par>
+                              <p:par>
+                                <p:cTn id="36" presetID="10" presetClass="entr" presetSubtype="0" fill="hold" nodeType="withEffect">
+                                  <p:stCondLst>
+                                    <p:cond delay="0"/>
+                                  </p:stCondLst>
+                                  <p:childTnLst>
+                                    <p:set>
+                                      <p:cBhvr>
+                                        <p:cTn id="37" dur="1" fill="hold">
+                                          <p:stCondLst>
+                                            <p:cond delay="0"/>
+                                          </p:stCondLst>
+                                        </p:cTn>
+                                        <p:tgtEl>
+                                          <p:spTgt spid="15"/>
+                                        </p:tgtEl>
+                                        <p:attrNameLst>
+                                          <p:attrName>style.visibility</p:attrName>
+                                        </p:attrNameLst>
+                                      </p:cBhvr>
+                                      <p:to>
+                                        <p:strVal val="visible"/>
+                                      </p:to>
+                                    </p:set>
+                                    <p:animEffect transition="in" filter="fade">
+                                      <p:cBhvr>
+                                        <p:cTn id="38" dur="500"/>
+                                        <p:tgtEl>
+                                          <p:spTgt spid="15"/>
                                         </p:tgtEl>
                                       </p:cBhvr>
                                     </p:animEffect>
@@ -9196,7 +9250,7 @@
                                     </p:set>
                                     <p:animEffect transition="in" filter="fade">
                                       <p:cBhvr>
-                                        <p:cTn id="28" dur="2000"/>
+                                        <p:cTn id="28" dur="500"/>
                                         <p:tgtEl>
                                           <p:spTgt spid="10"/>
                                         </p:tgtEl>

--- a/Documento/Defensa TEG animaciones.pptx
+++ b/Documento/Defensa TEG animaciones.pptx
@@ -235,11 +235,11 @@
             </c:numRef>
           </c:yVal>
         </c:ser>
-        <c:axId val="63522688"/>
-        <c:axId val="63632512"/>
+        <c:axId val="70469504"/>
+        <c:axId val="70579328"/>
       </c:scatterChart>
       <c:valAx>
-        <c:axId val="63522688"/>
+        <c:axId val="70469504"/>
         <c:scaling>
           <c:orientation val="minMax"/>
         </c:scaling>
@@ -288,12 +288,12 @@
             <a:round/>
           </a:ln>
         </c:spPr>
-        <c:crossAx val="63632512"/>
+        <c:crossAx val="70579328"/>
         <c:crossesAt val="0"/>
         <c:crossBetween val="midCat"/>
       </c:valAx>
       <c:valAx>
-        <c:axId val="63632512"/>
+        <c:axId val="70579328"/>
         <c:scaling>
           <c:orientation val="minMax"/>
           <c:max val="100"/>
@@ -343,7 +343,7 @@
             <a:round/>
           </a:ln>
         </c:spPr>
-        <c:crossAx val="63522688"/>
+        <c:crossAx val="70469504"/>
         <c:crossesAt val="0"/>
         <c:crossBetween val="midCat"/>
       </c:valAx>
@@ -454,7 +454,7 @@
             <a:fld id="{A17EFB24-B8E6-47B6-AF1C-3FF6B5A16A31}" type="datetimeFigureOut">
               <a:rPr lang="es-VE" smtClean="0"/>
               <a:pPr/>
-              <a:t>26/01/2015</a:t>
+              <a:t>28/01/2015</a:t>
             </a:fld>
             <a:endParaRPr lang="es-VE"/>
           </a:p>
@@ -625,7 +625,7 @@
     </p:spTree>
     <p:extLst>
       <p:ext uri="{BB962C8B-B14F-4D97-AF65-F5344CB8AC3E}">
-        <p14:creationId xmlns:p14="http://schemas.microsoft.com/office/powerpoint/2010/main" xmlns="" val="2929960866"/>
+        <p14:creationId xmlns="" xmlns:p14="http://schemas.microsoft.com/office/powerpoint/2010/main" val="2929960866"/>
       </p:ext>
     </p:extLst>
   </p:cSld>
@@ -807,6 +807,2184 @@
 </p:notes>
 </file>
 
+<file path=ppt/notesSlides/notesSlide2.xml><?xml version="1.0" encoding="utf-8"?>
+<p:notes xmlns:a="http://schemas.openxmlformats.org/drawingml/2006/main" xmlns:r="http://schemas.openxmlformats.org/officeDocument/2006/relationships" xmlns:p="http://schemas.openxmlformats.org/presentationml/2006/main">
+  <p:cSld>
+    <p:spTree>
+      <p:nvGrpSpPr>
+        <p:cNvPr id="1" name=""/>
+        <p:cNvGrpSpPr/>
+        <p:nvPr/>
+      </p:nvGrpSpPr>
+      <p:grpSpPr>
+        <a:xfrm>
+          <a:off x="0" y="0"/>
+          <a:ext cx="0" cy="0"/>
+          <a:chOff x="0" y="0"/>
+          <a:chExt cx="0" cy="0"/>
+        </a:xfrm>
+      </p:grpSpPr>
+      <p:sp>
+        <p:nvSpPr>
+          <p:cNvPr id="2" name="1 Marcador de imagen de diapositiva"/>
+          <p:cNvSpPr>
+            <a:spLocks noGrp="1" noRot="1" noChangeAspect="1"/>
+          </p:cNvSpPr>
+          <p:nvPr>
+            <p:ph type="sldImg"/>
+          </p:nvPr>
+        </p:nvSpPr>
+        <p:spPr/>
+      </p:sp>
+      <p:sp>
+        <p:nvSpPr>
+          <p:cNvPr id="3" name="2 Marcador de notas"/>
+          <p:cNvSpPr>
+            <a:spLocks noGrp="1"/>
+          </p:cNvSpPr>
+          <p:nvPr>
+            <p:ph type="body" idx="1"/>
+          </p:nvPr>
+        </p:nvSpPr>
+        <p:spPr/>
+        <p:txBody>
+          <a:bodyPr>
+            <a:normAutofit/>
+          </a:bodyPr>
+          <a:lstStyle/>
+          <a:p>
+            <a:endParaRPr lang="en-US" dirty="0"/>
+          </a:p>
+        </p:txBody>
+      </p:sp>
+      <p:sp>
+        <p:nvSpPr>
+          <p:cNvPr id="4" name="3 Marcador de número de diapositiva"/>
+          <p:cNvSpPr>
+            <a:spLocks noGrp="1"/>
+          </p:cNvSpPr>
+          <p:nvPr>
+            <p:ph type="sldNum" sz="quarter" idx="10"/>
+          </p:nvPr>
+        </p:nvSpPr>
+        <p:spPr/>
+        <p:txBody>
+          <a:bodyPr/>
+          <a:lstStyle/>
+          <a:p>
+            <a:fld id="{DCEE5624-6160-4A0D-AE52-1E2D26756CBF}" type="slidenum">
+              <a:rPr lang="es-VE" smtClean="0"/>
+              <a:pPr/>
+              <a:t>2</a:t>
+            </a:fld>
+            <a:endParaRPr lang="es-VE"/>
+          </a:p>
+        </p:txBody>
+      </p:sp>
+    </p:spTree>
+  </p:cSld>
+  <p:clrMapOvr>
+    <a:masterClrMapping/>
+  </p:clrMapOvr>
+</p:notes>
+</file>
+
+<file path=ppt/notesSlides/notesSlide3.xml><?xml version="1.0" encoding="utf-8"?>
+<p:notes xmlns:a="http://schemas.openxmlformats.org/drawingml/2006/main" xmlns:r="http://schemas.openxmlformats.org/officeDocument/2006/relationships" xmlns:p="http://schemas.openxmlformats.org/presentationml/2006/main">
+  <p:cSld>
+    <p:spTree>
+      <p:nvGrpSpPr>
+        <p:cNvPr id="1" name=""/>
+        <p:cNvGrpSpPr/>
+        <p:nvPr/>
+      </p:nvGrpSpPr>
+      <p:grpSpPr>
+        <a:xfrm>
+          <a:off x="0" y="0"/>
+          <a:ext cx="0" cy="0"/>
+          <a:chOff x="0" y="0"/>
+          <a:chExt cx="0" cy="0"/>
+        </a:xfrm>
+      </p:grpSpPr>
+      <p:sp>
+        <p:nvSpPr>
+          <p:cNvPr id="2" name="1 Marcador de imagen de diapositiva"/>
+          <p:cNvSpPr>
+            <a:spLocks noGrp="1" noRot="1" noChangeAspect="1"/>
+          </p:cNvSpPr>
+          <p:nvPr>
+            <p:ph type="sldImg"/>
+          </p:nvPr>
+        </p:nvSpPr>
+        <p:spPr/>
+      </p:sp>
+      <p:sp>
+        <p:nvSpPr>
+          <p:cNvPr id="3" name="2 Marcador de notas"/>
+          <p:cNvSpPr>
+            <a:spLocks noGrp="1"/>
+          </p:cNvSpPr>
+          <p:nvPr>
+            <p:ph type="body" idx="1"/>
+          </p:nvPr>
+        </p:nvSpPr>
+        <p:spPr/>
+        <p:txBody>
+          <a:bodyPr>
+            <a:normAutofit lnSpcReduction="10000"/>
+          </a:bodyPr>
+          <a:lstStyle/>
+          <a:p>
+            <a:r>
+              <a:rPr lang="en-US" sz="1200" kern="1200" dirty="0" err="1" smtClean="0">
+                <a:solidFill>
+                  <a:schemeClr val="tx1"/>
+                </a:solidFill>
+                <a:latin typeface="+mn-lt"/>
+                <a:ea typeface="+mn-ea"/>
+                <a:cs typeface="+mn-cs"/>
+              </a:rPr>
+              <a:t>Plantemiento</a:t>
+            </a:r>
+            <a:r>
+              <a:rPr lang="en-US" sz="1200" kern="1200" dirty="0" smtClean="0">
+                <a:solidFill>
+                  <a:schemeClr val="tx1"/>
+                </a:solidFill>
+                <a:latin typeface="+mn-lt"/>
+                <a:ea typeface="+mn-ea"/>
+                <a:cs typeface="+mn-cs"/>
+              </a:rPr>
+              <a:t> del </a:t>
+            </a:r>
+            <a:r>
+              <a:rPr lang="en-US" sz="1200" kern="1200" dirty="0" err="1" smtClean="0">
+                <a:solidFill>
+                  <a:schemeClr val="tx1"/>
+                </a:solidFill>
+                <a:latin typeface="+mn-lt"/>
+                <a:ea typeface="+mn-ea"/>
+                <a:cs typeface="+mn-cs"/>
+              </a:rPr>
+              <a:t>problema</a:t>
+            </a:r>
+            <a:endParaRPr lang="en-US" sz="1200" kern="1200" dirty="0" smtClean="0">
+              <a:solidFill>
+                <a:schemeClr val="tx1"/>
+              </a:solidFill>
+              <a:latin typeface="+mn-lt"/>
+              <a:ea typeface="+mn-ea"/>
+              <a:cs typeface="+mn-cs"/>
+            </a:endParaRPr>
+          </a:p>
+          <a:p>
+            <a:endParaRPr lang="en" sz="1200" kern="1200" dirty="0" smtClean="0">
+              <a:solidFill>
+                <a:schemeClr val="tx1"/>
+              </a:solidFill>
+              <a:latin typeface="+mn-lt"/>
+              <a:ea typeface="+mn-ea"/>
+              <a:cs typeface="+mn-cs"/>
+            </a:endParaRPr>
+          </a:p>
+          <a:p>
+            <a:r>
+              <a:rPr lang="es-ES" sz="1200" kern="1200" dirty="0" smtClean="0">
+                <a:solidFill>
+                  <a:schemeClr val="tx1"/>
+                </a:solidFill>
+                <a:latin typeface="+mn-lt"/>
+                <a:ea typeface="+mn-ea"/>
+                <a:cs typeface="+mn-cs"/>
+              </a:rPr>
+              <a:t>Actualmente las investigaciones con aeronaves no tripuladas están en auge, y en caso especial los </a:t>
+            </a:r>
+            <a:r>
+              <a:rPr lang="es-ES" sz="1200" kern="1200" dirty="0" err="1" smtClean="0">
+                <a:solidFill>
+                  <a:schemeClr val="tx1"/>
+                </a:solidFill>
+                <a:latin typeface="+mn-lt"/>
+                <a:ea typeface="+mn-ea"/>
+                <a:cs typeface="+mn-cs"/>
+              </a:rPr>
+              <a:t>multirotores</a:t>
+            </a:r>
+            <a:r>
+              <a:rPr lang="es-ES" sz="1200" kern="1200" dirty="0" smtClean="0">
+                <a:solidFill>
+                  <a:schemeClr val="tx1"/>
+                </a:solidFill>
+                <a:latin typeface="+mn-lt"/>
+                <a:ea typeface="+mn-ea"/>
+                <a:cs typeface="+mn-cs"/>
+              </a:rPr>
+              <a:t> debido a su gran </a:t>
+            </a:r>
+            <a:r>
+              <a:rPr lang="es-ES" sz="1200" kern="1200" dirty="0" err="1" smtClean="0">
+                <a:solidFill>
+                  <a:schemeClr val="tx1"/>
+                </a:solidFill>
+                <a:latin typeface="+mn-lt"/>
+                <a:ea typeface="+mn-ea"/>
+                <a:cs typeface="+mn-cs"/>
+              </a:rPr>
+              <a:t>manibrabilidad</a:t>
+            </a:r>
+            <a:r>
+              <a:rPr lang="es-ES" sz="1200" kern="1200" dirty="0" smtClean="0">
+                <a:solidFill>
+                  <a:schemeClr val="tx1"/>
+                </a:solidFill>
+                <a:latin typeface="+mn-lt"/>
+                <a:ea typeface="+mn-ea"/>
+                <a:cs typeface="+mn-cs"/>
+              </a:rPr>
+              <a:t> y </a:t>
+            </a:r>
+            <a:r>
+              <a:rPr lang="es-ES" sz="1200" kern="1200" dirty="0" err="1" smtClean="0">
+                <a:solidFill>
+                  <a:schemeClr val="tx1"/>
+                </a:solidFill>
+                <a:latin typeface="+mn-lt"/>
+                <a:ea typeface="+mn-ea"/>
+                <a:cs typeface="+mn-cs"/>
+              </a:rPr>
+              <a:t>precision</a:t>
+            </a:r>
+            <a:r>
+              <a:rPr lang="es-ES" sz="1200" kern="1200" dirty="0" smtClean="0">
+                <a:solidFill>
+                  <a:schemeClr val="tx1"/>
+                </a:solidFill>
+                <a:latin typeface="+mn-lt"/>
+                <a:ea typeface="+mn-ea"/>
+                <a:cs typeface="+mn-cs"/>
+              </a:rPr>
+              <a:t> </a:t>
+            </a:r>
+            <a:r>
+              <a:rPr lang="es-ES" sz="1200" kern="1200" dirty="0" err="1" smtClean="0">
+                <a:solidFill>
+                  <a:schemeClr val="tx1"/>
+                </a:solidFill>
+                <a:latin typeface="+mn-lt"/>
+                <a:ea typeface="+mn-ea"/>
+                <a:cs typeface="+mn-cs"/>
+              </a:rPr>
+              <a:t>duante</a:t>
+            </a:r>
+            <a:r>
+              <a:rPr lang="es-ES" sz="1200" kern="1200" dirty="0" smtClean="0">
+                <a:solidFill>
+                  <a:schemeClr val="tx1"/>
+                </a:solidFill>
+                <a:latin typeface="+mn-lt"/>
+                <a:ea typeface="+mn-ea"/>
+                <a:cs typeface="+mn-cs"/>
+              </a:rPr>
+              <a:t> el vuelo.</a:t>
+            </a:r>
+          </a:p>
+          <a:p>
+            <a:endParaRPr lang="en" sz="1200" kern="1200" dirty="0" smtClean="0">
+              <a:solidFill>
+                <a:schemeClr val="tx1"/>
+              </a:solidFill>
+              <a:latin typeface="+mn-lt"/>
+              <a:ea typeface="+mn-ea"/>
+              <a:cs typeface="+mn-cs"/>
+            </a:endParaRPr>
+          </a:p>
+          <a:p>
+            <a:r>
+              <a:rPr lang="es-ES" sz="1200" kern="1200" dirty="0" smtClean="0">
+                <a:solidFill>
+                  <a:schemeClr val="tx1"/>
+                </a:solidFill>
+                <a:latin typeface="+mn-lt"/>
+                <a:ea typeface="+mn-ea"/>
+                <a:cs typeface="+mn-cs"/>
+              </a:rPr>
+              <a:t>Además existe mercado de componentes competitivo, que rápidamente ha ido bajando los precios debido a los avances </a:t>
+            </a:r>
+            <a:r>
+              <a:rPr lang="es-ES" sz="1200" kern="1200" dirty="0" err="1" smtClean="0">
+                <a:solidFill>
+                  <a:schemeClr val="tx1"/>
+                </a:solidFill>
+                <a:latin typeface="+mn-lt"/>
+                <a:ea typeface="+mn-ea"/>
+                <a:cs typeface="+mn-cs"/>
+              </a:rPr>
+              <a:t>tecnologicos</a:t>
+            </a:r>
+            <a:r>
+              <a:rPr lang="es-ES" sz="1200" kern="1200" dirty="0" smtClean="0">
+                <a:solidFill>
+                  <a:schemeClr val="tx1"/>
+                </a:solidFill>
+                <a:latin typeface="+mn-lt"/>
+                <a:ea typeface="+mn-ea"/>
+                <a:cs typeface="+mn-cs"/>
+              </a:rPr>
+              <a:t> que se han presentado en materia de </a:t>
+            </a:r>
+            <a:r>
+              <a:rPr lang="es-ES" sz="1200" kern="1200" dirty="0" err="1" smtClean="0">
+                <a:solidFill>
+                  <a:schemeClr val="tx1"/>
+                </a:solidFill>
+                <a:latin typeface="+mn-lt"/>
+                <a:ea typeface="+mn-ea"/>
+                <a:cs typeface="+mn-cs"/>
+              </a:rPr>
+              <a:t>electronica</a:t>
+            </a:r>
+            <a:r>
+              <a:rPr lang="es-ES" sz="1200" kern="1200" dirty="0" smtClean="0">
+                <a:solidFill>
+                  <a:schemeClr val="tx1"/>
+                </a:solidFill>
+                <a:latin typeface="+mn-lt"/>
+                <a:ea typeface="+mn-ea"/>
+                <a:cs typeface="+mn-cs"/>
+              </a:rPr>
+              <a:t>. A pesar de ello, la investigación con </a:t>
+            </a:r>
+            <a:r>
+              <a:rPr lang="es-ES" sz="1200" kern="1200" dirty="0" err="1" smtClean="0">
+                <a:solidFill>
+                  <a:schemeClr val="tx1"/>
+                </a:solidFill>
+                <a:latin typeface="+mn-lt"/>
+                <a:ea typeface="+mn-ea"/>
+                <a:cs typeface="+mn-cs"/>
+              </a:rPr>
+              <a:t>cuadricópteros</a:t>
+            </a:r>
+            <a:r>
+              <a:rPr lang="es-ES" sz="1200" kern="1200" dirty="0" smtClean="0">
+                <a:solidFill>
+                  <a:schemeClr val="tx1"/>
+                </a:solidFill>
+                <a:latin typeface="+mn-lt"/>
+                <a:ea typeface="+mn-ea"/>
+                <a:cs typeface="+mn-cs"/>
+              </a:rPr>
+              <a:t> en Venezuela no ha podido darse debido a que no se pueden adquirir dichos componentes.</a:t>
+            </a:r>
+          </a:p>
+          <a:p>
+            <a:endParaRPr lang="en" sz="1200" kern="1200" dirty="0" smtClean="0">
+              <a:solidFill>
+                <a:schemeClr val="tx1"/>
+              </a:solidFill>
+              <a:latin typeface="+mn-lt"/>
+              <a:ea typeface="+mn-ea"/>
+              <a:cs typeface="+mn-cs"/>
+            </a:endParaRPr>
+          </a:p>
+          <a:p>
+            <a:r>
+              <a:rPr lang="es-ES" sz="1200" kern="1200" dirty="0" smtClean="0">
+                <a:solidFill>
+                  <a:schemeClr val="tx1"/>
+                </a:solidFill>
+                <a:latin typeface="+mn-lt"/>
+                <a:ea typeface="+mn-ea"/>
+                <a:cs typeface="+mn-cs"/>
+              </a:rPr>
+              <a:t>Existen importantes proyectos como el caso de </a:t>
+            </a:r>
+            <a:r>
+              <a:rPr lang="es-ES" sz="1200" kern="1200" dirty="0" err="1" smtClean="0">
+                <a:solidFill>
+                  <a:schemeClr val="tx1"/>
+                </a:solidFill>
+                <a:latin typeface="+mn-lt"/>
+                <a:ea typeface="+mn-ea"/>
+                <a:cs typeface="+mn-cs"/>
+              </a:rPr>
+              <a:t>Arduino</a:t>
+            </a:r>
+            <a:r>
+              <a:rPr lang="es-ES" sz="1200" kern="1200" dirty="0" smtClean="0">
+                <a:solidFill>
+                  <a:schemeClr val="tx1"/>
+                </a:solidFill>
+                <a:latin typeface="+mn-lt"/>
+                <a:ea typeface="+mn-ea"/>
+                <a:cs typeface="+mn-cs"/>
+              </a:rPr>
+              <a:t> las cuales brindan la oportunidad de abstraerse un poco del </a:t>
+            </a:r>
+            <a:r>
+              <a:rPr lang="es-ES" sz="1200" kern="1200" dirty="0" err="1" smtClean="0">
+                <a:solidFill>
+                  <a:schemeClr val="tx1"/>
+                </a:solidFill>
+                <a:latin typeface="+mn-lt"/>
+                <a:ea typeface="+mn-ea"/>
+                <a:cs typeface="+mn-cs"/>
+              </a:rPr>
+              <a:t>diseno</a:t>
+            </a:r>
+            <a:r>
+              <a:rPr lang="es-ES" sz="1200" kern="1200" dirty="0" smtClean="0">
+                <a:solidFill>
+                  <a:schemeClr val="tx1"/>
+                </a:solidFill>
+                <a:latin typeface="+mn-lt"/>
+                <a:ea typeface="+mn-ea"/>
+                <a:cs typeface="+mn-cs"/>
+              </a:rPr>
+              <a:t> y </a:t>
+            </a:r>
+            <a:r>
+              <a:rPr lang="es-ES" sz="1200" kern="1200" dirty="0" err="1" smtClean="0">
+                <a:solidFill>
+                  <a:schemeClr val="tx1"/>
+                </a:solidFill>
+                <a:latin typeface="+mn-lt"/>
+                <a:ea typeface="+mn-ea"/>
+                <a:cs typeface="+mn-cs"/>
+              </a:rPr>
+              <a:t>construccion</a:t>
+            </a:r>
+            <a:r>
+              <a:rPr lang="es-ES" sz="1200" kern="1200" dirty="0" smtClean="0">
+                <a:solidFill>
+                  <a:schemeClr val="tx1"/>
+                </a:solidFill>
+                <a:latin typeface="+mn-lt"/>
+                <a:ea typeface="+mn-ea"/>
+                <a:cs typeface="+mn-cs"/>
+              </a:rPr>
+              <a:t> de circuitos </a:t>
+            </a:r>
+            <a:r>
+              <a:rPr lang="es-ES" sz="1200" kern="1200" dirty="0" err="1" smtClean="0">
+                <a:solidFill>
+                  <a:schemeClr val="tx1"/>
+                </a:solidFill>
+                <a:latin typeface="+mn-lt"/>
+                <a:ea typeface="+mn-ea"/>
+                <a:cs typeface="+mn-cs"/>
+              </a:rPr>
+              <a:t>electronicos</a:t>
+            </a:r>
+            <a:r>
+              <a:rPr lang="es-ES" sz="1200" kern="1200" dirty="0" smtClean="0">
+                <a:solidFill>
+                  <a:schemeClr val="tx1"/>
+                </a:solidFill>
+                <a:latin typeface="+mn-lt"/>
+                <a:ea typeface="+mn-ea"/>
+                <a:cs typeface="+mn-cs"/>
+              </a:rPr>
+              <a:t> y </a:t>
+            </a:r>
+            <a:r>
+              <a:rPr lang="es-ES" sz="1200" kern="1200" dirty="0" err="1" smtClean="0">
+                <a:solidFill>
+                  <a:schemeClr val="tx1"/>
+                </a:solidFill>
+                <a:latin typeface="+mn-lt"/>
+                <a:ea typeface="+mn-ea"/>
+                <a:cs typeface="+mn-cs"/>
+              </a:rPr>
+              <a:t>programacion</a:t>
+            </a:r>
+            <a:r>
+              <a:rPr lang="es-ES" sz="1200" kern="1200" dirty="0" smtClean="0">
+                <a:solidFill>
+                  <a:schemeClr val="tx1"/>
+                </a:solidFill>
+                <a:latin typeface="+mn-lt"/>
+                <a:ea typeface="+mn-ea"/>
+                <a:cs typeface="+mn-cs"/>
+              </a:rPr>
+              <a:t> de los mismos, facilitando la </a:t>
+            </a:r>
+            <a:r>
+              <a:rPr lang="es-ES" sz="1200" kern="1200" dirty="0" err="1" smtClean="0">
+                <a:solidFill>
+                  <a:schemeClr val="tx1"/>
+                </a:solidFill>
+                <a:latin typeface="+mn-lt"/>
+                <a:ea typeface="+mn-ea"/>
+                <a:cs typeface="+mn-cs"/>
+              </a:rPr>
+              <a:t>construccion</a:t>
+            </a:r>
+            <a:r>
+              <a:rPr lang="es-ES" sz="1200" kern="1200" dirty="0" smtClean="0">
+                <a:solidFill>
+                  <a:schemeClr val="tx1"/>
+                </a:solidFill>
+                <a:latin typeface="+mn-lt"/>
+                <a:ea typeface="+mn-ea"/>
+                <a:cs typeface="+mn-cs"/>
+              </a:rPr>
+              <a:t> de los </a:t>
+            </a:r>
+            <a:r>
+              <a:rPr lang="es-ES" sz="1200" kern="1200" dirty="0" err="1" smtClean="0">
+                <a:solidFill>
+                  <a:schemeClr val="tx1"/>
+                </a:solidFill>
+                <a:latin typeface="+mn-lt"/>
+                <a:ea typeface="+mn-ea"/>
+                <a:cs typeface="+mn-cs"/>
+              </a:rPr>
+              <a:t>cuadricopteros</a:t>
+            </a:r>
+            <a:r>
+              <a:rPr lang="es-ES" sz="1200" kern="1200" dirty="0" smtClean="0">
+                <a:solidFill>
+                  <a:schemeClr val="tx1"/>
+                </a:solidFill>
+                <a:latin typeface="+mn-lt"/>
+                <a:ea typeface="+mn-ea"/>
+                <a:cs typeface="+mn-cs"/>
+              </a:rPr>
+              <a:t>.</a:t>
+            </a:r>
+          </a:p>
+          <a:p>
+            <a:endParaRPr lang="en" sz="1200" kern="1200" dirty="0" smtClean="0">
+              <a:solidFill>
+                <a:schemeClr val="tx1"/>
+              </a:solidFill>
+              <a:latin typeface="+mn-lt"/>
+              <a:ea typeface="+mn-ea"/>
+              <a:cs typeface="+mn-cs"/>
+            </a:endParaRPr>
+          </a:p>
+          <a:p>
+            <a:r>
+              <a:rPr lang="es-ES" sz="1200" kern="1200" dirty="0" smtClean="0">
+                <a:solidFill>
+                  <a:schemeClr val="tx1"/>
+                </a:solidFill>
+                <a:latin typeface="+mn-lt"/>
+                <a:ea typeface="+mn-ea"/>
+                <a:cs typeface="+mn-cs"/>
+              </a:rPr>
+              <a:t>Anteriormente se han realizado trabajos sobre el diseño de la mecánica y electrónica de </a:t>
+            </a:r>
+            <a:r>
+              <a:rPr lang="es-ES" sz="1200" kern="1200" dirty="0" err="1" smtClean="0">
+                <a:solidFill>
+                  <a:schemeClr val="tx1"/>
+                </a:solidFill>
+                <a:latin typeface="+mn-lt"/>
+                <a:ea typeface="+mn-ea"/>
+                <a:cs typeface="+mn-cs"/>
+              </a:rPr>
+              <a:t>cuadricópteros</a:t>
+            </a:r>
+            <a:r>
+              <a:rPr lang="es-ES" sz="1200" kern="1200" dirty="0" smtClean="0">
+                <a:solidFill>
+                  <a:schemeClr val="tx1"/>
+                </a:solidFill>
+                <a:latin typeface="+mn-lt"/>
+                <a:ea typeface="+mn-ea"/>
+                <a:cs typeface="+mn-cs"/>
+              </a:rPr>
+              <a:t> de bajo coste aptos para su construcción con componentes presentes en el mercado venezolano. </a:t>
+            </a:r>
+          </a:p>
+          <a:p>
+            <a:endParaRPr lang="en" sz="1200" kern="1200" dirty="0" smtClean="0">
+              <a:solidFill>
+                <a:schemeClr val="tx1"/>
+              </a:solidFill>
+              <a:latin typeface="+mn-lt"/>
+              <a:ea typeface="+mn-ea"/>
+              <a:cs typeface="+mn-cs"/>
+            </a:endParaRPr>
+          </a:p>
+          <a:p>
+            <a:r>
+              <a:rPr lang="en-US" sz="1200" kern="1200" dirty="0" smtClean="0">
+                <a:solidFill>
+                  <a:schemeClr val="tx1"/>
+                </a:solidFill>
+                <a:latin typeface="+mn-lt"/>
+                <a:ea typeface="+mn-ea"/>
+                <a:cs typeface="+mn-cs"/>
+              </a:rPr>
+              <a:t>Con base en </a:t>
+            </a:r>
+            <a:r>
+              <a:rPr lang="en-US" sz="1200" kern="1200" dirty="0" err="1" smtClean="0">
+                <a:solidFill>
+                  <a:schemeClr val="tx1"/>
+                </a:solidFill>
+                <a:latin typeface="+mn-lt"/>
+                <a:ea typeface="+mn-ea"/>
+                <a:cs typeface="+mn-cs"/>
+              </a:rPr>
+              <a:t>esto</a:t>
+            </a:r>
+            <a:r>
+              <a:rPr lang="en-US" sz="1200" kern="1200" dirty="0" smtClean="0">
+                <a:solidFill>
+                  <a:schemeClr val="tx1"/>
+                </a:solidFill>
+                <a:latin typeface="+mn-lt"/>
+                <a:ea typeface="+mn-ea"/>
+                <a:cs typeface="+mn-cs"/>
+              </a:rPr>
+              <a:t>:</a:t>
+            </a:r>
+          </a:p>
+          <a:p>
+            <a:r>
+              <a:rPr lang="es-ES" sz="1200" kern="1200" dirty="0" smtClean="0">
+                <a:solidFill>
+                  <a:schemeClr val="tx1"/>
+                </a:solidFill>
+                <a:latin typeface="+mn-lt"/>
+                <a:ea typeface="+mn-ea"/>
+                <a:cs typeface="+mn-cs"/>
+              </a:rPr>
+              <a:t>Se propone diseñar e implementar un algoritmo de control PID para controlar la posición angular y altura de un </a:t>
+            </a:r>
+            <a:r>
+              <a:rPr lang="es-ES" sz="1200" kern="1200" dirty="0" err="1" smtClean="0">
+                <a:solidFill>
+                  <a:schemeClr val="tx1"/>
+                </a:solidFill>
+                <a:latin typeface="+mn-lt"/>
+                <a:ea typeface="+mn-ea"/>
+                <a:cs typeface="+mn-cs"/>
+              </a:rPr>
+              <a:t>cuadricóptero</a:t>
+            </a:r>
+            <a:r>
+              <a:rPr lang="es-ES" sz="1200" kern="1200" dirty="0" smtClean="0">
+                <a:solidFill>
+                  <a:schemeClr val="tx1"/>
+                </a:solidFill>
+                <a:latin typeface="+mn-lt"/>
+                <a:ea typeface="+mn-ea"/>
+                <a:cs typeface="+mn-cs"/>
+              </a:rPr>
+              <a:t> basado en la plataforma </a:t>
+            </a:r>
+            <a:r>
+              <a:rPr lang="es-ES" sz="1200" kern="1200" dirty="0" err="1" smtClean="0">
+                <a:solidFill>
+                  <a:schemeClr val="tx1"/>
+                </a:solidFill>
+                <a:latin typeface="+mn-lt"/>
+                <a:ea typeface="+mn-ea"/>
+                <a:cs typeface="+mn-cs"/>
+              </a:rPr>
+              <a:t>Arduino</a:t>
+            </a:r>
+            <a:r>
+              <a:rPr lang="es-ES" sz="1200" kern="1200" dirty="0" smtClean="0">
+                <a:solidFill>
+                  <a:schemeClr val="tx1"/>
+                </a:solidFill>
+                <a:latin typeface="+mn-lt"/>
+                <a:ea typeface="+mn-ea"/>
+                <a:cs typeface="+mn-cs"/>
+              </a:rPr>
+              <a:t>.</a:t>
+            </a:r>
+            <a:endParaRPr lang="en-US" dirty="0"/>
+          </a:p>
+        </p:txBody>
+      </p:sp>
+      <p:sp>
+        <p:nvSpPr>
+          <p:cNvPr id="4" name="3 Marcador de número de diapositiva"/>
+          <p:cNvSpPr>
+            <a:spLocks noGrp="1"/>
+          </p:cNvSpPr>
+          <p:nvPr>
+            <p:ph type="sldNum" sz="quarter" idx="10"/>
+          </p:nvPr>
+        </p:nvSpPr>
+        <p:spPr/>
+        <p:txBody>
+          <a:bodyPr/>
+          <a:lstStyle/>
+          <a:p>
+            <a:fld id="{DCEE5624-6160-4A0D-AE52-1E2D26756CBF}" type="slidenum">
+              <a:rPr lang="es-VE" smtClean="0"/>
+              <a:pPr/>
+              <a:t>4</a:t>
+            </a:fld>
+            <a:endParaRPr lang="es-VE"/>
+          </a:p>
+        </p:txBody>
+      </p:sp>
+    </p:spTree>
+  </p:cSld>
+  <p:clrMapOvr>
+    <a:masterClrMapping/>
+  </p:clrMapOvr>
+</p:notes>
+</file>
+
+<file path=ppt/notesSlides/notesSlide4.xml><?xml version="1.0" encoding="utf-8"?>
+<p:notes xmlns:a="http://schemas.openxmlformats.org/drawingml/2006/main" xmlns:r="http://schemas.openxmlformats.org/officeDocument/2006/relationships" xmlns:p="http://schemas.openxmlformats.org/presentationml/2006/main">
+  <p:cSld>
+    <p:spTree>
+      <p:nvGrpSpPr>
+        <p:cNvPr id="1" name=""/>
+        <p:cNvGrpSpPr/>
+        <p:nvPr/>
+      </p:nvGrpSpPr>
+      <p:grpSpPr>
+        <a:xfrm>
+          <a:off x="0" y="0"/>
+          <a:ext cx="0" cy="0"/>
+          <a:chOff x="0" y="0"/>
+          <a:chExt cx="0" cy="0"/>
+        </a:xfrm>
+      </p:grpSpPr>
+      <p:sp>
+        <p:nvSpPr>
+          <p:cNvPr id="2" name="1 Marcador de imagen de diapositiva"/>
+          <p:cNvSpPr>
+            <a:spLocks noGrp="1" noRot="1" noChangeAspect="1"/>
+          </p:cNvSpPr>
+          <p:nvPr>
+            <p:ph type="sldImg"/>
+          </p:nvPr>
+        </p:nvSpPr>
+        <p:spPr/>
+      </p:sp>
+      <p:sp>
+        <p:nvSpPr>
+          <p:cNvPr id="3" name="2 Marcador de notas"/>
+          <p:cNvSpPr>
+            <a:spLocks noGrp="1"/>
+          </p:cNvSpPr>
+          <p:nvPr>
+            <p:ph type="body" idx="1"/>
+          </p:nvPr>
+        </p:nvSpPr>
+        <p:spPr/>
+        <p:txBody>
+          <a:bodyPr>
+            <a:normAutofit/>
+          </a:bodyPr>
+          <a:lstStyle/>
+          <a:p>
+            <a:r>
+              <a:rPr lang="en-US" sz="1200" kern="1200" dirty="0" err="1" smtClean="0">
+                <a:solidFill>
+                  <a:schemeClr val="tx1"/>
+                </a:solidFill>
+                <a:latin typeface="+mn-lt"/>
+                <a:ea typeface="+mn-ea"/>
+                <a:cs typeface="+mn-cs"/>
+              </a:rPr>
+              <a:t>Metodologia</a:t>
+            </a:r>
+            <a:endParaRPr lang="en-US" sz="1200" kern="1200" dirty="0" smtClean="0">
+              <a:solidFill>
+                <a:schemeClr val="tx1"/>
+              </a:solidFill>
+              <a:latin typeface="+mn-lt"/>
+              <a:ea typeface="+mn-ea"/>
+              <a:cs typeface="+mn-cs"/>
+            </a:endParaRPr>
+          </a:p>
+          <a:p>
+            <a:r>
+              <a:rPr lang="es-ES" sz="1200" kern="1200" dirty="0" smtClean="0">
+                <a:solidFill>
+                  <a:schemeClr val="tx1"/>
+                </a:solidFill>
+                <a:latin typeface="+mn-lt"/>
+                <a:ea typeface="+mn-ea"/>
+                <a:cs typeface="+mn-cs"/>
+              </a:rPr>
+              <a:t>La </a:t>
+            </a:r>
+            <a:r>
+              <a:rPr lang="es-ES" sz="1200" kern="1200" dirty="0" err="1" smtClean="0">
+                <a:solidFill>
+                  <a:schemeClr val="tx1"/>
+                </a:solidFill>
+                <a:latin typeface="+mn-lt"/>
+                <a:ea typeface="+mn-ea"/>
+                <a:cs typeface="+mn-cs"/>
+              </a:rPr>
+              <a:t>metodologia</a:t>
+            </a:r>
+            <a:r>
+              <a:rPr lang="es-ES" sz="1200" kern="1200" dirty="0" smtClean="0">
+                <a:solidFill>
+                  <a:schemeClr val="tx1"/>
+                </a:solidFill>
+                <a:latin typeface="+mn-lt"/>
+                <a:ea typeface="+mn-ea"/>
+                <a:cs typeface="+mn-cs"/>
+              </a:rPr>
+              <a:t> utilizada para este</a:t>
+            </a:r>
+            <a:r>
+              <a:rPr lang="es-ES" sz="1200" kern="1200" baseline="0" dirty="0" smtClean="0">
+                <a:solidFill>
+                  <a:schemeClr val="tx1"/>
+                </a:solidFill>
+                <a:latin typeface="+mn-lt"/>
+                <a:ea typeface="+mn-ea"/>
+                <a:cs typeface="+mn-cs"/>
+              </a:rPr>
+              <a:t> trabajo especial de grado </a:t>
+            </a:r>
+            <a:r>
+              <a:rPr lang="es-ES" sz="1200" kern="1200" dirty="0" smtClean="0">
+                <a:solidFill>
+                  <a:schemeClr val="tx1"/>
+                </a:solidFill>
+                <a:latin typeface="+mn-lt"/>
+                <a:ea typeface="+mn-ea"/>
+                <a:cs typeface="+mn-cs"/>
+              </a:rPr>
+              <a:t>fue el desarrollo en espiral la cual permite generar un prototipo y en siguientes iteraciones </a:t>
+            </a:r>
+            <a:r>
+              <a:rPr lang="es-ES" sz="1200" kern="1200" dirty="0" err="1" smtClean="0">
+                <a:solidFill>
+                  <a:schemeClr val="tx1"/>
+                </a:solidFill>
+                <a:latin typeface="+mn-lt"/>
+                <a:ea typeface="+mn-ea"/>
+                <a:cs typeface="+mn-cs"/>
+              </a:rPr>
+              <a:t>anadirle</a:t>
+            </a:r>
+            <a:r>
+              <a:rPr lang="es-ES" sz="1200" kern="1200" dirty="0" smtClean="0">
+                <a:solidFill>
+                  <a:schemeClr val="tx1"/>
+                </a:solidFill>
+                <a:latin typeface="+mn-lt"/>
+                <a:ea typeface="+mn-ea"/>
+                <a:cs typeface="+mn-cs"/>
+              </a:rPr>
+              <a:t> funcionalidades.</a:t>
+            </a:r>
+          </a:p>
+          <a:p>
+            <a:endParaRPr lang="en-US" sz="1200" kern="1200" dirty="0" smtClean="0">
+              <a:solidFill>
+                <a:schemeClr val="tx1"/>
+              </a:solidFill>
+              <a:latin typeface="+mn-lt"/>
+              <a:ea typeface="+mn-ea"/>
+              <a:cs typeface="+mn-cs"/>
+            </a:endParaRPr>
+          </a:p>
+          <a:p>
+            <a:r>
+              <a:rPr lang="es-ES" sz="1200" kern="1200" dirty="0" smtClean="0">
+                <a:solidFill>
+                  <a:schemeClr val="tx1"/>
+                </a:solidFill>
+                <a:latin typeface="+mn-lt"/>
+                <a:ea typeface="+mn-ea"/>
+                <a:cs typeface="+mn-cs"/>
+              </a:rPr>
+              <a:t>El desarrollo de esta </a:t>
+            </a:r>
+            <a:r>
+              <a:rPr lang="es-ES" sz="1200" kern="1200" dirty="0" err="1" smtClean="0">
+                <a:solidFill>
+                  <a:schemeClr val="tx1"/>
+                </a:solidFill>
+                <a:latin typeface="+mn-lt"/>
+                <a:ea typeface="+mn-ea"/>
+                <a:cs typeface="+mn-cs"/>
+              </a:rPr>
+              <a:t>metodologia</a:t>
+            </a:r>
+            <a:r>
+              <a:rPr lang="es-ES" sz="1200" kern="1200" dirty="0" smtClean="0">
+                <a:solidFill>
+                  <a:schemeClr val="tx1"/>
+                </a:solidFill>
+                <a:latin typeface="+mn-lt"/>
+                <a:ea typeface="+mn-ea"/>
+                <a:cs typeface="+mn-cs"/>
+              </a:rPr>
+              <a:t> esta basado en los siguientes pasos:</a:t>
+            </a:r>
+          </a:p>
+          <a:p>
+            <a:r>
+              <a:rPr lang="es-ES" sz="1200" kern="1200" dirty="0" smtClean="0">
+                <a:solidFill>
+                  <a:schemeClr val="tx1"/>
+                </a:solidFill>
+                <a:latin typeface="+mn-lt"/>
+                <a:ea typeface="+mn-ea"/>
+                <a:cs typeface="+mn-cs"/>
+              </a:rPr>
+              <a:t>	Se hace un levantamiento de </a:t>
+            </a:r>
+            <a:r>
+              <a:rPr lang="es-ES" sz="1200" kern="1200" dirty="0" err="1" smtClean="0">
+                <a:solidFill>
+                  <a:schemeClr val="tx1"/>
+                </a:solidFill>
+                <a:latin typeface="+mn-lt"/>
+                <a:ea typeface="+mn-ea"/>
+                <a:cs typeface="+mn-cs"/>
+              </a:rPr>
+              <a:t>informacion</a:t>
+            </a:r>
+            <a:r>
+              <a:rPr lang="es-ES" sz="1200" kern="1200" dirty="0" smtClean="0">
+                <a:solidFill>
+                  <a:schemeClr val="tx1"/>
+                </a:solidFill>
+                <a:latin typeface="+mn-lt"/>
+                <a:ea typeface="+mn-ea"/>
+                <a:cs typeface="+mn-cs"/>
+              </a:rPr>
+              <a:t> sobre el desarrollo de un prototipo o </a:t>
+            </a:r>
+            <a:r>
+              <a:rPr lang="es-ES" sz="1200" kern="1200" dirty="0" err="1" smtClean="0">
+                <a:solidFill>
+                  <a:schemeClr val="tx1"/>
+                </a:solidFill>
+                <a:latin typeface="+mn-lt"/>
+                <a:ea typeface="+mn-ea"/>
+                <a:cs typeface="+mn-cs"/>
+              </a:rPr>
+              <a:t>adicion</a:t>
+            </a:r>
+            <a:r>
+              <a:rPr lang="es-ES" sz="1200" kern="1200" dirty="0" smtClean="0">
+                <a:solidFill>
+                  <a:schemeClr val="tx1"/>
+                </a:solidFill>
+                <a:latin typeface="+mn-lt"/>
+                <a:ea typeface="+mn-ea"/>
+                <a:cs typeface="+mn-cs"/>
+              </a:rPr>
+              <a:t> de funcionalidades a uno ya creado</a:t>
+            </a:r>
+          </a:p>
+          <a:p>
+            <a:r>
+              <a:rPr lang="es-ES" sz="1200" kern="1200" dirty="0" smtClean="0">
+                <a:solidFill>
+                  <a:schemeClr val="tx1"/>
+                </a:solidFill>
+                <a:latin typeface="+mn-lt"/>
+                <a:ea typeface="+mn-ea"/>
+                <a:cs typeface="+mn-cs"/>
+              </a:rPr>
+              <a:t>	Se hace la </a:t>
+            </a:r>
+            <a:r>
+              <a:rPr lang="es-ES" sz="1200" kern="1200" dirty="0" err="1" smtClean="0">
+                <a:solidFill>
+                  <a:schemeClr val="tx1"/>
+                </a:solidFill>
+                <a:latin typeface="+mn-lt"/>
+                <a:ea typeface="+mn-ea"/>
+                <a:cs typeface="+mn-cs"/>
+              </a:rPr>
+              <a:t>planificacion</a:t>
+            </a:r>
+            <a:r>
+              <a:rPr lang="es-ES" sz="1200" kern="1200" dirty="0" smtClean="0">
+                <a:solidFill>
+                  <a:schemeClr val="tx1"/>
+                </a:solidFill>
+                <a:latin typeface="+mn-lt"/>
+                <a:ea typeface="+mn-ea"/>
+                <a:cs typeface="+mn-cs"/>
+              </a:rPr>
+              <a:t> en base al levantamiento de </a:t>
+            </a:r>
+            <a:r>
+              <a:rPr lang="es-ES" sz="1200" kern="1200" dirty="0" err="1" smtClean="0">
+                <a:solidFill>
+                  <a:schemeClr val="tx1"/>
+                </a:solidFill>
+                <a:latin typeface="+mn-lt"/>
+                <a:ea typeface="+mn-ea"/>
+                <a:cs typeface="+mn-cs"/>
+              </a:rPr>
+              <a:t>informacion</a:t>
+            </a:r>
+            <a:endParaRPr lang="es-ES" sz="1200" kern="1200" dirty="0" smtClean="0">
+              <a:solidFill>
+                <a:schemeClr val="tx1"/>
+              </a:solidFill>
+              <a:latin typeface="+mn-lt"/>
+              <a:ea typeface="+mn-ea"/>
+              <a:cs typeface="+mn-cs"/>
+            </a:endParaRPr>
+          </a:p>
+          <a:p>
+            <a:r>
+              <a:rPr lang="es-ES" sz="1200" kern="1200" dirty="0" smtClean="0">
+                <a:solidFill>
+                  <a:schemeClr val="tx1"/>
+                </a:solidFill>
+                <a:latin typeface="+mn-lt"/>
+                <a:ea typeface="+mn-ea"/>
+                <a:cs typeface="+mn-cs"/>
+              </a:rPr>
+              <a:t>	Se hace un </a:t>
+            </a:r>
+            <a:r>
+              <a:rPr lang="es-ES" sz="1200" kern="1200" dirty="0" err="1" smtClean="0">
+                <a:solidFill>
+                  <a:schemeClr val="tx1"/>
+                </a:solidFill>
+                <a:latin typeface="+mn-lt"/>
+                <a:ea typeface="+mn-ea"/>
+                <a:cs typeface="+mn-cs"/>
+              </a:rPr>
+              <a:t>analisis</a:t>
+            </a:r>
+            <a:r>
+              <a:rPr lang="es-ES" sz="1200" kern="1200" dirty="0" smtClean="0">
+                <a:solidFill>
+                  <a:schemeClr val="tx1"/>
+                </a:solidFill>
+                <a:latin typeface="+mn-lt"/>
+                <a:ea typeface="+mn-ea"/>
+                <a:cs typeface="+mn-cs"/>
+              </a:rPr>
+              <a:t> de riesgo con respecto a la </a:t>
+            </a:r>
+            <a:r>
+              <a:rPr lang="es-ES" sz="1200" kern="1200" dirty="0" err="1" smtClean="0">
+                <a:solidFill>
+                  <a:schemeClr val="tx1"/>
+                </a:solidFill>
+                <a:latin typeface="+mn-lt"/>
+                <a:ea typeface="+mn-ea"/>
+                <a:cs typeface="+mn-cs"/>
+              </a:rPr>
+              <a:t>planificacion</a:t>
+            </a:r>
+            <a:endParaRPr lang="es-ES" sz="1200" kern="1200" dirty="0" smtClean="0">
+              <a:solidFill>
+                <a:schemeClr val="tx1"/>
+              </a:solidFill>
+              <a:latin typeface="+mn-lt"/>
+              <a:ea typeface="+mn-ea"/>
+              <a:cs typeface="+mn-cs"/>
+            </a:endParaRPr>
+          </a:p>
+          <a:p>
+            <a:r>
+              <a:rPr lang="es-ES" sz="1200" kern="1200" dirty="0" smtClean="0">
+                <a:solidFill>
+                  <a:schemeClr val="tx1"/>
+                </a:solidFill>
+                <a:latin typeface="+mn-lt"/>
+                <a:ea typeface="+mn-ea"/>
+                <a:cs typeface="+mn-cs"/>
+              </a:rPr>
+              <a:t>	Se hace el </a:t>
+            </a:r>
+            <a:r>
+              <a:rPr lang="es-ES" sz="1200" kern="1200" dirty="0" err="1" smtClean="0">
+                <a:solidFill>
+                  <a:schemeClr val="tx1"/>
+                </a:solidFill>
+                <a:latin typeface="+mn-lt"/>
+                <a:ea typeface="+mn-ea"/>
+                <a:cs typeface="+mn-cs"/>
+              </a:rPr>
+              <a:t>diseno</a:t>
+            </a:r>
+            <a:r>
+              <a:rPr lang="es-ES" sz="1200" kern="1200" dirty="0" smtClean="0">
+                <a:solidFill>
+                  <a:schemeClr val="tx1"/>
+                </a:solidFill>
+                <a:latin typeface="+mn-lt"/>
+                <a:ea typeface="+mn-ea"/>
+                <a:cs typeface="+mn-cs"/>
+              </a:rPr>
+              <a:t> de prototipo</a:t>
+            </a:r>
+          </a:p>
+          <a:p>
+            <a:r>
+              <a:rPr lang="es-ES" sz="1200" kern="1200" dirty="0" smtClean="0">
+                <a:solidFill>
+                  <a:schemeClr val="tx1"/>
+                </a:solidFill>
+                <a:latin typeface="+mn-lt"/>
+                <a:ea typeface="+mn-ea"/>
+                <a:cs typeface="+mn-cs"/>
+              </a:rPr>
+              <a:t>	Se implementa en base al </a:t>
+            </a:r>
+            <a:r>
+              <a:rPr lang="es-ES" sz="1200" kern="1200" dirty="0" err="1" smtClean="0">
+                <a:solidFill>
+                  <a:schemeClr val="tx1"/>
+                </a:solidFill>
+                <a:latin typeface="+mn-lt"/>
+                <a:ea typeface="+mn-ea"/>
+                <a:cs typeface="+mn-cs"/>
+              </a:rPr>
+              <a:t>diseno</a:t>
+            </a:r>
+            <a:r>
+              <a:rPr lang="es-ES" sz="1200" kern="1200" dirty="0" smtClean="0">
+                <a:solidFill>
+                  <a:schemeClr val="tx1"/>
+                </a:solidFill>
+                <a:latin typeface="+mn-lt"/>
+                <a:ea typeface="+mn-ea"/>
+                <a:cs typeface="+mn-cs"/>
+              </a:rPr>
+              <a:t> hecho anteriormente</a:t>
+            </a:r>
+          </a:p>
+          <a:p>
+            <a:r>
+              <a:rPr lang="es-ES" sz="1200" kern="1200" dirty="0" smtClean="0">
+                <a:solidFill>
+                  <a:schemeClr val="tx1"/>
+                </a:solidFill>
+                <a:latin typeface="+mn-lt"/>
+                <a:ea typeface="+mn-ea"/>
+                <a:cs typeface="+mn-cs"/>
+              </a:rPr>
+              <a:t>	Se </a:t>
+            </a:r>
+            <a:r>
+              <a:rPr lang="es-ES" sz="1200" kern="1200" dirty="0" err="1" smtClean="0">
+                <a:solidFill>
+                  <a:schemeClr val="tx1"/>
+                </a:solidFill>
+                <a:latin typeface="+mn-lt"/>
+                <a:ea typeface="+mn-ea"/>
+                <a:cs typeface="+mn-cs"/>
+              </a:rPr>
+              <a:t>evaluan</a:t>
+            </a:r>
+            <a:r>
+              <a:rPr lang="es-ES" sz="1200" kern="1200" dirty="0" smtClean="0">
+                <a:solidFill>
+                  <a:schemeClr val="tx1"/>
+                </a:solidFill>
+                <a:latin typeface="+mn-lt"/>
+                <a:ea typeface="+mn-ea"/>
+                <a:cs typeface="+mn-cs"/>
+              </a:rPr>
+              <a:t> los resultados del prototipo final con respecto a los objetivos tomados inicialmente</a:t>
+            </a:r>
+          </a:p>
+          <a:p>
+            <a:endParaRPr lang="en-US" sz="1200" kern="1200" dirty="0" smtClean="0">
+              <a:solidFill>
+                <a:schemeClr val="tx1"/>
+              </a:solidFill>
+              <a:latin typeface="+mn-lt"/>
+              <a:ea typeface="+mn-ea"/>
+              <a:cs typeface="+mn-cs"/>
+            </a:endParaRPr>
+          </a:p>
+          <a:p>
+            <a:r>
+              <a:rPr lang="es-ES" sz="1200" kern="1200" dirty="0" smtClean="0">
+                <a:solidFill>
+                  <a:schemeClr val="tx1"/>
+                </a:solidFill>
+                <a:latin typeface="+mn-lt"/>
+                <a:ea typeface="+mn-ea"/>
+                <a:cs typeface="+mn-cs"/>
+              </a:rPr>
+              <a:t>Se uso esta </a:t>
+            </a:r>
+            <a:r>
+              <a:rPr lang="es-ES" sz="1200" kern="1200" dirty="0" err="1" smtClean="0">
+                <a:solidFill>
+                  <a:schemeClr val="tx1"/>
+                </a:solidFill>
+                <a:latin typeface="+mn-lt"/>
+                <a:ea typeface="+mn-ea"/>
+                <a:cs typeface="+mn-cs"/>
+              </a:rPr>
+              <a:t>metodologia</a:t>
+            </a:r>
+            <a:r>
+              <a:rPr lang="es-ES" sz="1200" kern="1200" dirty="0" smtClean="0">
+                <a:solidFill>
+                  <a:schemeClr val="tx1"/>
+                </a:solidFill>
+                <a:latin typeface="+mn-lt"/>
+                <a:ea typeface="+mn-ea"/>
+                <a:cs typeface="+mn-cs"/>
+              </a:rPr>
+              <a:t> </a:t>
+            </a:r>
+            <a:r>
+              <a:rPr lang="es-ES" sz="1200" kern="1200" baseline="0" dirty="0" smtClean="0">
+                <a:solidFill>
+                  <a:schemeClr val="tx1"/>
+                </a:solidFill>
+                <a:latin typeface="+mn-lt"/>
+                <a:ea typeface="+mn-ea"/>
+                <a:cs typeface="+mn-cs"/>
+              </a:rPr>
+              <a:t> </a:t>
+            </a:r>
+            <a:r>
+              <a:rPr lang="es-ES" sz="1200" kern="1200" dirty="0" smtClean="0">
+                <a:solidFill>
+                  <a:schemeClr val="tx1"/>
+                </a:solidFill>
+                <a:latin typeface="+mn-lt"/>
+                <a:ea typeface="+mn-ea"/>
+                <a:cs typeface="+mn-cs"/>
+              </a:rPr>
+              <a:t>debido a que permite iniciar de un prototipo </a:t>
+            </a:r>
+            <a:r>
+              <a:rPr lang="es-ES" sz="1200" kern="1200" dirty="0" err="1" smtClean="0">
+                <a:solidFill>
+                  <a:schemeClr val="tx1"/>
+                </a:solidFill>
+                <a:latin typeface="+mn-lt"/>
+                <a:ea typeface="+mn-ea"/>
+                <a:cs typeface="+mn-cs"/>
+              </a:rPr>
+              <a:t>pequeno</a:t>
+            </a:r>
+            <a:r>
+              <a:rPr lang="es-ES" sz="1200" kern="1200" dirty="0" smtClean="0">
+                <a:solidFill>
+                  <a:schemeClr val="tx1"/>
+                </a:solidFill>
+                <a:latin typeface="+mn-lt"/>
+                <a:ea typeface="+mn-ea"/>
+                <a:cs typeface="+mn-cs"/>
+              </a:rPr>
+              <a:t> con funcionalidades limitadas y con las siguientes iteraciones </a:t>
+            </a:r>
+            <a:r>
+              <a:rPr lang="es-ES" sz="1200" kern="1200" dirty="0" err="1" smtClean="0">
+                <a:solidFill>
+                  <a:schemeClr val="tx1"/>
+                </a:solidFill>
+                <a:latin typeface="+mn-lt"/>
+                <a:ea typeface="+mn-ea"/>
+                <a:cs typeface="+mn-cs"/>
+              </a:rPr>
+              <a:t>anadirle</a:t>
+            </a:r>
+            <a:r>
+              <a:rPr lang="es-ES" sz="1200" kern="1200" dirty="0" smtClean="0">
+                <a:solidFill>
+                  <a:schemeClr val="tx1"/>
+                </a:solidFill>
+                <a:latin typeface="+mn-lt"/>
+                <a:ea typeface="+mn-ea"/>
+                <a:cs typeface="+mn-cs"/>
+              </a:rPr>
+              <a:t> funcionalidades o mejorar las existentes</a:t>
+            </a:r>
+            <a:endParaRPr lang="en-US" dirty="0"/>
+          </a:p>
+        </p:txBody>
+      </p:sp>
+      <p:sp>
+        <p:nvSpPr>
+          <p:cNvPr id="4" name="3 Marcador de número de diapositiva"/>
+          <p:cNvSpPr>
+            <a:spLocks noGrp="1"/>
+          </p:cNvSpPr>
+          <p:nvPr>
+            <p:ph type="sldNum" sz="quarter" idx="10"/>
+          </p:nvPr>
+        </p:nvSpPr>
+        <p:spPr/>
+        <p:txBody>
+          <a:bodyPr/>
+          <a:lstStyle/>
+          <a:p>
+            <a:fld id="{DCEE5624-6160-4A0D-AE52-1E2D26756CBF}" type="slidenum">
+              <a:rPr lang="es-VE" smtClean="0"/>
+              <a:pPr/>
+              <a:t>8</a:t>
+            </a:fld>
+            <a:endParaRPr lang="es-VE"/>
+          </a:p>
+        </p:txBody>
+      </p:sp>
+    </p:spTree>
+  </p:cSld>
+  <p:clrMapOvr>
+    <a:masterClrMapping/>
+  </p:clrMapOvr>
+</p:notes>
+</file>
+
+<file path=ppt/notesSlides/notesSlide5.xml><?xml version="1.0" encoding="utf-8"?>
+<p:notes xmlns:a="http://schemas.openxmlformats.org/drawingml/2006/main" xmlns:r="http://schemas.openxmlformats.org/officeDocument/2006/relationships" xmlns:p="http://schemas.openxmlformats.org/presentationml/2006/main">
+  <p:cSld>
+    <p:spTree>
+      <p:nvGrpSpPr>
+        <p:cNvPr id="1" name=""/>
+        <p:cNvGrpSpPr/>
+        <p:nvPr/>
+      </p:nvGrpSpPr>
+      <p:grpSpPr>
+        <a:xfrm>
+          <a:off x="0" y="0"/>
+          <a:ext cx="0" cy="0"/>
+          <a:chOff x="0" y="0"/>
+          <a:chExt cx="0" cy="0"/>
+        </a:xfrm>
+      </p:grpSpPr>
+      <p:sp>
+        <p:nvSpPr>
+          <p:cNvPr id="2" name="1 Marcador de imagen de diapositiva"/>
+          <p:cNvSpPr>
+            <a:spLocks noGrp="1" noRot="1" noChangeAspect="1"/>
+          </p:cNvSpPr>
+          <p:nvPr>
+            <p:ph type="sldImg"/>
+          </p:nvPr>
+        </p:nvSpPr>
+        <p:spPr/>
+      </p:sp>
+      <p:sp>
+        <p:nvSpPr>
+          <p:cNvPr id="3" name="2 Marcador de notas"/>
+          <p:cNvSpPr>
+            <a:spLocks noGrp="1"/>
+          </p:cNvSpPr>
+          <p:nvPr>
+            <p:ph type="body" idx="1"/>
+          </p:nvPr>
+        </p:nvSpPr>
+        <p:spPr/>
+        <p:txBody>
+          <a:bodyPr>
+            <a:normAutofit/>
+          </a:bodyPr>
+          <a:lstStyle/>
+          <a:p>
+            <a:r>
+              <a:rPr lang="en-US" dirty="0" err="1" smtClean="0"/>
+              <a:t>Circuito</a:t>
+            </a:r>
+            <a:r>
+              <a:rPr lang="en-US" baseline="0" dirty="0" smtClean="0"/>
+              <a:t> de </a:t>
+            </a:r>
+            <a:r>
+              <a:rPr lang="en-US" baseline="0" dirty="0" err="1" smtClean="0"/>
+              <a:t>alimentacion</a:t>
+            </a:r>
+            <a:r>
+              <a:rPr lang="en-US" baseline="0" dirty="0" smtClean="0"/>
+              <a:t> y control de </a:t>
+            </a:r>
+            <a:r>
+              <a:rPr lang="en-US" baseline="0" dirty="0" err="1" smtClean="0"/>
+              <a:t>motores</a:t>
+            </a:r>
+            <a:endParaRPr lang="en-US" baseline="0" dirty="0" smtClean="0"/>
+          </a:p>
+          <a:p>
+            <a:endParaRPr lang="en-US" baseline="0" dirty="0" smtClean="0"/>
+          </a:p>
+          <a:p>
+            <a:r>
+              <a:rPr lang="en-US" baseline="0" dirty="0" smtClean="0"/>
+              <a:t>Este </a:t>
+            </a:r>
+            <a:r>
+              <a:rPr lang="en-US" baseline="0" dirty="0" err="1" smtClean="0"/>
+              <a:t>circuito</a:t>
+            </a:r>
+            <a:r>
+              <a:rPr lang="en-US" baseline="0" dirty="0" smtClean="0"/>
+              <a:t> </a:t>
+            </a:r>
+            <a:r>
+              <a:rPr lang="en-US" baseline="0" dirty="0" err="1" smtClean="0"/>
+              <a:t>fue</a:t>
+            </a:r>
+            <a:r>
+              <a:rPr lang="en-US" baseline="0" dirty="0" smtClean="0"/>
+              <a:t> </a:t>
+            </a:r>
+            <a:r>
+              <a:rPr lang="en-US" baseline="0" dirty="0" err="1" smtClean="0"/>
+              <a:t>hecho</a:t>
+            </a:r>
+            <a:r>
+              <a:rPr lang="en-US" baseline="0" dirty="0" smtClean="0"/>
+              <a:t> </a:t>
+            </a:r>
+            <a:r>
+              <a:rPr lang="en-US" baseline="0" dirty="0" err="1" smtClean="0"/>
+              <a:t>para</a:t>
+            </a:r>
+            <a:r>
+              <a:rPr lang="en-US" baseline="0" dirty="0" smtClean="0"/>
+              <a:t> </a:t>
+            </a:r>
+            <a:r>
+              <a:rPr lang="en-US" baseline="0" dirty="0" err="1" smtClean="0"/>
+              <a:t>controlar</a:t>
+            </a:r>
+            <a:r>
+              <a:rPr lang="en-US" baseline="0" dirty="0" smtClean="0"/>
+              <a:t> la </a:t>
+            </a:r>
+            <a:r>
+              <a:rPr lang="en-US" baseline="0" dirty="0" err="1" smtClean="0"/>
+              <a:t>velocidad</a:t>
+            </a:r>
+            <a:r>
+              <a:rPr lang="en-US" baseline="0" dirty="0" smtClean="0"/>
+              <a:t> de los </a:t>
+            </a:r>
+            <a:r>
+              <a:rPr lang="en-US" baseline="0" dirty="0" err="1" smtClean="0"/>
+              <a:t>motores</a:t>
+            </a:r>
+            <a:r>
+              <a:rPr lang="en-US" baseline="0" dirty="0" smtClean="0"/>
+              <a:t> de </a:t>
+            </a:r>
+            <a:r>
+              <a:rPr lang="en-US" baseline="0" dirty="0" err="1" smtClean="0"/>
+              <a:t>manera</a:t>
+            </a:r>
+            <a:r>
+              <a:rPr lang="en-US" baseline="0" dirty="0" smtClean="0"/>
+              <a:t> </a:t>
+            </a:r>
+            <a:r>
+              <a:rPr lang="en-US" baseline="0" dirty="0" err="1" smtClean="0"/>
+              <a:t>intependiente</a:t>
+            </a:r>
+            <a:r>
+              <a:rPr lang="en-US" baseline="0" dirty="0" smtClean="0"/>
+              <a:t> a </a:t>
+            </a:r>
+            <a:r>
+              <a:rPr lang="en-US" baseline="0" dirty="0" err="1" smtClean="0"/>
+              <a:t>partir</a:t>
+            </a:r>
+            <a:r>
+              <a:rPr lang="en-US" baseline="0" dirty="0" smtClean="0"/>
+              <a:t> de </a:t>
+            </a:r>
+            <a:r>
+              <a:rPr lang="en-US" baseline="0" dirty="0" err="1" smtClean="0"/>
+              <a:t>senales</a:t>
+            </a:r>
+            <a:r>
+              <a:rPr lang="en-US" baseline="0" dirty="0" smtClean="0"/>
+              <a:t> PWM </a:t>
+            </a:r>
+            <a:r>
+              <a:rPr lang="en-US" baseline="0" dirty="0" err="1" smtClean="0"/>
+              <a:t>provenientes</a:t>
+            </a:r>
+            <a:r>
+              <a:rPr lang="en-US" baseline="0" dirty="0" smtClean="0"/>
+              <a:t> de la </a:t>
+            </a:r>
+            <a:r>
+              <a:rPr lang="en-US" baseline="0" dirty="0" err="1" smtClean="0"/>
+              <a:t>placa</a:t>
+            </a:r>
+            <a:r>
+              <a:rPr lang="en-US" baseline="0" dirty="0" smtClean="0"/>
+              <a:t> </a:t>
+            </a:r>
+            <a:r>
+              <a:rPr lang="en-US" baseline="0" dirty="0" err="1" smtClean="0"/>
+              <a:t>arduino</a:t>
+            </a:r>
+            <a:r>
+              <a:rPr lang="en-US" baseline="0" dirty="0" smtClean="0"/>
+              <a:t>, </a:t>
+            </a:r>
+            <a:r>
+              <a:rPr lang="en-US" baseline="0" dirty="0" err="1" smtClean="0"/>
+              <a:t>para</a:t>
+            </a:r>
+            <a:r>
+              <a:rPr lang="en-US" baseline="0" dirty="0" smtClean="0"/>
+              <a:t> </a:t>
+            </a:r>
+            <a:r>
+              <a:rPr lang="en-US" baseline="0" dirty="0" err="1" smtClean="0"/>
+              <a:t>este</a:t>
+            </a:r>
+            <a:r>
+              <a:rPr lang="en-US" baseline="0" dirty="0" smtClean="0"/>
+              <a:t> </a:t>
+            </a:r>
+            <a:r>
+              <a:rPr lang="en-US" baseline="0" dirty="0" err="1" smtClean="0"/>
+              <a:t>diseno</a:t>
+            </a:r>
+            <a:r>
+              <a:rPr lang="en-US" baseline="0" dirty="0" smtClean="0"/>
+              <a:t> se </a:t>
+            </a:r>
+            <a:r>
+              <a:rPr lang="en-US" baseline="0" dirty="0" err="1" smtClean="0"/>
+              <a:t>hizo</a:t>
+            </a:r>
+            <a:r>
+              <a:rPr lang="en-US" baseline="0" dirty="0" smtClean="0"/>
+              <a:t> la </a:t>
+            </a:r>
+            <a:r>
+              <a:rPr lang="en-US" baseline="0" dirty="0" err="1" smtClean="0"/>
+              <a:t>caracterizacion</a:t>
+            </a:r>
+            <a:r>
+              <a:rPr lang="en-US" baseline="0" dirty="0" smtClean="0"/>
+              <a:t> de los MOSFET de </a:t>
+            </a:r>
+            <a:r>
+              <a:rPr lang="en-US" baseline="0" dirty="0" err="1" smtClean="0"/>
+              <a:t>manera</a:t>
+            </a:r>
+            <a:r>
+              <a:rPr lang="en-US" baseline="0" dirty="0" smtClean="0"/>
+              <a:t> </a:t>
+            </a:r>
+            <a:r>
+              <a:rPr lang="en-US" baseline="0" dirty="0" err="1" smtClean="0"/>
+              <a:t>que</a:t>
+            </a:r>
+            <a:r>
+              <a:rPr lang="en-US" baseline="0" dirty="0" smtClean="0"/>
+              <a:t> </a:t>
+            </a:r>
+            <a:r>
+              <a:rPr lang="en-US" baseline="0" dirty="0" err="1" smtClean="0"/>
+              <a:t>pudieran</a:t>
+            </a:r>
+            <a:r>
+              <a:rPr lang="en-US" baseline="0" dirty="0" smtClean="0"/>
+              <a:t> </a:t>
+            </a:r>
+            <a:r>
+              <a:rPr lang="en-US" baseline="0" dirty="0" err="1" smtClean="0"/>
+              <a:t>trabajar</a:t>
+            </a:r>
+            <a:r>
+              <a:rPr lang="en-US" baseline="0" dirty="0" smtClean="0"/>
+              <a:t> optima en el </a:t>
+            </a:r>
+            <a:r>
+              <a:rPr lang="en-US" baseline="0" dirty="0" err="1" smtClean="0"/>
+              <a:t>rango</a:t>
+            </a:r>
+            <a:r>
+              <a:rPr lang="en-US" baseline="0" dirty="0" smtClean="0"/>
+              <a:t> de </a:t>
+            </a:r>
+            <a:r>
+              <a:rPr lang="en-US" baseline="0" dirty="0" err="1" smtClean="0"/>
+              <a:t>voltajes</a:t>
+            </a:r>
+            <a:r>
+              <a:rPr lang="en-US" baseline="0" dirty="0" smtClean="0"/>
+              <a:t> de </a:t>
+            </a:r>
+            <a:r>
+              <a:rPr lang="en-US" baseline="0" dirty="0" err="1" smtClean="0"/>
+              <a:t>funcionamiento</a:t>
+            </a:r>
+            <a:r>
+              <a:rPr lang="en-US" baseline="0" dirty="0" smtClean="0"/>
+              <a:t> de la </a:t>
+            </a:r>
+            <a:r>
+              <a:rPr lang="en-US" baseline="0" dirty="0" err="1" smtClean="0"/>
+              <a:t>bateria</a:t>
+            </a:r>
+            <a:r>
+              <a:rPr lang="en-US" baseline="0" dirty="0" smtClean="0"/>
+              <a:t>, </a:t>
+            </a:r>
+            <a:r>
+              <a:rPr lang="en-US" baseline="0" dirty="0" err="1" smtClean="0"/>
+              <a:t>ademas</a:t>
+            </a:r>
+            <a:r>
+              <a:rPr lang="en-US" baseline="0" dirty="0" smtClean="0"/>
+              <a:t> </a:t>
+            </a:r>
+            <a:r>
+              <a:rPr lang="en-US" baseline="0" dirty="0" err="1" smtClean="0"/>
+              <a:t>para</a:t>
+            </a:r>
+            <a:r>
+              <a:rPr lang="en-US" baseline="0" dirty="0" smtClean="0"/>
+              <a:t> </a:t>
+            </a:r>
+            <a:r>
+              <a:rPr lang="en-US" baseline="0" dirty="0" err="1" smtClean="0"/>
+              <a:t>evitar</a:t>
+            </a:r>
+            <a:r>
+              <a:rPr lang="en-US" baseline="0" dirty="0" smtClean="0"/>
+              <a:t> </a:t>
+            </a:r>
+            <a:r>
+              <a:rPr lang="en-US" baseline="0" dirty="0" err="1" smtClean="0"/>
+              <a:t>ruido</a:t>
+            </a:r>
+            <a:r>
+              <a:rPr lang="en-US" baseline="0" dirty="0" smtClean="0"/>
+              <a:t> </a:t>
+            </a:r>
+            <a:r>
+              <a:rPr lang="en-US" baseline="0" dirty="0" err="1" smtClean="0"/>
+              <a:t>electrico</a:t>
+            </a:r>
+            <a:r>
+              <a:rPr lang="en-US" baseline="0" dirty="0" smtClean="0"/>
+              <a:t> </a:t>
+            </a:r>
+            <a:r>
+              <a:rPr lang="en-US" baseline="0" dirty="0" err="1" smtClean="0"/>
+              <a:t>por</a:t>
+            </a:r>
+            <a:r>
+              <a:rPr lang="en-US" baseline="0" dirty="0" smtClean="0"/>
+              <a:t> parte de los </a:t>
+            </a:r>
+            <a:r>
+              <a:rPr lang="en-US" baseline="0" dirty="0" err="1" smtClean="0"/>
+              <a:t>motores</a:t>
+            </a:r>
+            <a:r>
+              <a:rPr lang="en-US" baseline="0" dirty="0" smtClean="0"/>
+              <a:t> a la </a:t>
+            </a:r>
+            <a:r>
+              <a:rPr lang="en-US" baseline="0" dirty="0" err="1" smtClean="0"/>
+              <a:t>placa</a:t>
+            </a:r>
+            <a:r>
+              <a:rPr lang="en-US" baseline="0" dirty="0" smtClean="0"/>
+              <a:t> de </a:t>
+            </a:r>
+            <a:r>
+              <a:rPr lang="en-US" baseline="0" dirty="0" err="1" smtClean="0"/>
+              <a:t>logica</a:t>
+            </a:r>
+            <a:r>
+              <a:rPr lang="en-US" baseline="0" dirty="0" smtClean="0"/>
+              <a:t> y </a:t>
+            </a:r>
+            <a:r>
+              <a:rPr lang="en-US" baseline="0" dirty="0" err="1" smtClean="0"/>
+              <a:t>comunicacion</a:t>
+            </a:r>
+            <a:r>
+              <a:rPr lang="en-US" baseline="0" dirty="0" smtClean="0"/>
+              <a:t> se </a:t>
+            </a:r>
+            <a:r>
+              <a:rPr lang="en-US" baseline="0" dirty="0" err="1" smtClean="0"/>
+              <a:t>separo</a:t>
+            </a:r>
+            <a:r>
+              <a:rPr lang="en-US" baseline="0" dirty="0" smtClean="0"/>
+              <a:t> </a:t>
+            </a:r>
+            <a:r>
+              <a:rPr lang="en-US" baseline="0" dirty="0" err="1" smtClean="0"/>
+              <a:t>usando</a:t>
+            </a:r>
+            <a:r>
+              <a:rPr lang="en-US" baseline="0" dirty="0" smtClean="0"/>
+              <a:t> </a:t>
+            </a:r>
+            <a:r>
+              <a:rPr lang="en-US" baseline="0" dirty="0" err="1" smtClean="0"/>
+              <a:t>opto-acopladores</a:t>
+            </a:r>
+            <a:r>
+              <a:rPr lang="en-US" baseline="0" dirty="0" smtClean="0"/>
+              <a:t> </a:t>
+            </a:r>
+          </a:p>
+          <a:p>
+            <a:endParaRPr lang="en-US" baseline="0" dirty="0" smtClean="0"/>
+          </a:p>
+          <a:p>
+            <a:r>
+              <a:rPr lang="en-US" baseline="0" dirty="0" err="1" smtClean="0"/>
+              <a:t>Circuito</a:t>
+            </a:r>
+            <a:r>
+              <a:rPr lang="en-US" baseline="0" dirty="0" smtClean="0"/>
+              <a:t> de </a:t>
+            </a:r>
+            <a:r>
+              <a:rPr lang="en-US" baseline="0" dirty="0" err="1" smtClean="0"/>
+              <a:t>logica</a:t>
+            </a:r>
+            <a:r>
+              <a:rPr lang="en-US" baseline="0" dirty="0" smtClean="0"/>
+              <a:t> y </a:t>
+            </a:r>
+            <a:r>
+              <a:rPr lang="en-US" baseline="0" dirty="0" err="1" smtClean="0"/>
+              <a:t>comunicacion</a:t>
+            </a:r>
+            <a:endParaRPr lang="en-US" baseline="0" dirty="0" smtClean="0"/>
+          </a:p>
+          <a:p>
+            <a:endParaRPr lang="en-US" baseline="0" dirty="0" smtClean="0"/>
+          </a:p>
+          <a:p>
+            <a:endParaRPr lang="en-US" dirty="0"/>
+          </a:p>
+        </p:txBody>
+      </p:sp>
+      <p:sp>
+        <p:nvSpPr>
+          <p:cNvPr id="4" name="3 Marcador de número de diapositiva"/>
+          <p:cNvSpPr>
+            <a:spLocks noGrp="1"/>
+          </p:cNvSpPr>
+          <p:nvPr>
+            <p:ph type="sldNum" sz="quarter" idx="10"/>
+          </p:nvPr>
+        </p:nvSpPr>
+        <p:spPr/>
+        <p:txBody>
+          <a:bodyPr/>
+          <a:lstStyle/>
+          <a:p>
+            <a:fld id="{DCEE5624-6160-4A0D-AE52-1E2D26756CBF}" type="slidenum">
+              <a:rPr lang="es-VE" smtClean="0"/>
+              <a:pPr/>
+              <a:t>10</a:t>
+            </a:fld>
+            <a:endParaRPr lang="es-VE"/>
+          </a:p>
+        </p:txBody>
+      </p:sp>
+    </p:spTree>
+  </p:cSld>
+  <p:clrMapOvr>
+    <a:masterClrMapping/>
+  </p:clrMapOvr>
+</p:notes>
+</file>
+
+<file path=ppt/notesSlides/notesSlide6.xml><?xml version="1.0" encoding="utf-8"?>
+<p:notes xmlns:a="http://schemas.openxmlformats.org/drawingml/2006/main" xmlns:r="http://schemas.openxmlformats.org/officeDocument/2006/relationships" xmlns:p="http://schemas.openxmlformats.org/presentationml/2006/main">
+  <p:cSld>
+    <p:spTree>
+      <p:nvGrpSpPr>
+        <p:cNvPr id="1" name=""/>
+        <p:cNvGrpSpPr/>
+        <p:nvPr/>
+      </p:nvGrpSpPr>
+      <p:grpSpPr>
+        <a:xfrm>
+          <a:off x="0" y="0"/>
+          <a:ext cx="0" cy="0"/>
+          <a:chOff x="0" y="0"/>
+          <a:chExt cx="0" cy="0"/>
+        </a:xfrm>
+      </p:grpSpPr>
+      <p:sp>
+        <p:nvSpPr>
+          <p:cNvPr id="2" name="1 Marcador de imagen de diapositiva"/>
+          <p:cNvSpPr>
+            <a:spLocks noGrp="1" noRot="1" noChangeAspect="1"/>
+          </p:cNvSpPr>
+          <p:nvPr>
+            <p:ph type="sldImg"/>
+          </p:nvPr>
+        </p:nvSpPr>
+        <p:spPr/>
+      </p:sp>
+      <p:sp>
+        <p:nvSpPr>
+          <p:cNvPr id="3" name="2 Marcador de notas"/>
+          <p:cNvSpPr>
+            <a:spLocks noGrp="1"/>
+          </p:cNvSpPr>
+          <p:nvPr>
+            <p:ph type="body" idx="1"/>
+          </p:nvPr>
+        </p:nvSpPr>
+        <p:spPr/>
+        <p:txBody>
+          <a:bodyPr>
+            <a:normAutofit/>
+          </a:bodyPr>
+          <a:lstStyle/>
+          <a:p>
+            <a:endParaRPr lang="en-US" dirty="0" smtClean="0"/>
+          </a:p>
+          <a:p>
+            <a:endParaRPr lang="en-US" dirty="0" smtClean="0"/>
+          </a:p>
+          <a:p>
+            <a:r>
+              <a:rPr lang="en-US" dirty="0" smtClean="0"/>
+              <a:t>Se </a:t>
+            </a:r>
+            <a:r>
+              <a:rPr lang="en-US" dirty="0" err="1" smtClean="0"/>
+              <a:t>establecio</a:t>
+            </a:r>
+            <a:r>
+              <a:rPr lang="en-US" baseline="0" dirty="0" smtClean="0"/>
+              <a:t> </a:t>
+            </a:r>
+            <a:r>
+              <a:rPr lang="en-US" baseline="0" dirty="0" err="1" smtClean="0"/>
+              <a:t>que</a:t>
+            </a:r>
+            <a:r>
+              <a:rPr lang="en-US" baseline="0" dirty="0" smtClean="0"/>
+              <a:t> la </a:t>
+            </a:r>
+            <a:r>
+              <a:rPr lang="en-US" baseline="0" dirty="0" err="1" smtClean="0"/>
+              <a:t>tasa</a:t>
+            </a:r>
+            <a:r>
+              <a:rPr lang="en-US" baseline="0" dirty="0" smtClean="0"/>
+              <a:t> de </a:t>
+            </a:r>
+            <a:r>
+              <a:rPr lang="en-US" baseline="0" dirty="0" err="1" smtClean="0"/>
+              <a:t>muestreo</a:t>
+            </a:r>
+            <a:r>
+              <a:rPr lang="en-US" baseline="0" dirty="0" smtClean="0"/>
+              <a:t> de los </a:t>
+            </a:r>
+            <a:r>
+              <a:rPr lang="en-US" baseline="0" dirty="0" err="1" smtClean="0"/>
+              <a:t>sensores</a:t>
+            </a:r>
+            <a:r>
+              <a:rPr lang="en-US" baseline="0" dirty="0" smtClean="0"/>
+              <a:t> </a:t>
+            </a:r>
+            <a:r>
+              <a:rPr lang="en-US" baseline="0" dirty="0" err="1" smtClean="0"/>
+              <a:t>marcaban</a:t>
+            </a:r>
+            <a:r>
+              <a:rPr lang="en-US" baseline="0" dirty="0" smtClean="0"/>
+              <a:t> la </a:t>
+            </a:r>
+            <a:r>
+              <a:rPr lang="en-US" baseline="0" dirty="0" err="1" smtClean="0"/>
+              <a:t>frecuencia</a:t>
+            </a:r>
+            <a:r>
+              <a:rPr lang="en-US" baseline="0" dirty="0" smtClean="0"/>
+              <a:t> de </a:t>
+            </a:r>
+            <a:r>
+              <a:rPr lang="en-US" baseline="0" dirty="0" err="1" smtClean="0"/>
+              <a:t>ejecucion</a:t>
+            </a:r>
+            <a:r>
+              <a:rPr lang="en-US" baseline="0" dirty="0" smtClean="0"/>
+              <a:t> de los </a:t>
+            </a:r>
+            <a:r>
+              <a:rPr lang="en-US" baseline="0" dirty="0" err="1" smtClean="0"/>
+              <a:t>sistemas</a:t>
+            </a:r>
+            <a:r>
+              <a:rPr lang="en-US" baseline="0" dirty="0" smtClean="0"/>
+              <a:t> de control</a:t>
+            </a:r>
+            <a:endParaRPr lang="en-US" dirty="0"/>
+          </a:p>
+        </p:txBody>
+      </p:sp>
+      <p:sp>
+        <p:nvSpPr>
+          <p:cNvPr id="4" name="3 Marcador de número de diapositiva"/>
+          <p:cNvSpPr>
+            <a:spLocks noGrp="1"/>
+          </p:cNvSpPr>
+          <p:nvPr>
+            <p:ph type="sldNum" sz="quarter" idx="10"/>
+          </p:nvPr>
+        </p:nvSpPr>
+        <p:spPr/>
+        <p:txBody>
+          <a:bodyPr/>
+          <a:lstStyle/>
+          <a:p>
+            <a:fld id="{DCEE5624-6160-4A0D-AE52-1E2D26756CBF}" type="slidenum">
+              <a:rPr lang="es-VE" smtClean="0"/>
+              <a:pPr/>
+              <a:t>11</a:t>
+            </a:fld>
+            <a:endParaRPr lang="es-VE"/>
+          </a:p>
+        </p:txBody>
+      </p:sp>
+    </p:spTree>
+  </p:cSld>
+  <p:clrMapOvr>
+    <a:masterClrMapping/>
+  </p:clrMapOvr>
+</p:notes>
+</file>
+
+<file path=ppt/notesSlides/notesSlide7.xml><?xml version="1.0" encoding="utf-8"?>
+<p:notes xmlns:a="http://schemas.openxmlformats.org/drawingml/2006/main" xmlns:r="http://schemas.openxmlformats.org/officeDocument/2006/relationships" xmlns:p="http://schemas.openxmlformats.org/presentationml/2006/main">
+  <p:cSld>
+    <p:spTree>
+      <p:nvGrpSpPr>
+        <p:cNvPr id="1" name=""/>
+        <p:cNvGrpSpPr/>
+        <p:nvPr/>
+      </p:nvGrpSpPr>
+      <p:grpSpPr>
+        <a:xfrm>
+          <a:off x="0" y="0"/>
+          <a:ext cx="0" cy="0"/>
+          <a:chOff x="0" y="0"/>
+          <a:chExt cx="0" cy="0"/>
+        </a:xfrm>
+      </p:grpSpPr>
+      <p:sp>
+        <p:nvSpPr>
+          <p:cNvPr id="2" name="1 Marcador de imagen de diapositiva"/>
+          <p:cNvSpPr>
+            <a:spLocks noGrp="1" noRot="1" noChangeAspect="1"/>
+          </p:cNvSpPr>
+          <p:nvPr>
+            <p:ph type="sldImg"/>
+          </p:nvPr>
+        </p:nvSpPr>
+        <p:spPr/>
+      </p:sp>
+      <p:sp>
+        <p:nvSpPr>
+          <p:cNvPr id="3" name="2 Marcador de notas"/>
+          <p:cNvSpPr>
+            <a:spLocks noGrp="1"/>
+          </p:cNvSpPr>
+          <p:nvPr>
+            <p:ph type="body" idx="1"/>
+          </p:nvPr>
+        </p:nvSpPr>
+        <p:spPr/>
+        <p:txBody>
+          <a:bodyPr>
+            <a:normAutofit/>
+          </a:bodyPr>
+          <a:lstStyle/>
+          <a:p>
+            <a:r>
+              <a:rPr lang="en-US" dirty="0" err="1" smtClean="0"/>
+              <a:t>Problema</a:t>
+            </a:r>
+            <a:r>
+              <a:rPr lang="en-US" dirty="0" smtClean="0"/>
+              <a:t> </a:t>
+            </a:r>
+            <a:r>
+              <a:rPr lang="en-US" dirty="0" err="1" smtClean="0"/>
+              <a:t>estimacion</a:t>
+            </a:r>
+            <a:r>
+              <a:rPr lang="en-US" baseline="0" dirty="0" smtClean="0"/>
+              <a:t> </a:t>
+            </a:r>
+            <a:r>
+              <a:rPr lang="en-US" baseline="0" dirty="0" err="1" smtClean="0"/>
+              <a:t>altura</a:t>
+            </a:r>
+            <a:r>
+              <a:rPr lang="en-US" baseline="0" dirty="0" smtClean="0"/>
+              <a:t> </a:t>
+            </a:r>
+            <a:r>
+              <a:rPr lang="en-US" baseline="0" dirty="0" err="1" smtClean="0"/>
+              <a:t>por</a:t>
+            </a:r>
+            <a:r>
+              <a:rPr lang="en-US" baseline="0" dirty="0" smtClean="0"/>
+              <a:t> timer y </a:t>
+            </a:r>
+            <a:r>
+              <a:rPr lang="en-US" baseline="0" dirty="0" err="1" smtClean="0"/>
+              <a:t>por</a:t>
+            </a:r>
+            <a:r>
+              <a:rPr lang="en-US" baseline="0" dirty="0" smtClean="0"/>
+              <a:t> </a:t>
+            </a:r>
+            <a:r>
+              <a:rPr lang="en-US" baseline="0" dirty="0" err="1" smtClean="0"/>
+              <a:t>estimacion</a:t>
+            </a:r>
+            <a:r>
+              <a:rPr lang="en-US" baseline="0" dirty="0" smtClean="0"/>
+              <a:t> de </a:t>
+            </a:r>
+            <a:r>
+              <a:rPr lang="en-US" baseline="0" dirty="0" err="1" smtClean="0"/>
+              <a:t>posicion</a:t>
+            </a:r>
+            <a:endParaRPr lang="en-US" dirty="0"/>
+          </a:p>
+        </p:txBody>
+      </p:sp>
+      <p:sp>
+        <p:nvSpPr>
+          <p:cNvPr id="4" name="3 Marcador de número de diapositiva"/>
+          <p:cNvSpPr>
+            <a:spLocks noGrp="1"/>
+          </p:cNvSpPr>
+          <p:nvPr>
+            <p:ph type="sldNum" sz="quarter" idx="10"/>
+          </p:nvPr>
+        </p:nvSpPr>
+        <p:spPr/>
+        <p:txBody>
+          <a:bodyPr/>
+          <a:lstStyle/>
+          <a:p>
+            <a:fld id="{DCEE5624-6160-4A0D-AE52-1E2D26756CBF}" type="slidenum">
+              <a:rPr lang="es-VE" smtClean="0"/>
+              <a:pPr/>
+              <a:t>12</a:t>
+            </a:fld>
+            <a:endParaRPr lang="es-VE"/>
+          </a:p>
+        </p:txBody>
+      </p:sp>
+    </p:spTree>
+  </p:cSld>
+  <p:clrMapOvr>
+    <a:masterClrMapping/>
+  </p:clrMapOvr>
+</p:notes>
+</file>
+
+<file path=ppt/notesSlides/notesSlide8.xml><?xml version="1.0" encoding="utf-8"?>
+<p:notes xmlns:a="http://schemas.openxmlformats.org/drawingml/2006/main" xmlns:r="http://schemas.openxmlformats.org/officeDocument/2006/relationships" xmlns:p="http://schemas.openxmlformats.org/presentationml/2006/main">
+  <p:cSld>
+    <p:spTree>
+      <p:nvGrpSpPr>
+        <p:cNvPr id="1" name=""/>
+        <p:cNvGrpSpPr/>
+        <p:nvPr/>
+      </p:nvGrpSpPr>
+      <p:grpSpPr>
+        <a:xfrm>
+          <a:off x="0" y="0"/>
+          <a:ext cx="0" cy="0"/>
+          <a:chOff x="0" y="0"/>
+          <a:chExt cx="0" cy="0"/>
+        </a:xfrm>
+      </p:grpSpPr>
+      <p:sp>
+        <p:nvSpPr>
+          <p:cNvPr id="2" name="1 Marcador de imagen de diapositiva"/>
+          <p:cNvSpPr>
+            <a:spLocks noGrp="1" noRot="1" noChangeAspect="1"/>
+          </p:cNvSpPr>
+          <p:nvPr>
+            <p:ph type="sldImg"/>
+          </p:nvPr>
+        </p:nvSpPr>
+        <p:spPr/>
+      </p:sp>
+      <p:sp>
+        <p:nvSpPr>
+          <p:cNvPr id="3" name="2 Marcador de notas"/>
+          <p:cNvSpPr>
+            <a:spLocks noGrp="1"/>
+          </p:cNvSpPr>
+          <p:nvPr>
+            <p:ph type="body" idx="1"/>
+          </p:nvPr>
+        </p:nvSpPr>
+        <p:spPr/>
+        <p:txBody>
+          <a:bodyPr>
+            <a:normAutofit/>
+          </a:bodyPr>
+          <a:lstStyle/>
+          <a:p>
+            <a:endParaRPr lang="en-US"/>
+          </a:p>
+        </p:txBody>
+      </p:sp>
+      <p:sp>
+        <p:nvSpPr>
+          <p:cNvPr id="4" name="3 Marcador de número de diapositiva"/>
+          <p:cNvSpPr>
+            <a:spLocks noGrp="1"/>
+          </p:cNvSpPr>
+          <p:nvPr>
+            <p:ph type="sldNum" sz="quarter" idx="10"/>
+          </p:nvPr>
+        </p:nvSpPr>
+        <p:spPr/>
+        <p:txBody>
+          <a:bodyPr/>
+          <a:lstStyle/>
+          <a:p>
+            <a:fld id="{DCEE5624-6160-4A0D-AE52-1E2D26756CBF}" type="slidenum">
+              <a:rPr lang="es-VE" smtClean="0"/>
+              <a:pPr/>
+              <a:t>20</a:t>
+            </a:fld>
+            <a:endParaRPr lang="es-VE"/>
+          </a:p>
+        </p:txBody>
+      </p:sp>
+    </p:spTree>
+  </p:cSld>
+  <p:clrMapOvr>
+    <a:masterClrMapping/>
+  </p:clrMapOvr>
+</p:notes>
+</file>
+
 <file path=ppt/slideLayouts/slideLayout1.xml><?xml version="1.0" encoding="utf-8"?>
 <p:sldLayout xmlns:a="http://schemas.openxmlformats.org/drawingml/2006/main" xmlns:r="http://schemas.openxmlformats.org/officeDocument/2006/relationships" xmlns:p="http://schemas.openxmlformats.org/presentationml/2006/main" type="title" preserve="1">
   <p:cSld name="Diapositiva de título">
@@ -986,10 +3164,10 @@
           <a:bodyPr/>
           <a:lstStyle/>
           <a:p>
-            <a:fld id="{A66858EE-E19B-45C5-A85F-82E756D7CD03}" type="datetimeFigureOut">
+            <a:fld id="{FCCC0711-2A9F-401A-8586-4E8940F9F1C1}" type="datetime1">
               <a:rPr lang="es-ES" smtClean="0"/>
               <a:pPr/>
-              <a:t>26/01/2015</a:t>
+              <a:t>28/01/2015</a:t>
             </a:fld>
             <a:endParaRPr lang="es-ES"/>
           </a:p>
@@ -1154,10 +3332,10 @@
           <a:bodyPr/>
           <a:lstStyle/>
           <a:p>
-            <a:fld id="{A66858EE-E19B-45C5-A85F-82E756D7CD03}" type="datetimeFigureOut">
+            <a:fld id="{D476EC09-2CB0-423F-B6D1-ECAAF4DA62C3}" type="datetime1">
               <a:rPr lang="es-ES" smtClean="0"/>
               <a:pPr/>
-              <a:t>26/01/2015</a:t>
+              <a:t>28/01/2015</a:t>
             </a:fld>
             <a:endParaRPr lang="es-ES"/>
           </a:p>
@@ -1332,10 +3510,10 @@
           <a:bodyPr/>
           <a:lstStyle/>
           <a:p>
-            <a:fld id="{A66858EE-E19B-45C5-A85F-82E756D7CD03}" type="datetimeFigureOut">
+            <a:fld id="{653DEA93-2500-445D-8145-5D73B98661F9}" type="datetime1">
               <a:rPr lang="es-ES" smtClean="0"/>
               <a:pPr/>
-              <a:t>26/01/2015</a:t>
+              <a:t>28/01/2015</a:t>
             </a:fld>
             <a:endParaRPr lang="es-ES"/>
           </a:p>
@@ -1500,10 +3678,10 @@
           <a:bodyPr/>
           <a:lstStyle/>
           <a:p>
-            <a:fld id="{A66858EE-E19B-45C5-A85F-82E756D7CD03}" type="datetimeFigureOut">
+            <a:fld id="{E7DE329D-164D-45D6-A69B-02FD9CAFCE2A}" type="datetime1">
               <a:rPr lang="es-ES" smtClean="0"/>
               <a:pPr/>
-              <a:t>26/01/2015</a:t>
+              <a:t>28/01/2015</a:t>
             </a:fld>
             <a:endParaRPr lang="es-ES"/>
           </a:p>
@@ -1744,10 +3922,10 @@
           <a:bodyPr/>
           <a:lstStyle/>
           <a:p>
-            <a:fld id="{A66858EE-E19B-45C5-A85F-82E756D7CD03}" type="datetimeFigureOut">
+            <a:fld id="{51AAF191-F256-4451-9725-5E7D5DDEBC36}" type="datetime1">
               <a:rPr lang="es-ES" smtClean="0"/>
               <a:pPr/>
-              <a:t>26/01/2015</a:t>
+              <a:t>28/01/2015</a:t>
             </a:fld>
             <a:endParaRPr lang="es-ES"/>
           </a:p>
@@ -2030,10 +4208,10 @@
           <a:bodyPr/>
           <a:lstStyle/>
           <a:p>
-            <a:fld id="{A66858EE-E19B-45C5-A85F-82E756D7CD03}" type="datetimeFigureOut">
+            <a:fld id="{93325A66-354D-4F24-906E-EDC26C5F1F28}" type="datetime1">
               <a:rPr lang="es-ES" smtClean="0"/>
               <a:pPr/>
-              <a:t>26/01/2015</a:t>
+              <a:t>28/01/2015</a:t>
             </a:fld>
             <a:endParaRPr lang="es-ES"/>
           </a:p>
@@ -2450,10 +4628,10 @@
           <a:bodyPr/>
           <a:lstStyle/>
           <a:p>
-            <a:fld id="{A66858EE-E19B-45C5-A85F-82E756D7CD03}" type="datetimeFigureOut">
+            <a:fld id="{B8B48B90-E3AE-420F-B226-C9B4251418F5}" type="datetime1">
               <a:rPr lang="es-ES" smtClean="0"/>
               <a:pPr/>
-              <a:t>26/01/2015</a:t>
+              <a:t>28/01/2015</a:t>
             </a:fld>
             <a:endParaRPr lang="es-ES"/>
           </a:p>
@@ -2566,10 +4744,10 @@
           <a:bodyPr/>
           <a:lstStyle/>
           <a:p>
-            <a:fld id="{A66858EE-E19B-45C5-A85F-82E756D7CD03}" type="datetimeFigureOut">
+            <a:fld id="{0746170B-F328-4FF8-B828-50AF661B9CC4}" type="datetime1">
               <a:rPr lang="es-ES" smtClean="0"/>
               <a:pPr/>
-              <a:t>26/01/2015</a:t>
+              <a:t>28/01/2015</a:t>
             </a:fld>
             <a:endParaRPr lang="es-ES"/>
           </a:p>
@@ -2659,10 +4837,10 @@
           <a:bodyPr/>
           <a:lstStyle/>
           <a:p>
-            <a:fld id="{A66858EE-E19B-45C5-A85F-82E756D7CD03}" type="datetimeFigureOut">
+            <a:fld id="{432A96F9-035F-40A2-8D83-7D310153C502}" type="datetime1">
               <a:rPr lang="es-ES" smtClean="0"/>
               <a:pPr/>
-              <a:t>26/01/2015</a:t>
+              <a:t>28/01/2015</a:t>
             </a:fld>
             <a:endParaRPr lang="es-ES"/>
           </a:p>
@@ -2934,10 +5112,10 @@
           <a:bodyPr/>
           <a:lstStyle/>
           <a:p>
-            <a:fld id="{A66858EE-E19B-45C5-A85F-82E756D7CD03}" type="datetimeFigureOut">
+            <a:fld id="{501B655B-ABAD-4DF9-A625-AA8856B1D9E3}" type="datetime1">
               <a:rPr lang="es-ES" smtClean="0"/>
               <a:pPr/>
-              <a:t>26/01/2015</a:t>
+              <a:t>28/01/2015</a:t>
             </a:fld>
             <a:endParaRPr lang="es-ES"/>
           </a:p>
@@ -3185,10 +5363,10 @@
           <a:bodyPr/>
           <a:lstStyle/>
           <a:p>
-            <a:fld id="{A66858EE-E19B-45C5-A85F-82E756D7CD03}" type="datetimeFigureOut">
+            <a:fld id="{53359E23-C2AA-457F-8B49-83BB0040C574}" type="datetime1">
               <a:rPr lang="es-ES" smtClean="0"/>
               <a:pPr/>
-              <a:t>26/01/2015</a:t>
+              <a:t>28/01/2015</a:t>
             </a:fld>
             <a:endParaRPr lang="es-ES"/>
           </a:p>
@@ -3396,10 +5574,10 @@
             </a:lvl1pPr>
           </a:lstStyle>
           <a:p>
-            <a:fld id="{A66858EE-E19B-45C5-A85F-82E756D7CD03}" type="datetimeFigureOut">
+            <a:fld id="{42B69777-0DA5-4E75-BCC1-0C6C102F7068}" type="datetime1">
               <a:rPr lang="es-ES" smtClean="0"/>
               <a:pPr/>
-              <a:t>26/01/2015</a:t>
+              <a:t>28/01/2015</a:t>
             </a:fld>
             <a:endParaRPr lang="es-ES"/>
           </a:p>
@@ -3501,6 +5679,7 @@
     <p:sldLayoutId id="2147483659" r:id="rId11"/>
   </p:sldLayoutIdLst>
   <p:transition spd="slow"/>
+  <p:hf hdr="0" ftr="0" dt="0"/>
   <p:txStyles>
     <p:titleStyle>
       <a:lvl1pPr algn="ctr" defTabSz="914400" rtl="0" eaLnBrk="1" latinLnBrk="0" hangingPunct="1">
@@ -3915,11 +6094,11 @@
             <a:pPr algn="ctr"/>
             <a:r>
               <a:rPr lang="es-VE" sz="2800" dirty="0" smtClean="0"/>
-              <a:t>Diseño e implementación de un algoritmo Proporcional-Integral-Derivativo para la estabilización de </a:t>
-            </a:r>
-            <a:r>
-              <a:rPr lang="es-VE" sz="2800" smtClean="0"/>
-              <a:t>un cuadricóptero</a:t>
+              <a:t>Diseño e implementación de un algoritmo Proporcional-Integral-Derivativo para la estabilización de un </a:t>
+            </a:r>
+            <a:r>
+              <a:rPr lang="es-VE" sz="2800" dirty="0" err="1" smtClean="0"/>
+              <a:t>cuadricóptero</a:t>
             </a:r>
             <a:endParaRPr lang="es-VE" sz="2800" dirty="0"/>
           </a:p>
@@ -4009,6 +6188,30 @@
               <a:t>Enero 2015</a:t>
             </a:r>
             <a:endParaRPr lang="es-VE" dirty="0"/>
+          </a:p>
+        </p:txBody>
+      </p:sp>
+      <p:sp>
+        <p:nvSpPr>
+          <p:cNvPr id="12" name="11 Marcador de número de diapositiva"/>
+          <p:cNvSpPr>
+            <a:spLocks noGrp="1"/>
+          </p:cNvSpPr>
+          <p:nvPr>
+            <p:ph type="sldNum" sz="quarter" idx="12"/>
+          </p:nvPr>
+        </p:nvSpPr>
+        <p:spPr/>
+        <p:txBody>
+          <a:bodyPr/>
+          <a:lstStyle/>
+          <a:p>
+            <a:fld id="{CB315E90-48A1-450A-9464-03C990911FB5}" type="slidenum">
+              <a:rPr lang="es-ES" smtClean="0"/>
+              <a:pPr/>
+              <a:t>1</a:t>
+            </a:fld>
+            <a:endParaRPr lang="es-ES"/>
           </a:p>
         </p:txBody>
       </p:sp>
@@ -4172,7 +6375,7 @@
           <p:nvPr/>
         </p:nvPicPr>
         <p:blipFill>
-          <a:blip r:embed="rId2" cstate="print"/>
+          <a:blip r:embed="rId3" cstate="print"/>
           <a:srcRect/>
           <a:stretch>
             <a:fillRect/>
@@ -4255,7 +6458,7 @@
           <p:nvPr/>
         </p:nvPicPr>
         <p:blipFill>
-          <a:blip r:embed="rId3" cstate="print"/>
+          <a:blip r:embed="rId4" cstate="print"/>
           <a:srcRect l="28865" t="58609" r="29345" b="40202"/>
           <a:stretch>
             <a:fillRect/>
@@ -4315,7 +6518,7 @@
           <p:nvPr/>
         </p:nvPicPr>
         <p:blipFill>
-          <a:blip r:embed="rId4" cstate="print"/>
+          <a:blip r:embed="rId5" cstate="print"/>
           <a:srcRect l="3643" t="11616" r="42679" b="12074"/>
           <a:stretch>
             <a:fillRect/>
@@ -4338,7 +6541,7 @@
           <p:nvPr/>
         </p:nvPicPr>
         <p:blipFill>
-          <a:blip r:embed="rId5" cstate="print"/>
+          <a:blip r:embed="rId6" cstate="print"/>
           <a:srcRect l="22743" t="25680" r="30584" b="10574"/>
           <a:stretch>
             <a:fillRect/>
@@ -4361,6 +6564,30 @@
           </a:ln>
         </p:spPr>
       </p:pic>
+      <p:sp>
+        <p:nvSpPr>
+          <p:cNvPr id="13" name="12 Marcador de número de diapositiva"/>
+          <p:cNvSpPr>
+            <a:spLocks noGrp="1"/>
+          </p:cNvSpPr>
+          <p:nvPr>
+            <p:ph type="sldNum" sz="quarter" idx="12"/>
+          </p:nvPr>
+        </p:nvSpPr>
+        <p:spPr/>
+        <p:txBody>
+          <a:bodyPr/>
+          <a:lstStyle/>
+          <a:p>
+            <a:fld id="{CB315E90-48A1-450A-9464-03C990911FB5}" type="slidenum">
+              <a:rPr lang="es-ES" smtClean="0"/>
+              <a:pPr/>
+              <a:t>10</a:t>
+            </a:fld>
+            <a:endParaRPr lang="es-ES"/>
+          </a:p>
+        </p:txBody>
+      </p:sp>
     </p:spTree>
   </p:cSld>
   <p:clrMapOvr>
@@ -4813,7 +7040,7 @@
           <p:nvPr/>
         </p:nvPicPr>
         <p:blipFill>
-          <a:blip r:embed="rId2" cstate="print"/>
+          <a:blip r:embed="rId3" cstate="print"/>
           <a:srcRect/>
           <a:stretch>
             <a:fillRect/>
@@ -4896,7 +7123,7 @@
           <p:nvPr/>
         </p:nvPicPr>
         <p:blipFill>
-          <a:blip r:embed="rId3" cstate="print"/>
+          <a:blip r:embed="rId4" cstate="print"/>
           <a:srcRect l="28865" t="58609" r="29345" b="40202"/>
           <a:stretch>
             <a:fillRect/>
@@ -4956,7 +7183,7 @@
           <p:nvPr/>
         </p:nvPicPr>
         <p:blipFill>
-          <a:blip r:embed="rId4" cstate="print"/>
+          <a:blip r:embed="rId5" cstate="print"/>
           <a:srcRect l="7298" t="9668" r="4924" b="5438"/>
           <a:stretch>
             <a:fillRect/>
@@ -4964,8 +7191,8 @@
         </p:blipFill>
         <p:spPr bwMode="auto">
           <a:xfrm>
-            <a:off x="838200" y="3352800"/>
-            <a:ext cx="3657600" cy="2362200"/>
+            <a:off x="228600" y="3124200"/>
+            <a:ext cx="4267200" cy="2514600"/>
           </a:xfrm>
           <a:prstGeom prst="rect">
             <a:avLst/>
@@ -4986,7 +7213,7 @@
           <p:nvPr/>
         </p:nvPicPr>
         <p:blipFill>
-          <a:blip r:embed="rId5" cstate="print"/>
+          <a:blip r:embed="rId6" cstate="print"/>
           <a:srcRect l="7298" t="9668" r="4924" b="5136"/>
           <a:stretch>
             <a:fillRect/>
@@ -4994,8 +7221,8 @@
         </p:blipFill>
         <p:spPr bwMode="auto">
           <a:xfrm>
-            <a:off x="4648200" y="3352800"/>
-            <a:ext cx="4124325" cy="2346614"/>
+            <a:off x="4572000" y="3124200"/>
+            <a:ext cx="4267200" cy="2514600"/>
           </a:xfrm>
           <a:prstGeom prst="rect">
             <a:avLst/>
@@ -5009,6 +7236,118 @@
           </a:ln>
         </p:spPr>
       </p:pic>
+      <p:sp>
+        <p:nvSpPr>
+          <p:cNvPr id="13" name="12 Marcador de número de diapositiva"/>
+          <p:cNvSpPr>
+            <a:spLocks noGrp="1"/>
+          </p:cNvSpPr>
+          <p:nvPr>
+            <p:ph type="sldNum" sz="quarter" idx="12"/>
+          </p:nvPr>
+        </p:nvSpPr>
+        <p:spPr/>
+        <p:txBody>
+          <a:bodyPr/>
+          <a:lstStyle/>
+          <a:p>
+            <a:fld id="{CB315E90-48A1-450A-9464-03C990911FB5}" type="slidenum">
+              <a:rPr lang="es-ES" smtClean="0"/>
+              <a:pPr/>
+              <a:t>11</a:t>
+            </a:fld>
+            <a:endParaRPr lang="es-ES"/>
+          </a:p>
+        </p:txBody>
+      </p:sp>
+      <p:sp>
+        <p:nvSpPr>
+          <p:cNvPr id="14" name="13 CuadroTexto"/>
+          <p:cNvSpPr txBox="1"/>
+          <p:nvPr/>
+        </p:nvSpPr>
+        <p:spPr>
+          <a:xfrm>
+            <a:off x="1219200" y="5638800"/>
+            <a:ext cx="2087879" cy="307777"/>
+          </a:xfrm>
+          <a:prstGeom prst="rect">
+            <a:avLst/>
+          </a:prstGeom>
+          <a:noFill/>
+        </p:spPr>
+        <p:txBody>
+          <a:bodyPr wrap="none" rtlCol="0">
+            <a:spAutoFit/>
+          </a:bodyPr>
+          <a:lstStyle/>
+          <a:p>
+            <a:r>
+              <a:rPr lang="es-VE" sz="1400" dirty="0" smtClean="0"/>
+              <a:t>Mediciones</a:t>
+            </a:r>
+            <a:r>
+              <a:rPr lang="en-US" sz="1400" dirty="0" smtClean="0"/>
+              <a:t> </a:t>
+            </a:r>
+            <a:r>
+              <a:rPr lang="en-US" sz="1400" dirty="0" smtClean="0"/>
+              <a:t>del </a:t>
+            </a:r>
+            <a:r>
+              <a:rPr lang="es-VE" sz="1400" dirty="0" smtClean="0"/>
+              <a:t>giroscopio</a:t>
+            </a:r>
+            <a:endParaRPr lang="es-VE" sz="1400" dirty="0"/>
+          </a:p>
+        </p:txBody>
+      </p:sp>
+      <p:sp>
+        <p:nvSpPr>
+          <p:cNvPr id="15" name="14 CuadroTexto"/>
+          <p:cNvSpPr txBox="1"/>
+          <p:nvPr/>
+        </p:nvSpPr>
+        <p:spPr>
+          <a:xfrm>
+            <a:off x="5684521" y="5638800"/>
+            <a:ext cx="2321148" cy="307777"/>
+          </a:xfrm>
+          <a:prstGeom prst="rect">
+            <a:avLst/>
+          </a:prstGeom>
+          <a:noFill/>
+        </p:spPr>
+        <p:txBody>
+          <a:bodyPr wrap="none" rtlCol="0">
+            <a:spAutoFit/>
+          </a:bodyPr>
+          <a:lstStyle/>
+          <a:p>
+            <a:r>
+              <a:rPr lang="en-US" sz="1400" dirty="0" err="1" smtClean="0"/>
+              <a:t>Mediciones</a:t>
+            </a:r>
+            <a:r>
+              <a:rPr lang="en-US" sz="1400" dirty="0" smtClean="0"/>
+              <a:t> del </a:t>
+            </a:r>
+            <a:r>
+              <a:rPr lang="en-US" sz="1400" dirty="0" err="1" smtClean="0"/>
+              <a:t>aceler</a:t>
+            </a:r>
+            <a:r>
+              <a:rPr lang="es-VE" sz="1400" dirty="0" smtClean="0"/>
+              <a:t>ó</a:t>
+            </a:r>
+            <a:r>
+              <a:rPr lang="en-US" sz="1400" dirty="0" smtClean="0"/>
+              <a:t>metro</a:t>
+            </a:r>
+            <a:endParaRPr lang="en-US" sz="1400" dirty="0"/>
+          </a:p>
+        </p:txBody>
+      </p:sp>
     </p:spTree>
   </p:cSld>
   <p:clrMapOvr>
@@ -5194,6 +7533,76 @@
                                   </p:childTnLst>
                                 </p:cTn>
                               </p:par>
+                              <p:par>
+                                <p:cTn id="17" presetID="10" presetClass="entr" presetSubtype="0" fill="hold" nodeType="withEffect">
+                                  <p:stCondLst>
+                                    <p:cond delay="0"/>
+                                  </p:stCondLst>
+                                  <p:childTnLst>
+                                    <p:set>
+                                      <p:cBhvr>
+                                        <p:cTn id="18" dur="1" fill="hold">
+                                          <p:stCondLst>
+                                            <p:cond delay="0"/>
+                                          </p:stCondLst>
+                                        </p:cTn>
+                                        <p:tgtEl>
+                                          <p:spTgt spid="14"/>
+                                        </p:tgtEl>
+                                        <p:attrNameLst>
+                                          <p:attrName>style.visibility</p:attrName>
+                                        </p:attrNameLst>
+                                      </p:cBhvr>
+                                      <p:to>
+                                        <p:strVal val="visible"/>
+                                      </p:to>
+                                    </p:set>
+                                    <p:animEffect transition="in" filter="fade">
+                                      <p:cBhvr>
+                                        <p:cTn id="19" dur="500"/>
+                                        <p:tgtEl>
+                                          <p:spTgt spid="14"/>
+                                        </p:tgtEl>
+                                      </p:cBhvr>
+                                    </p:animEffect>
+                                  </p:childTnLst>
+                                </p:cTn>
+                              </p:par>
+                              <p:par>
+                                <p:cTn id="20" presetID="10" presetClass="entr" presetSubtype="0" fill="hold" nodeType="withEffect">
+                                  <p:stCondLst>
+                                    <p:cond delay="0"/>
+                                  </p:stCondLst>
+                                  <p:childTnLst>
+                                    <p:set>
+                                      <p:cBhvr>
+                                        <p:cTn id="21" dur="1" fill="hold">
+                                          <p:stCondLst>
+                                            <p:cond delay="0"/>
+                                          </p:stCondLst>
+                                        </p:cTn>
+                                        <p:tgtEl>
+                                          <p:spTgt spid="15"/>
+                                        </p:tgtEl>
+                                        <p:attrNameLst>
+                                          <p:attrName>style.visibility</p:attrName>
+                                        </p:attrNameLst>
+                                      </p:cBhvr>
+                                      <p:to>
+                                        <p:strVal val="visible"/>
+                                      </p:to>
+                                    </p:set>
+                                    <p:animEffect transition="in" filter="fade">
+                                      <p:cBhvr>
+                                        <p:cTn id="22" dur="500"/>
+                                        <p:tgtEl>
+                                          <p:spTgt spid="15"/>
+                                        </p:tgtEl>
+                                      </p:cBhvr>
+                                    </p:animEffect>
+                                  </p:childTnLst>
+                                </p:cTn>
+                              </p:par>
                             </p:childTnLst>
                           </p:cTn>
                         </p:par>
@@ -5348,7 +7757,7 @@
             </a:r>
           </a:p>
           <a:p>
-            <a:pPr lvl="1"/>
+            <a:pPr lvl="1" algn="just"/>
             <a:r>
               <a:rPr lang="es-VE" dirty="0" smtClean="0"/>
               <a:t>Algoritmos de estimación de posición y velocidad lineal en el eje z (altura y tasa de cambio de altura)</a:t>
@@ -5366,7 +7775,7 @@
           <p:nvPr/>
         </p:nvPicPr>
         <p:blipFill>
-          <a:blip r:embed="rId2" cstate="print"/>
+          <a:blip r:embed="rId3" cstate="print"/>
           <a:srcRect/>
           <a:stretch>
             <a:fillRect/>
@@ -5449,7 +7858,7 @@
           <p:nvPr/>
         </p:nvPicPr>
         <p:blipFill>
-          <a:blip r:embed="rId3" cstate="print"/>
+          <a:blip r:embed="rId4" cstate="print"/>
           <a:srcRect l="28865" t="58609" r="29345" b="40202"/>
           <a:stretch>
             <a:fillRect/>
@@ -5509,7 +7918,7 @@
           <p:nvPr/>
         </p:nvPicPr>
         <p:blipFill>
-          <a:blip r:embed="rId4" cstate="print"/>
+          <a:blip r:embed="rId5" cstate="print"/>
           <a:srcRect l="6487" r="4272"/>
           <a:stretch>
             <a:fillRect/>
@@ -5517,7 +7926,7 @@
         </p:blipFill>
         <p:spPr>
           <a:xfrm>
-            <a:off x="762000" y="3429000"/>
+            <a:off x="1143000" y="3429000"/>
             <a:ext cx="2971800" cy="1371600"/>
           </a:xfrm>
           <a:prstGeom prst="rect">
@@ -5532,7 +7941,7 @@
           <p:nvPr/>
         </p:nvPicPr>
         <p:blipFill>
-          <a:blip r:embed="rId5" cstate="print"/>
+          <a:blip r:embed="rId6" cstate="print"/>
           <a:srcRect l="6449" r="3259"/>
           <a:stretch>
             <a:fillRect/>
@@ -5540,7 +7949,7 @@
         </p:blipFill>
         <p:spPr>
           <a:xfrm>
-            <a:off x="838200" y="4800600"/>
+            <a:off x="1219200" y="4800600"/>
             <a:ext cx="2895600" cy="1371600"/>
           </a:xfrm>
           <a:prstGeom prst="rect">
@@ -5555,7 +7964,7 @@
           <p:nvPr/>
         </p:nvPicPr>
         <p:blipFill>
-          <a:blip r:embed="rId6" cstate="print"/>
+          <a:blip r:embed="rId7" cstate="print"/>
           <a:srcRect l="7807" r="5126"/>
           <a:stretch>
             <a:fillRect/>
@@ -5563,14 +7972,118 @@
         </p:blipFill>
         <p:spPr>
           <a:xfrm>
-            <a:off x="4267200" y="3429000"/>
-            <a:ext cx="3581400" cy="2819400"/>
+            <a:off x="5486400" y="3429000"/>
+            <a:ext cx="2971800" cy="2667000"/>
           </a:xfrm>
           <a:prstGeom prst="rect">
             <a:avLst/>
           </a:prstGeom>
         </p:spPr>
       </p:pic>
+      <p:sp>
+        <p:nvSpPr>
+          <p:cNvPr id="16" name="15 Marcador de número de diapositiva"/>
+          <p:cNvSpPr>
+            <a:spLocks noGrp="1"/>
+          </p:cNvSpPr>
+          <p:nvPr>
+            <p:ph type="sldNum" sz="quarter" idx="12"/>
+          </p:nvPr>
+        </p:nvSpPr>
+        <p:spPr/>
+        <p:txBody>
+          <a:bodyPr/>
+          <a:lstStyle/>
+          <a:p>
+            <a:fld id="{CB315E90-48A1-450A-9464-03C990911FB5}" type="slidenum">
+              <a:rPr lang="es-ES" smtClean="0"/>
+              <a:pPr/>
+              <a:t>12</a:t>
+            </a:fld>
+            <a:endParaRPr lang="es-ES"/>
+          </a:p>
+        </p:txBody>
+      </p:sp>
+      <p:sp>
+        <p:nvSpPr>
+          <p:cNvPr id="17" name="16 CuadroTexto"/>
+          <p:cNvSpPr txBox="1"/>
+          <p:nvPr/>
+        </p:nvSpPr>
+        <p:spPr>
+          <a:xfrm>
+            <a:off x="76200" y="4491335"/>
+            <a:ext cx="990600" cy="461665"/>
+          </a:xfrm>
+          <a:prstGeom prst="rect">
+            <a:avLst/>
+          </a:prstGeom>
+          <a:noFill/>
+        </p:spPr>
+        <p:txBody>
+          <a:bodyPr wrap="square" rtlCol="0">
+            <a:spAutoFit/>
+          </a:bodyPr>
+          <a:lstStyle/>
+          <a:p>
+            <a:r>
+              <a:rPr lang="en-US" sz="1200" dirty="0" err="1" smtClean="0"/>
+              <a:t>Cálculo</a:t>
+            </a:r>
+            <a:r>
+              <a:rPr lang="en-US" sz="1200" dirty="0" smtClean="0"/>
+              <a:t> </a:t>
+            </a:r>
+            <a:r>
+              <a:rPr lang="en-US" sz="1200" dirty="0" smtClean="0"/>
+              <a:t>de </a:t>
+            </a:r>
+            <a:r>
+              <a:rPr lang="en-US" sz="1200" dirty="0" err="1" smtClean="0"/>
+              <a:t>altura</a:t>
+            </a:r>
+            <a:endParaRPr lang="en-US" sz="1200" dirty="0"/>
+          </a:p>
+        </p:txBody>
+      </p:sp>
+      <p:sp>
+        <p:nvSpPr>
+          <p:cNvPr id="18" name="17 CuadroTexto"/>
+          <p:cNvSpPr txBox="1"/>
+          <p:nvPr/>
+        </p:nvSpPr>
+        <p:spPr>
+          <a:xfrm>
+            <a:off x="4267200" y="4495800"/>
+            <a:ext cx="1143000" cy="461665"/>
+          </a:xfrm>
+          <a:prstGeom prst="rect">
+            <a:avLst/>
+          </a:prstGeom>
+          <a:noFill/>
+        </p:spPr>
+        <p:txBody>
+          <a:bodyPr wrap="square" rtlCol="0">
+            <a:spAutoFit/>
+          </a:bodyPr>
+          <a:lstStyle/>
+          <a:p>
+            <a:r>
+              <a:rPr lang="es-VE" sz="1200" dirty="0" smtClean="0"/>
+              <a:t>Tasa de cambio </a:t>
+            </a:r>
+            <a:r>
+              <a:rPr lang="en-US" sz="1200" dirty="0" smtClean="0"/>
+              <a:t>de </a:t>
+            </a:r>
+            <a:r>
+              <a:rPr lang="en-US" sz="1200" dirty="0" err="1" smtClean="0"/>
+              <a:t>altura</a:t>
+            </a:r>
+            <a:endParaRPr lang="en-US" sz="1200" dirty="0"/>
+          </a:p>
+        </p:txBody>
+      </p:sp>
     </p:spTree>
   </p:cSld>
   <p:clrMapOvr>
@@ -5791,6 +8304,76 @@
                                   </p:childTnLst>
                                 </p:cTn>
                               </p:par>
+                              <p:par>
+                                <p:cTn id="20" presetID="10" presetClass="entr" presetSubtype="0" fill="hold" grpId="0" nodeType="withEffect">
+                                  <p:stCondLst>
+                                    <p:cond delay="0"/>
+                                  </p:stCondLst>
+                                  <p:childTnLst>
+                                    <p:set>
+                                      <p:cBhvr>
+                                        <p:cTn id="21" dur="1" fill="hold">
+                                          <p:stCondLst>
+                                            <p:cond delay="0"/>
+                                          </p:stCondLst>
+                                        </p:cTn>
+                                        <p:tgtEl>
+                                          <p:spTgt spid="17"/>
+                                        </p:tgtEl>
+                                        <p:attrNameLst>
+                                          <p:attrName>style.visibility</p:attrName>
+                                        </p:attrNameLst>
+                                      </p:cBhvr>
+                                      <p:to>
+                                        <p:strVal val="visible"/>
+                                      </p:to>
+                                    </p:set>
+                                    <p:animEffect transition="in" filter="fade">
+                                      <p:cBhvr>
+                                        <p:cTn id="22" dur="500"/>
+                                        <p:tgtEl>
+                                          <p:spTgt spid="17"/>
+                                        </p:tgtEl>
+                                      </p:cBhvr>
+                                    </p:animEffect>
+                                  </p:childTnLst>
+                                </p:cTn>
+                              </p:par>
+                              <p:par>
+                                <p:cTn id="23" presetID="10" presetClass="entr" presetSubtype="0" fill="hold" grpId="0" nodeType="withEffect">
+                                  <p:stCondLst>
+                                    <p:cond delay="0"/>
+                                  </p:stCondLst>
+                                  <p:childTnLst>
+                                    <p:set>
+                                      <p:cBhvr>
+                                        <p:cTn id="24" dur="1" fill="hold">
+                                          <p:stCondLst>
+                                            <p:cond delay="0"/>
+                                          </p:stCondLst>
+                                        </p:cTn>
+                                        <p:tgtEl>
+                                          <p:spTgt spid="18"/>
+                                        </p:tgtEl>
+                                        <p:attrNameLst>
+                                          <p:attrName>style.visibility</p:attrName>
+                                        </p:attrNameLst>
+                                      </p:cBhvr>
+                                      <p:to>
+                                        <p:strVal val="visible"/>
+                                      </p:to>
+                                    </p:set>
+                                    <p:animEffect transition="in" filter="fade">
+                                      <p:cBhvr>
+                                        <p:cTn id="25" dur="500"/>
+                                        <p:tgtEl>
+                                          <p:spTgt spid="18"/>
+                                        </p:tgtEl>
+                                      </p:cBhvr>
+                                    </p:animEffect>
+                                  </p:childTnLst>
+                                </p:cTn>
+                              </p:par>
                             </p:childTnLst>
                           </p:cTn>
                         </p:par>
@@ -5820,6 +8403,8 @@
     </p:tnLst>
     <p:bldLst>
       <p:bldP spid="3" grpId="0" uiExpand="1" build="p"/>
+      <p:bldP spid="17" grpId="0"/>
+      <p:bldP spid="18" grpId="0"/>
     </p:bldLst>
   </p:timing>
 </p:sld>
@@ -5908,11 +8493,7 @@
             </a:pPr>
             <a:r>
               <a:rPr lang="es-VE" sz="2400" dirty="0" smtClean="0"/>
-              <a:t>Telemetría </a:t>
-            </a:r>
-            <a:r>
-              <a:rPr lang="es-VE" sz="2400" dirty="0" smtClean="0"/>
-              <a:t>total</a:t>
+              <a:t>Telemetría total</a:t>
             </a:r>
           </a:p>
           <a:p>
@@ -5948,38 +8529,6 @@
           </a:p>
         </p:txBody>
       </p:sp>
-      <p:pic>
-        <p:nvPicPr>
-          <p:cNvPr id="1027" name="Picture 3"/>
-          <p:cNvPicPr>
-            <a:picLocks noChangeAspect="1" noChangeArrowheads="1"/>
-          </p:cNvPicPr>
-          <p:nvPr/>
-        </p:nvPicPr>
-        <p:blipFill>
-          <a:blip r:embed="rId2" cstate="print"/>
-          <a:srcRect/>
-          <a:stretch>
-            <a:fillRect/>
-          </a:stretch>
-        </p:blipFill>
-        <p:spPr bwMode="auto">
-          <a:xfrm>
-            <a:off x="457200" y="3810000"/>
-            <a:ext cx="6524625" cy="453699"/>
-          </a:xfrm>
-          <a:prstGeom prst="rect">
-            <a:avLst/>
-          </a:prstGeom>
-          <a:noFill/>
-          <a:ln w="9525">
-            <a:noFill/>
-            <a:miter lim="800000"/>
-            <a:headEnd/>
-            <a:tailEnd/>
-          </a:ln>
-        </p:spPr>
-      </p:pic>
       <p:sp>
         <p:nvSpPr>
           <p:cNvPr id="6" name="5 Rectángulo"/>
@@ -6063,7 +8612,7 @@
           <p:nvPr/>
         </p:nvPicPr>
         <p:blipFill>
-          <a:blip r:embed="rId3" cstate="print"/>
+          <a:blip r:embed="rId2" cstate="print"/>
           <a:srcRect/>
           <a:stretch>
             <a:fillRect/>
@@ -6146,7 +8695,7 @@
           <p:nvPr/>
         </p:nvPicPr>
         <p:blipFill>
-          <a:blip r:embed="rId4" cstate="print"/>
+          <a:blip r:embed="rId3" cstate="print"/>
           <a:srcRect l="28865" t="58609" r="29345" b="40202"/>
           <a:stretch>
             <a:fillRect/>
@@ -6206,7 +8755,7 @@
           <p:nvPr/>
         </p:nvPicPr>
         <p:blipFill>
-          <a:blip r:embed="rId5" cstate="print"/>
+          <a:blip r:embed="rId4" cstate="print"/>
           <a:srcRect/>
           <a:stretch>
             <a:fillRect/>
@@ -6241,10 +8790,66 @@
         </p:xfrm>
         <a:graphic>
           <a:graphicData uri="http://schemas.openxmlformats.org/drawingml/2006/chart">
-            <c:chart xmlns:c="http://schemas.openxmlformats.org/drawingml/2006/chart" xmlns:r="http://schemas.openxmlformats.org/officeDocument/2006/relationships" r:id="rId6"/>
+            <c:chart xmlns:c="http://schemas.openxmlformats.org/drawingml/2006/chart" xmlns:r="http://schemas.openxmlformats.org/officeDocument/2006/relationships" r:id="rId5"/>
           </a:graphicData>
         </a:graphic>
       </p:graphicFrame>
+      <p:sp>
+        <p:nvSpPr>
+          <p:cNvPr id="13" name="12 Marcador de número de diapositiva"/>
+          <p:cNvSpPr>
+            <a:spLocks noGrp="1"/>
+          </p:cNvSpPr>
+          <p:nvPr>
+            <p:ph type="sldNum" sz="quarter" idx="12"/>
+          </p:nvPr>
+        </p:nvSpPr>
+        <p:spPr/>
+        <p:txBody>
+          <a:bodyPr/>
+          <a:lstStyle/>
+          <a:p>
+            <a:fld id="{CB315E90-48A1-450A-9464-03C990911FB5}" type="slidenum">
+              <a:rPr lang="es-ES" smtClean="0"/>
+              <a:pPr/>
+              <a:t>13</a:t>
+            </a:fld>
+            <a:endParaRPr lang="es-ES"/>
+          </a:p>
+        </p:txBody>
+      </p:sp>
+      <p:pic>
+        <p:nvPicPr>
+          <p:cNvPr id="7" name="Picture 3"/>
+          <p:cNvPicPr>
+            <a:picLocks noChangeAspect="1" noChangeArrowheads="1"/>
+          </p:cNvPicPr>
+          <p:nvPr/>
+        </p:nvPicPr>
+        <p:blipFill>
+          <a:blip r:embed="rId6" cstate="print"/>
+          <a:srcRect/>
+          <a:stretch>
+            <a:fillRect/>
+          </a:stretch>
+        </p:blipFill>
+        <p:spPr bwMode="auto">
+          <a:xfrm>
+            <a:off x="914400" y="3581400"/>
+            <a:ext cx="7410450" cy="1047750"/>
+          </a:xfrm>
+          <a:prstGeom prst="rect">
+            <a:avLst/>
+          </a:prstGeom>
+          <a:noFill/>
+          <a:ln w="9525">
+            <a:noFill/>
+            <a:miter lim="800000"/>
+            <a:headEnd/>
+            <a:tailEnd/>
+          </a:ln>
+        </p:spPr>
+      </p:pic>
     </p:spTree>
   </p:cSld>
   <p:clrMapOvr>
@@ -6427,7 +9032,7 @@
                                           </p:stCondLst>
                                         </p:cTn>
                                         <p:tgtEl>
-                                          <p:spTgt spid="1027"/>
+                                          <p:spTgt spid="7"/>
                                         </p:tgtEl>
                                         <p:attrNameLst>
                                           <p:attrName>style.visibility</p:attrName>
@@ -6441,7 +9046,7 @@
                                       <p:cBhvr>
                                         <p:cTn id="18" dur="500"/>
                                         <p:tgtEl>
-                                          <p:spTgt spid="1027"/>
+                                          <p:spTgt spid="7"/>
                                         </p:tgtEl>
                                       </p:cBhvr>
                                     </p:animEffect>
@@ -6476,7 +9081,7 @@
                                       <p:cBhvr>
                                         <p:cTn id="22" dur="500"/>
                                         <p:tgtEl>
-                                          <p:spTgt spid="1027"/>
+                                          <p:spTgt spid="7"/>
                                         </p:tgtEl>
                                       </p:cBhvr>
                                     </p:animEffect>
@@ -6488,7 +9093,7 @@
                                           </p:stCondLst>
                                         </p:cTn>
                                         <p:tgtEl>
-                                          <p:spTgt spid="1027"/>
+                                          <p:spTgt spid="7"/>
                                         </p:tgtEl>
                                         <p:attrNameLst>
                                           <p:attrName>style.visibility</p:attrName>
@@ -6983,6 +9588,83 @@
       </p:grpSpPr>
       <p:sp>
         <p:nvSpPr>
+          <p:cNvPr id="14" name="13 CuadroTexto"/>
+          <p:cNvSpPr txBox="1"/>
+          <p:nvPr/>
+        </p:nvSpPr>
+        <p:spPr>
+          <a:xfrm>
+            <a:off x="-76200" y="3572470"/>
+            <a:ext cx="1469505" cy="646331"/>
+          </a:xfrm>
+          <a:prstGeom prst="rect">
+            <a:avLst/>
+          </a:prstGeom>
+          <a:noFill/>
+        </p:spPr>
+        <p:txBody>
+          <a:bodyPr wrap="none" rtlCol="0">
+            <a:spAutoFit/>
+          </a:bodyPr>
+          <a:lstStyle/>
+          <a:p>
+            <a:r>
+              <a:rPr lang="en-US" dirty="0" err="1" smtClean="0"/>
+              <a:t>Arquitectura</a:t>
+            </a:r>
+            <a:r>
+              <a:rPr lang="en-US" dirty="0" smtClean="0"/>
+              <a:t>  </a:t>
+            </a:r>
+          </a:p>
+          <a:p>
+            <a:r>
+              <a:rPr lang="en-US" dirty="0" err="1" smtClean="0"/>
+              <a:t>simplificada</a:t>
+            </a:r>
+            <a:endParaRPr lang="en-US" dirty="0"/>
+          </a:p>
+        </p:txBody>
+      </p:sp>
+      <p:sp>
+        <p:nvSpPr>
+          <p:cNvPr id="13" name="12 CuadroTexto"/>
+          <p:cNvSpPr txBox="1"/>
+          <p:nvPr/>
+        </p:nvSpPr>
+        <p:spPr>
+          <a:xfrm>
+            <a:off x="-76200" y="3544669"/>
+            <a:ext cx="1416606" cy="646331"/>
+          </a:xfrm>
+          <a:prstGeom prst="rect">
+            <a:avLst/>
+          </a:prstGeom>
+          <a:noFill/>
+        </p:spPr>
+        <p:txBody>
+          <a:bodyPr wrap="none" rtlCol="0">
+            <a:spAutoFit/>
+          </a:bodyPr>
+          <a:lstStyle/>
+          <a:p>
+            <a:r>
+              <a:rPr lang="en-US" dirty="0" err="1" smtClean="0"/>
+              <a:t>Arquitectura</a:t>
+            </a:r>
+            <a:endParaRPr lang="en-US" dirty="0" smtClean="0"/>
+          </a:p>
+          <a:p>
+            <a:r>
+              <a:rPr lang="en-US" dirty="0" err="1" smtClean="0"/>
+              <a:t>completa</a:t>
+            </a:r>
+            <a:endParaRPr lang="en-US" dirty="0"/>
+          </a:p>
+        </p:txBody>
+      </p:sp>
+      <p:sp>
+        <p:nvSpPr>
           <p:cNvPr id="6" name="5 Rectángulo"/>
           <p:cNvSpPr/>
           <p:nvPr/>
@@ -7078,12 +9760,14 @@
           </a:bodyPr>
           <a:lstStyle/>
           <a:p>
+            <a:pPr algn="just"/>
             <a:r>
               <a:rPr lang="es-VE" sz="2400" dirty="0" smtClean="0"/>
               <a:t>Adaptación del modelo dinámico de [Kivrak, 2006].</a:t>
             </a:r>
           </a:p>
           <a:p>
+            <a:pPr algn="just"/>
             <a:r>
               <a:rPr lang="es-VE" sz="2400" dirty="0" err="1" smtClean="0"/>
               <a:t>Linealización</a:t>
@@ -7094,6 +9778,7 @@
             </a:r>
           </a:p>
           <a:p>
+            <a:pPr algn="just"/>
             <a:r>
               <a:rPr lang="es-VE" sz="2400" dirty="0" smtClean="0"/>
               <a:t>Arquitecturas de control propuestas e implementación final.</a:t>
@@ -7264,7 +9949,7 @@
         <p:spPr bwMode="auto">
           <a:xfrm>
             <a:off x="1676400" y="3124200"/>
-            <a:ext cx="5163532" cy="2660630"/>
+            <a:ext cx="5867400" cy="3023314"/>
           </a:xfrm>
           <a:prstGeom prst="rect">
             <a:avLst/>
@@ -7290,7 +9975,7 @@
         <p:spPr bwMode="auto">
           <a:xfrm>
             <a:off x="1600200" y="3276600"/>
-            <a:ext cx="5439506" cy="2286000"/>
+            <a:ext cx="6934200" cy="2914158"/>
           </a:xfrm>
           <a:prstGeom prst="rect">
             <a:avLst/>
@@ -7298,6 +9983,30 @@
           <a:noFill/>
         </p:spPr>
       </p:pic>
+      <p:sp>
+        <p:nvSpPr>
+          <p:cNvPr id="12" name="11 Marcador de número de diapositiva"/>
+          <p:cNvSpPr>
+            <a:spLocks noGrp="1"/>
+          </p:cNvSpPr>
+          <p:nvPr>
+            <p:ph type="sldNum" sz="quarter" idx="12"/>
+          </p:nvPr>
+        </p:nvSpPr>
+        <p:spPr/>
+        <p:txBody>
+          <a:bodyPr/>
+          <a:lstStyle/>
+          <a:p>
+            <a:fld id="{CB315E90-48A1-450A-9464-03C990911FB5}" type="slidenum">
+              <a:rPr lang="es-ES" smtClean="0"/>
+              <a:pPr/>
+              <a:t>14</a:t>
+            </a:fld>
+            <a:endParaRPr lang="es-ES"/>
+          </a:p>
+        </p:txBody>
+      </p:sp>
     </p:spTree>
   </p:cSld>
   <p:clrMapOvr>
@@ -7545,6 +10254,41 @@
                                   </p:childTnLst>
                                 </p:cTn>
                               </p:par>
+                              <p:par>
+                                <p:cTn id="23" presetID="10" presetClass="entr" presetSubtype="0" fill="hold" grpId="2" nodeType="withEffect">
+                                  <p:stCondLst>
+                                    <p:cond delay="0"/>
+                                  </p:stCondLst>
+                                  <p:childTnLst>
+                                    <p:set>
+                                      <p:cBhvr>
+                                        <p:cTn id="24" dur="1" fill="hold">
+                                          <p:stCondLst>
+                                            <p:cond delay="0"/>
+                                          </p:stCondLst>
+                                        </p:cTn>
+                                        <p:tgtEl>
+                                          <p:spTgt spid="13"/>
+                                        </p:tgtEl>
+                                        <p:attrNameLst>
+                                          <p:attrName>style.visibility</p:attrName>
+                                        </p:attrNameLst>
+                                      </p:cBhvr>
+                                      <p:to>
+                                        <p:strVal val="visible"/>
+                                      </p:to>
+                                    </p:set>
+                                    <p:animEffect transition="in" filter="fade">
+                                      <p:cBhvr>
+                                        <p:cTn id="25" dur="500"/>
+                                        <p:tgtEl>
+                                          <p:spTgt spid="13"/>
+                                        </p:tgtEl>
+                                      </p:cBhvr>
+                                    </p:animEffect>
+                                  </p:childTnLst>
+                                </p:cTn>
+                              </p:par>
                             </p:childTnLst>
                           </p:cTn>
                         </p:par>
@@ -7552,26 +10296,26 @@
                     </p:cTn>
                   </p:par>
                   <p:par>
-                    <p:cTn id="23" fill="hold">
+                    <p:cTn id="26" fill="hold">
                       <p:stCondLst>
                         <p:cond delay="indefinite"/>
                       </p:stCondLst>
                       <p:childTnLst>
                         <p:par>
-                          <p:cTn id="24" fill="hold">
+                          <p:cTn id="27" fill="hold">
                             <p:stCondLst>
                               <p:cond delay="0"/>
                             </p:stCondLst>
                             <p:childTnLst>
                               <p:par>
-                                <p:cTn id="25" presetID="10" presetClass="exit" presetSubtype="0" fill="hold" nodeType="clickEffect">
+                                <p:cTn id="28" presetID="10" presetClass="exit" presetSubtype="0" fill="hold" nodeType="clickEffect">
                                   <p:stCondLst>
                                     <p:cond delay="0"/>
                                   </p:stCondLst>
                                   <p:childTnLst>
                                     <p:animEffect transition="out" filter="fade">
                                       <p:cBhvr>
-                                        <p:cTn id="26" dur="500"/>
+                                        <p:cTn id="29" dur="500"/>
                                         <p:tgtEl>
                                           <p:spTgt spid="2051"/>
                                         </p:tgtEl>
@@ -7579,7 +10323,7 @@
                                     </p:animEffect>
                                     <p:set>
                                       <p:cBhvr>
-                                        <p:cTn id="27" dur="1" fill="hold">
+                                        <p:cTn id="30" dur="1" fill="hold">
                                           <p:stCondLst>
                                             <p:cond delay="499"/>
                                           </p:stCondLst>
@@ -7599,14 +10343,49 @@
                                 </p:cTn>
                               </p:par>
                               <p:par>
-                                <p:cTn id="28" presetID="10" presetClass="entr" presetSubtype="0" fill="hold" nodeType="withEffect">
+                                <p:cTn id="31" presetID="10" presetClass="exit" presetSubtype="0" fill="hold" grpId="1" nodeType="withEffect">
+                                  <p:stCondLst>
+                                    <p:cond delay="0"/>
+                                  </p:stCondLst>
+                                  <p:childTnLst>
+                                    <p:animEffect transition="out" filter="fade">
+                                      <p:cBhvr>
+                                        <p:cTn id="32" dur="500"/>
+                                        <p:tgtEl>
+                                          <p:spTgt spid="13"/>
+                                        </p:tgtEl>
+                                      </p:cBhvr>
+                                    </p:animEffect>
+                                    <p:set>
+                                      <p:cBhvr>
+                                        <p:cTn id="33" dur="1" fill="hold">
+                                          <p:stCondLst>
+                                            <p:cond delay="499"/>
+                                          </p:stCondLst>
+                                        </p:cTn>
+                                        <p:tgtEl>
+                                          <p:spTgt spid="13"/>
+                                        </p:tgtEl>
+                                        <p:attrNameLst>
+                                          <p:attrName>style.visibility</p:attrName>
+                                        </p:attrNameLst>
+                                      </p:cBhvr>
+                                      <p:to>
+                                        <p:strVal val="hidden"/>
+                                      </p:to>
+                                    </p:set>
+                                  </p:childTnLst>
+                                </p:cTn>
+                              </p:par>
+                              <p:par>
+                                <p:cTn id="34" presetID="10" presetClass="entr" presetSubtype="0" fill="hold" nodeType="withEffect">
                                   <p:stCondLst>
                                     <p:cond delay="0"/>
                                   </p:stCondLst>
                                   <p:childTnLst>
                                     <p:set>
                                       <p:cBhvr>
-                                        <p:cTn id="29" dur="1" fill="hold">
+                                        <p:cTn id="35" dur="1" fill="hold">
                                           <p:stCondLst>
                                             <p:cond delay="0"/>
                                           </p:stCondLst>
@@ -7624,9 +10403,44 @@
                                     </p:set>
                                     <p:animEffect transition="in" filter="fade">
                                       <p:cBhvr>
-                                        <p:cTn id="30" dur="500"/>
+                                        <p:cTn id="36" dur="500"/>
                                         <p:tgtEl>
                                           <p:spTgt spid="2052"/>
+                                        </p:tgtEl>
+                                      </p:cBhvr>
+                                    </p:animEffect>
+                                  </p:childTnLst>
+                                </p:cTn>
+                              </p:par>
+                              <p:par>
+                                <p:cTn id="37" presetID="10" presetClass="entr" presetSubtype="0" fill="hold" grpId="0" nodeType="withEffect">
+                                  <p:stCondLst>
+                                    <p:cond delay="0"/>
+                                  </p:stCondLst>
+                                  <p:childTnLst>
+                                    <p:set>
+                                      <p:cBhvr>
+                                        <p:cTn id="38" dur="1" fill="hold">
+                                          <p:stCondLst>
+                                            <p:cond delay="0"/>
+                                          </p:stCondLst>
+                                        </p:cTn>
+                                        <p:tgtEl>
+                                          <p:spTgt spid="14"/>
+                                        </p:tgtEl>
+                                        <p:attrNameLst>
+                                          <p:attrName>style.visibility</p:attrName>
+                                        </p:attrNameLst>
+                                      </p:cBhvr>
+                                      <p:to>
+                                        <p:strVal val="visible"/>
+                                      </p:to>
+                                    </p:set>
+                                    <p:animEffect transition="in" filter="fade">
+                                      <p:cBhvr>
+                                        <p:cTn id="39" dur="500"/>
+                                        <p:tgtEl>
+                                          <p:spTgt spid="14"/>
                                         </p:tgtEl>
                                       </p:cBhvr>
                                     </p:animEffect>
@@ -7661,6 +10475,9 @@
       </p:par>
     </p:tnLst>
     <p:bldLst>
+      <p:bldP spid="14" grpId="0"/>
+      <p:bldP spid="13" grpId="1"/>
+      <p:bldP spid="13" grpId="2"/>
       <p:bldP spid="3" grpId="0" uiExpand="1" build="p"/>
     </p:bldLst>
   </p:timing>
@@ -7684,6 +10501,274 @@
           <a:chExt cx="0" cy="0"/>
         </a:xfrm>
       </p:grpSpPr>
+      <p:pic>
+        <p:nvPicPr>
+          <p:cNvPr id="12" name="11 Imagen"/>
+          <p:cNvPicPr/>
+          <p:nvPr/>
+        </p:nvPicPr>
+        <p:blipFill>
+          <a:blip r:embed="rId2" cstate="print"/>
+          <a:srcRect l="29449" t="12568" r="29624" b="32116"/>
+          <a:stretch>
+            <a:fillRect/>
+          </a:stretch>
+        </p:blipFill>
+        <p:spPr bwMode="auto">
+          <a:xfrm>
+            <a:off x="457200" y="2514600"/>
+            <a:ext cx="2743200" cy="1524000"/>
+          </a:xfrm>
+          <a:prstGeom prst="rect">
+            <a:avLst/>
+          </a:prstGeom>
+          <a:noFill/>
+          <a:ln w="9525">
+            <a:noFill/>
+            <a:miter lim="800000"/>
+            <a:headEnd/>
+            <a:tailEnd/>
+          </a:ln>
+        </p:spPr>
+      </p:pic>
+      <p:pic>
+        <p:nvPicPr>
+          <p:cNvPr id="13" name="12 Imagen"/>
+          <p:cNvPicPr/>
+          <p:nvPr/>
+        </p:nvPicPr>
+        <p:blipFill>
+          <a:blip r:embed="rId3" cstate="print"/>
+          <a:srcRect l="29295" t="13115" r="29569" b="31878"/>
+          <a:stretch>
+            <a:fillRect/>
+          </a:stretch>
+        </p:blipFill>
+        <p:spPr bwMode="auto">
+          <a:xfrm>
+            <a:off x="3200400" y="2514600"/>
+            <a:ext cx="2743200" cy="1524000"/>
+          </a:xfrm>
+          <a:prstGeom prst="rect">
+            <a:avLst/>
+          </a:prstGeom>
+          <a:noFill/>
+          <a:ln w="9525">
+            <a:noFill/>
+            <a:miter lim="800000"/>
+            <a:headEnd/>
+            <a:tailEnd/>
+          </a:ln>
+        </p:spPr>
+      </p:pic>
+      <p:pic>
+        <p:nvPicPr>
+          <p:cNvPr id="14" name="13 Imagen"/>
+          <p:cNvPicPr/>
+          <p:nvPr/>
+        </p:nvPicPr>
+        <p:blipFill>
+          <a:blip r:embed="rId4" cstate="print"/>
+          <a:srcRect l="29414" t="12590" r="29799" b="32310"/>
+          <a:stretch>
+            <a:fillRect/>
+          </a:stretch>
+        </p:blipFill>
+        <p:spPr bwMode="auto">
+          <a:xfrm>
+            <a:off x="5943600" y="2514600"/>
+            <a:ext cx="2743200" cy="1524000"/>
+          </a:xfrm>
+          <a:prstGeom prst="rect">
+            <a:avLst/>
+          </a:prstGeom>
+          <a:noFill/>
+          <a:ln w="9525">
+            <a:noFill/>
+            <a:miter lim="800000"/>
+            <a:headEnd/>
+            <a:tailEnd/>
+          </a:ln>
+        </p:spPr>
+      </p:pic>
+      <p:pic>
+        <p:nvPicPr>
+          <p:cNvPr id="15" name="14 Imagen"/>
+          <p:cNvPicPr/>
+          <p:nvPr/>
+        </p:nvPicPr>
+        <p:blipFill>
+          <a:blip r:embed="rId5" cstate="print"/>
+          <a:srcRect l="29574" t="13669" r="29411" b="32259"/>
+          <a:stretch>
+            <a:fillRect/>
+          </a:stretch>
+        </p:blipFill>
+        <p:spPr bwMode="auto">
+          <a:xfrm>
+            <a:off x="3200400" y="4419600"/>
+            <a:ext cx="2743200" cy="1524000"/>
+          </a:xfrm>
+          <a:prstGeom prst="rect">
+            <a:avLst/>
+          </a:prstGeom>
+          <a:noFill/>
+          <a:ln w="9525">
+            <a:noFill/>
+            <a:miter lim="800000"/>
+            <a:headEnd/>
+            <a:tailEnd/>
+          </a:ln>
+        </p:spPr>
+      </p:pic>
+      <p:sp>
+        <p:nvSpPr>
+          <p:cNvPr id="19" name="18 CuadroTexto"/>
+          <p:cNvSpPr txBox="1"/>
+          <p:nvPr/>
+        </p:nvSpPr>
+        <p:spPr>
+          <a:xfrm>
+            <a:off x="2743200" y="4038600"/>
+            <a:ext cx="3807196" cy="369332"/>
+          </a:xfrm>
+          <a:prstGeom prst="rect">
+            <a:avLst/>
+          </a:prstGeom>
+          <a:noFill/>
+        </p:spPr>
+        <p:txBody>
+          <a:bodyPr wrap="none" rtlCol="0">
+            <a:spAutoFit/>
+          </a:bodyPr>
+          <a:lstStyle/>
+          <a:p>
+            <a:r>
+              <a:rPr lang="en-US" dirty="0" err="1" smtClean="0"/>
+              <a:t>Correcciones</a:t>
+            </a:r>
+            <a:r>
+              <a:rPr lang="en-US" dirty="0" smtClean="0"/>
+              <a:t> de </a:t>
+            </a:r>
+            <a:r>
+              <a:rPr lang="en-US" dirty="0" err="1" smtClean="0"/>
+              <a:t>velocidades</a:t>
+            </a:r>
+            <a:r>
+              <a:rPr lang="en-US" dirty="0" smtClean="0"/>
+              <a:t> </a:t>
+            </a:r>
+            <a:r>
+              <a:rPr lang="en-US" dirty="0" err="1" smtClean="0"/>
+              <a:t>angulares</a:t>
+            </a:r>
+            <a:endParaRPr lang="en-US" dirty="0"/>
+          </a:p>
+        </p:txBody>
+      </p:sp>
+      <p:sp>
+        <p:nvSpPr>
+          <p:cNvPr id="20" name="19 CuadroTexto"/>
+          <p:cNvSpPr txBox="1"/>
+          <p:nvPr/>
+        </p:nvSpPr>
+        <p:spPr>
+          <a:xfrm>
+            <a:off x="2934019" y="5867400"/>
+            <a:ext cx="3085781" cy="369332"/>
+          </a:xfrm>
+          <a:prstGeom prst="rect">
+            <a:avLst/>
+          </a:prstGeom>
+          <a:noFill/>
+        </p:spPr>
+        <p:txBody>
+          <a:bodyPr wrap="none" rtlCol="0">
+            <a:spAutoFit/>
+          </a:bodyPr>
+          <a:lstStyle/>
+          <a:p>
+            <a:r>
+              <a:rPr lang="en-US" dirty="0" err="1" smtClean="0"/>
+              <a:t>Correccion</a:t>
+            </a:r>
+            <a:r>
+              <a:rPr lang="en-US" dirty="0" smtClean="0"/>
+              <a:t> de </a:t>
+            </a:r>
+            <a:r>
+              <a:rPr lang="en-US" dirty="0" err="1" smtClean="0"/>
+              <a:t>posicion</a:t>
+            </a:r>
+            <a:r>
+              <a:rPr lang="en-US" dirty="0" smtClean="0"/>
+              <a:t> en YAW</a:t>
+            </a:r>
+            <a:endParaRPr lang="en-US" dirty="0"/>
+          </a:p>
+        </p:txBody>
+      </p:sp>
+      <p:pic>
+        <p:nvPicPr>
+          <p:cNvPr id="10" name="9 Imagen"/>
+          <p:cNvPicPr/>
+          <p:nvPr/>
+        </p:nvPicPr>
+        <p:blipFill>
+          <a:blip r:embed="rId6" cstate="print"/>
+          <a:srcRect l="7812" t="9764" r="5499" b="6061"/>
+          <a:stretch>
+            <a:fillRect/>
+          </a:stretch>
+        </p:blipFill>
+        <p:spPr bwMode="auto">
+          <a:xfrm>
+            <a:off x="457200" y="2514600"/>
+            <a:ext cx="4648200" cy="3581400"/>
+          </a:xfrm>
+          <a:prstGeom prst="rect">
+            <a:avLst/>
+          </a:prstGeom>
+          <a:noFill/>
+          <a:ln w="9525">
+            <a:noFill/>
+            <a:miter lim="800000"/>
+            <a:headEnd/>
+            <a:tailEnd/>
+          </a:ln>
+        </p:spPr>
+      </p:pic>
+      <p:pic>
+        <p:nvPicPr>
+          <p:cNvPr id="11" name="10 Imagen"/>
+          <p:cNvPicPr/>
+          <p:nvPr/>
+        </p:nvPicPr>
+        <p:blipFill>
+          <a:blip r:embed="rId7" cstate="print"/>
+          <a:srcRect l="7433" t="9764" r="5716" b="5642"/>
+          <a:stretch>
+            <a:fillRect/>
+          </a:stretch>
+        </p:blipFill>
+        <p:spPr bwMode="auto">
+          <a:xfrm>
+            <a:off x="5334000" y="2514600"/>
+            <a:ext cx="3200400" cy="3581400"/>
+          </a:xfrm>
+          <a:prstGeom prst="rect">
+            <a:avLst/>
+          </a:prstGeom>
+          <a:noFill/>
+          <a:ln w="9525">
+            <a:noFill/>
+            <a:miter lim="800000"/>
+            <a:headEnd/>
+            <a:tailEnd/>
+          </a:ln>
+        </p:spPr>
+      </p:pic>
       <p:sp>
         <p:nvSpPr>
           <p:cNvPr id="6" name="5 Rectángulo"/>
@@ -7808,7 +10893,7 @@
           <p:nvPr/>
         </p:nvPicPr>
         <p:blipFill>
-          <a:blip r:embed="rId2" cstate="print"/>
+          <a:blip r:embed="rId8" cstate="print"/>
           <a:srcRect/>
           <a:stretch>
             <a:fillRect/>
@@ -7891,7 +10976,7 @@
           <p:nvPr/>
         </p:nvPicPr>
         <p:blipFill>
-          <a:blip r:embed="rId3" cstate="print"/>
+          <a:blip r:embed="rId9" cstate="print"/>
           <a:srcRect l="28865" t="58609" r="29345" b="40202"/>
           <a:stretch>
             <a:fillRect/>
@@ -7944,186 +11029,106 @@
           </a:p>
         </p:txBody>
       </p:sp>
-      <p:pic>
-        <p:nvPicPr>
-          <p:cNvPr id="10" name="9 Imagen"/>
-          <p:cNvPicPr/>
+      <p:sp>
+        <p:nvSpPr>
+          <p:cNvPr id="17" name="16 Marcador de número de diapositiva"/>
+          <p:cNvSpPr>
+            <a:spLocks noGrp="1"/>
+          </p:cNvSpPr>
+          <p:nvPr>
+            <p:ph type="sldNum" sz="quarter" idx="12"/>
+          </p:nvPr>
+        </p:nvSpPr>
+        <p:spPr/>
+        <p:txBody>
+          <a:bodyPr/>
+          <a:lstStyle/>
+          <a:p>
+            <a:fld id="{CB315E90-48A1-450A-9464-03C990911FB5}" type="slidenum">
+              <a:rPr lang="es-ES" smtClean="0"/>
+              <a:pPr/>
+              <a:t>15</a:t>
+            </a:fld>
+            <a:endParaRPr lang="es-ES"/>
+          </a:p>
+        </p:txBody>
+      </p:sp>
+      <p:sp>
+        <p:nvSpPr>
+          <p:cNvPr id="18" name="17 CuadroTexto"/>
+          <p:cNvSpPr txBox="1"/>
           <p:nvPr/>
-        </p:nvPicPr>
-        <p:blipFill>
-          <a:blip r:embed="rId4" cstate="print"/>
-          <a:srcRect l="7812" t="9764" r="5499" b="6061"/>
-          <a:stretch>
-            <a:fillRect/>
-          </a:stretch>
-        </p:blipFill>
-        <p:spPr bwMode="auto">
+        </p:nvSpPr>
+        <p:spPr>
           <a:xfrm>
-            <a:off x="457200" y="2819400"/>
-            <a:ext cx="3607317" cy="2698810"/>
+            <a:off x="1905000" y="2133600"/>
+            <a:ext cx="2292294" cy="369332"/>
           </a:xfrm>
           <a:prstGeom prst="rect">
             <a:avLst/>
           </a:prstGeom>
           <a:noFill/>
-          <a:ln w="9525">
-            <a:noFill/>
-            <a:miter lim="800000"/>
-            <a:headEnd/>
-            <a:tailEnd/>
-          </a:ln>
         </p:spPr>
-      </p:pic>
-      <p:pic>
-        <p:nvPicPr>
-          <p:cNvPr id="11" name="10 Imagen"/>
-          <p:cNvPicPr/>
+        <p:txBody>
+          <a:bodyPr wrap="none" rtlCol="0">
+            <a:spAutoFit/>
+          </a:bodyPr>
+          <a:lstStyle/>
+          <a:p>
+            <a:r>
+              <a:rPr lang="en-US" dirty="0" err="1" smtClean="0"/>
+              <a:t>Arquitectura</a:t>
+            </a:r>
+            <a:r>
+              <a:rPr lang="en-US" dirty="0" smtClean="0"/>
+              <a:t> </a:t>
+            </a:r>
+            <a:r>
+              <a:rPr lang="en-US" dirty="0" err="1" smtClean="0"/>
+              <a:t>completa</a:t>
+            </a:r>
+            <a:endParaRPr lang="en-US" dirty="0"/>
+          </a:p>
+        </p:txBody>
+      </p:sp>
+      <p:sp>
+        <p:nvSpPr>
+          <p:cNvPr id="21" name="20 CuadroTexto"/>
+          <p:cNvSpPr txBox="1"/>
           <p:nvPr/>
-        </p:nvPicPr>
-        <p:blipFill>
-          <a:blip r:embed="rId5" cstate="print"/>
-          <a:srcRect l="7433" t="9764" r="5716" b="5642"/>
-          <a:stretch>
-            <a:fillRect/>
-          </a:stretch>
-        </p:blipFill>
-        <p:spPr bwMode="auto">
+        </p:nvSpPr>
+        <p:spPr>
           <a:xfrm>
-            <a:off x="6019800" y="2819400"/>
-            <a:ext cx="2057400" cy="2667000"/>
+            <a:off x="5867400" y="2133600"/>
+            <a:ext cx="2533579" cy="369332"/>
           </a:xfrm>
           <a:prstGeom prst="rect">
             <a:avLst/>
           </a:prstGeom>
           <a:noFill/>
-          <a:ln w="9525">
-            <a:noFill/>
-            <a:miter lim="800000"/>
-            <a:headEnd/>
-            <a:tailEnd/>
-          </a:ln>
         </p:spPr>
-      </p:pic>
-      <p:pic>
-        <p:nvPicPr>
-          <p:cNvPr id="12" name="11 Imagen"/>
-          <p:cNvPicPr/>
-          <p:nvPr/>
-        </p:nvPicPr>
-        <p:blipFill>
-          <a:blip r:embed="rId6" cstate="print"/>
-          <a:srcRect l="29449" t="12568" r="29624" b="32116"/>
-          <a:stretch>
-            <a:fillRect/>
-          </a:stretch>
-        </p:blipFill>
-        <p:spPr bwMode="auto">
-          <a:xfrm>
-            <a:off x="1066800" y="2590800"/>
-            <a:ext cx="2297645" cy="1746473"/>
-          </a:xfrm>
-          <a:prstGeom prst="rect">
-            <a:avLst/>
-          </a:prstGeom>
-          <a:noFill/>
-          <a:ln w="9525">
-            <a:noFill/>
-            <a:miter lim="800000"/>
-            <a:headEnd/>
-            <a:tailEnd/>
-          </a:ln>
-        </p:spPr>
-      </p:pic>
-      <p:pic>
-        <p:nvPicPr>
-          <p:cNvPr id="13" name="12 Imagen"/>
-          <p:cNvPicPr/>
-          <p:nvPr/>
-        </p:nvPicPr>
-        <p:blipFill>
-          <a:blip r:embed="rId7" cstate="print"/>
-          <a:srcRect l="29295" t="13115" r="29569" b="31878"/>
-          <a:stretch>
-            <a:fillRect/>
-          </a:stretch>
-        </p:blipFill>
-        <p:spPr bwMode="auto">
-          <a:xfrm>
-            <a:off x="1066800" y="4343400"/>
-            <a:ext cx="2310082" cy="1736738"/>
-          </a:xfrm>
-          <a:prstGeom prst="rect">
-            <a:avLst/>
-          </a:prstGeom>
-          <a:noFill/>
-          <a:ln w="9525">
-            <a:noFill/>
-            <a:miter lim="800000"/>
-            <a:headEnd/>
-            <a:tailEnd/>
-          </a:ln>
-        </p:spPr>
-      </p:pic>
-      <p:pic>
-        <p:nvPicPr>
-          <p:cNvPr id="14" name="13 Imagen"/>
-          <p:cNvPicPr/>
-          <p:nvPr/>
-        </p:nvPicPr>
-        <p:blipFill>
-          <a:blip r:embed="rId8" cstate="print"/>
-          <a:srcRect l="29414" t="12590" r="29799" b="32310"/>
-          <a:stretch>
-            <a:fillRect/>
-          </a:stretch>
-        </p:blipFill>
-        <p:spPr bwMode="auto">
-          <a:xfrm>
-            <a:off x="4876800" y="2590800"/>
-            <a:ext cx="2139359" cy="1628666"/>
-          </a:xfrm>
-          <a:prstGeom prst="rect">
-            <a:avLst/>
-          </a:prstGeom>
-          <a:noFill/>
-          <a:ln w="9525">
-            <a:noFill/>
-            <a:miter lim="800000"/>
-            <a:headEnd/>
-            <a:tailEnd/>
-          </a:ln>
-        </p:spPr>
-      </p:pic>
-      <p:pic>
-        <p:nvPicPr>
-          <p:cNvPr id="15" name="14 Imagen"/>
-          <p:cNvPicPr/>
-          <p:nvPr/>
-        </p:nvPicPr>
-        <p:blipFill>
-          <a:blip r:embed="rId9" cstate="print"/>
-          <a:srcRect l="29574" t="13669" r="29411" b="32259"/>
-          <a:stretch>
-            <a:fillRect/>
-          </a:stretch>
-        </p:blipFill>
-        <p:spPr bwMode="auto">
-          <a:xfrm>
-            <a:off x="4876800" y="4343400"/>
-            <a:ext cx="2149992" cy="1598278"/>
-          </a:xfrm>
-          <a:prstGeom prst="rect">
-            <a:avLst/>
-          </a:prstGeom>
-          <a:noFill/>
-          <a:ln w="9525">
-            <a:noFill/>
-            <a:miter lim="800000"/>
-            <a:headEnd/>
-            <a:tailEnd/>
-          </a:ln>
-        </p:spPr>
-      </p:pic>
+        <p:txBody>
+          <a:bodyPr wrap="none" rtlCol="0">
+            <a:spAutoFit/>
+          </a:bodyPr>
+          <a:lstStyle/>
+          <a:p>
+            <a:r>
+              <a:rPr lang="en-US" dirty="0" err="1" smtClean="0"/>
+              <a:t>Arquitectura</a:t>
+            </a:r>
+            <a:r>
+              <a:rPr lang="en-US" dirty="0" smtClean="0"/>
+              <a:t> </a:t>
+            </a:r>
+            <a:r>
+              <a:rPr lang="en-US" dirty="0" err="1" smtClean="0"/>
+              <a:t>simplificada</a:t>
+            </a:r>
+            <a:endParaRPr lang="en-US" dirty="0"/>
+          </a:p>
+        </p:txBody>
+      </p:sp>
     </p:spTree>
   </p:cSld>
   <p:clrMapOvr>
@@ -8266,6 +11271,76 @@
                                   </p:childTnLst>
                                 </p:cTn>
                               </p:par>
+                              <p:par>
+                                <p:cTn id="14" presetID="10" presetClass="entr" presetSubtype="0" fill="hold" grpId="0" nodeType="withEffect">
+                                  <p:stCondLst>
+                                    <p:cond delay="0"/>
+                                  </p:stCondLst>
+                                  <p:childTnLst>
+                                    <p:set>
+                                      <p:cBhvr>
+                                        <p:cTn id="15" dur="1" fill="hold">
+                                          <p:stCondLst>
+                                            <p:cond delay="0"/>
+                                          </p:stCondLst>
+                                        </p:cTn>
+                                        <p:tgtEl>
+                                          <p:spTgt spid="18"/>
+                                        </p:tgtEl>
+                                        <p:attrNameLst>
+                                          <p:attrName>style.visibility</p:attrName>
+                                        </p:attrNameLst>
+                                      </p:cBhvr>
+                                      <p:to>
+                                        <p:strVal val="visible"/>
+                                      </p:to>
+                                    </p:set>
+                                    <p:animEffect transition="in" filter="fade">
+                                      <p:cBhvr>
+                                        <p:cTn id="16" dur="500"/>
+                                        <p:tgtEl>
+                                          <p:spTgt spid="18"/>
+                                        </p:tgtEl>
+                                      </p:cBhvr>
+                                    </p:animEffect>
+                                  </p:childTnLst>
+                                </p:cTn>
+                              </p:par>
+                              <p:par>
+                                <p:cTn id="17" presetID="10" presetClass="entr" presetSubtype="0" fill="hold" grpId="0" nodeType="withEffect">
+                                  <p:stCondLst>
+                                    <p:cond delay="0"/>
+                                  </p:stCondLst>
+                                  <p:childTnLst>
+                                    <p:set>
+                                      <p:cBhvr>
+                                        <p:cTn id="18" dur="1" fill="hold">
+                                          <p:stCondLst>
+                                            <p:cond delay="0"/>
+                                          </p:stCondLst>
+                                        </p:cTn>
+                                        <p:tgtEl>
+                                          <p:spTgt spid="21"/>
+                                        </p:tgtEl>
+                                        <p:attrNameLst>
+                                          <p:attrName>style.visibility</p:attrName>
+                                        </p:attrNameLst>
+                                      </p:cBhvr>
+                                      <p:to>
+                                        <p:strVal val="visible"/>
+                                      </p:to>
+                                    </p:set>
+                                    <p:animEffect transition="in" filter="fade">
+                                      <p:cBhvr>
+                                        <p:cTn id="19" dur="500"/>
+                                        <p:tgtEl>
+                                          <p:spTgt spid="21"/>
+                                        </p:tgtEl>
+                                      </p:cBhvr>
+                                    </p:animEffect>
+                                  </p:childTnLst>
+                                </p:cTn>
+                              </p:par>
                             </p:childTnLst>
                           </p:cTn>
                         </p:par>
@@ -8273,26 +11348,26 @@
                     </p:cTn>
                   </p:par>
                   <p:par>
-                    <p:cTn id="14" fill="hold">
+                    <p:cTn id="20" fill="hold">
                       <p:stCondLst>
                         <p:cond delay="indefinite"/>
                       </p:stCondLst>
                       <p:childTnLst>
                         <p:par>
-                          <p:cTn id="15" fill="hold">
+                          <p:cTn id="21" fill="hold">
                             <p:stCondLst>
                               <p:cond delay="0"/>
                             </p:stCondLst>
                             <p:childTnLst>
                               <p:par>
-                                <p:cTn id="16" presetID="10" presetClass="exit" presetSubtype="0" fill="hold" nodeType="clickEffect">
+                                <p:cTn id="22" presetID="10" presetClass="exit" presetSubtype="0" fill="hold" nodeType="clickEffect">
                                   <p:stCondLst>
                                     <p:cond delay="0"/>
                                   </p:stCondLst>
                                   <p:childTnLst>
                                     <p:animEffect transition="out" filter="fade">
                                       <p:cBhvr>
-                                        <p:cTn id="17" dur="500"/>
+                                        <p:cTn id="23" dur="500"/>
                                         <p:tgtEl>
                                           <p:spTgt spid="10"/>
                                         </p:tgtEl>
@@ -8300,7 +11375,7 @@
                                     </p:animEffect>
                                     <p:set>
                                       <p:cBhvr>
-                                        <p:cTn id="18" dur="1" fill="hold">
+                                        <p:cTn id="24" dur="1" fill="hold">
                                           <p:stCondLst>
                                             <p:cond delay="499"/>
                                           </p:stCondLst>
@@ -8320,14 +11395,14 @@
                                 </p:cTn>
                               </p:par>
                               <p:par>
-                                <p:cTn id="19" presetID="10" presetClass="exit" presetSubtype="0" fill="hold" nodeType="withEffect">
+                                <p:cTn id="25" presetID="10" presetClass="exit" presetSubtype="0" fill="hold" nodeType="withEffect">
                                   <p:stCondLst>
                                     <p:cond delay="0"/>
                                   </p:stCondLst>
                                   <p:childTnLst>
                                     <p:animEffect transition="out" filter="fade">
                                       <p:cBhvr>
-                                        <p:cTn id="20" dur="500"/>
+                                        <p:cTn id="26" dur="500"/>
                                         <p:tgtEl>
                                           <p:spTgt spid="11"/>
                                         </p:tgtEl>
@@ -8335,7 +11410,7 @@
                                     </p:animEffect>
                                     <p:set>
                                       <p:cBhvr>
-                                        <p:cTn id="21" dur="1" fill="hold">
+                                        <p:cTn id="27" dur="1" fill="hold">
                                           <p:stCondLst>
                                             <p:cond delay="499"/>
                                           </p:stCondLst>
@@ -8354,33 +11429,85 @@
                                   </p:childTnLst>
                                 </p:cTn>
                               </p:par>
-                            </p:childTnLst>
-                          </p:cTn>
-                        </p:par>
-                      </p:childTnLst>
-                    </p:cTn>
-                  </p:par>
-                  <p:par>
-                    <p:cTn id="22" fill="hold">
-                      <p:stCondLst>
-                        <p:cond delay="indefinite"/>
-                      </p:stCondLst>
-                      <p:childTnLst>
-                        <p:par>
-                          <p:cTn id="23" fill="hold">
-                            <p:stCondLst>
-                              <p:cond delay="0"/>
-                            </p:stCondLst>
-                            <p:childTnLst>
                               <p:par>
-                                <p:cTn id="24" presetID="10" presetClass="entr" presetSubtype="0" fill="hold" grpId="0" nodeType="clickEffect">
+                                <p:cTn id="28" presetID="10" presetClass="exit" presetSubtype="0" fill="hold" grpId="1" nodeType="withEffect">
+                                  <p:stCondLst>
+                                    <p:cond delay="0"/>
+                                  </p:stCondLst>
+                                  <p:childTnLst>
+                                    <p:animEffect transition="out" filter="fade">
+                                      <p:cBhvr>
+                                        <p:cTn id="29" dur="500"/>
+                                        <p:tgtEl>
+                                          <p:spTgt spid="18"/>
+                                        </p:tgtEl>
+                                      </p:cBhvr>
+                                    </p:animEffect>
+                                    <p:set>
+                                      <p:cBhvr>
+                                        <p:cTn id="30" dur="1" fill="hold">
+                                          <p:stCondLst>
+                                            <p:cond delay="499"/>
+                                          </p:stCondLst>
+                                        </p:cTn>
+                                        <p:tgtEl>
+                                          <p:spTgt spid="18"/>
+                                        </p:tgtEl>
+                                        <p:attrNameLst>
+                                          <p:attrName>style.visibility</p:attrName>
+                                        </p:attrNameLst>
+                                      </p:cBhvr>
+                                      <p:to>
+                                        <p:strVal val="hidden"/>
+                                      </p:to>
+                                    </p:set>
+                                  </p:childTnLst>
+                                </p:cTn>
+                              </p:par>
+                              <p:par>
+                                <p:cTn id="31" presetID="10" presetClass="exit" presetSubtype="0" fill="hold" grpId="1" nodeType="withEffect">
+                                  <p:stCondLst>
+                                    <p:cond delay="0"/>
+                                  </p:stCondLst>
+                                  <p:childTnLst>
+                                    <p:animEffect transition="out" filter="fade">
+                                      <p:cBhvr>
+                                        <p:cTn id="32" dur="500"/>
+                                        <p:tgtEl>
+                                          <p:spTgt spid="21"/>
+                                        </p:tgtEl>
+                                      </p:cBhvr>
+                                    </p:animEffect>
+                                    <p:set>
+                                      <p:cBhvr>
+                                        <p:cTn id="33" dur="1" fill="hold">
+                                          <p:stCondLst>
+                                            <p:cond delay="499"/>
+                                          </p:stCondLst>
+                                        </p:cTn>
+                                        <p:tgtEl>
+                                          <p:spTgt spid="21"/>
+                                        </p:tgtEl>
+                                        <p:attrNameLst>
+                                          <p:attrName>style.visibility</p:attrName>
+                                        </p:attrNameLst>
+                                      </p:cBhvr>
+                                      <p:to>
+                                        <p:strVal val="hidden"/>
+                                      </p:to>
+                                    </p:set>
+                                  </p:childTnLst>
+                                </p:cTn>
+                              </p:par>
+                              <p:par>
+                                <p:cTn id="34" presetID="10" presetClass="entr" presetSubtype="0" fill="hold" grpId="0" nodeType="withEffect">
                                   <p:stCondLst>
                                     <p:cond delay="0"/>
                                   </p:stCondLst>
                                   <p:childTnLst>
                                     <p:set>
                                       <p:cBhvr>
-                                        <p:cTn id="25" dur="1" fill="hold">
+                                        <p:cTn id="35" dur="1" fill="hold">
                                           <p:stCondLst>
                                             <p:cond delay="0"/>
                                           </p:stCondLst>
@@ -8402,7 +11529,7 @@
                                     </p:set>
                                     <p:animEffect transition="in" filter="fade">
                                       <p:cBhvr>
-                                        <p:cTn id="26" dur="500"/>
+                                        <p:cTn id="36" dur="500"/>
                                         <p:tgtEl>
                                           <p:spTgt spid="3">
                                             <p:txEl>
@@ -8416,14 +11543,14 @@
                                 </p:cTn>
                               </p:par>
                               <p:par>
-                                <p:cTn id="27" presetID="10" presetClass="entr" presetSubtype="0" fill="hold" nodeType="withEffect">
+                                <p:cTn id="37" presetID="10" presetClass="entr" presetSubtype="0" fill="hold" nodeType="withEffect">
                                   <p:stCondLst>
                                     <p:cond delay="0"/>
                                   </p:stCondLst>
                                   <p:childTnLst>
                                     <p:set>
                                       <p:cBhvr>
-                                        <p:cTn id="28" dur="1" fill="hold">
+                                        <p:cTn id="38" dur="1" fill="hold">
                                           <p:stCondLst>
                                             <p:cond delay="0"/>
                                           </p:stCondLst>
@@ -8441,7 +11568,7 @@
                                     </p:set>
                                     <p:animEffect transition="in" filter="fade">
                                       <p:cBhvr>
-                                        <p:cTn id="29" dur="500"/>
+                                        <p:cTn id="39" dur="500"/>
                                         <p:tgtEl>
                                           <p:spTgt spid="12"/>
                                         </p:tgtEl>
@@ -8451,14 +11578,14 @@
                                 </p:cTn>
                               </p:par>
                               <p:par>
-                                <p:cTn id="30" presetID="10" presetClass="entr" presetSubtype="0" fill="hold" nodeType="withEffect">
+                                <p:cTn id="40" presetID="10" presetClass="entr" presetSubtype="0" fill="hold" nodeType="withEffect">
                                   <p:stCondLst>
                                     <p:cond delay="0"/>
                                   </p:stCondLst>
                                   <p:childTnLst>
                                     <p:set>
                                       <p:cBhvr>
-                                        <p:cTn id="31" dur="1" fill="hold">
+                                        <p:cTn id="41" dur="1" fill="hold">
                                           <p:stCondLst>
                                             <p:cond delay="0"/>
                                           </p:stCondLst>
@@ -8476,7 +11603,7 @@
                                     </p:set>
                                     <p:animEffect transition="in" filter="fade">
                                       <p:cBhvr>
-                                        <p:cTn id="32" dur="500"/>
+                                        <p:cTn id="42" dur="500"/>
                                         <p:tgtEl>
                                           <p:spTgt spid="13"/>
                                         </p:tgtEl>
@@ -8486,14 +11613,14 @@
                                 </p:cTn>
                               </p:par>
                               <p:par>
-                                <p:cTn id="33" presetID="10" presetClass="entr" presetSubtype="0" fill="hold" nodeType="withEffect">
+                                <p:cTn id="43" presetID="10" presetClass="entr" presetSubtype="0" fill="hold" nodeType="withEffect">
                                   <p:stCondLst>
                                     <p:cond delay="0"/>
                                   </p:stCondLst>
                                   <p:childTnLst>
                                     <p:set>
                                       <p:cBhvr>
-                                        <p:cTn id="34" dur="1" fill="hold">
+                                        <p:cTn id="44" dur="1" fill="hold">
                                           <p:stCondLst>
                                             <p:cond delay="0"/>
                                           </p:stCondLst>
@@ -8511,7 +11638,7 @@
                                     </p:set>
                                     <p:animEffect transition="in" filter="fade">
                                       <p:cBhvr>
-                                        <p:cTn id="35" dur="500"/>
+                                        <p:cTn id="45" dur="500"/>
                                         <p:tgtEl>
                                           <p:spTgt spid="14"/>
                                         </p:tgtEl>
@@ -8521,14 +11648,14 @@
                                 </p:cTn>
                               </p:par>
                               <p:par>
-                                <p:cTn id="36" presetID="10" presetClass="entr" presetSubtype="0" fill="hold" nodeType="withEffect">
+                                <p:cTn id="46" presetID="10" presetClass="entr" presetSubtype="0" fill="hold" nodeType="withEffect">
                                   <p:stCondLst>
                                     <p:cond delay="0"/>
                                   </p:stCondLst>
                                   <p:childTnLst>
                                     <p:set>
                                       <p:cBhvr>
-                                        <p:cTn id="37" dur="1" fill="hold">
+                                        <p:cTn id="47" dur="1" fill="hold">
                                           <p:stCondLst>
                                             <p:cond delay="0"/>
                                           </p:stCondLst>
@@ -8546,9 +11673,87 @@
                                     </p:set>
                                     <p:animEffect transition="in" filter="fade">
                                       <p:cBhvr>
-                                        <p:cTn id="38" dur="500"/>
+                                        <p:cTn id="48" dur="500"/>
                                         <p:tgtEl>
                                           <p:spTgt spid="15"/>
+                                        </p:tgtEl>
+                                      </p:cBhvr>
+                                    </p:animEffect>
+                                  </p:childTnLst>
+                                </p:cTn>
+                              </p:par>
+                              <p:par>
+                                <p:cTn id="49" presetID="10" presetClass="entr" presetSubtype="0" fill="hold" grpId="0" nodeType="withEffect">
+                                  <p:stCondLst>
+                                    <p:cond delay="0"/>
+                                  </p:stCondLst>
+                                  <p:childTnLst>
+                                    <p:set>
+                                      <p:cBhvr>
+                                        <p:cTn id="50" dur="1" fill="hold">
+                                          <p:stCondLst>
+                                            <p:cond delay="0"/>
+                                          </p:stCondLst>
+                                        </p:cTn>
+                                        <p:tgtEl>
+                                          <p:spTgt spid="19"/>
+                                        </p:tgtEl>
+                                        <p:attrNameLst>
+                                          <p:attrName>style.visibility</p:attrName>
+                                        </p:attrNameLst>
+                                      </p:cBhvr>
+                                      <p:to>
+                                        <p:strVal val="visible"/>
+                                      </p:to>
+                                    </p:set>
+                                    <p:animEffect transition="in" filter="fade">
+                                      <p:cBhvr>
+                                        <p:cTn id="51" dur="500"/>
+                                        <p:tgtEl>
+                                          <p:spTgt spid="19"/>
+                                        </p:tgtEl>
+                                      </p:cBhvr>
+                                    </p:animEffect>
+                                  </p:childTnLst>
+                                </p:cTn>
+                              </p:par>
+                              <p:par>
+                                <p:cTn id="52" presetID="10" presetClass="entr" presetSubtype="0" fill="hold" nodeType="withEffect">
+                                  <p:stCondLst>
+                                    <p:cond delay="0"/>
+                                  </p:stCondLst>
+                                  <p:childTnLst>
+                                    <p:set>
+                                      <p:cBhvr>
+                                        <p:cTn id="53" dur="1" fill="hold">
+                                          <p:stCondLst>
+                                            <p:cond delay="0"/>
+                                          </p:stCondLst>
+                                        </p:cTn>
+                                        <p:tgtEl>
+                                          <p:spTgt spid="20">
+                                            <p:txEl>
+                                              <p:pRg st="0" end="0"/>
+                                            </p:txEl>
+                                          </p:spTgt>
+                                        </p:tgtEl>
+                                        <p:attrNameLst>
+                                          <p:attrName>style.visibility</p:attrName>
+                                        </p:attrNameLst>
+                                      </p:cBhvr>
+                                      <p:to>
+                                        <p:strVal val="visible"/>
+                                      </p:to>
+                                    </p:set>
+                                    <p:animEffect transition="in" filter="fade">
+                                      <p:cBhvr>
+                                        <p:cTn id="54" dur="500"/>
+                                        <p:tgtEl>
+                                          <p:spTgt spid="20">
+                                            <p:txEl>
+                                              <p:pRg st="0" end="0"/>
+                                            </p:txEl>
+                                          </p:spTgt>
                                         </p:tgtEl>
                                       </p:cBhvr>
                                     </p:animEffect>
@@ -8583,7 +11788,12 @@
       </p:par>
     </p:tnLst>
     <p:bldLst>
+      <p:bldP spid="19" grpId="0"/>
       <p:bldP spid="3" grpId="0" uiExpand="1" build="p"/>
+      <p:bldP spid="18" grpId="0"/>
+      <p:bldP spid="18" grpId="1"/>
+      <p:bldP spid="21" grpId="0"/>
+      <p:bldP spid="21" grpId="1"/>
     </p:bldLst>
   </p:timing>
 </p:sld>
@@ -8606,29 +11816,6 @@
           <a:chExt cx="0" cy="0"/>
         </a:xfrm>
       </p:grpSpPr>
-      <p:pic>
-        <p:nvPicPr>
-          <p:cNvPr id="10" name="20 Imagen" descr="Captura_rqt_graph.png"/>
-          <p:cNvPicPr/>
-          <p:nvPr/>
-        </p:nvPicPr>
-        <p:blipFill>
-          <a:blip r:embed="rId2" cstate="print"/>
-          <a:srcRect l="909" t="44411" r="909" b="29607"/>
-          <a:stretch>
-            <a:fillRect/>
-          </a:stretch>
-        </p:blipFill>
-        <p:spPr>
-          <a:xfrm>
-            <a:off x="533400" y="4495800"/>
-            <a:ext cx="8229600" cy="1447800"/>
-          </a:xfrm>
-          <a:prstGeom prst="rect">
-            <a:avLst/>
-          </a:prstGeom>
-        </p:spPr>
-      </p:pic>
       <p:sp>
         <p:nvSpPr>
           <p:cNvPr id="6" name="5 Rectángulo"/>
@@ -8790,7 +11977,7 @@
           <p:nvPr/>
         </p:nvPicPr>
         <p:blipFill>
-          <a:blip r:embed="rId3" cstate="print"/>
+          <a:blip r:embed="rId2" cstate="print"/>
           <a:srcRect/>
           <a:stretch>
             <a:fillRect/>
@@ -8873,7 +12060,7 @@
           <p:nvPr/>
         </p:nvPicPr>
         <p:blipFill>
-          <a:blip r:embed="rId4" cstate="print"/>
+          <a:blip r:embed="rId3" cstate="print"/>
           <a:srcRect l="28865" t="58609" r="29345" b="40202"/>
           <a:stretch>
             <a:fillRect/>
@@ -8923,6 +12110,30 @@
               <a:t>Estabilización de un cuadricóptero mediante un algoritmo Proporcional-Integral-Derivativo</a:t>
             </a:r>
             <a:endParaRPr lang="es-VE" sz="900" dirty="0"/>
+          </a:p>
+        </p:txBody>
+      </p:sp>
+      <p:sp>
+        <p:nvSpPr>
+          <p:cNvPr id="11" name="10 Marcador de número de diapositiva"/>
+          <p:cNvSpPr>
+            <a:spLocks noGrp="1"/>
+          </p:cNvSpPr>
+          <p:nvPr>
+            <p:ph type="sldNum" sz="quarter" idx="12"/>
+          </p:nvPr>
+        </p:nvSpPr>
+        <p:spPr/>
+        <p:txBody>
+          <a:bodyPr/>
+          <a:lstStyle/>
+          <a:p>
+            <a:fld id="{CB315E90-48A1-450A-9464-03C990911FB5}" type="slidenum">
+              <a:rPr lang="es-ES" smtClean="0"/>
+              <a:pPr/>
+              <a:t>16</a:t>
+            </a:fld>
+            <a:endParaRPr lang="es-ES"/>
           </a:p>
         </p:txBody>
       </p:sp>
@@ -9224,41 +12435,6 @@
                                   </p:childTnLst>
                                 </p:cTn>
                               </p:par>
-                              <p:par>
-                                <p:cTn id="26" presetID="10" presetClass="entr" presetSubtype="0" fill="hold" nodeType="withEffect">
-                                  <p:stCondLst>
-                                    <p:cond delay="0"/>
-                                  </p:stCondLst>
-                                  <p:childTnLst>
-                                    <p:set>
-                                      <p:cBhvr>
-                                        <p:cTn id="27" dur="1" fill="hold">
-                                          <p:stCondLst>
-                                            <p:cond delay="0"/>
-                                          </p:stCondLst>
-                                        </p:cTn>
-                                        <p:tgtEl>
-                                          <p:spTgt spid="10"/>
-                                        </p:tgtEl>
-                                        <p:attrNameLst>
-                                          <p:attrName>style.visibility</p:attrName>
-                                        </p:attrNameLst>
-                                      </p:cBhvr>
-                                      <p:to>
-                                        <p:strVal val="visible"/>
-                                      </p:to>
-                                    </p:set>
-                                    <p:animEffect transition="in" filter="fade">
-                                      <p:cBhvr>
-                                        <p:cTn id="28" dur="500"/>
-                                        <p:tgtEl>
-                                          <p:spTgt spid="10"/>
-                                        </p:tgtEl>
-                                      </p:cBhvr>
-                                    </p:animEffect>
-                                  </p:childTnLst>
-                                </p:cTn>
-                              </p:par>
                             </p:childTnLst>
                           </p:cTn>
                         </p:par>
@@ -9580,6 +12756,54 @@
               <a:t>Estabilización de un cuadricóptero mediante un algoritmo Proporcional-Integral-Derivativo</a:t>
             </a:r>
             <a:endParaRPr lang="es-VE" sz="900" dirty="0"/>
+          </a:p>
+        </p:txBody>
+      </p:sp>
+      <p:pic>
+        <p:nvPicPr>
+          <p:cNvPr id="10" name="9 Imagen"/>
+          <p:cNvPicPr/>
+          <p:nvPr/>
+        </p:nvPicPr>
+        <p:blipFill>
+          <a:blip r:embed="rId4" cstate="print"/>
+          <a:srcRect/>
+          <a:stretch>
+            <a:fillRect/>
+          </a:stretch>
+        </p:blipFill>
+        <p:spPr bwMode="auto">
+          <a:xfrm>
+            <a:off x="2667000" y="4114800"/>
+            <a:ext cx="3804285" cy="1122045"/>
+          </a:xfrm>
+          <a:prstGeom prst="rect">
+            <a:avLst/>
+          </a:prstGeom>
+          <a:noFill/>
+        </p:spPr>
+      </p:pic>
+      <p:sp>
+        <p:nvSpPr>
+          <p:cNvPr id="12" name="11 Marcador de número de diapositiva"/>
+          <p:cNvSpPr>
+            <a:spLocks noGrp="1"/>
+          </p:cNvSpPr>
+          <p:nvPr>
+            <p:ph type="sldNum" sz="quarter" idx="12"/>
+          </p:nvPr>
+        </p:nvSpPr>
+        <p:spPr/>
+        <p:txBody>
+          <a:bodyPr/>
+          <a:lstStyle/>
+          <a:p>
+            <a:fld id="{CB315E90-48A1-450A-9464-03C990911FB5}" type="slidenum">
+              <a:rPr lang="es-ES" smtClean="0"/>
+              <a:pPr/>
+              <a:t>17</a:t>
+            </a:fld>
+            <a:endParaRPr lang="es-ES"/>
           </a:p>
         </p:txBody>
       </p:sp>
@@ -9655,15 +12879,33 @@
                                   </p:childTnLst>
                                 </p:cTn>
                               </p:par>
+                            </p:childTnLst>
+                          </p:cTn>
+                        </p:par>
+                      </p:childTnLst>
+                    </p:cTn>
+                  </p:par>
+                  <p:par>
+                    <p:cTn id="8" fill="hold">
+                      <p:stCondLst>
+                        <p:cond delay="indefinite"/>
+                      </p:stCondLst>
+                      <p:childTnLst>
+                        <p:par>
+                          <p:cTn id="9" fill="hold">
+                            <p:stCondLst>
+                              <p:cond delay="0"/>
+                            </p:stCondLst>
+                            <p:childTnLst>
                               <p:par>
-                                <p:cTn id="8" presetID="10" presetClass="entr" presetSubtype="0" fill="hold" grpId="0" nodeType="withEffect">
+                                <p:cTn id="10" presetID="10" presetClass="entr" presetSubtype="0" fill="hold" grpId="0" nodeType="clickEffect">
                                   <p:stCondLst>
                                     <p:cond delay="0"/>
                                   </p:stCondLst>
                                   <p:childTnLst>
                                     <p:set>
                                       <p:cBhvr>
-                                        <p:cTn id="9" dur="1" fill="hold">
+                                        <p:cTn id="11" dur="1" fill="hold">
                                           <p:stCondLst>
                                             <p:cond delay="0"/>
                                           </p:stCondLst>
@@ -9685,7 +12927,7 @@
                                     </p:set>
                                     <p:animEffect transition="in" filter="fade">
                                       <p:cBhvr>
-                                        <p:cTn id="10" dur="500"/>
+                                        <p:cTn id="12" dur="500"/>
                                         <p:tgtEl>
                                           <p:spTgt spid="3">
                                             <p:txEl>
@@ -9702,20 +12944,20 @@
                           </p:cTn>
                         </p:par>
                         <p:par>
-                          <p:cTn id="11" fill="hold">
+                          <p:cTn id="13" fill="hold">
                             <p:stCondLst>
                               <p:cond delay="500"/>
                             </p:stCondLst>
                             <p:childTnLst>
                               <p:par>
-                                <p:cTn id="12" presetID="10" presetClass="entr" presetSubtype="0" fill="hold" grpId="0" nodeType="afterEffect">
+                                <p:cTn id="14" presetID="10" presetClass="entr" presetSubtype="0" fill="hold" grpId="0" nodeType="afterEffect">
                                   <p:stCondLst>
                                     <p:cond delay="0"/>
                                   </p:stCondLst>
                                   <p:childTnLst>
                                     <p:set>
                                       <p:cBhvr>
-                                        <p:cTn id="13" dur="1" fill="hold">
+                                        <p:cTn id="15" dur="1" fill="hold">
                                           <p:stCondLst>
                                             <p:cond delay="0"/>
                                           </p:stCondLst>
@@ -9737,13 +12979,48 @@
                                     </p:set>
                                     <p:animEffect transition="in" filter="fade">
                                       <p:cBhvr>
-                                        <p:cTn id="14" dur="500"/>
+                                        <p:cTn id="16" dur="500"/>
                                         <p:tgtEl>
                                           <p:spTgt spid="3">
                                             <p:txEl>
                                               <p:pRg st="2" end="2"/>
                                             </p:txEl>
                                           </p:spTgt>
+                                        </p:tgtEl>
+                                      </p:cBhvr>
+                                    </p:animEffect>
+                                  </p:childTnLst>
+                                </p:cTn>
+                              </p:par>
+                              <p:par>
+                                <p:cTn id="17" presetID="10" presetClass="entr" presetSubtype="0" fill="hold" nodeType="withEffect">
+                                  <p:stCondLst>
+                                    <p:cond delay="0"/>
+                                  </p:stCondLst>
+                                  <p:childTnLst>
+                                    <p:set>
+                                      <p:cBhvr>
+                                        <p:cTn id="18" dur="1" fill="hold">
+                                          <p:stCondLst>
+                                            <p:cond delay="0"/>
+                                          </p:stCondLst>
+                                        </p:cTn>
+                                        <p:tgtEl>
+                                          <p:spTgt spid="10"/>
+                                        </p:tgtEl>
+                                        <p:attrNameLst>
+                                          <p:attrName>style.visibility</p:attrName>
+                                        </p:attrNameLst>
+                                      </p:cBhvr>
+                                      <p:to>
+                                        <p:strVal val="visible"/>
+                                      </p:to>
+                                    </p:set>
+                                    <p:animEffect transition="in" filter="fade">
+                                      <p:cBhvr>
+                                        <p:cTn id="19" dur="500"/>
+                                        <p:tgtEl>
+                                          <p:spTgt spid="10"/>
                                         </p:tgtEl>
                                       </p:cBhvr>
                                     </p:animEffect>
@@ -9757,26 +13034,61 @@
                     </p:cTn>
                   </p:par>
                   <p:par>
-                    <p:cTn id="15" fill="hold">
+                    <p:cTn id="20" fill="hold">
                       <p:stCondLst>
                         <p:cond delay="indefinite"/>
                       </p:stCondLst>
                       <p:childTnLst>
                         <p:par>
-                          <p:cTn id="16" fill="hold">
+                          <p:cTn id="21" fill="hold">
                             <p:stCondLst>
                               <p:cond delay="0"/>
                             </p:stCondLst>
                             <p:childTnLst>
                               <p:par>
-                                <p:cTn id="17" presetID="10" presetClass="entr" presetSubtype="0" fill="hold" grpId="0" nodeType="clickEffect">
+                                <p:cTn id="22" presetID="10" presetClass="exit" presetSubtype="0" fill="hold" nodeType="clickEffect">
+                                  <p:stCondLst>
+                                    <p:cond delay="0"/>
+                                  </p:stCondLst>
+                                  <p:childTnLst>
+                                    <p:animEffect transition="out" filter="fade">
+                                      <p:cBhvr>
+                                        <p:cTn id="23" dur="500"/>
+                                        <p:tgtEl>
+                                          <p:spTgt spid="10"/>
+                                        </p:tgtEl>
+                                      </p:cBhvr>
+                                    </p:animEffect>
+                                    <p:set>
+                                      <p:cBhvr>
+                                        <p:cTn id="24" dur="1" fill="hold">
+                                          <p:stCondLst>
+                                            <p:cond delay="499"/>
+                                          </p:stCondLst>
+                                        </p:cTn>
+                                        <p:tgtEl>
+                                          <p:spTgt spid="10"/>
+                                        </p:tgtEl>
+                                        <p:attrNameLst>
+                                          <p:attrName>style.visibility</p:attrName>
+                                        </p:attrNameLst>
+                                      </p:cBhvr>
+                                      <p:to>
+                                        <p:strVal val="hidden"/>
+                                      </p:to>
+                                    </p:set>
+                                  </p:childTnLst>
+                                </p:cTn>
+                              </p:par>
+                              <p:par>
+                                <p:cTn id="25" presetID="10" presetClass="entr" presetSubtype="0" fill="hold" grpId="0" nodeType="withEffect">
                                   <p:stCondLst>
                                     <p:cond delay="0"/>
                                   </p:stCondLst>
                                   <p:childTnLst>
                                     <p:set>
                                       <p:cBhvr>
-                                        <p:cTn id="18" dur="1" fill="hold">
+                                        <p:cTn id="26" dur="1" fill="hold">
                                           <p:stCondLst>
                                             <p:cond delay="0"/>
                                           </p:stCondLst>
@@ -9798,7 +13110,7 @@
                                     </p:set>
                                     <p:animEffect transition="in" filter="fade">
                                       <p:cBhvr>
-                                        <p:cTn id="19" dur="500"/>
+                                        <p:cTn id="27" dur="500"/>
                                         <p:tgtEl>
                                           <p:spTgt spid="3">
                                             <p:txEl>
@@ -10178,6 +13490,30 @@
           </a:p>
         </p:txBody>
       </p:sp>
+      <p:sp>
+        <p:nvSpPr>
+          <p:cNvPr id="11" name="10 Marcador de número de diapositiva"/>
+          <p:cNvSpPr>
+            <a:spLocks noGrp="1"/>
+          </p:cNvSpPr>
+          <p:nvPr>
+            <p:ph type="sldNum" sz="quarter" idx="12"/>
+          </p:nvPr>
+        </p:nvSpPr>
+        <p:spPr/>
+        <p:txBody>
+          <a:bodyPr/>
+          <a:lstStyle/>
+          <a:p>
+            <a:fld id="{CB315E90-48A1-450A-9464-03C990911FB5}" type="slidenum">
+              <a:rPr lang="es-ES" smtClean="0"/>
+              <a:pPr/>
+              <a:t>18</a:t>
+            </a:fld>
+            <a:endParaRPr lang="es-ES"/>
+          </a:p>
+        </p:txBody>
+      </p:sp>
     </p:spTree>
   </p:cSld>
   <p:clrMapOvr>
@@ -10304,7 +13640,7 @@
         </p:spPr>
         <p:txBody>
           <a:bodyPr>
-            <a:normAutofit fontScale="92500" lnSpcReduction="20000"/>
+            <a:normAutofit fontScale="77500" lnSpcReduction="20000"/>
           </a:bodyPr>
           <a:lstStyle/>
           <a:p>
@@ -10320,7 +13656,11 @@
             </a:pPr>
             <a:r>
               <a:rPr lang="es-VE" dirty="0" smtClean="0"/>
-              <a:t>Metodología.</a:t>
+              <a:t>Elección </a:t>
+            </a:r>
+            <a:r>
+              <a:rPr lang="es-VE" dirty="0" smtClean="0"/>
+              <a:t>acertada sobre la metodología.</a:t>
             </a:r>
           </a:p>
           <a:p>
@@ -10338,8 +13678,13 @@
             </a:r>
             <a:r>
               <a:rPr lang="es-VE" dirty="0" smtClean="0"/>
-              <a:t> Nano.</a:t>
-            </a:r>
+              <a:t> </a:t>
+            </a:r>
+            <a:r>
+              <a:rPr lang="es-VE" dirty="0" smtClean="0"/>
+              <a:t>Nano confiable pero con limitaciones.</a:t>
+            </a:r>
+            <a:endParaRPr lang="es-VE" dirty="0" smtClean="0"/>
           </a:p>
           <a:p>
             <a:pPr marL="971550" lvl="1" indent="-514350" algn="just">
@@ -10358,8 +13703,13 @@
             </a:pPr>
             <a:r>
               <a:rPr lang="es-VE" dirty="0" smtClean="0"/>
-              <a:t>Vibraciones mecánicas.</a:t>
-            </a:r>
+              <a:t>Efecto negativo de v</a:t>
+            </a:r>
+            <a:r>
+              <a:rPr lang="es-VE" dirty="0" smtClean="0"/>
+              <a:t>ibraciones mecánicas sobre estimación de estado.</a:t>
+            </a:r>
+            <a:endParaRPr lang="es-VE" dirty="0" smtClean="0"/>
           </a:p>
           <a:p>
             <a:pPr marL="971550" lvl="1" indent="-514350" algn="just">
@@ -10368,7 +13718,11 @@
             </a:pPr>
             <a:r>
               <a:rPr lang="es-VE" dirty="0" smtClean="0"/>
-              <a:t>Efectos de las </a:t>
+              <a:t>Efecto negativo </a:t>
+            </a:r>
+            <a:r>
+              <a:rPr lang="es-VE" dirty="0" smtClean="0"/>
+              <a:t>de las </a:t>
             </a:r>
             <a:r>
               <a:rPr lang="es-VE" dirty="0" err="1" smtClean="0"/>
@@ -10569,6 +13923,30 @@
               <a:t>Estabilización de un cuadricóptero mediante un algoritmo Proporcional-Integral-Derivativo</a:t>
             </a:r>
             <a:endParaRPr lang="es-VE" sz="900" dirty="0"/>
+          </a:p>
+        </p:txBody>
+      </p:sp>
+      <p:sp>
+        <p:nvSpPr>
+          <p:cNvPr id="11" name="10 Marcador de número de diapositiva"/>
+          <p:cNvSpPr>
+            <a:spLocks noGrp="1"/>
+          </p:cNvSpPr>
+          <p:nvPr>
+            <p:ph type="sldNum" sz="quarter" idx="12"/>
+          </p:nvPr>
+        </p:nvSpPr>
+        <p:spPr/>
+        <p:txBody>
+          <a:bodyPr/>
+          <a:lstStyle/>
+          <a:p>
+            <a:fld id="{CB315E90-48A1-450A-9464-03C990911FB5}" type="slidenum">
+              <a:rPr lang="es-ES" smtClean="0"/>
+              <a:pPr/>
+              <a:t>19</a:t>
+            </a:fld>
+            <a:endParaRPr lang="es-ES"/>
           </a:p>
         </p:txBody>
       </p:sp>
@@ -11314,7 +14692,7 @@
           <p:nvPr/>
         </p:nvPicPr>
         <p:blipFill>
-          <a:blip r:embed="rId2" cstate="print"/>
+          <a:blip r:embed="rId3" cstate="print"/>
           <a:srcRect/>
           <a:stretch>
             <a:fillRect/>
@@ -11397,7 +14775,7 @@
           <p:nvPr/>
         </p:nvPicPr>
         <p:blipFill>
-          <a:blip r:embed="rId3" cstate="print"/>
+          <a:blip r:embed="rId4" cstate="print"/>
           <a:srcRect l="28865" t="58609" r="29345" b="40202"/>
           <a:stretch>
             <a:fillRect/>
@@ -11447,6 +14825,30 @@
               <a:t>Estabilización de un cuadricóptero mediante un algoritmo Proporcional-Integral-Derivativo</a:t>
             </a:r>
             <a:endParaRPr lang="es-VE" sz="900" dirty="0"/>
+          </a:p>
+        </p:txBody>
+      </p:sp>
+      <p:sp>
+        <p:nvSpPr>
+          <p:cNvPr id="11" name="10 Marcador de número de diapositiva"/>
+          <p:cNvSpPr>
+            <a:spLocks noGrp="1"/>
+          </p:cNvSpPr>
+          <p:nvPr>
+            <p:ph type="sldNum" sz="quarter" idx="12"/>
+          </p:nvPr>
+        </p:nvSpPr>
+        <p:spPr/>
+        <p:txBody>
+          <a:bodyPr/>
+          <a:lstStyle/>
+          <a:p>
+            <a:fld id="{CB315E90-48A1-450A-9464-03C990911FB5}" type="slidenum">
+              <a:rPr lang="es-ES" smtClean="0"/>
+              <a:pPr/>
+              <a:t>2</a:t>
+            </a:fld>
+            <a:endParaRPr lang="es-ES"/>
           </a:p>
         </p:txBody>
       </p:sp>
@@ -11651,33 +15053,15 @@
                                   </p:childTnLst>
                                 </p:cTn>
                               </p:par>
-                            </p:childTnLst>
-                          </p:cTn>
-                        </p:par>
-                      </p:childTnLst>
-                    </p:cTn>
-                  </p:par>
-                  <p:par>
-                    <p:cTn id="17" fill="hold">
-                      <p:stCondLst>
-                        <p:cond delay="indefinite"/>
-                      </p:stCondLst>
-                      <p:childTnLst>
-                        <p:par>
-                          <p:cTn id="18" fill="hold">
-                            <p:stCondLst>
-                              <p:cond delay="0"/>
-                            </p:stCondLst>
-                            <p:childTnLst>
                               <p:par>
-                                <p:cTn id="19" presetID="10" presetClass="entr" presetSubtype="0" fill="hold" grpId="0" nodeType="clickEffect">
+                                <p:cTn id="17" presetID="10" presetClass="entr" presetSubtype="0" fill="hold" grpId="0" nodeType="withEffect">
                                   <p:stCondLst>
                                     <p:cond delay="0"/>
                                   </p:stCondLst>
                                   <p:childTnLst>
                                     <p:set>
                                       <p:cBhvr>
-                                        <p:cTn id="20" dur="1" fill="hold">
+                                        <p:cTn id="18" dur="1" fill="hold">
                                           <p:stCondLst>
                                             <p:cond delay="0"/>
                                           </p:stCondLst>
@@ -11699,7 +15083,7 @@
                                     </p:set>
                                     <p:animEffect transition="in" filter="fade">
                                       <p:cBhvr>
-                                        <p:cTn id="21" dur="500"/>
+                                        <p:cTn id="19" dur="500"/>
                                         <p:tgtEl>
                                           <p:spTgt spid="3">
                                             <p:txEl>
@@ -11713,14 +15097,14 @@
                                 </p:cTn>
                               </p:par>
                               <p:par>
-                                <p:cTn id="22" presetID="10" presetClass="entr" presetSubtype="0" fill="hold" grpId="0" nodeType="withEffect">
+                                <p:cTn id="20" presetID="10" presetClass="entr" presetSubtype="0" fill="hold" grpId="0" nodeType="withEffect">
                                   <p:stCondLst>
                                     <p:cond delay="0"/>
                                   </p:stCondLst>
                                   <p:childTnLst>
                                     <p:set>
                                       <p:cBhvr>
-                                        <p:cTn id="23" dur="1" fill="hold">
+                                        <p:cTn id="21" dur="1" fill="hold">
                                           <p:stCondLst>
                                             <p:cond delay="0"/>
                                           </p:stCondLst>
@@ -11742,7 +15126,7 @@
                                     </p:set>
                                     <p:animEffect transition="in" filter="fade">
                                       <p:cBhvr>
-                                        <p:cTn id="24" dur="500"/>
+                                        <p:cTn id="22" dur="500"/>
                                         <p:tgtEl>
                                           <p:spTgt spid="3">
                                             <p:txEl>
@@ -11915,7 +15299,15 @@
             </a:pPr>
             <a:r>
               <a:rPr lang="es-VE" dirty="0" smtClean="0"/>
-              <a:t>Chasis que limite generación y propagación de vibraciones mecánicas.</a:t>
+              <a:t>Cambiar o mejorar el c</a:t>
+            </a:r>
+            <a:r>
+              <a:rPr lang="es-VE" dirty="0" smtClean="0"/>
+              <a:t>hasis para limitar </a:t>
+            </a:r>
+            <a:r>
+              <a:rPr lang="es-VE" dirty="0" smtClean="0"/>
+              <a:t>generación y propagación de vibraciones mecánicas.</a:t>
             </a:r>
           </a:p>
           <a:p>
@@ -11925,7 +15317,23 @@
             </a:pPr>
             <a:r>
               <a:rPr lang="es-VE" dirty="0" smtClean="0"/>
-              <a:t>Comunicación entre unidades de control con las interfaces de comando remoto y telemetría.</a:t>
+              <a:t>Reutilizar y </a:t>
+            </a:r>
+            <a:r>
+              <a:rPr lang="es-VE" smtClean="0"/>
+              <a:t>mejorar la </a:t>
+            </a:r>
+            <a:r>
+              <a:rPr lang="es-VE" dirty="0" smtClean="0"/>
+              <a:t>interfaz de comunicación</a:t>
+            </a:r>
+            <a:r>
+              <a:rPr lang="es-VE" dirty="0" smtClean="0"/>
+              <a:t> </a:t>
+            </a:r>
+            <a:r>
+              <a:rPr lang="es-VE" dirty="0" smtClean="0"/>
+              <a:t>entre unidades de control con las interfaces de comando remoto y telemetría.</a:t>
             </a:r>
           </a:p>
           <a:p>
@@ -11935,7 +15343,11 @@
             </a:pPr>
             <a:r>
               <a:rPr lang="es-VE" dirty="0" smtClean="0"/>
-              <a:t>Mejora diseño circuito de lógica, sensores y comunicación.</a:t>
+              <a:t>Mejorar el </a:t>
+            </a:r>
+            <a:r>
+              <a:rPr lang="es-VE" dirty="0" smtClean="0"/>
+              <a:t>diseño circuito de lógica, sensores y comunicación.</a:t>
             </a:r>
           </a:p>
           <a:p>
@@ -11945,7 +15357,11 @@
             </a:pPr>
             <a:r>
               <a:rPr lang="es-VE" dirty="0" smtClean="0"/>
-              <a:t>Mejora algoritmo de estimación de posición angular para vuelo acrobático.</a:t>
+              <a:t>Mejorar el </a:t>
+            </a:r>
+            <a:r>
+              <a:rPr lang="es-VE" dirty="0" smtClean="0"/>
+              <a:t>algoritmo de estimación de posición angular para vuelo acrobático.</a:t>
             </a:r>
           </a:p>
           <a:p>
@@ -11955,7 +15371,11 @@
             </a:pPr>
             <a:r>
               <a:rPr lang="es-VE" dirty="0" smtClean="0"/>
-              <a:t>Complemento estimación de posición angular </a:t>
+              <a:t>Complementar </a:t>
+            </a:r>
+            <a:r>
+              <a:rPr lang="es-VE" dirty="0" smtClean="0"/>
+              <a:t>estimación de posición angular </a:t>
             </a:r>
             <a:r>
               <a:rPr lang="es-VE" dirty="0" err="1" smtClean="0"/>
@@ -11973,8 +15393,17 @@
             </a:pPr>
             <a:r>
               <a:rPr lang="es-VE" dirty="0" smtClean="0"/>
-              <a:t>Control de velocidad independiente para motores</a:t>
-            </a:r>
+              <a:t>Usar un control </a:t>
+            </a:r>
+            <a:r>
+              <a:rPr lang="es-VE" dirty="0" smtClean="0"/>
+              <a:t>de velocidad independiente para motores</a:t>
+            </a:r>
+            <a:r>
+              <a:rPr lang="es-VE" dirty="0" smtClean="0"/>
+              <a:t>.</a:t>
+            </a:r>
+            <a:endParaRPr lang="es-VE" dirty="0" smtClean="0"/>
           </a:p>
           <a:p>
             <a:pPr marL="971550" lvl="1" indent="-514350" algn="just">
@@ -11983,8 +15412,17 @@
             </a:pPr>
             <a:r>
               <a:rPr lang="es-VE" dirty="0" smtClean="0"/>
-              <a:t>Restricción de movimiento para la realización de pruebas.</a:t>
-            </a:r>
+              <a:t>Restringir el </a:t>
+            </a:r>
+            <a:r>
+              <a:rPr lang="es-VE" dirty="0" smtClean="0"/>
+              <a:t>movimiento para la realización de pruebas</a:t>
+            </a:r>
+            <a:r>
+              <a:rPr lang="es-VE" dirty="0" smtClean="0"/>
+              <a:t>. </a:t>
+            </a:r>
+            <a:endParaRPr lang="es-VE" dirty="0" smtClean="0"/>
           </a:p>
           <a:p>
             <a:pPr marL="971550" lvl="1" indent="-514350" algn="just">
@@ -11993,8 +15431,21 @@
             </a:pPr>
             <a:r>
               <a:rPr lang="es-VE" dirty="0" smtClean="0"/>
-              <a:t>Mejora algoritmo estimación de posición y velocidad lineal en el eje z.</a:t>
-            </a:r>
+              <a:t>Complementar el</a:t>
+            </a:r>
+            <a:r>
+              <a:rPr lang="es-VE" dirty="0" smtClean="0"/>
+              <a:t> algoritmo de </a:t>
+            </a:r>
+            <a:r>
+              <a:rPr lang="es-VE" dirty="0" smtClean="0"/>
+              <a:t>estimación de posición y velocidad lineal en el eje </a:t>
+            </a:r>
+            <a:r>
+              <a:rPr lang="es-VE" dirty="0" smtClean="0"/>
+              <a:t>z con otros sensores.</a:t>
+            </a:r>
+            <a:endParaRPr lang="es-VE" dirty="0" smtClean="0"/>
           </a:p>
           <a:p>
             <a:pPr marL="971550" lvl="1" indent="-514350" algn="just">
@@ -12003,8 +15454,17 @@
             </a:pPr>
             <a:r>
               <a:rPr lang="es-VE" dirty="0" smtClean="0"/>
-              <a:t>Uso de tecnología de punta para investigación avanzada.</a:t>
-            </a:r>
+              <a:t>Usar </a:t>
+            </a:r>
+            <a:r>
+              <a:rPr lang="es-VE" dirty="0" smtClean="0"/>
+              <a:t>tecnología de punta para investigación avanzada</a:t>
+            </a:r>
+            <a:r>
+              <a:rPr lang="es-VE" dirty="0" smtClean="0"/>
+              <a:t>.</a:t>
+            </a:r>
+            <a:endParaRPr lang="es-VE" dirty="0" smtClean="0"/>
           </a:p>
         </p:txBody>
       </p:sp>
@@ -12017,7 +15477,7 @@
           <p:nvPr/>
         </p:nvPicPr>
         <p:blipFill>
-          <a:blip r:embed="rId2" cstate="print"/>
+          <a:blip r:embed="rId3" cstate="print"/>
           <a:srcRect/>
           <a:stretch>
             <a:fillRect/>
@@ -12100,7 +15560,7 @@
           <p:nvPr/>
         </p:nvPicPr>
         <p:blipFill>
-          <a:blip r:embed="rId3" cstate="print"/>
+          <a:blip r:embed="rId4" cstate="print"/>
           <a:srcRect l="28865" t="58609" r="29345" b="40202"/>
           <a:stretch>
             <a:fillRect/>
@@ -12150,6 +15610,30 @@
               <a:t>Estabilización de un cuadricóptero mediante un algoritmo Proporcional-Integral-Derivativo</a:t>
             </a:r>
             <a:endParaRPr lang="es-VE" sz="900" dirty="0"/>
+          </a:p>
+        </p:txBody>
+      </p:sp>
+      <p:sp>
+        <p:nvSpPr>
+          <p:cNvPr id="11" name="10 Marcador de número de diapositiva"/>
+          <p:cNvSpPr>
+            <a:spLocks noGrp="1"/>
+          </p:cNvSpPr>
+          <p:nvPr>
+            <p:ph type="sldNum" sz="quarter" idx="12"/>
+          </p:nvPr>
+        </p:nvSpPr>
+        <p:spPr/>
+        <p:txBody>
+          <a:bodyPr/>
+          <a:lstStyle/>
+          <a:p>
+            <a:fld id="{CB315E90-48A1-450A-9464-03C990911FB5}" type="slidenum">
+              <a:rPr lang="es-ES" smtClean="0"/>
+              <a:pPr/>
+              <a:t>20</a:t>
+            </a:fld>
+            <a:endParaRPr lang="es-ES" dirty="0"/>
           </a:p>
         </p:txBody>
       </p:sp>
@@ -13129,6 +16613,30 @@
           </a:p>
         </p:txBody>
       </p:sp>
+      <p:sp>
+        <p:nvSpPr>
+          <p:cNvPr id="11" name="10 Marcador de número de diapositiva"/>
+          <p:cNvSpPr>
+            <a:spLocks noGrp="1"/>
+          </p:cNvSpPr>
+          <p:nvPr>
+            <p:ph type="sldNum" sz="quarter" idx="12"/>
+          </p:nvPr>
+        </p:nvSpPr>
+        <p:spPr/>
+        <p:txBody>
+          <a:bodyPr/>
+          <a:lstStyle/>
+          <a:p>
+            <a:fld id="{CB315E90-48A1-450A-9464-03C990911FB5}" type="slidenum">
+              <a:rPr lang="es-ES" smtClean="0"/>
+              <a:pPr/>
+              <a:t>21</a:t>
+            </a:fld>
+            <a:endParaRPr lang="es-ES"/>
+          </a:p>
+        </p:txBody>
+      </p:sp>
     </p:spTree>
   </p:cSld>
   <p:clrMapOvr>
@@ -13493,6 +17001,30 @@
           </a:p>
         </p:txBody>
       </p:sp>
+      <p:sp>
+        <p:nvSpPr>
+          <p:cNvPr id="11" name="10 Marcador de número de diapositiva"/>
+          <p:cNvSpPr>
+            <a:spLocks noGrp="1"/>
+          </p:cNvSpPr>
+          <p:nvPr>
+            <p:ph type="sldNum" sz="quarter" idx="12"/>
+          </p:nvPr>
+        </p:nvSpPr>
+        <p:spPr/>
+        <p:txBody>
+          <a:bodyPr/>
+          <a:lstStyle/>
+          <a:p>
+            <a:fld id="{CB315E90-48A1-450A-9464-03C990911FB5}" type="slidenum">
+              <a:rPr lang="es-ES" smtClean="0"/>
+              <a:pPr/>
+              <a:t>22</a:t>
+            </a:fld>
+            <a:endParaRPr lang="es-ES"/>
+          </a:p>
+        </p:txBody>
+      </p:sp>
     </p:spTree>
   </p:cSld>
   <p:clrMapOvr>
@@ -13781,6 +17313,30 @@
           </a:p>
         </p:txBody>
       </p:sp>
+      <p:sp>
+        <p:nvSpPr>
+          <p:cNvPr id="11" name="10 Marcador de número de diapositiva"/>
+          <p:cNvSpPr>
+            <a:spLocks noGrp="1"/>
+          </p:cNvSpPr>
+          <p:nvPr>
+            <p:ph type="sldNum" sz="quarter" idx="12"/>
+          </p:nvPr>
+        </p:nvSpPr>
+        <p:spPr/>
+        <p:txBody>
+          <a:bodyPr/>
+          <a:lstStyle/>
+          <a:p>
+            <a:fld id="{CB315E90-48A1-450A-9464-03C990911FB5}" type="slidenum">
+              <a:rPr lang="es-ES" smtClean="0"/>
+              <a:pPr/>
+              <a:t>23</a:t>
+            </a:fld>
+            <a:endParaRPr lang="es-ES"/>
+          </a:p>
+        </p:txBody>
+      </p:sp>
     </p:spTree>
   </p:cSld>
   <p:clrMapOvr>
@@ -14129,6 +17685,30 @@
           </a:p>
         </p:txBody>
       </p:sp>
+      <p:sp>
+        <p:nvSpPr>
+          <p:cNvPr id="11" name="10 Marcador de número de diapositiva"/>
+          <p:cNvSpPr>
+            <a:spLocks noGrp="1"/>
+          </p:cNvSpPr>
+          <p:nvPr>
+            <p:ph type="sldNum" sz="quarter" idx="12"/>
+          </p:nvPr>
+        </p:nvSpPr>
+        <p:spPr/>
+        <p:txBody>
+          <a:bodyPr/>
+          <a:lstStyle/>
+          <a:p>
+            <a:fld id="{CB315E90-48A1-450A-9464-03C990911FB5}" type="slidenum">
+              <a:rPr lang="es-ES" smtClean="0"/>
+              <a:pPr/>
+              <a:t>3</a:t>
+            </a:fld>
+            <a:endParaRPr lang="es-ES"/>
+          </a:p>
+        </p:txBody>
+      </p:sp>
     </p:spTree>
   </p:cSld>
   <p:clrMapOvr>
@@ -14262,25 +17842,14 @@
             <a:endParaRPr lang="es-VE" sz="2800" dirty="0" smtClean="0"/>
           </a:p>
           <a:p>
+            <a:pPr algn="just"/>
             <a:r>
               <a:rPr lang="es-VE" sz="2800" dirty="0" smtClean="0"/>
-              <a:t>Recientes investigaciones con cuadricópteros.</a:t>
-            </a:r>
-          </a:p>
-          <a:p>
-            <a:r>
-              <a:rPr lang="es-VE" sz="2800" dirty="0" smtClean="0"/>
-              <a:t>Diseño bajo costo, mercado venezolano.</a:t>
-            </a:r>
-          </a:p>
-          <a:p>
-            <a:r>
-              <a:rPr lang="es-VE" sz="2800" dirty="0" smtClean="0"/>
-              <a:t>Unidad de control basada en </a:t>
+              <a:t>Recientes investigaciones con </a:t>
             </a:r>
             <a:r>
               <a:rPr lang="es-VE" sz="2800" dirty="0" err="1" smtClean="0"/>
-              <a:t>Arduino</a:t>
+              <a:t>cuadricópteros</a:t>
             </a:r>
             <a:r>
               <a:rPr lang="es-VE" sz="2800" dirty="0" smtClean="0"/>
@@ -14288,12 +17857,29 @@
             </a:r>
           </a:p>
           <a:p>
+            <a:pPr algn="just"/>
             <a:r>
               <a:rPr lang="es-VE" sz="2800" dirty="0" smtClean="0"/>
-              <a:t>Anteriores desarrollos enfocados a mecánica y electrónica. Necesidad de desarrollar sistemas de control para plataformas de bajo costo</a:t>
-            </a:r>
-          </a:p>
-          <a:p>
+              <a:t>Auge ha promovido </a:t>
+            </a:r>
+            <a:r>
+              <a:rPr lang="es-VE" sz="2800" dirty="0" err="1" smtClean="0"/>
+              <a:t>reduccion</a:t>
+            </a:r>
+            <a:r>
+              <a:rPr lang="es-VE" sz="2800" dirty="0" smtClean="0"/>
+              <a:t> de precios de componentes, mercado competitivo en el extranjero.</a:t>
+            </a:r>
+          </a:p>
+          <a:p>
+            <a:pPr algn="just"/>
+            <a:r>
+              <a:rPr lang="es-VE" sz="2800" dirty="0" smtClean="0"/>
+              <a:t>Anteriores desarrollos enfocados a mecánica y electrónica. Necesidad de desarrollar sistemas de control para plataformas de bajo costo.</a:t>
+            </a:r>
+          </a:p>
+          <a:p>
+            <a:pPr algn="just"/>
             <a:endParaRPr lang="es-VE" sz="2800" dirty="0" smtClean="0"/>
           </a:p>
           <a:p>
@@ -14313,7 +17899,7 @@
           <p:nvPr/>
         </p:nvPicPr>
         <p:blipFill>
-          <a:blip r:embed="rId2" cstate="print"/>
+          <a:blip r:embed="rId3" cstate="print"/>
           <a:srcRect/>
           <a:stretch>
             <a:fillRect/>
@@ -14396,7 +17982,7 @@
           <p:nvPr/>
         </p:nvPicPr>
         <p:blipFill>
-          <a:blip r:embed="rId3" cstate="print"/>
+          <a:blip r:embed="rId4" cstate="print"/>
           <a:srcRect l="28865" t="58609" r="29345" b="40202"/>
           <a:stretch>
             <a:fillRect/>
@@ -14446,6 +18032,30 @@
               <a:t>Estabilización de un cuadricóptero mediante un algoritmo Proporcional-Integral-Derivativo</a:t>
             </a:r>
             <a:endParaRPr lang="es-VE" sz="900" dirty="0"/>
+          </a:p>
+        </p:txBody>
+      </p:sp>
+      <p:sp>
+        <p:nvSpPr>
+          <p:cNvPr id="11" name="10 Marcador de número de diapositiva"/>
+          <p:cNvSpPr>
+            <a:spLocks noGrp="1"/>
+          </p:cNvSpPr>
+          <p:nvPr>
+            <p:ph type="sldNum" sz="quarter" idx="12"/>
+          </p:nvPr>
+        </p:nvSpPr>
+        <p:spPr/>
+        <p:txBody>
+          <a:bodyPr/>
+          <a:lstStyle/>
+          <a:p>
+            <a:fld id="{CB315E90-48A1-450A-9464-03C990911FB5}" type="slidenum">
+              <a:rPr lang="es-ES" smtClean="0"/>
+              <a:pPr/>
+              <a:t>4</a:t>
+            </a:fld>
+            <a:endParaRPr lang="es-ES"/>
           </a:p>
         </p:txBody>
       </p:sp>
@@ -14649,67 +18259,6 @@
                       </p:childTnLst>
                     </p:cTn>
                   </p:par>
-                  <p:par>
-                    <p:cTn id="18" fill="hold">
-                      <p:stCondLst>
-                        <p:cond delay="indefinite"/>
-                      </p:stCondLst>
-                      <p:childTnLst>
-                        <p:par>
-                          <p:cTn id="19" fill="hold">
-                            <p:stCondLst>
-                              <p:cond delay="0"/>
-                            </p:stCondLst>
-                            <p:childTnLst>
-                              <p:par>
-                                <p:cTn id="20" presetID="10" presetClass="entr" presetSubtype="0" fill="hold" grpId="0" nodeType="clickEffect">
-                                  <p:stCondLst>
-                                    <p:cond delay="0"/>
-                                  </p:stCondLst>
-                                  <p:childTnLst>
-                                    <p:set>
-                                      <p:cBhvr>
-                                        <p:cTn id="21" dur="1" fill="hold">
-                                          <p:stCondLst>
-                                            <p:cond delay="0"/>
-                                          </p:stCondLst>
-                                        </p:cTn>
-                                        <p:tgtEl>
-                                          <p:spTgt spid="3">
-                                            <p:txEl>
-                                              <p:pRg st="4" end="4"/>
-                                            </p:txEl>
-                                          </p:spTgt>
-                                        </p:tgtEl>
-                                        <p:attrNameLst>
-                                          <p:attrName>style.visibility</p:attrName>
-                                        </p:attrNameLst>
-                                      </p:cBhvr>
-                                      <p:to>
-                                        <p:strVal val="visible"/>
-                                      </p:to>
-                                    </p:set>
-                                    <p:animEffect transition="in" filter="fade">
-                                      <p:cBhvr>
-                                        <p:cTn id="22" dur="500"/>
-                                        <p:tgtEl>
-                                          <p:spTgt spid="3">
-                                            <p:txEl>
-                                              <p:pRg st="4" end="4"/>
-                                            </p:txEl>
-                                          </p:spTgt>
-                                        </p:tgtEl>
-                                      </p:cBhvr>
-                                    </p:animEffect>
-                                  </p:childTnLst>
-                                </p:cTn>
-                              </p:par>
-                            </p:childTnLst>
-                          </p:cTn>
-                        </p:par>
-                      </p:childTnLst>
-                    </p:cTn>
-                  </p:par>
                 </p:childTnLst>
               </p:cTn>
               <p:prevCondLst>
@@ -14850,12 +18399,20 @@
           <a:bodyPr anchor="ctr"/>
           <a:lstStyle/>
           <a:p>
-            <a:pPr>
+            <a:pPr algn="just">
               <a:buNone/>
             </a:pPr>
             <a:r>
               <a:rPr lang="es-VE" dirty="0" smtClean="0"/>
-              <a:t>		Diseñar e implementar un algoritmo Proporcional-Integral-Derivativo que permita estabilizar la posición angular y altura de un </a:t>
+              <a:t>	</a:t>
+            </a:r>
+            <a:r>
+              <a:rPr lang="es-VE" dirty="0" smtClean="0"/>
+              <a:t>Diseñar </a:t>
+            </a:r>
+            <a:r>
+              <a:rPr lang="es-VE" dirty="0" smtClean="0"/>
+              <a:t>e implementar un algoritmo Proporcional-Integral-Derivativo que permita estabilizar la posición angular y altura de un </a:t>
             </a:r>
             <a:r>
               <a:rPr lang="es-VE" dirty="0" err="1" smtClean="0"/>
@@ -15025,6 +18582,30 @@
               <a:t>Estabilización de un cuadricóptero mediante un algoritmo Proporcional-Integral-Derivativo</a:t>
             </a:r>
             <a:endParaRPr lang="es-VE" sz="900" dirty="0"/>
+          </a:p>
+        </p:txBody>
+      </p:sp>
+      <p:sp>
+        <p:nvSpPr>
+          <p:cNvPr id="11" name="10 Marcador de número de diapositiva"/>
+          <p:cNvSpPr>
+            <a:spLocks noGrp="1"/>
+          </p:cNvSpPr>
+          <p:nvPr>
+            <p:ph type="sldNum" sz="quarter" idx="12"/>
+          </p:nvPr>
+        </p:nvSpPr>
+        <p:spPr/>
+        <p:txBody>
+          <a:bodyPr/>
+          <a:lstStyle/>
+          <a:p>
+            <a:fld id="{CB315E90-48A1-450A-9464-03C990911FB5}" type="slidenum">
+              <a:rPr lang="es-ES" smtClean="0"/>
+              <a:pPr/>
+              <a:t>5</a:t>
+            </a:fld>
+            <a:endParaRPr lang="es-ES"/>
           </a:p>
         </p:txBody>
       </p:sp>
@@ -15257,7 +18838,10 @@
               <a:rPr lang="es-VE" dirty="0" err="1" smtClean="0"/>
               <a:t>Arduino</a:t>
             </a:r>
-            <a:endParaRPr lang="es-VE" dirty="0" smtClean="0"/>
+            <a:r>
+              <a:rPr lang="es-VE" dirty="0" smtClean="0"/>
+              <a:t>.</a:t>
+            </a:r>
           </a:p>
           <a:p>
             <a:pPr algn="just"/>
@@ -15431,6 +19015,30 @@
               <a:t>Estabilización de un cuadricóptero mediante un algoritmo Proporcional-Integral-Derivativo</a:t>
             </a:r>
             <a:endParaRPr lang="es-VE" sz="900" dirty="0"/>
+          </a:p>
+        </p:txBody>
+      </p:sp>
+      <p:sp>
+        <p:nvSpPr>
+          <p:cNvPr id="11" name="10 Marcador de número de diapositiva"/>
+          <p:cNvSpPr>
+            <a:spLocks noGrp="1"/>
+          </p:cNvSpPr>
+          <p:nvPr>
+            <p:ph type="sldNum" sz="quarter" idx="12"/>
+          </p:nvPr>
+        </p:nvSpPr>
+        <p:spPr/>
+        <p:txBody>
+          <a:bodyPr/>
+          <a:lstStyle/>
+          <a:p>
+            <a:fld id="{CB315E90-48A1-450A-9464-03C990911FB5}" type="slidenum">
+              <a:rPr lang="es-ES" smtClean="0"/>
+              <a:pPr/>
+              <a:t>6</a:t>
+            </a:fld>
+            <a:endParaRPr lang="es-ES"/>
           </a:p>
         </p:txBody>
       </p:sp>
@@ -16116,6 +19724,30 @@
           </a:p>
         </p:txBody>
       </p:sp>
+      <p:sp>
+        <p:nvSpPr>
+          <p:cNvPr id="11" name="10 Marcador de número de diapositiva"/>
+          <p:cNvSpPr>
+            <a:spLocks noGrp="1"/>
+          </p:cNvSpPr>
+          <p:nvPr>
+            <p:ph type="sldNum" sz="quarter" idx="12"/>
+          </p:nvPr>
+        </p:nvSpPr>
+        <p:spPr/>
+        <p:txBody>
+          <a:bodyPr/>
+          <a:lstStyle/>
+          <a:p>
+            <a:fld id="{CB315E90-48A1-450A-9464-03C990911FB5}" type="slidenum">
+              <a:rPr lang="es-ES" smtClean="0"/>
+              <a:pPr/>
+              <a:t>7</a:t>
+            </a:fld>
+            <a:endParaRPr lang="es-ES"/>
+          </a:p>
+        </p:txBody>
+      </p:sp>
     </p:spTree>
   </p:cSld>
   <p:clrMapOvr>
@@ -16156,7 +19788,7 @@
           <p:nvPr/>
         </p:nvPicPr>
         <p:blipFill>
-          <a:blip r:embed="rId2" cstate="print"/>
+          <a:blip r:embed="rId3" cstate="print"/>
           <a:srcRect/>
           <a:stretch>
             <a:fillRect/>
@@ -16164,7 +19796,7 @@
         </p:blipFill>
         <p:spPr bwMode="auto">
           <a:xfrm>
-            <a:off x="3810000" y="2514600"/>
+            <a:off x="3810000" y="2362200"/>
             <a:ext cx="4876800" cy="3505200"/>
           </a:xfrm>
           <a:prstGeom prst="rect">
@@ -16300,7 +19932,7 @@
           <p:nvPr/>
         </p:nvPicPr>
         <p:blipFill>
-          <a:blip r:embed="rId3" cstate="print"/>
+          <a:blip r:embed="rId4" cstate="print"/>
           <a:srcRect/>
           <a:stretch>
             <a:fillRect/>
@@ -16383,7 +20015,7 @@
           <p:nvPr/>
         </p:nvPicPr>
         <p:blipFill>
-          <a:blip r:embed="rId4" cstate="print"/>
+          <a:blip r:embed="rId5" cstate="print"/>
           <a:srcRect l="28865" t="58609" r="29345" b="40202"/>
           <a:stretch>
             <a:fillRect/>
@@ -16433,6 +20065,64 @@
               <a:t>Estabilización de un cuadricóptero mediante un algoritmo Proporcional-Integral-Derivativo</a:t>
             </a:r>
             <a:endParaRPr lang="es-VE" sz="900" dirty="0"/>
+          </a:p>
+        </p:txBody>
+      </p:sp>
+      <p:sp>
+        <p:nvSpPr>
+          <p:cNvPr id="12" name="11 Marcador de número de diapositiva"/>
+          <p:cNvSpPr>
+            <a:spLocks noGrp="1"/>
+          </p:cNvSpPr>
+          <p:nvPr>
+            <p:ph type="sldNum" sz="quarter" idx="12"/>
+          </p:nvPr>
+        </p:nvSpPr>
+        <p:spPr/>
+        <p:txBody>
+          <a:bodyPr/>
+          <a:lstStyle/>
+          <a:p>
+            <a:fld id="{CB315E90-48A1-450A-9464-03C990911FB5}" type="slidenum">
+              <a:rPr lang="es-ES" smtClean="0"/>
+              <a:pPr/>
+              <a:t>8</a:t>
+            </a:fld>
+            <a:endParaRPr lang="es-ES"/>
+          </a:p>
+        </p:txBody>
+      </p:sp>
+      <p:sp>
+        <p:nvSpPr>
+          <p:cNvPr id="11" name="10 CuadroTexto"/>
+          <p:cNvSpPr txBox="1"/>
+          <p:nvPr/>
+        </p:nvSpPr>
+        <p:spPr>
+          <a:xfrm>
+            <a:off x="4953000" y="5867400"/>
+            <a:ext cx="2522229" cy="369332"/>
+          </a:xfrm>
+          <a:prstGeom prst="rect">
+            <a:avLst/>
+          </a:prstGeom>
+          <a:noFill/>
+        </p:spPr>
+        <p:txBody>
+          <a:bodyPr wrap="none" rtlCol="0">
+            <a:spAutoFit/>
+          </a:bodyPr>
+          <a:lstStyle/>
+          <a:p>
+            <a:r>
+              <a:rPr lang="en-US" dirty="0" err="1" smtClean="0"/>
+              <a:t>Fuente</a:t>
+            </a:r>
+            <a:r>
+              <a:rPr lang="en-US" dirty="0" smtClean="0"/>
+              <a:t>: [Pressman 2001]</a:t>
+            </a:r>
+            <a:endParaRPr lang="en-US" dirty="0"/>
           </a:p>
         </p:txBody>
       </p:sp>
@@ -16543,6 +20233,41 @@
                                   </p:childTnLst>
                                 </p:cTn>
                               </p:par>
+                              <p:par>
+                                <p:cTn id="11" presetID="10" presetClass="entr" presetSubtype="0" fill="hold" grpId="0" nodeType="withEffect">
+                                  <p:stCondLst>
+                                    <p:cond delay="0"/>
+                                  </p:stCondLst>
+                                  <p:childTnLst>
+                                    <p:set>
+                                      <p:cBhvr>
+                                        <p:cTn id="12" dur="1" fill="hold">
+                                          <p:stCondLst>
+                                            <p:cond delay="0"/>
+                                          </p:stCondLst>
+                                        </p:cTn>
+                                        <p:tgtEl>
+                                          <p:spTgt spid="11"/>
+                                        </p:tgtEl>
+                                        <p:attrNameLst>
+                                          <p:attrName>style.visibility</p:attrName>
+                                        </p:attrNameLst>
+                                      </p:cBhvr>
+                                      <p:to>
+                                        <p:strVal val="visible"/>
+                                      </p:to>
+                                    </p:set>
+                                    <p:animEffect transition="in" filter="fade">
+                                      <p:cBhvr>
+                                        <p:cTn id="13" dur="500"/>
+                                        <p:tgtEl>
+                                          <p:spTgt spid="11"/>
+                                        </p:tgtEl>
+                                      </p:cBhvr>
+                                    </p:animEffect>
+                                  </p:childTnLst>
+                                </p:cTn>
+                              </p:par>
                             </p:childTnLst>
                           </p:cTn>
                         </p:par>
@@ -16550,26 +20275,26 @@
                     </p:cTn>
                   </p:par>
                   <p:par>
-                    <p:cTn id="11" fill="hold">
+                    <p:cTn id="14" fill="hold">
                       <p:stCondLst>
                         <p:cond delay="indefinite"/>
                       </p:stCondLst>
                       <p:childTnLst>
                         <p:par>
-                          <p:cTn id="12" fill="hold">
+                          <p:cTn id="15" fill="hold">
                             <p:stCondLst>
                               <p:cond delay="0"/>
                             </p:stCondLst>
                             <p:childTnLst>
                               <p:par>
-                                <p:cTn id="13" presetID="10" presetClass="entr" presetSubtype="0" fill="hold" grpId="0" nodeType="clickEffect">
+                                <p:cTn id="16" presetID="10" presetClass="entr" presetSubtype="0" fill="hold" grpId="0" nodeType="clickEffect">
                                   <p:stCondLst>
                                     <p:cond delay="0"/>
                                   </p:stCondLst>
                                   <p:childTnLst>
                                     <p:set>
                                       <p:cBhvr>
-                                        <p:cTn id="14" dur="1" fill="hold">
+                                        <p:cTn id="17" dur="1" fill="hold">
                                           <p:stCondLst>
                                             <p:cond delay="0"/>
                                           </p:stCondLst>
@@ -16591,7 +20316,7 @@
                                     </p:set>
                                     <p:animEffect transition="in" filter="fade">
                                       <p:cBhvr>
-                                        <p:cTn id="15" dur="500"/>
+                                        <p:cTn id="18" dur="500"/>
                                         <p:tgtEl>
                                           <p:spTgt spid="3">
                                             <p:txEl>
@@ -16633,6 +20358,7 @@
     </p:tnLst>
     <p:bldLst>
       <p:bldP spid="3" grpId="0" uiExpand="1" build="p"/>
+      <p:bldP spid="11" grpId="0"/>
     </p:bldLst>
   </p:timing>
 </p:sld>
@@ -16967,6 +20693,30 @@
               <a:t>Estabilización de un cuadricóptero mediante un algoritmo Proporcional-Integral-Derivativo</a:t>
             </a:r>
             <a:endParaRPr lang="es-VE" sz="900" dirty="0"/>
+          </a:p>
+        </p:txBody>
+      </p:sp>
+      <p:sp>
+        <p:nvSpPr>
+          <p:cNvPr id="11" name="10 Marcador de número de diapositiva"/>
+          <p:cNvSpPr>
+            <a:spLocks noGrp="1"/>
+          </p:cNvSpPr>
+          <p:nvPr>
+            <p:ph type="sldNum" sz="quarter" idx="12"/>
+          </p:nvPr>
+        </p:nvSpPr>
+        <p:spPr/>
+        <p:txBody>
+          <a:bodyPr/>
+          <a:lstStyle/>
+          <a:p>
+            <a:fld id="{CB315E90-48A1-450A-9464-03C990911FB5}" type="slidenum">
+              <a:rPr lang="es-ES" smtClean="0"/>
+              <a:pPr/>
+              <a:t>9</a:t>
+            </a:fld>
+            <a:endParaRPr lang="es-ES"/>
           </a:p>
         </p:txBody>
       </p:sp>
